--- a/Notes/Code_Description.pptx
+++ b/Notes/Code_Description.pptx
@@ -12,6 +12,19 @@
     <p:sldId id="261" r:id="rId6"/>
     <p:sldId id="262" r:id="rId7"/>
     <p:sldId id="263" r:id="rId8"/>
+    <p:sldId id="264" r:id="rId9"/>
+    <p:sldId id="265" r:id="rId10"/>
+    <p:sldId id="266" r:id="rId11"/>
+    <p:sldId id="267" r:id="rId12"/>
+    <p:sldId id="268" r:id="rId13"/>
+    <p:sldId id="269" r:id="rId14"/>
+    <p:sldId id="274" r:id="rId15"/>
+    <p:sldId id="270" r:id="rId16"/>
+    <p:sldId id="272" r:id="rId17"/>
+    <p:sldId id="273" r:id="rId18"/>
+    <p:sldId id="271" r:id="rId19"/>
+    <p:sldId id="275" r:id="rId20"/>
+    <p:sldId id="276" r:id="rId21"/>
   </p:sldIdLst>
   <p:sldSz cx="12192000" cy="6858000"/>
   <p:notesSz cx="6858000" cy="9144000"/>
@@ -110,6 +123,11 @@
       </a:defRPr>
     </a:lvl9pPr>
   </p:defaultTextStyle>
+  <p:extLst>
+    <p:ext uri="{EFAFB233-063F-42B5-8137-9DF3F51BA10A}">
+      <p15:sldGuideLst xmlns:p15="http://schemas.microsoft.com/office/powerpoint/2012/main"/>
+    </p:ext>
+  </p:extLst>
 </p:presentation>
 </file>
 
@@ -262,7 +280,7 @@
           <a:p>
             <a:fld id="{4D45599C-0F8D-9340-AE26-E07A73F6A26F}" type="datetimeFigureOut">
               <a:rPr lang="en-PL" smtClean="0"/>
-              <a:t>19/11/2023</a:t>
+              <a:t>04/03/2024</a:t>
             </a:fld>
             <a:endParaRPr lang="en-PL"/>
           </a:p>
@@ -462,7 +480,7 @@
           <a:p>
             <a:fld id="{4D45599C-0F8D-9340-AE26-E07A73F6A26F}" type="datetimeFigureOut">
               <a:rPr lang="en-PL" smtClean="0"/>
-              <a:t>19/11/2023</a:t>
+              <a:t>04/03/2024</a:t>
             </a:fld>
             <a:endParaRPr lang="en-PL"/>
           </a:p>
@@ -672,7 +690,7 @@
           <a:p>
             <a:fld id="{4D45599C-0F8D-9340-AE26-E07A73F6A26F}" type="datetimeFigureOut">
               <a:rPr lang="en-PL" smtClean="0"/>
-              <a:t>19/11/2023</a:t>
+              <a:t>04/03/2024</a:t>
             </a:fld>
             <a:endParaRPr lang="en-PL"/>
           </a:p>
@@ -872,7 +890,7 @@
           <a:p>
             <a:fld id="{4D45599C-0F8D-9340-AE26-E07A73F6A26F}" type="datetimeFigureOut">
               <a:rPr lang="en-PL" smtClean="0"/>
-              <a:t>19/11/2023</a:t>
+              <a:t>04/03/2024</a:t>
             </a:fld>
             <a:endParaRPr lang="en-PL"/>
           </a:p>
@@ -1148,7 +1166,7 @@
           <a:p>
             <a:fld id="{4D45599C-0F8D-9340-AE26-E07A73F6A26F}" type="datetimeFigureOut">
               <a:rPr lang="en-PL" smtClean="0"/>
-              <a:t>19/11/2023</a:t>
+              <a:t>04/03/2024</a:t>
             </a:fld>
             <a:endParaRPr lang="en-PL"/>
           </a:p>
@@ -1416,7 +1434,7 @@
           <a:p>
             <a:fld id="{4D45599C-0F8D-9340-AE26-E07A73F6A26F}" type="datetimeFigureOut">
               <a:rPr lang="en-PL" smtClean="0"/>
-              <a:t>19/11/2023</a:t>
+              <a:t>04/03/2024</a:t>
             </a:fld>
             <a:endParaRPr lang="en-PL"/>
           </a:p>
@@ -1831,7 +1849,7 @@
           <a:p>
             <a:fld id="{4D45599C-0F8D-9340-AE26-E07A73F6A26F}" type="datetimeFigureOut">
               <a:rPr lang="en-PL" smtClean="0"/>
-              <a:t>19/11/2023</a:t>
+              <a:t>04/03/2024</a:t>
             </a:fld>
             <a:endParaRPr lang="en-PL"/>
           </a:p>
@@ -1973,7 +1991,7 @@
           <a:p>
             <a:fld id="{4D45599C-0F8D-9340-AE26-E07A73F6A26F}" type="datetimeFigureOut">
               <a:rPr lang="en-PL" smtClean="0"/>
-              <a:t>19/11/2023</a:t>
+              <a:t>04/03/2024</a:t>
             </a:fld>
             <a:endParaRPr lang="en-PL"/>
           </a:p>
@@ -2086,7 +2104,7 @@
           <a:p>
             <a:fld id="{4D45599C-0F8D-9340-AE26-E07A73F6A26F}" type="datetimeFigureOut">
               <a:rPr lang="en-PL" smtClean="0"/>
-              <a:t>19/11/2023</a:t>
+              <a:t>04/03/2024</a:t>
             </a:fld>
             <a:endParaRPr lang="en-PL"/>
           </a:p>
@@ -2399,7 +2417,7 @@
           <a:p>
             <a:fld id="{4D45599C-0F8D-9340-AE26-E07A73F6A26F}" type="datetimeFigureOut">
               <a:rPr lang="en-PL" smtClean="0"/>
-              <a:t>19/11/2023</a:t>
+              <a:t>04/03/2024</a:t>
             </a:fld>
             <a:endParaRPr lang="en-PL"/>
           </a:p>
@@ -2688,7 +2706,7 @@
           <a:p>
             <a:fld id="{4D45599C-0F8D-9340-AE26-E07A73F6A26F}" type="datetimeFigureOut">
               <a:rPr lang="en-PL" smtClean="0"/>
-              <a:t>19/11/2023</a:t>
+              <a:t>04/03/2024</a:t>
             </a:fld>
             <a:endParaRPr lang="en-PL"/>
           </a:p>
@@ -2931,7 +2949,7 @@
           <a:p>
             <a:fld id="{4D45599C-0F8D-9340-AE26-E07A73F6A26F}" type="datetimeFigureOut">
               <a:rPr lang="en-PL" smtClean="0"/>
-              <a:t>19/11/2023</a:t>
+              <a:t>04/03/2024</a:t>
             </a:fld>
             <a:endParaRPr lang="en-PL"/>
           </a:p>
@@ -3571,6 +3589,2266 @@
 </p:sld>
 </file>
 
+<file path=ppt/slides/slide10.xml><?xml version="1.0" encoding="utf-8"?>
+<p:sld xmlns:a="http://schemas.openxmlformats.org/drawingml/2006/main" xmlns:r="http://schemas.openxmlformats.org/officeDocument/2006/relationships" xmlns:p="http://schemas.openxmlformats.org/presentationml/2006/main">
+  <p:cSld>
+    <p:spTree>
+      <p:nvGrpSpPr>
+        <p:cNvPr id="1" name=""/>
+        <p:cNvGrpSpPr/>
+        <p:nvPr/>
+      </p:nvGrpSpPr>
+      <p:grpSpPr>
+        <a:xfrm>
+          <a:off x="0" y="0"/>
+          <a:ext cx="0" cy="0"/>
+          <a:chOff x="0" y="0"/>
+          <a:chExt cx="0" cy="0"/>
+        </a:xfrm>
+      </p:grpSpPr>
+      <p:sp>
+        <p:nvSpPr>
+          <p:cNvPr id="2" name="Title 1">
+            <a:extLst>
+              <a:ext uri="{FF2B5EF4-FFF2-40B4-BE49-F238E27FC236}">
+                <a16:creationId xmlns:a16="http://schemas.microsoft.com/office/drawing/2014/main" id="{EAE0AFDC-9419-9552-FC26-B9C3186DE3ED}"/>
+              </a:ext>
+            </a:extLst>
+          </p:cNvPr>
+          <p:cNvSpPr>
+            <a:spLocks noGrp="1"/>
+          </p:cNvSpPr>
+          <p:nvPr>
+            <p:ph type="title"/>
+          </p:nvPr>
+        </p:nvSpPr>
+        <p:spPr>
+          <a:xfrm>
+            <a:off x="938561" y="2766218"/>
+            <a:ext cx="3388112" cy="1325563"/>
+          </a:xfrm>
+        </p:spPr>
+        <p:txBody>
+          <a:bodyPr>
+            <a:normAutofit fontScale="90000"/>
+          </a:bodyPr>
+          <a:lstStyle/>
+          <a:p>
+            <a:r>
+              <a:rPr lang="en-PL" dirty="0"/>
+              <a:t>More Annotations</a:t>
+            </a:r>
+            <a:br>
+              <a:rPr lang="en-PL" dirty="0"/>
+            </a:br>
+            <a:r>
+              <a:rPr lang="en-PL" dirty="0"/>
+              <a:t>chunk size - 60s </a:t>
+            </a:r>
+          </a:p>
+        </p:txBody>
+      </p:sp>
+      <p:pic>
+        <p:nvPicPr>
+          <p:cNvPr id="6" name="Picture 5">
+            <a:extLst>
+              <a:ext uri="{FF2B5EF4-FFF2-40B4-BE49-F238E27FC236}">
+                <a16:creationId xmlns:a16="http://schemas.microsoft.com/office/drawing/2014/main" id="{1DBCEC9C-354D-2013-2088-D8D5AA1E75DB}"/>
+              </a:ext>
+            </a:extLst>
+          </p:cNvPr>
+          <p:cNvPicPr>
+            <a:picLocks noChangeAspect="1"/>
+          </p:cNvPicPr>
+          <p:nvPr/>
+        </p:nvPicPr>
+        <p:blipFill>
+          <a:blip r:embed="rId2"/>
+          <a:stretch>
+            <a:fillRect/>
+          </a:stretch>
+        </p:blipFill>
+        <p:spPr>
+          <a:xfrm>
+            <a:off x="5355351" y="0"/>
+            <a:ext cx="6836649" cy="6858000"/>
+          </a:xfrm>
+          <a:prstGeom prst="rect">
+            <a:avLst/>
+          </a:prstGeom>
+        </p:spPr>
+      </p:pic>
+    </p:spTree>
+    <p:extLst>
+      <p:ext uri="{BB962C8B-B14F-4D97-AF65-F5344CB8AC3E}">
+        <p14:creationId xmlns:p14="http://schemas.microsoft.com/office/powerpoint/2010/main" val="716067209"/>
+      </p:ext>
+    </p:extLst>
+  </p:cSld>
+  <p:clrMapOvr>
+    <a:masterClrMapping/>
+  </p:clrMapOvr>
+</p:sld>
+</file>
+
+<file path=ppt/slides/slide11.xml><?xml version="1.0" encoding="utf-8"?>
+<p:sld xmlns:a="http://schemas.openxmlformats.org/drawingml/2006/main" xmlns:r="http://schemas.openxmlformats.org/officeDocument/2006/relationships" xmlns:p="http://schemas.openxmlformats.org/presentationml/2006/main">
+  <p:cSld>
+    <p:spTree>
+      <p:nvGrpSpPr>
+        <p:cNvPr id="1" name=""/>
+        <p:cNvGrpSpPr/>
+        <p:nvPr/>
+      </p:nvGrpSpPr>
+      <p:grpSpPr>
+        <a:xfrm>
+          <a:off x="0" y="0"/>
+          <a:ext cx="0" cy="0"/>
+          <a:chOff x="0" y="0"/>
+          <a:chExt cx="0" cy="0"/>
+        </a:xfrm>
+      </p:grpSpPr>
+      <p:sp>
+        <p:nvSpPr>
+          <p:cNvPr id="2" name="Title 1">
+            <a:extLst>
+              <a:ext uri="{FF2B5EF4-FFF2-40B4-BE49-F238E27FC236}">
+                <a16:creationId xmlns:a16="http://schemas.microsoft.com/office/drawing/2014/main" id="{EAE0AFDC-9419-9552-FC26-B9C3186DE3ED}"/>
+              </a:ext>
+            </a:extLst>
+          </p:cNvPr>
+          <p:cNvSpPr>
+            <a:spLocks noGrp="1"/>
+          </p:cNvSpPr>
+          <p:nvPr>
+            <p:ph type="title"/>
+          </p:nvPr>
+        </p:nvSpPr>
+        <p:spPr>
+          <a:xfrm>
+            <a:off x="4317381" y="580579"/>
+            <a:ext cx="3388112" cy="1325563"/>
+          </a:xfrm>
+        </p:spPr>
+        <p:txBody>
+          <a:bodyPr>
+            <a:normAutofit/>
+          </a:bodyPr>
+          <a:lstStyle/>
+          <a:p>
+            <a:r>
+              <a:rPr lang="en-PL"/>
+              <a:t>Grid Search</a:t>
+            </a:r>
+            <a:endParaRPr lang="en-PL" dirty="0"/>
+          </a:p>
+        </p:txBody>
+      </p:sp>
+      <p:pic>
+        <p:nvPicPr>
+          <p:cNvPr id="3" name="Picture 2">
+            <a:extLst>
+              <a:ext uri="{FF2B5EF4-FFF2-40B4-BE49-F238E27FC236}">
+                <a16:creationId xmlns:a16="http://schemas.microsoft.com/office/drawing/2014/main" id="{3FB9D252-6F59-684B-4294-E039B0FBA28E}"/>
+              </a:ext>
+            </a:extLst>
+          </p:cNvPr>
+          <p:cNvPicPr>
+            <a:picLocks noChangeAspect="1"/>
+          </p:cNvPicPr>
+          <p:nvPr/>
+        </p:nvPicPr>
+        <p:blipFill>
+          <a:blip r:embed="rId2"/>
+          <a:stretch>
+            <a:fillRect/>
+          </a:stretch>
+        </p:blipFill>
+        <p:spPr>
+          <a:xfrm>
+            <a:off x="180683" y="2298225"/>
+            <a:ext cx="11830634" cy="3435292"/>
+          </a:xfrm>
+          <a:prstGeom prst="rect">
+            <a:avLst/>
+          </a:prstGeom>
+        </p:spPr>
+      </p:pic>
+    </p:spTree>
+    <p:extLst>
+      <p:ext uri="{BB962C8B-B14F-4D97-AF65-F5344CB8AC3E}">
+        <p14:creationId xmlns:p14="http://schemas.microsoft.com/office/powerpoint/2010/main" val="3796834831"/>
+      </p:ext>
+    </p:extLst>
+  </p:cSld>
+  <p:clrMapOvr>
+    <a:masterClrMapping/>
+  </p:clrMapOvr>
+</p:sld>
+</file>
+
+<file path=ppt/slides/slide12.xml><?xml version="1.0" encoding="utf-8"?>
+<p:sld xmlns:a="http://schemas.openxmlformats.org/drawingml/2006/main" xmlns:r="http://schemas.openxmlformats.org/officeDocument/2006/relationships" xmlns:p="http://schemas.openxmlformats.org/presentationml/2006/main">
+  <p:cSld>
+    <p:spTree>
+      <p:nvGrpSpPr>
+        <p:cNvPr id="1" name=""/>
+        <p:cNvGrpSpPr/>
+        <p:nvPr/>
+      </p:nvGrpSpPr>
+      <p:grpSpPr>
+        <a:xfrm>
+          <a:off x="0" y="0"/>
+          <a:ext cx="0" cy="0"/>
+          <a:chOff x="0" y="0"/>
+          <a:chExt cx="0" cy="0"/>
+        </a:xfrm>
+      </p:grpSpPr>
+      <p:pic>
+        <p:nvPicPr>
+          <p:cNvPr id="6" name="Picture 5">
+            <a:extLst>
+              <a:ext uri="{FF2B5EF4-FFF2-40B4-BE49-F238E27FC236}">
+                <a16:creationId xmlns:a16="http://schemas.microsoft.com/office/drawing/2014/main" id="{1DBCEC9C-354D-2013-2088-D8D5AA1E75DB}"/>
+              </a:ext>
+            </a:extLst>
+          </p:cNvPr>
+          <p:cNvPicPr>
+            <a:picLocks noChangeAspect="1"/>
+          </p:cNvPicPr>
+          <p:nvPr/>
+        </p:nvPicPr>
+        <p:blipFill>
+          <a:blip r:embed="rId2"/>
+          <a:stretch>
+            <a:fillRect/>
+          </a:stretch>
+        </p:blipFill>
+        <p:spPr>
+          <a:xfrm>
+            <a:off x="80824" y="0"/>
+            <a:ext cx="5910673" cy="5929132"/>
+          </a:xfrm>
+          <a:prstGeom prst="rect">
+            <a:avLst/>
+          </a:prstGeom>
+        </p:spPr>
+      </p:pic>
+      <p:pic>
+        <p:nvPicPr>
+          <p:cNvPr id="5" name="Picture 4">
+            <a:extLst>
+              <a:ext uri="{FF2B5EF4-FFF2-40B4-BE49-F238E27FC236}">
+                <a16:creationId xmlns:a16="http://schemas.microsoft.com/office/drawing/2014/main" id="{82972834-4292-7D89-0C3A-227B7C460836}"/>
+              </a:ext>
+            </a:extLst>
+          </p:cNvPr>
+          <p:cNvPicPr>
+            <a:picLocks noChangeAspect="1"/>
+          </p:cNvPicPr>
+          <p:nvPr/>
+        </p:nvPicPr>
+        <p:blipFill>
+          <a:blip r:embed="rId3"/>
+          <a:stretch>
+            <a:fillRect/>
+          </a:stretch>
+        </p:blipFill>
+        <p:spPr>
+          <a:xfrm>
+            <a:off x="6200505" y="0"/>
+            <a:ext cx="5910673" cy="5929132"/>
+          </a:xfrm>
+          <a:prstGeom prst="rect">
+            <a:avLst/>
+          </a:prstGeom>
+        </p:spPr>
+      </p:pic>
+      <p:sp>
+        <p:nvSpPr>
+          <p:cNvPr id="7" name="TextBox 6">
+            <a:extLst>
+              <a:ext uri="{FF2B5EF4-FFF2-40B4-BE49-F238E27FC236}">
+                <a16:creationId xmlns:a16="http://schemas.microsoft.com/office/drawing/2014/main" id="{89C90873-6005-BE5D-20F4-CEA0C1E9D0D8}"/>
+              </a:ext>
+            </a:extLst>
+          </p:cNvPr>
+          <p:cNvSpPr txBox="1"/>
+          <p:nvPr/>
+        </p:nvSpPr>
+        <p:spPr>
+          <a:xfrm>
+            <a:off x="2141320" y="6198698"/>
+            <a:ext cx="1037064" cy="369332"/>
+          </a:xfrm>
+          <a:prstGeom prst="rect">
+            <a:avLst/>
+          </a:prstGeom>
+          <a:noFill/>
+        </p:spPr>
+        <p:txBody>
+          <a:bodyPr wrap="square" rtlCol="0">
+            <a:spAutoFit/>
+          </a:bodyPr>
+          <a:lstStyle/>
+          <a:p>
+            <a:r>
+              <a:rPr lang="en-PL" dirty="0"/>
+              <a:t>Previous</a:t>
+            </a:r>
+          </a:p>
+        </p:txBody>
+      </p:sp>
+      <p:sp>
+        <p:nvSpPr>
+          <p:cNvPr id="8" name="TextBox 7">
+            <a:extLst>
+              <a:ext uri="{FF2B5EF4-FFF2-40B4-BE49-F238E27FC236}">
+                <a16:creationId xmlns:a16="http://schemas.microsoft.com/office/drawing/2014/main" id="{F96C1608-28FD-EEF2-5C2E-CB5E5CE5BB3E}"/>
+              </a:ext>
+            </a:extLst>
+          </p:cNvPr>
+          <p:cNvSpPr txBox="1"/>
+          <p:nvPr/>
+        </p:nvSpPr>
+        <p:spPr>
+          <a:xfrm>
+            <a:off x="8914603" y="6060198"/>
+            <a:ext cx="1037064" cy="646331"/>
+          </a:xfrm>
+          <a:prstGeom prst="rect">
+            <a:avLst/>
+          </a:prstGeom>
+          <a:noFill/>
+        </p:spPr>
+        <p:txBody>
+          <a:bodyPr wrap="square" rtlCol="0">
+            <a:spAutoFit/>
+          </a:bodyPr>
+          <a:lstStyle/>
+          <a:p>
+            <a:r>
+              <a:rPr lang="en-PL" dirty="0"/>
+              <a:t>Highest - MAP</a:t>
+            </a:r>
+          </a:p>
+        </p:txBody>
+      </p:sp>
+    </p:spTree>
+    <p:extLst>
+      <p:ext uri="{BB962C8B-B14F-4D97-AF65-F5344CB8AC3E}">
+        <p14:creationId xmlns:p14="http://schemas.microsoft.com/office/powerpoint/2010/main" val="1995952368"/>
+      </p:ext>
+    </p:extLst>
+  </p:cSld>
+  <p:clrMapOvr>
+    <a:masterClrMapping/>
+  </p:clrMapOvr>
+</p:sld>
+</file>
+
+<file path=ppt/slides/slide13.xml><?xml version="1.0" encoding="utf-8"?>
+<p:sld xmlns:a="http://schemas.openxmlformats.org/drawingml/2006/main" xmlns:r="http://schemas.openxmlformats.org/officeDocument/2006/relationships" xmlns:p="http://schemas.openxmlformats.org/presentationml/2006/main">
+  <p:cSld>
+    <p:spTree>
+      <p:nvGrpSpPr>
+        <p:cNvPr id="1" name=""/>
+        <p:cNvGrpSpPr/>
+        <p:nvPr/>
+      </p:nvGrpSpPr>
+      <p:grpSpPr>
+        <a:xfrm>
+          <a:off x="0" y="0"/>
+          <a:ext cx="0" cy="0"/>
+          <a:chOff x="0" y="0"/>
+          <a:chExt cx="0" cy="0"/>
+        </a:xfrm>
+      </p:grpSpPr>
+      <p:pic>
+        <p:nvPicPr>
+          <p:cNvPr id="5" name="Picture 4">
+            <a:extLst>
+              <a:ext uri="{FF2B5EF4-FFF2-40B4-BE49-F238E27FC236}">
+                <a16:creationId xmlns:a16="http://schemas.microsoft.com/office/drawing/2014/main" id="{82972834-4292-7D89-0C3A-227B7C460836}"/>
+              </a:ext>
+            </a:extLst>
+          </p:cNvPr>
+          <p:cNvPicPr>
+            <a:picLocks noChangeAspect="1"/>
+          </p:cNvPicPr>
+          <p:nvPr/>
+        </p:nvPicPr>
+        <p:blipFill>
+          <a:blip r:embed="rId2"/>
+          <a:stretch>
+            <a:fillRect/>
+          </a:stretch>
+        </p:blipFill>
+        <p:spPr>
+          <a:xfrm>
+            <a:off x="0" y="-1"/>
+            <a:ext cx="5998888" cy="6017623"/>
+          </a:xfrm>
+          <a:prstGeom prst="rect">
+            <a:avLst/>
+          </a:prstGeom>
+        </p:spPr>
+      </p:pic>
+      <p:sp>
+        <p:nvSpPr>
+          <p:cNvPr id="8" name="TextBox 7">
+            <a:extLst>
+              <a:ext uri="{FF2B5EF4-FFF2-40B4-BE49-F238E27FC236}">
+                <a16:creationId xmlns:a16="http://schemas.microsoft.com/office/drawing/2014/main" id="{F96C1608-28FD-EEF2-5C2E-CB5E5CE5BB3E}"/>
+              </a:ext>
+            </a:extLst>
+          </p:cNvPr>
+          <p:cNvSpPr txBox="1"/>
+          <p:nvPr/>
+        </p:nvSpPr>
+        <p:spPr>
+          <a:xfrm>
+            <a:off x="2060496" y="6201155"/>
+            <a:ext cx="1037064" cy="646331"/>
+          </a:xfrm>
+          <a:prstGeom prst="rect">
+            <a:avLst/>
+          </a:prstGeom>
+          <a:noFill/>
+        </p:spPr>
+        <p:txBody>
+          <a:bodyPr wrap="square" rtlCol="0">
+            <a:spAutoFit/>
+          </a:bodyPr>
+          <a:lstStyle/>
+          <a:p>
+            <a:r>
+              <a:rPr lang="en-PL" dirty="0"/>
+              <a:t>Highest - MAP</a:t>
+            </a:r>
+          </a:p>
+        </p:txBody>
+      </p:sp>
+      <p:sp>
+        <p:nvSpPr>
+          <p:cNvPr id="3" name="TextBox 2">
+            <a:extLst>
+              <a:ext uri="{FF2B5EF4-FFF2-40B4-BE49-F238E27FC236}">
+                <a16:creationId xmlns:a16="http://schemas.microsoft.com/office/drawing/2014/main" id="{9CCD127C-EED1-C0D6-EA47-A63A56E8D48C}"/>
+              </a:ext>
+            </a:extLst>
+          </p:cNvPr>
+          <p:cNvSpPr txBox="1"/>
+          <p:nvPr/>
+        </p:nvSpPr>
+        <p:spPr>
+          <a:xfrm>
+            <a:off x="9030262" y="6201154"/>
+            <a:ext cx="1420874" cy="646331"/>
+          </a:xfrm>
+          <a:prstGeom prst="rect">
+            <a:avLst/>
+          </a:prstGeom>
+          <a:noFill/>
+        </p:spPr>
+        <p:txBody>
+          <a:bodyPr wrap="square" rtlCol="0">
+            <a:spAutoFit/>
+          </a:bodyPr>
+          <a:lstStyle/>
+          <a:p>
+            <a:r>
+              <a:rPr lang="en-PL" dirty="0"/>
+              <a:t>Edge Attributes</a:t>
+            </a:r>
+          </a:p>
+        </p:txBody>
+      </p:sp>
+      <p:pic>
+        <p:nvPicPr>
+          <p:cNvPr id="4" name="Picture 3">
+            <a:extLst>
+              <a:ext uri="{FF2B5EF4-FFF2-40B4-BE49-F238E27FC236}">
+                <a16:creationId xmlns:a16="http://schemas.microsoft.com/office/drawing/2014/main" id="{45FC4C62-78D5-F121-6477-58E78D3E6A12}"/>
+              </a:ext>
+            </a:extLst>
+          </p:cNvPr>
+          <p:cNvPicPr>
+            <a:picLocks noChangeAspect="1"/>
+          </p:cNvPicPr>
+          <p:nvPr/>
+        </p:nvPicPr>
+        <p:blipFill>
+          <a:blip r:embed="rId3"/>
+          <a:stretch>
+            <a:fillRect/>
+          </a:stretch>
+        </p:blipFill>
+        <p:spPr>
+          <a:xfrm>
+            <a:off x="6193113" y="0"/>
+            <a:ext cx="5998887" cy="6017622"/>
+          </a:xfrm>
+          <a:prstGeom prst="rect">
+            <a:avLst/>
+          </a:prstGeom>
+        </p:spPr>
+      </p:pic>
+    </p:spTree>
+    <p:extLst>
+      <p:ext uri="{BB962C8B-B14F-4D97-AF65-F5344CB8AC3E}">
+        <p14:creationId xmlns:p14="http://schemas.microsoft.com/office/powerpoint/2010/main" val="1395414157"/>
+      </p:ext>
+    </p:extLst>
+  </p:cSld>
+  <p:clrMapOvr>
+    <a:masterClrMapping/>
+  </p:clrMapOvr>
+</p:sld>
+</file>
+
+<file path=ppt/slides/slide14.xml><?xml version="1.0" encoding="utf-8"?>
+<p:sld xmlns:a="http://schemas.openxmlformats.org/drawingml/2006/main" xmlns:r="http://schemas.openxmlformats.org/officeDocument/2006/relationships" xmlns:p="http://schemas.openxmlformats.org/presentationml/2006/main">
+  <p:cSld>
+    <p:spTree>
+      <p:nvGrpSpPr>
+        <p:cNvPr id="1" name=""/>
+        <p:cNvGrpSpPr/>
+        <p:nvPr/>
+      </p:nvGrpSpPr>
+      <p:grpSpPr>
+        <a:xfrm>
+          <a:off x="0" y="0"/>
+          <a:ext cx="0" cy="0"/>
+          <a:chOff x="0" y="0"/>
+          <a:chExt cx="0" cy="0"/>
+        </a:xfrm>
+      </p:grpSpPr>
+      <p:sp>
+        <p:nvSpPr>
+          <p:cNvPr id="2" name="Title 1">
+            <a:extLst>
+              <a:ext uri="{FF2B5EF4-FFF2-40B4-BE49-F238E27FC236}">
+                <a16:creationId xmlns:a16="http://schemas.microsoft.com/office/drawing/2014/main" id="{06140704-F53B-3524-83B9-CEF67E3E27D1}"/>
+              </a:ext>
+            </a:extLst>
+          </p:cNvPr>
+          <p:cNvSpPr>
+            <a:spLocks noGrp="1"/>
+          </p:cNvSpPr>
+          <p:nvPr>
+            <p:ph type="title"/>
+          </p:nvPr>
+        </p:nvSpPr>
+        <p:spPr>
+          <a:xfrm>
+            <a:off x="838200" y="2766218"/>
+            <a:ext cx="3700346" cy="1325563"/>
+          </a:xfrm>
+        </p:spPr>
+        <p:txBody>
+          <a:bodyPr/>
+          <a:lstStyle/>
+          <a:p>
+            <a:r>
+              <a:rPr lang="en-PL" dirty="0"/>
+              <a:t>Only Duel</a:t>
+            </a:r>
+          </a:p>
+        </p:txBody>
+      </p:sp>
+      <p:pic>
+        <p:nvPicPr>
+          <p:cNvPr id="4" name="Picture 3">
+            <a:extLst>
+              <a:ext uri="{FF2B5EF4-FFF2-40B4-BE49-F238E27FC236}">
+                <a16:creationId xmlns:a16="http://schemas.microsoft.com/office/drawing/2014/main" id="{E64C43F9-84E0-A77E-CA8A-D35A84B608BA}"/>
+              </a:ext>
+            </a:extLst>
+          </p:cNvPr>
+          <p:cNvPicPr>
+            <a:picLocks noChangeAspect="1"/>
+          </p:cNvPicPr>
+          <p:nvPr/>
+        </p:nvPicPr>
+        <p:blipFill>
+          <a:blip r:embed="rId2"/>
+          <a:stretch>
+            <a:fillRect/>
+          </a:stretch>
+        </p:blipFill>
+        <p:spPr>
+          <a:xfrm>
+            <a:off x="5105528" y="0"/>
+            <a:ext cx="6775967" cy="6858000"/>
+          </a:xfrm>
+          <a:prstGeom prst="rect">
+            <a:avLst/>
+          </a:prstGeom>
+        </p:spPr>
+      </p:pic>
+    </p:spTree>
+    <p:extLst>
+      <p:ext uri="{BB962C8B-B14F-4D97-AF65-F5344CB8AC3E}">
+        <p14:creationId xmlns:p14="http://schemas.microsoft.com/office/powerpoint/2010/main" val="2656485596"/>
+      </p:ext>
+    </p:extLst>
+  </p:cSld>
+  <p:clrMapOvr>
+    <a:masterClrMapping/>
+  </p:clrMapOvr>
+</p:sld>
+</file>
+
+<file path=ppt/slides/slide15.xml><?xml version="1.0" encoding="utf-8"?>
+<p:sld xmlns:a="http://schemas.openxmlformats.org/drawingml/2006/main" xmlns:r="http://schemas.openxmlformats.org/officeDocument/2006/relationships" xmlns:p="http://schemas.openxmlformats.org/presentationml/2006/main">
+  <p:cSld>
+    <p:spTree>
+      <p:nvGrpSpPr>
+        <p:cNvPr id="1" name=""/>
+        <p:cNvGrpSpPr/>
+        <p:nvPr/>
+      </p:nvGrpSpPr>
+      <p:grpSpPr>
+        <a:xfrm>
+          <a:off x="0" y="0"/>
+          <a:ext cx="0" cy="0"/>
+          <a:chOff x="0" y="0"/>
+          <a:chExt cx="0" cy="0"/>
+        </a:xfrm>
+      </p:grpSpPr>
+      <p:pic>
+        <p:nvPicPr>
+          <p:cNvPr id="5" name="Picture 4">
+            <a:extLst>
+              <a:ext uri="{FF2B5EF4-FFF2-40B4-BE49-F238E27FC236}">
+                <a16:creationId xmlns:a16="http://schemas.microsoft.com/office/drawing/2014/main" id="{95649DEC-91EE-9E8A-73C4-7FEACC8F0AF5}"/>
+              </a:ext>
+            </a:extLst>
+          </p:cNvPr>
+          <p:cNvPicPr>
+            <a:picLocks noChangeAspect="1"/>
+          </p:cNvPicPr>
+          <p:nvPr/>
+        </p:nvPicPr>
+        <p:blipFill rotWithShape="1">
+          <a:blip r:embed="rId2"/>
+          <a:srcRect t="1747"/>
+          <a:stretch/>
+        </p:blipFill>
+        <p:spPr>
+          <a:xfrm>
+            <a:off x="-3047" y="10"/>
+            <a:ext cx="12191999" cy="6857990"/>
+          </a:xfrm>
+          <a:prstGeom prst="rect">
+            <a:avLst/>
+          </a:prstGeom>
+        </p:spPr>
+      </p:pic>
+      <p:sp>
+        <p:nvSpPr>
+          <p:cNvPr id="2" name="Title 1">
+            <a:extLst>
+              <a:ext uri="{FF2B5EF4-FFF2-40B4-BE49-F238E27FC236}">
+                <a16:creationId xmlns:a16="http://schemas.microsoft.com/office/drawing/2014/main" id="{27507E1A-3EA2-9020-D849-69537DB37F76}"/>
+              </a:ext>
+            </a:extLst>
+          </p:cNvPr>
+          <p:cNvSpPr>
+            <a:spLocks noGrp="1"/>
+          </p:cNvSpPr>
+          <p:nvPr>
+            <p:ph type="ctrTitle"/>
+          </p:nvPr>
+        </p:nvSpPr>
+        <p:spPr>
+          <a:xfrm>
+            <a:off x="1097280" y="325550"/>
+            <a:ext cx="10058400" cy="3574778"/>
+          </a:xfrm>
+          <a:effectLst>
+            <a:outerShdw blurRad="50800" dist="38100" dir="2700000" algn="tl" rotWithShape="0">
+              <a:prstClr val="black">
+                <a:alpha val="40000"/>
+              </a:prstClr>
+            </a:outerShdw>
+          </a:effectLst>
+        </p:spPr>
+        <p:txBody>
+          <a:bodyPr>
+            <a:normAutofit/>
+          </a:bodyPr>
+          <a:lstStyle/>
+          <a:p>
+            <a:r>
+              <a:rPr lang="en-PL" sz="5200" b="1" dirty="0">
+                <a:solidFill>
+                  <a:srgbClr val="FFFFFF"/>
+                </a:solidFill>
+              </a:rPr>
+              <a:t>Spotting Module - Idea</a:t>
+            </a:r>
+          </a:p>
+        </p:txBody>
+      </p:sp>
+      <p:sp>
+        <p:nvSpPr>
+          <p:cNvPr id="3" name="Subtitle 2">
+            <a:extLst>
+              <a:ext uri="{FF2B5EF4-FFF2-40B4-BE49-F238E27FC236}">
+                <a16:creationId xmlns:a16="http://schemas.microsoft.com/office/drawing/2014/main" id="{E95F4DAD-B444-F2F6-6FAC-E26C0CF55F9F}"/>
+              </a:ext>
+            </a:extLst>
+          </p:cNvPr>
+          <p:cNvSpPr>
+            <a:spLocks noGrp="1"/>
+          </p:cNvSpPr>
+          <p:nvPr>
+            <p:ph type="subTitle" idx="1"/>
+          </p:nvPr>
+        </p:nvSpPr>
+        <p:spPr>
+          <a:xfrm>
+            <a:off x="1100051" y="4072043"/>
+            <a:ext cx="10058400" cy="1282707"/>
+          </a:xfrm>
+          <a:effectLst>
+            <a:outerShdw blurRad="50800" dist="38100" dir="2700000" algn="tl" rotWithShape="0">
+              <a:prstClr val="black">
+                <a:alpha val="40000"/>
+              </a:prstClr>
+            </a:outerShdw>
+          </a:effectLst>
+        </p:spPr>
+        <p:txBody>
+          <a:bodyPr>
+            <a:normAutofit/>
+          </a:bodyPr>
+          <a:lstStyle/>
+          <a:p>
+            <a:endParaRPr lang="en-PL">
+              <a:solidFill>
+                <a:srgbClr val="FFFFFF"/>
+              </a:solidFill>
+            </a:endParaRPr>
+          </a:p>
+        </p:txBody>
+      </p:sp>
+    </p:spTree>
+    <p:extLst>
+      <p:ext uri="{BB962C8B-B14F-4D97-AF65-F5344CB8AC3E}">
+        <p14:creationId xmlns:p14="http://schemas.microsoft.com/office/powerpoint/2010/main" val="3002215510"/>
+      </p:ext>
+    </p:extLst>
+  </p:cSld>
+  <p:clrMapOvr>
+    <a:masterClrMapping/>
+  </p:clrMapOvr>
+  <p:timing>
+    <p:tnLst>
+      <p:par>
+        <p:cTn id="1" dur="indefinite" restart="never" nodeType="tmRoot">
+          <p:childTnLst>
+            <p:seq concurrent="1" nextAc="seek">
+              <p:cTn id="2" dur="indefinite" nodeType="mainSeq">
+                <p:childTnLst>
+                  <p:par>
+                    <p:cTn id="3" fill="hold">
+                      <p:stCondLst>
+                        <p:cond delay="indefinite"/>
+                        <p:cond evt="onBegin" delay="0">
+                          <p:tn val="2"/>
+                        </p:cond>
+                      </p:stCondLst>
+                      <p:childTnLst>
+                        <p:par>
+                          <p:cTn id="4" fill="hold">
+                            <p:stCondLst>
+                              <p:cond delay="0"/>
+                            </p:stCondLst>
+                            <p:childTnLst>
+                              <p:par>
+                                <p:cTn id="5" presetID="10" presetClass="entr" presetSubtype="0" fill="hold" grpId="0" nodeType="withEffect">
+                                  <p:stCondLst>
+                                    <p:cond delay="1000"/>
+                                  </p:stCondLst>
+                                  <p:iterate type="lt">
+                                    <p:tmPct val="10000"/>
+                                  </p:iterate>
+                                  <p:childTnLst>
+                                    <p:set>
+                                      <p:cBhvr>
+                                        <p:cTn id="6" dur="1" fill="hold">
+                                          <p:stCondLst>
+                                            <p:cond delay="0"/>
+                                          </p:stCondLst>
+                                        </p:cTn>
+                                        <p:tgtEl>
+                                          <p:spTgt spid="2"/>
+                                        </p:tgtEl>
+                                        <p:attrNameLst>
+                                          <p:attrName>style.visibility</p:attrName>
+                                        </p:attrNameLst>
+                                      </p:cBhvr>
+                                      <p:to>
+                                        <p:strVal val="visible"/>
+                                      </p:to>
+                                    </p:set>
+                                    <p:animEffect transition="in" filter="fade">
+                                      <p:cBhvr>
+                                        <p:cTn id="7" dur="400"/>
+                                        <p:tgtEl>
+                                          <p:spTgt spid="2"/>
+                                        </p:tgtEl>
+                                      </p:cBhvr>
+                                    </p:animEffect>
+                                  </p:childTnLst>
+                                </p:cTn>
+                              </p:par>
+                            </p:childTnLst>
+                          </p:cTn>
+                        </p:par>
+                      </p:childTnLst>
+                    </p:cTn>
+                  </p:par>
+                </p:childTnLst>
+              </p:cTn>
+              <p:prevCondLst>
+                <p:cond evt="onPrev" delay="0">
+                  <p:tgtEl>
+                    <p:sldTgt/>
+                  </p:tgtEl>
+                </p:cond>
+              </p:prevCondLst>
+              <p:nextCondLst>
+                <p:cond evt="onNext" delay="0">
+                  <p:tgtEl>
+                    <p:sldTgt/>
+                  </p:tgtEl>
+                </p:cond>
+              </p:nextCondLst>
+            </p:seq>
+          </p:childTnLst>
+        </p:cTn>
+      </p:par>
+    </p:tnLst>
+    <p:bldLst>
+      <p:bldP spid="2" grpId="0"/>
+    </p:bldLst>
+  </p:timing>
+</p:sld>
+</file>
+
+<file path=ppt/slides/slide16.xml><?xml version="1.0" encoding="utf-8"?>
+<p:sld xmlns:a="http://schemas.openxmlformats.org/drawingml/2006/main" xmlns:r="http://schemas.openxmlformats.org/officeDocument/2006/relationships" xmlns:p="http://schemas.openxmlformats.org/presentationml/2006/main">
+  <p:cSld>
+    <p:spTree>
+      <p:nvGrpSpPr>
+        <p:cNvPr id="1" name=""/>
+        <p:cNvGrpSpPr/>
+        <p:nvPr/>
+      </p:nvGrpSpPr>
+      <p:grpSpPr>
+        <a:xfrm>
+          <a:off x="0" y="0"/>
+          <a:ext cx="0" cy="0"/>
+          <a:chOff x="0" y="0"/>
+          <a:chExt cx="0" cy="0"/>
+        </a:xfrm>
+      </p:grpSpPr>
+      <p:sp>
+        <p:nvSpPr>
+          <p:cNvPr id="2" name="Title 1">
+            <a:extLst>
+              <a:ext uri="{FF2B5EF4-FFF2-40B4-BE49-F238E27FC236}">
+                <a16:creationId xmlns:a16="http://schemas.microsoft.com/office/drawing/2014/main" id="{CBF9555E-3218-6845-0DE2-329EB6E881FE}"/>
+              </a:ext>
+            </a:extLst>
+          </p:cNvPr>
+          <p:cNvSpPr>
+            <a:spLocks noGrp="1"/>
+          </p:cNvSpPr>
+          <p:nvPr>
+            <p:ph type="title"/>
+          </p:nvPr>
+        </p:nvSpPr>
+        <p:spPr/>
+        <p:txBody>
+          <a:bodyPr/>
+          <a:lstStyle/>
+          <a:p>
+            <a:r>
+              <a:rPr lang="en-PL" dirty="0"/>
+              <a:t>Event distribution in the game</a:t>
+            </a:r>
+          </a:p>
+        </p:txBody>
+      </p:sp>
+      <p:pic>
+        <p:nvPicPr>
+          <p:cNvPr id="4" name="Content Placeholder 3">
+            <a:extLst>
+              <a:ext uri="{FF2B5EF4-FFF2-40B4-BE49-F238E27FC236}">
+                <a16:creationId xmlns:a16="http://schemas.microsoft.com/office/drawing/2014/main" id="{6AA54701-87CF-2438-7B5C-890FC63ECDC7}"/>
+              </a:ext>
+            </a:extLst>
+          </p:cNvPr>
+          <p:cNvPicPr>
+            <a:picLocks noGrp="1" noChangeAspect="1"/>
+          </p:cNvPicPr>
+          <p:nvPr>
+            <p:ph idx="1"/>
+          </p:nvPr>
+        </p:nvPicPr>
+        <p:blipFill>
+          <a:blip r:embed="rId2"/>
+          <a:stretch>
+            <a:fillRect/>
+          </a:stretch>
+        </p:blipFill>
+        <p:spPr>
+          <a:xfrm>
+            <a:off x="1000442" y="1825625"/>
+            <a:ext cx="10191115" cy="4351338"/>
+          </a:xfrm>
+          <a:prstGeom prst="rect">
+            <a:avLst/>
+          </a:prstGeom>
+        </p:spPr>
+      </p:pic>
+    </p:spTree>
+    <p:extLst>
+      <p:ext uri="{BB962C8B-B14F-4D97-AF65-F5344CB8AC3E}">
+        <p14:creationId xmlns:p14="http://schemas.microsoft.com/office/powerpoint/2010/main" val="3781031469"/>
+      </p:ext>
+    </p:extLst>
+  </p:cSld>
+  <p:clrMapOvr>
+    <a:masterClrMapping/>
+  </p:clrMapOvr>
+</p:sld>
+</file>
+
+<file path=ppt/slides/slide17.xml><?xml version="1.0" encoding="utf-8"?>
+<p:sld xmlns:a="http://schemas.openxmlformats.org/drawingml/2006/main" xmlns:r="http://schemas.openxmlformats.org/officeDocument/2006/relationships" xmlns:p="http://schemas.openxmlformats.org/presentationml/2006/main">
+  <p:cSld>
+    <p:spTree>
+      <p:nvGrpSpPr>
+        <p:cNvPr id="1" name=""/>
+        <p:cNvGrpSpPr/>
+        <p:nvPr/>
+      </p:nvGrpSpPr>
+      <p:grpSpPr>
+        <a:xfrm>
+          <a:off x="0" y="0"/>
+          <a:ext cx="0" cy="0"/>
+          <a:chOff x="0" y="0"/>
+          <a:chExt cx="0" cy="0"/>
+        </a:xfrm>
+      </p:grpSpPr>
+      <p:sp>
+        <p:nvSpPr>
+          <p:cNvPr id="2" name="Title 1">
+            <a:extLst>
+              <a:ext uri="{FF2B5EF4-FFF2-40B4-BE49-F238E27FC236}">
+                <a16:creationId xmlns:a16="http://schemas.microsoft.com/office/drawing/2014/main" id="{96F8BE19-88B2-5FEA-0D5B-E510D85C586A}"/>
+              </a:ext>
+            </a:extLst>
+          </p:cNvPr>
+          <p:cNvSpPr>
+            <a:spLocks noGrp="1"/>
+          </p:cNvSpPr>
+          <p:nvPr>
+            <p:ph type="title"/>
+          </p:nvPr>
+        </p:nvSpPr>
+        <p:spPr>
+          <a:xfrm>
+            <a:off x="568764" y="2596697"/>
+            <a:ext cx="5102693" cy="1325563"/>
+          </a:xfrm>
+        </p:spPr>
+        <p:txBody>
+          <a:bodyPr/>
+          <a:lstStyle/>
+          <a:p>
+            <a:r>
+              <a:rPr lang="en-PL" dirty="0"/>
+              <a:t>Correlation of the</a:t>
+            </a:r>
+            <a:br>
+              <a:rPr lang="en-PL" dirty="0"/>
+            </a:br>
+            <a:r>
+              <a:rPr lang="en-PL" dirty="0"/>
+              <a:t>Segmentation Results</a:t>
+            </a:r>
+          </a:p>
+        </p:txBody>
+      </p:sp>
+      <p:pic>
+        <p:nvPicPr>
+          <p:cNvPr id="4" name="Picture 3">
+            <a:extLst>
+              <a:ext uri="{FF2B5EF4-FFF2-40B4-BE49-F238E27FC236}">
+                <a16:creationId xmlns:a16="http://schemas.microsoft.com/office/drawing/2014/main" id="{51EFC332-C4C9-C322-B7AF-557F6EC246D5}"/>
+              </a:ext>
+            </a:extLst>
+          </p:cNvPr>
+          <p:cNvPicPr>
+            <a:picLocks noChangeAspect="1"/>
+          </p:cNvPicPr>
+          <p:nvPr/>
+        </p:nvPicPr>
+        <p:blipFill>
+          <a:blip r:embed="rId2"/>
+          <a:stretch>
+            <a:fillRect/>
+          </a:stretch>
+        </p:blipFill>
+        <p:spPr>
+          <a:xfrm>
+            <a:off x="5826564" y="0"/>
+            <a:ext cx="6365436" cy="6858000"/>
+          </a:xfrm>
+          <a:prstGeom prst="rect">
+            <a:avLst/>
+          </a:prstGeom>
+        </p:spPr>
+      </p:pic>
+    </p:spTree>
+    <p:extLst>
+      <p:ext uri="{BB962C8B-B14F-4D97-AF65-F5344CB8AC3E}">
+        <p14:creationId xmlns:p14="http://schemas.microsoft.com/office/powerpoint/2010/main" val="2320668275"/>
+      </p:ext>
+    </p:extLst>
+  </p:cSld>
+  <p:clrMapOvr>
+    <a:masterClrMapping/>
+  </p:clrMapOvr>
+</p:sld>
+</file>
+
+<file path=ppt/slides/slide18.xml><?xml version="1.0" encoding="utf-8"?>
+<p:sld xmlns:a="http://schemas.openxmlformats.org/drawingml/2006/main" xmlns:r="http://schemas.openxmlformats.org/officeDocument/2006/relationships" xmlns:p="http://schemas.openxmlformats.org/presentationml/2006/main">
+  <p:cSld>
+    <p:spTree>
+      <p:nvGrpSpPr>
+        <p:cNvPr id="1" name=""/>
+        <p:cNvGrpSpPr/>
+        <p:nvPr/>
+      </p:nvGrpSpPr>
+      <p:grpSpPr>
+        <a:xfrm>
+          <a:off x="0" y="0"/>
+          <a:ext cx="0" cy="0"/>
+          <a:chOff x="0" y="0"/>
+          <a:chExt cx="0" cy="0"/>
+        </a:xfrm>
+      </p:grpSpPr>
+      <p:sp>
+        <p:nvSpPr>
+          <p:cNvPr id="2" name="Title 1">
+            <a:extLst>
+              <a:ext uri="{FF2B5EF4-FFF2-40B4-BE49-F238E27FC236}">
+                <a16:creationId xmlns:a16="http://schemas.microsoft.com/office/drawing/2014/main" id="{09140196-710F-C3B3-5636-367ADB312F88}"/>
+              </a:ext>
+            </a:extLst>
+          </p:cNvPr>
+          <p:cNvSpPr>
+            <a:spLocks noGrp="1"/>
+          </p:cNvSpPr>
+          <p:nvPr>
+            <p:ph type="title"/>
+          </p:nvPr>
+        </p:nvSpPr>
+        <p:spPr/>
+        <p:txBody>
+          <a:bodyPr/>
+          <a:lstStyle/>
+          <a:p>
+            <a:r>
+              <a:rPr lang="en-PL" dirty="0"/>
+              <a:t>FilterNet</a:t>
+            </a:r>
+          </a:p>
+        </p:txBody>
+      </p:sp>
+      <p:pic>
+        <p:nvPicPr>
+          <p:cNvPr id="1026" name="Picture 2">
+            <a:extLst>
+              <a:ext uri="{FF2B5EF4-FFF2-40B4-BE49-F238E27FC236}">
+                <a16:creationId xmlns:a16="http://schemas.microsoft.com/office/drawing/2014/main" id="{3704F111-6234-BC98-E3A6-3C291043FDA5}"/>
+              </a:ext>
+            </a:extLst>
+          </p:cNvPr>
+          <p:cNvPicPr>
+            <a:picLocks noGrp="1" noChangeAspect="1" noChangeArrowheads="1"/>
+          </p:cNvPicPr>
+          <p:nvPr>
+            <p:ph idx="1"/>
+          </p:nvPr>
+        </p:nvPicPr>
+        <p:blipFill>
+          <a:blip r:embed="rId2">
+            <a:extLst>
+              <a:ext uri="{28A0092B-C50C-407E-A947-70E740481C1C}">
+                <a14:useLocalDpi xmlns:a14="http://schemas.microsoft.com/office/drawing/2010/main" val="0"/>
+              </a:ext>
+            </a:extLst>
+          </a:blip>
+          <a:srcRect/>
+          <a:stretch>
+            <a:fillRect/>
+          </a:stretch>
+        </p:blipFill>
+        <p:spPr bwMode="auto">
+          <a:xfrm>
+            <a:off x="2807824" y="1825625"/>
+            <a:ext cx="6576352" cy="4351338"/>
+          </a:xfrm>
+          <a:prstGeom prst="rect">
+            <a:avLst/>
+          </a:prstGeom>
+          <a:noFill/>
+          <a:extLst>
+            <a:ext uri="{909E8E84-426E-40DD-AFC4-6F175D3DCCD1}">
+              <a14:hiddenFill xmlns:a14="http://schemas.microsoft.com/office/drawing/2010/main">
+                <a:solidFill>
+                  <a:srgbClr val="FFFFFF"/>
+                </a:solidFill>
+              </a14:hiddenFill>
+            </a:ext>
+          </a:extLst>
+        </p:spPr>
+      </p:pic>
+    </p:spTree>
+    <p:extLst>
+      <p:ext uri="{BB962C8B-B14F-4D97-AF65-F5344CB8AC3E}">
+        <p14:creationId xmlns:p14="http://schemas.microsoft.com/office/powerpoint/2010/main" val="2526343008"/>
+      </p:ext>
+    </p:extLst>
+  </p:cSld>
+  <p:clrMapOvr>
+    <a:masterClrMapping/>
+  </p:clrMapOvr>
+</p:sld>
+</file>
+
+<file path=ppt/slides/slide19.xml><?xml version="1.0" encoding="utf-8"?>
+<p:sld xmlns:a="http://schemas.openxmlformats.org/drawingml/2006/main" xmlns:r="http://schemas.openxmlformats.org/officeDocument/2006/relationships" xmlns:p="http://schemas.openxmlformats.org/presentationml/2006/main">
+  <p:cSld>
+    <p:spTree>
+      <p:nvGrpSpPr>
+        <p:cNvPr id="1" name=""/>
+        <p:cNvGrpSpPr/>
+        <p:nvPr/>
+      </p:nvGrpSpPr>
+      <p:grpSpPr>
+        <a:xfrm>
+          <a:off x="0" y="0"/>
+          <a:ext cx="0" cy="0"/>
+          <a:chOff x="0" y="0"/>
+          <a:chExt cx="0" cy="0"/>
+        </a:xfrm>
+      </p:grpSpPr>
+      <p:sp>
+        <p:nvSpPr>
+          <p:cNvPr id="5" name="Title 4">
+            <a:extLst>
+              <a:ext uri="{FF2B5EF4-FFF2-40B4-BE49-F238E27FC236}">
+                <a16:creationId xmlns:a16="http://schemas.microsoft.com/office/drawing/2014/main" id="{FA1D7A2E-5AEB-FA0B-CA30-792496DC2668}"/>
+              </a:ext>
+            </a:extLst>
+          </p:cNvPr>
+          <p:cNvSpPr>
+            <a:spLocks noGrp="1"/>
+          </p:cNvSpPr>
+          <p:nvPr>
+            <p:ph type="title"/>
+          </p:nvPr>
+        </p:nvSpPr>
+        <p:spPr/>
+        <p:txBody>
+          <a:bodyPr/>
+          <a:lstStyle/>
+          <a:p>
+            <a:r>
+              <a:rPr lang="en-PL" dirty="0"/>
+              <a:t>Proposed Pipeline</a:t>
+            </a:r>
+          </a:p>
+        </p:txBody>
+      </p:sp>
+      <p:sp>
+        <p:nvSpPr>
+          <p:cNvPr id="6" name="Rectangle 5">
+            <a:extLst>
+              <a:ext uri="{FF2B5EF4-FFF2-40B4-BE49-F238E27FC236}">
+                <a16:creationId xmlns:a16="http://schemas.microsoft.com/office/drawing/2014/main" id="{3A1C1B31-1A3F-4675-BB48-9A55C86017C6}"/>
+              </a:ext>
+            </a:extLst>
+          </p:cNvPr>
+          <p:cNvSpPr/>
+          <p:nvPr/>
+        </p:nvSpPr>
+        <p:spPr>
+          <a:xfrm>
+            <a:off x="544286" y="2057400"/>
+            <a:ext cx="1426028" cy="4049485"/>
+          </a:xfrm>
+          <a:prstGeom prst="rect">
+            <a:avLst/>
+          </a:prstGeom>
+        </p:spPr>
+        <p:style>
+          <a:lnRef idx="2">
+            <a:schemeClr val="accent1">
+              <a:shade val="15000"/>
+            </a:schemeClr>
+          </a:lnRef>
+          <a:fillRef idx="1">
+            <a:schemeClr val="accent1"/>
+          </a:fillRef>
+          <a:effectRef idx="0">
+            <a:schemeClr val="accent1"/>
+          </a:effectRef>
+          <a:fontRef idx="minor">
+            <a:schemeClr val="lt1"/>
+          </a:fontRef>
+        </p:style>
+        <p:txBody>
+          <a:bodyPr vert="vert270" rtlCol="0" anchor="ctr"/>
+          <a:lstStyle/>
+          <a:p>
+            <a:pPr algn="ctr"/>
+            <a:r>
+              <a:rPr lang="en-PL" dirty="0"/>
+              <a:t>SEGMENTATION</a:t>
+            </a:r>
+            <a:br>
+              <a:rPr lang="en-PL" dirty="0"/>
+            </a:br>
+            <a:r>
+              <a:rPr lang="en-PL" dirty="0"/>
+              <a:t>MODULE</a:t>
+            </a:r>
+          </a:p>
+          <a:p>
+            <a:pPr algn="ctr"/>
+            <a:r>
+              <a:rPr lang="en-PL" dirty="0"/>
+              <a:t>(Black Box)</a:t>
+            </a:r>
+          </a:p>
+        </p:txBody>
+      </p:sp>
+      <p:sp>
+        <p:nvSpPr>
+          <p:cNvPr id="16" name="Rectangle 15">
+            <a:extLst>
+              <a:ext uri="{FF2B5EF4-FFF2-40B4-BE49-F238E27FC236}">
+                <a16:creationId xmlns:a16="http://schemas.microsoft.com/office/drawing/2014/main" id="{E4CB0E1C-5353-2E72-B60B-90C30B10CC03}"/>
+              </a:ext>
+            </a:extLst>
+          </p:cNvPr>
+          <p:cNvSpPr/>
+          <p:nvPr/>
+        </p:nvSpPr>
+        <p:spPr>
+          <a:xfrm>
+            <a:off x="2895600" y="5344885"/>
+            <a:ext cx="2079171" cy="609600"/>
+          </a:xfrm>
+          <a:prstGeom prst="rect">
+            <a:avLst/>
+          </a:prstGeom>
+        </p:spPr>
+        <p:style>
+          <a:lnRef idx="2">
+            <a:schemeClr val="accent1">
+              <a:shade val="15000"/>
+            </a:schemeClr>
+          </a:lnRef>
+          <a:fillRef idx="1">
+            <a:schemeClr val="accent1"/>
+          </a:fillRef>
+          <a:effectRef idx="0">
+            <a:schemeClr val="accent1"/>
+          </a:effectRef>
+          <a:fontRef idx="minor">
+            <a:schemeClr val="lt1"/>
+          </a:fontRef>
+        </p:style>
+        <p:txBody>
+          <a:bodyPr rtlCol="0" anchor="ctr"/>
+          <a:lstStyle/>
+          <a:p>
+            <a:pPr algn="ctr"/>
+            <a:r>
+              <a:rPr lang="en-PL" dirty="0"/>
+              <a:t>FilterNet(ann1)</a:t>
+            </a:r>
+          </a:p>
+        </p:txBody>
+      </p:sp>
+      <p:cxnSp>
+        <p:nvCxnSpPr>
+          <p:cNvPr id="19" name="Elbow Connector 18">
+            <a:extLst>
+              <a:ext uri="{FF2B5EF4-FFF2-40B4-BE49-F238E27FC236}">
+                <a16:creationId xmlns:a16="http://schemas.microsoft.com/office/drawing/2014/main" id="{E00BE4FE-B131-D85E-3DBB-5AA885FE7299}"/>
+              </a:ext>
+            </a:extLst>
+          </p:cNvPr>
+          <p:cNvCxnSpPr>
+            <a:stCxn id="6" idx="3"/>
+            <a:endCxn id="16" idx="1"/>
+          </p:cNvCxnSpPr>
+          <p:nvPr/>
+        </p:nvCxnSpPr>
+        <p:spPr>
+          <a:xfrm>
+            <a:off x="1970314" y="4082143"/>
+            <a:ext cx="925286" cy="1567542"/>
+          </a:xfrm>
+          <a:prstGeom prst="bentConnector3">
+            <a:avLst/>
+          </a:prstGeom>
+          <a:ln>
+            <a:tailEnd type="triangle"/>
+          </a:ln>
+        </p:spPr>
+        <p:style>
+          <a:lnRef idx="1">
+            <a:schemeClr val="accent1"/>
+          </a:lnRef>
+          <a:fillRef idx="0">
+            <a:schemeClr val="accent1"/>
+          </a:fillRef>
+          <a:effectRef idx="0">
+            <a:schemeClr val="accent1"/>
+          </a:effectRef>
+          <a:fontRef idx="minor">
+            <a:schemeClr val="tx1"/>
+          </a:fontRef>
+        </p:style>
+      </p:cxnSp>
+      <p:sp>
+        <p:nvSpPr>
+          <p:cNvPr id="21" name="Rectangle 20">
+            <a:extLst>
+              <a:ext uri="{FF2B5EF4-FFF2-40B4-BE49-F238E27FC236}">
+                <a16:creationId xmlns:a16="http://schemas.microsoft.com/office/drawing/2014/main" id="{4FFD47B2-007E-9517-C91B-80DE8BD5F7FC}"/>
+              </a:ext>
+            </a:extLst>
+          </p:cNvPr>
+          <p:cNvSpPr/>
+          <p:nvPr/>
+        </p:nvSpPr>
+        <p:spPr>
+          <a:xfrm>
+            <a:off x="2895599" y="4514170"/>
+            <a:ext cx="2079171" cy="609600"/>
+          </a:xfrm>
+          <a:prstGeom prst="rect">
+            <a:avLst/>
+          </a:prstGeom>
+        </p:spPr>
+        <p:style>
+          <a:lnRef idx="2">
+            <a:schemeClr val="accent1">
+              <a:shade val="15000"/>
+            </a:schemeClr>
+          </a:lnRef>
+          <a:fillRef idx="1">
+            <a:schemeClr val="accent1"/>
+          </a:fillRef>
+          <a:effectRef idx="0">
+            <a:schemeClr val="accent1"/>
+          </a:effectRef>
+          <a:fontRef idx="minor">
+            <a:schemeClr val="lt1"/>
+          </a:fontRef>
+        </p:style>
+        <p:txBody>
+          <a:bodyPr rtlCol="0" anchor="ctr"/>
+          <a:lstStyle/>
+          <a:p>
+            <a:pPr algn="ctr"/>
+            <a:r>
+              <a:rPr lang="en-PL" dirty="0"/>
+              <a:t>FilterNet(ann2)</a:t>
+            </a:r>
+          </a:p>
+        </p:txBody>
+      </p:sp>
+      <p:sp>
+        <p:nvSpPr>
+          <p:cNvPr id="22" name="Rectangle 21">
+            <a:extLst>
+              <a:ext uri="{FF2B5EF4-FFF2-40B4-BE49-F238E27FC236}">
+                <a16:creationId xmlns:a16="http://schemas.microsoft.com/office/drawing/2014/main" id="{643626D7-9E2A-8109-AB62-6C4BBAECCA3B}"/>
+              </a:ext>
+            </a:extLst>
+          </p:cNvPr>
+          <p:cNvSpPr/>
+          <p:nvPr/>
+        </p:nvSpPr>
+        <p:spPr>
+          <a:xfrm>
+            <a:off x="2884711" y="2986087"/>
+            <a:ext cx="2079171" cy="609600"/>
+          </a:xfrm>
+          <a:prstGeom prst="rect">
+            <a:avLst/>
+          </a:prstGeom>
+        </p:spPr>
+        <p:style>
+          <a:lnRef idx="2">
+            <a:schemeClr val="accent1">
+              <a:shade val="15000"/>
+            </a:schemeClr>
+          </a:lnRef>
+          <a:fillRef idx="1">
+            <a:schemeClr val="accent1"/>
+          </a:fillRef>
+          <a:effectRef idx="0">
+            <a:schemeClr val="accent1"/>
+          </a:effectRef>
+          <a:fontRef idx="minor">
+            <a:schemeClr val="lt1"/>
+          </a:fontRef>
+        </p:style>
+        <p:txBody>
+          <a:bodyPr rtlCol="0" anchor="ctr"/>
+          <a:lstStyle/>
+          <a:p>
+            <a:pPr algn="ctr"/>
+            <a:r>
+              <a:rPr lang="en-PL" dirty="0"/>
+              <a:t>FilterNet(ann7)</a:t>
+            </a:r>
+          </a:p>
+        </p:txBody>
+      </p:sp>
+      <p:sp>
+        <p:nvSpPr>
+          <p:cNvPr id="23" name="Rectangle 22">
+            <a:extLst>
+              <a:ext uri="{FF2B5EF4-FFF2-40B4-BE49-F238E27FC236}">
+                <a16:creationId xmlns:a16="http://schemas.microsoft.com/office/drawing/2014/main" id="{6EB2F609-9D75-FD3E-3463-425AC7349389}"/>
+              </a:ext>
+            </a:extLst>
+          </p:cNvPr>
+          <p:cNvSpPr/>
+          <p:nvPr/>
+        </p:nvSpPr>
+        <p:spPr>
+          <a:xfrm>
+            <a:off x="2895597" y="2155372"/>
+            <a:ext cx="2079171" cy="609600"/>
+          </a:xfrm>
+          <a:prstGeom prst="rect">
+            <a:avLst/>
+          </a:prstGeom>
+        </p:spPr>
+        <p:style>
+          <a:lnRef idx="2">
+            <a:schemeClr val="accent1">
+              <a:shade val="15000"/>
+            </a:schemeClr>
+          </a:lnRef>
+          <a:fillRef idx="1">
+            <a:schemeClr val="accent1"/>
+          </a:fillRef>
+          <a:effectRef idx="0">
+            <a:schemeClr val="accent1"/>
+          </a:effectRef>
+          <a:fontRef idx="minor">
+            <a:schemeClr val="lt1"/>
+          </a:fontRef>
+        </p:style>
+        <p:txBody>
+          <a:bodyPr rtlCol="0" anchor="ctr"/>
+          <a:lstStyle/>
+          <a:p>
+            <a:pPr algn="ctr"/>
+            <a:r>
+              <a:rPr lang="en-PL" dirty="0"/>
+              <a:t>FilterNet(ann8)</a:t>
+            </a:r>
+          </a:p>
+        </p:txBody>
+      </p:sp>
+      <p:cxnSp>
+        <p:nvCxnSpPr>
+          <p:cNvPr id="28" name="Elbow Connector 27">
+            <a:extLst>
+              <a:ext uri="{FF2B5EF4-FFF2-40B4-BE49-F238E27FC236}">
+                <a16:creationId xmlns:a16="http://schemas.microsoft.com/office/drawing/2014/main" id="{D85BDA95-56DC-C265-0026-C9D3BB95EB0D}"/>
+              </a:ext>
+            </a:extLst>
+          </p:cNvPr>
+          <p:cNvCxnSpPr>
+            <a:stCxn id="6" idx="3"/>
+            <a:endCxn id="22" idx="1"/>
+          </p:cNvCxnSpPr>
+          <p:nvPr/>
+        </p:nvCxnSpPr>
+        <p:spPr>
+          <a:xfrm flipV="1">
+            <a:off x="1970314" y="3290887"/>
+            <a:ext cx="914397" cy="791256"/>
+          </a:xfrm>
+          <a:prstGeom prst="bentConnector3">
+            <a:avLst/>
+          </a:prstGeom>
+          <a:ln>
+            <a:tailEnd type="triangle"/>
+          </a:ln>
+        </p:spPr>
+        <p:style>
+          <a:lnRef idx="1">
+            <a:schemeClr val="accent1"/>
+          </a:lnRef>
+          <a:fillRef idx="0">
+            <a:schemeClr val="accent1"/>
+          </a:fillRef>
+          <a:effectRef idx="0">
+            <a:schemeClr val="accent1"/>
+          </a:effectRef>
+          <a:fontRef idx="minor">
+            <a:schemeClr val="tx1"/>
+          </a:fontRef>
+        </p:style>
+      </p:cxnSp>
+      <p:cxnSp>
+        <p:nvCxnSpPr>
+          <p:cNvPr id="30" name="Elbow Connector 29">
+            <a:extLst>
+              <a:ext uri="{FF2B5EF4-FFF2-40B4-BE49-F238E27FC236}">
+                <a16:creationId xmlns:a16="http://schemas.microsoft.com/office/drawing/2014/main" id="{D2294302-7155-43D1-4170-728868D9E29B}"/>
+              </a:ext>
+            </a:extLst>
+          </p:cNvPr>
+          <p:cNvCxnSpPr>
+            <a:stCxn id="6" idx="3"/>
+            <a:endCxn id="23" idx="1"/>
+          </p:cNvCxnSpPr>
+          <p:nvPr/>
+        </p:nvCxnSpPr>
+        <p:spPr>
+          <a:xfrm flipV="1">
+            <a:off x="1970314" y="2460172"/>
+            <a:ext cx="925283" cy="1621971"/>
+          </a:xfrm>
+          <a:prstGeom prst="bentConnector3">
+            <a:avLst/>
+          </a:prstGeom>
+          <a:ln>
+            <a:tailEnd type="triangle"/>
+          </a:ln>
+        </p:spPr>
+        <p:style>
+          <a:lnRef idx="1">
+            <a:schemeClr val="accent1"/>
+          </a:lnRef>
+          <a:fillRef idx="0">
+            <a:schemeClr val="accent1"/>
+          </a:fillRef>
+          <a:effectRef idx="0">
+            <a:schemeClr val="accent1"/>
+          </a:effectRef>
+          <a:fontRef idx="minor">
+            <a:schemeClr val="tx1"/>
+          </a:fontRef>
+        </p:style>
+      </p:cxnSp>
+      <p:cxnSp>
+        <p:nvCxnSpPr>
+          <p:cNvPr id="32" name="Elbow Connector 31">
+            <a:extLst>
+              <a:ext uri="{FF2B5EF4-FFF2-40B4-BE49-F238E27FC236}">
+                <a16:creationId xmlns:a16="http://schemas.microsoft.com/office/drawing/2014/main" id="{81140EF1-DBA7-EA62-913B-46E5F259BF6C}"/>
+              </a:ext>
+            </a:extLst>
+          </p:cNvPr>
+          <p:cNvCxnSpPr>
+            <a:stCxn id="6" idx="3"/>
+            <a:endCxn id="21" idx="1"/>
+          </p:cNvCxnSpPr>
+          <p:nvPr/>
+        </p:nvCxnSpPr>
+        <p:spPr>
+          <a:xfrm>
+            <a:off x="1970314" y="4082143"/>
+            <a:ext cx="925285" cy="736827"/>
+          </a:xfrm>
+          <a:prstGeom prst="bentConnector3">
+            <a:avLst/>
+          </a:prstGeom>
+          <a:ln>
+            <a:tailEnd type="triangle"/>
+          </a:ln>
+        </p:spPr>
+        <p:style>
+          <a:lnRef idx="1">
+            <a:schemeClr val="accent1"/>
+          </a:lnRef>
+          <a:fillRef idx="0">
+            <a:schemeClr val="accent1"/>
+          </a:fillRef>
+          <a:effectRef idx="0">
+            <a:schemeClr val="accent1"/>
+          </a:effectRef>
+          <a:fontRef idx="minor">
+            <a:schemeClr val="tx1"/>
+          </a:fontRef>
+        </p:style>
+      </p:cxnSp>
+      <p:sp>
+        <p:nvSpPr>
+          <p:cNvPr id="33" name="Rectangle 32">
+            <a:extLst>
+              <a:ext uri="{FF2B5EF4-FFF2-40B4-BE49-F238E27FC236}">
+                <a16:creationId xmlns:a16="http://schemas.microsoft.com/office/drawing/2014/main" id="{B62CF127-1E6B-3E04-3387-07EFB4B221DC}"/>
+              </a:ext>
+            </a:extLst>
+          </p:cNvPr>
+          <p:cNvSpPr/>
+          <p:nvPr/>
+        </p:nvSpPr>
+        <p:spPr>
+          <a:xfrm>
+            <a:off x="5856510" y="2155371"/>
+            <a:ext cx="979715" cy="3799113"/>
+          </a:xfrm>
+          <a:prstGeom prst="rect">
+            <a:avLst/>
+          </a:prstGeom>
+        </p:spPr>
+        <p:style>
+          <a:lnRef idx="2">
+            <a:schemeClr val="accent1">
+              <a:shade val="15000"/>
+            </a:schemeClr>
+          </a:lnRef>
+          <a:fillRef idx="1">
+            <a:schemeClr val="accent1"/>
+          </a:fillRef>
+          <a:effectRef idx="0">
+            <a:schemeClr val="accent1"/>
+          </a:effectRef>
+          <a:fontRef idx="minor">
+            <a:schemeClr val="lt1"/>
+          </a:fontRef>
+        </p:style>
+        <p:txBody>
+          <a:bodyPr vert="vert270" rtlCol="0" anchor="ctr"/>
+          <a:lstStyle/>
+          <a:p>
+            <a:pPr algn="ctr"/>
+            <a:r>
+              <a:rPr lang="en-PL" dirty="0"/>
+              <a:t>CONCATENATE</a:t>
+            </a:r>
+          </a:p>
+        </p:txBody>
+      </p:sp>
+      <p:sp>
+        <p:nvSpPr>
+          <p:cNvPr id="34" name="Rectangle 33">
+            <a:extLst>
+              <a:ext uri="{FF2B5EF4-FFF2-40B4-BE49-F238E27FC236}">
+                <a16:creationId xmlns:a16="http://schemas.microsoft.com/office/drawing/2014/main" id="{B9E16546-140A-855E-88FC-FA3B52B9E090}"/>
+              </a:ext>
+            </a:extLst>
+          </p:cNvPr>
+          <p:cNvSpPr/>
+          <p:nvPr/>
+        </p:nvSpPr>
+        <p:spPr>
+          <a:xfrm>
+            <a:off x="7445819" y="2155371"/>
+            <a:ext cx="979715" cy="3799113"/>
+          </a:xfrm>
+          <a:prstGeom prst="rect">
+            <a:avLst/>
+          </a:prstGeom>
+        </p:spPr>
+        <p:style>
+          <a:lnRef idx="2">
+            <a:schemeClr val="accent1">
+              <a:shade val="15000"/>
+            </a:schemeClr>
+          </a:lnRef>
+          <a:fillRef idx="1">
+            <a:schemeClr val="accent1"/>
+          </a:fillRef>
+          <a:effectRef idx="0">
+            <a:schemeClr val="accent1"/>
+          </a:effectRef>
+          <a:fontRef idx="minor">
+            <a:schemeClr val="lt1"/>
+          </a:fontRef>
+        </p:style>
+        <p:txBody>
+          <a:bodyPr vert="vert270" rtlCol="0" anchor="ctr"/>
+          <a:lstStyle/>
+          <a:p>
+            <a:pPr algn="ctr"/>
+            <a:r>
+              <a:rPr lang="en-PL" dirty="0"/>
+              <a:t>AVG POOL</a:t>
+            </a:r>
+          </a:p>
+        </p:txBody>
+      </p:sp>
+      <p:sp>
+        <p:nvSpPr>
+          <p:cNvPr id="35" name="Rectangle 34">
+            <a:extLst>
+              <a:ext uri="{FF2B5EF4-FFF2-40B4-BE49-F238E27FC236}">
+                <a16:creationId xmlns:a16="http://schemas.microsoft.com/office/drawing/2014/main" id="{B567CA65-5F72-CB42-E0AA-B358FD06DACA}"/>
+              </a:ext>
+            </a:extLst>
+          </p:cNvPr>
+          <p:cNvSpPr/>
+          <p:nvPr/>
+        </p:nvSpPr>
+        <p:spPr>
+          <a:xfrm>
+            <a:off x="9035128" y="2155371"/>
+            <a:ext cx="979715" cy="3799113"/>
+          </a:xfrm>
+          <a:prstGeom prst="rect">
+            <a:avLst/>
+          </a:prstGeom>
+        </p:spPr>
+        <p:style>
+          <a:lnRef idx="2">
+            <a:schemeClr val="accent1">
+              <a:shade val="15000"/>
+            </a:schemeClr>
+          </a:lnRef>
+          <a:fillRef idx="1">
+            <a:schemeClr val="accent1"/>
+          </a:fillRef>
+          <a:effectRef idx="0">
+            <a:schemeClr val="accent1"/>
+          </a:effectRef>
+          <a:fontRef idx="minor">
+            <a:schemeClr val="lt1"/>
+          </a:fontRef>
+        </p:style>
+        <p:txBody>
+          <a:bodyPr vert="vert270" rtlCol="0" anchor="ctr"/>
+          <a:lstStyle/>
+          <a:p>
+            <a:pPr algn="ctr"/>
+            <a:r>
+              <a:rPr lang="en-PL" dirty="0"/>
+              <a:t>LINEAR</a:t>
+            </a:r>
+          </a:p>
+        </p:txBody>
+      </p:sp>
+      <p:sp>
+        <p:nvSpPr>
+          <p:cNvPr id="36" name="Rectangle 35">
+            <a:extLst>
+              <a:ext uri="{FF2B5EF4-FFF2-40B4-BE49-F238E27FC236}">
+                <a16:creationId xmlns:a16="http://schemas.microsoft.com/office/drawing/2014/main" id="{C5B2E84F-4245-5223-02F3-2873F557E2A9}"/>
+              </a:ext>
+            </a:extLst>
+          </p:cNvPr>
+          <p:cNvSpPr/>
+          <p:nvPr/>
+        </p:nvSpPr>
+        <p:spPr>
+          <a:xfrm>
+            <a:off x="10624437" y="2182585"/>
+            <a:ext cx="979715" cy="3799113"/>
+          </a:xfrm>
+          <a:prstGeom prst="rect">
+            <a:avLst/>
+          </a:prstGeom>
+        </p:spPr>
+        <p:style>
+          <a:lnRef idx="2">
+            <a:schemeClr val="accent1">
+              <a:shade val="15000"/>
+            </a:schemeClr>
+          </a:lnRef>
+          <a:fillRef idx="1">
+            <a:schemeClr val="accent1"/>
+          </a:fillRef>
+          <a:effectRef idx="0">
+            <a:schemeClr val="accent1"/>
+          </a:effectRef>
+          <a:fontRef idx="minor">
+            <a:schemeClr val="lt1"/>
+          </a:fontRef>
+        </p:style>
+        <p:txBody>
+          <a:bodyPr vert="vert270" rtlCol="0" anchor="ctr"/>
+          <a:lstStyle/>
+          <a:p>
+            <a:pPr algn="ctr"/>
+            <a:r>
+              <a:rPr lang="en-PL" dirty="0"/>
+              <a:t>SIGMOID</a:t>
+            </a:r>
+          </a:p>
+        </p:txBody>
+      </p:sp>
+      <p:cxnSp>
+        <p:nvCxnSpPr>
+          <p:cNvPr id="38" name="Elbow Connector 37">
+            <a:extLst>
+              <a:ext uri="{FF2B5EF4-FFF2-40B4-BE49-F238E27FC236}">
+                <a16:creationId xmlns:a16="http://schemas.microsoft.com/office/drawing/2014/main" id="{A34652D6-F13D-2DF7-8270-B7675087CFEA}"/>
+              </a:ext>
+            </a:extLst>
+          </p:cNvPr>
+          <p:cNvCxnSpPr>
+            <a:stCxn id="23" idx="3"/>
+            <a:endCxn id="33" idx="1"/>
+          </p:cNvCxnSpPr>
+          <p:nvPr/>
+        </p:nvCxnSpPr>
+        <p:spPr>
+          <a:xfrm>
+            <a:off x="4974768" y="2460172"/>
+            <a:ext cx="881742" cy="1594756"/>
+          </a:xfrm>
+          <a:prstGeom prst="bentConnector3">
+            <a:avLst/>
+          </a:prstGeom>
+          <a:ln>
+            <a:tailEnd type="triangle"/>
+          </a:ln>
+        </p:spPr>
+        <p:style>
+          <a:lnRef idx="1">
+            <a:schemeClr val="accent1"/>
+          </a:lnRef>
+          <a:fillRef idx="0">
+            <a:schemeClr val="accent1"/>
+          </a:fillRef>
+          <a:effectRef idx="0">
+            <a:schemeClr val="accent1"/>
+          </a:effectRef>
+          <a:fontRef idx="minor">
+            <a:schemeClr val="tx1"/>
+          </a:fontRef>
+        </p:style>
+      </p:cxnSp>
+      <p:cxnSp>
+        <p:nvCxnSpPr>
+          <p:cNvPr id="40" name="Elbow Connector 39">
+            <a:extLst>
+              <a:ext uri="{FF2B5EF4-FFF2-40B4-BE49-F238E27FC236}">
+                <a16:creationId xmlns:a16="http://schemas.microsoft.com/office/drawing/2014/main" id="{CA58BD51-46B9-1349-B370-4F7F34759487}"/>
+              </a:ext>
+            </a:extLst>
+          </p:cNvPr>
+          <p:cNvCxnSpPr>
+            <a:stCxn id="22" idx="3"/>
+            <a:endCxn id="33" idx="1"/>
+          </p:cNvCxnSpPr>
+          <p:nvPr/>
+        </p:nvCxnSpPr>
+        <p:spPr>
+          <a:xfrm>
+            <a:off x="4963882" y="3290887"/>
+            <a:ext cx="892628" cy="764041"/>
+          </a:xfrm>
+          <a:prstGeom prst="bentConnector3">
+            <a:avLst/>
+          </a:prstGeom>
+          <a:ln>
+            <a:tailEnd type="triangle"/>
+          </a:ln>
+        </p:spPr>
+        <p:style>
+          <a:lnRef idx="1">
+            <a:schemeClr val="accent1"/>
+          </a:lnRef>
+          <a:fillRef idx="0">
+            <a:schemeClr val="accent1"/>
+          </a:fillRef>
+          <a:effectRef idx="0">
+            <a:schemeClr val="accent1"/>
+          </a:effectRef>
+          <a:fontRef idx="minor">
+            <a:schemeClr val="tx1"/>
+          </a:fontRef>
+        </p:style>
+      </p:cxnSp>
+      <p:cxnSp>
+        <p:nvCxnSpPr>
+          <p:cNvPr id="42" name="Elbow Connector 41">
+            <a:extLst>
+              <a:ext uri="{FF2B5EF4-FFF2-40B4-BE49-F238E27FC236}">
+                <a16:creationId xmlns:a16="http://schemas.microsoft.com/office/drawing/2014/main" id="{7264D9EF-57BF-1379-86C2-A0E2F610426D}"/>
+              </a:ext>
+            </a:extLst>
+          </p:cNvPr>
+          <p:cNvCxnSpPr>
+            <a:stCxn id="21" idx="3"/>
+            <a:endCxn id="33" idx="1"/>
+          </p:cNvCxnSpPr>
+          <p:nvPr/>
+        </p:nvCxnSpPr>
+        <p:spPr>
+          <a:xfrm flipV="1">
+            <a:off x="4974770" y="4054928"/>
+            <a:ext cx="881740" cy="764042"/>
+          </a:xfrm>
+          <a:prstGeom prst="bentConnector3">
+            <a:avLst/>
+          </a:prstGeom>
+          <a:ln>
+            <a:tailEnd type="triangle"/>
+          </a:ln>
+        </p:spPr>
+        <p:style>
+          <a:lnRef idx="1">
+            <a:schemeClr val="accent1"/>
+          </a:lnRef>
+          <a:fillRef idx="0">
+            <a:schemeClr val="accent1"/>
+          </a:fillRef>
+          <a:effectRef idx="0">
+            <a:schemeClr val="accent1"/>
+          </a:effectRef>
+          <a:fontRef idx="minor">
+            <a:schemeClr val="tx1"/>
+          </a:fontRef>
+        </p:style>
+      </p:cxnSp>
+      <p:cxnSp>
+        <p:nvCxnSpPr>
+          <p:cNvPr id="44" name="Elbow Connector 43">
+            <a:extLst>
+              <a:ext uri="{FF2B5EF4-FFF2-40B4-BE49-F238E27FC236}">
+                <a16:creationId xmlns:a16="http://schemas.microsoft.com/office/drawing/2014/main" id="{17443C94-E065-C48A-5D5B-FFACE2EFF8A4}"/>
+              </a:ext>
+            </a:extLst>
+          </p:cNvPr>
+          <p:cNvCxnSpPr>
+            <a:stCxn id="16" idx="3"/>
+            <a:endCxn id="33" idx="1"/>
+          </p:cNvCxnSpPr>
+          <p:nvPr/>
+        </p:nvCxnSpPr>
+        <p:spPr>
+          <a:xfrm flipV="1">
+            <a:off x="4974771" y="4054928"/>
+            <a:ext cx="881739" cy="1594757"/>
+          </a:xfrm>
+          <a:prstGeom prst="bentConnector3">
+            <a:avLst/>
+          </a:prstGeom>
+          <a:ln>
+            <a:tailEnd type="triangle"/>
+          </a:ln>
+        </p:spPr>
+        <p:style>
+          <a:lnRef idx="1">
+            <a:schemeClr val="accent1"/>
+          </a:lnRef>
+          <a:fillRef idx="0">
+            <a:schemeClr val="accent1"/>
+          </a:fillRef>
+          <a:effectRef idx="0">
+            <a:schemeClr val="accent1"/>
+          </a:effectRef>
+          <a:fontRef idx="minor">
+            <a:schemeClr val="tx1"/>
+          </a:fontRef>
+        </p:style>
+      </p:cxnSp>
+      <p:cxnSp>
+        <p:nvCxnSpPr>
+          <p:cNvPr id="46" name="Straight Arrow Connector 45">
+            <a:extLst>
+              <a:ext uri="{FF2B5EF4-FFF2-40B4-BE49-F238E27FC236}">
+                <a16:creationId xmlns:a16="http://schemas.microsoft.com/office/drawing/2014/main" id="{23F2C5B4-D43D-0452-234B-541D52309CA1}"/>
+              </a:ext>
+            </a:extLst>
+          </p:cNvPr>
+          <p:cNvCxnSpPr>
+            <a:stCxn id="33" idx="3"/>
+            <a:endCxn id="34" idx="1"/>
+          </p:cNvCxnSpPr>
+          <p:nvPr/>
+        </p:nvCxnSpPr>
+        <p:spPr>
+          <a:xfrm>
+            <a:off x="6836225" y="4054928"/>
+            <a:ext cx="609594" cy="0"/>
+          </a:xfrm>
+          <a:prstGeom prst="straightConnector1">
+            <a:avLst/>
+          </a:prstGeom>
+          <a:ln>
+            <a:tailEnd type="triangle"/>
+          </a:ln>
+        </p:spPr>
+        <p:style>
+          <a:lnRef idx="1">
+            <a:schemeClr val="accent1"/>
+          </a:lnRef>
+          <a:fillRef idx="0">
+            <a:schemeClr val="accent1"/>
+          </a:fillRef>
+          <a:effectRef idx="0">
+            <a:schemeClr val="accent1"/>
+          </a:effectRef>
+          <a:fontRef idx="minor">
+            <a:schemeClr val="tx1"/>
+          </a:fontRef>
+        </p:style>
+      </p:cxnSp>
+      <p:cxnSp>
+        <p:nvCxnSpPr>
+          <p:cNvPr id="48" name="Straight Arrow Connector 47">
+            <a:extLst>
+              <a:ext uri="{FF2B5EF4-FFF2-40B4-BE49-F238E27FC236}">
+                <a16:creationId xmlns:a16="http://schemas.microsoft.com/office/drawing/2014/main" id="{8AD2FA72-6ACD-B9F1-1E97-D7E0EA1521E9}"/>
+              </a:ext>
+            </a:extLst>
+          </p:cNvPr>
+          <p:cNvCxnSpPr>
+            <a:stCxn id="34" idx="3"/>
+            <a:endCxn id="35" idx="1"/>
+          </p:cNvCxnSpPr>
+          <p:nvPr/>
+        </p:nvCxnSpPr>
+        <p:spPr>
+          <a:xfrm>
+            <a:off x="8425534" y="4054928"/>
+            <a:ext cx="609594" cy="0"/>
+          </a:xfrm>
+          <a:prstGeom prst="straightConnector1">
+            <a:avLst/>
+          </a:prstGeom>
+          <a:ln>
+            <a:tailEnd type="triangle"/>
+          </a:ln>
+        </p:spPr>
+        <p:style>
+          <a:lnRef idx="1">
+            <a:schemeClr val="accent1"/>
+          </a:lnRef>
+          <a:fillRef idx="0">
+            <a:schemeClr val="accent1"/>
+          </a:fillRef>
+          <a:effectRef idx="0">
+            <a:schemeClr val="accent1"/>
+          </a:effectRef>
+          <a:fontRef idx="minor">
+            <a:schemeClr val="tx1"/>
+          </a:fontRef>
+        </p:style>
+      </p:cxnSp>
+      <p:cxnSp>
+        <p:nvCxnSpPr>
+          <p:cNvPr id="50" name="Straight Arrow Connector 49">
+            <a:extLst>
+              <a:ext uri="{FF2B5EF4-FFF2-40B4-BE49-F238E27FC236}">
+                <a16:creationId xmlns:a16="http://schemas.microsoft.com/office/drawing/2014/main" id="{4D8B9EFE-EED0-FD09-8E9A-2CE6EBCDD4C8}"/>
+              </a:ext>
+            </a:extLst>
+          </p:cNvPr>
+          <p:cNvCxnSpPr>
+            <a:stCxn id="35" idx="3"/>
+          </p:cNvCxnSpPr>
+          <p:nvPr/>
+        </p:nvCxnSpPr>
+        <p:spPr>
+          <a:xfrm>
+            <a:off x="10014843" y="4054928"/>
+            <a:ext cx="609594" cy="0"/>
+          </a:xfrm>
+          <a:prstGeom prst="straightConnector1">
+            <a:avLst/>
+          </a:prstGeom>
+          <a:ln>
+            <a:tailEnd type="triangle"/>
+          </a:ln>
+        </p:spPr>
+        <p:style>
+          <a:lnRef idx="1">
+            <a:schemeClr val="accent1"/>
+          </a:lnRef>
+          <a:fillRef idx="0">
+            <a:schemeClr val="accent1"/>
+          </a:fillRef>
+          <a:effectRef idx="0">
+            <a:schemeClr val="accent1"/>
+          </a:effectRef>
+          <a:fontRef idx="minor">
+            <a:schemeClr val="tx1"/>
+          </a:fontRef>
+        </p:style>
+      </p:cxnSp>
+      <p:sp>
+        <p:nvSpPr>
+          <p:cNvPr id="51" name="Oval 50">
+            <a:extLst>
+              <a:ext uri="{FF2B5EF4-FFF2-40B4-BE49-F238E27FC236}">
+                <a16:creationId xmlns:a16="http://schemas.microsoft.com/office/drawing/2014/main" id="{3CA1E4BD-11C6-9319-D727-35FA5010A443}"/>
+              </a:ext>
+            </a:extLst>
+          </p:cNvPr>
+          <p:cNvSpPr/>
+          <p:nvPr/>
+        </p:nvSpPr>
+        <p:spPr>
+          <a:xfrm flipH="1">
+            <a:off x="3995057" y="3933149"/>
+            <a:ext cx="65314" cy="45719"/>
+          </a:xfrm>
+          <a:prstGeom prst="ellipse">
+            <a:avLst/>
+          </a:prstGeom>
+        </p:spPr>
+        <p:style>
+          <a:lnRef idx="2">
+            <a:schemeClr val="accent1">
+              <a:shade val="15000"/>
+            </a:schemeClr>
+          </a:lnRef>
+          <a:fillRef idx="1">
+            <a:schemeClr val="accent1"/>
+          </a:fillRef>
+          <a:effectRef idx="0">
+            <a:schemeClr val="accent1"/>
+          </a:effectRef>
+          <a:fontRef idx="minor">
+            <a:schemeClr val="lt1"/>
+          </a:fontRef>
+        </p:style>
+        <p:txBody>
+          <a:bodyPr rtlCol="0" anchor="ctr"/>
+          <a:lstStyle/>
+          <a:p>
+            <a:pPr algn="ctr"/>
+            <a:endParaRPr lang="en-PL"/>
+          </a:p>
+        </p:txBody>
+      </p:sp>
+      <p:sp>
+        <p:nvSpPr>
+          <p:cNvPr id="58" name="Oval 57">
+            <a:extLst>
+              <a:ext uri="{FF2B5EF4-FFF2-40B4-BE49-F238E27FC236}">
+                <a16:creationId xmlns:a16="http://schemas.microsoft.com/office/drawing/2014/main" id="{85E18650-3DA8-CAB8-762A-6745A227B2EC}"/>
+              </a:ext>
+            </a:extLst>
+          </p:cNvPr>
+          <p:cNvSpPr/>
+          <p:nvPr/>
+        </p:nvSpPr>
+        <p:spPr>
+          <a:xfrm flipH="1">
+            <a:off x="4005943" y="4085549"/>
+            <a:ext cx="65314" cy="45719"/>
+          </a:xfrm>
+          <a:prstGeom prst="ellipse">
+            <a:avLst/>
+          </a:prstGeom>
+        </p:spPr>
+        <p:style>
+          <a:lnRef idx="2">
+            <a:schemeClr val="accent1">
+              <a:shade val="15000"/>
+            </a:schemeClr>
+          </a:lnRef>
+          <a:fillRef idx="1">
+            <a:schemeClr val="accent1"/>
+          </a:fillRef>
+          <a:effectRef idx="0">
+            <a:schemeClr val="accent1"/>
+          </a:effectRef>
+          <a:fontRef idx="minor">
+            <a:schemeClr val="lt1"/>
+          </a:fontRef>
+        </p:style>
+        <p:txBody>
+          <a:bodyPr rtlCol="0" anchor="ctr"/>
+          <a:lstStyle/>
+          <a:p>
+            <a:pPr algn="ctr"/>
+            <a:endParaRPr lang="en-PL"/>
+          </a:p>
+        </p:txBody>
+      </p:sp>
+      <p:sp>
+        <p:nvSpPr>
+          <p:cNvPr id="59" name="Oval 58">
+            <a:extLst>
+              <a:ext uri="{FF2B5EF4-FFF2-40B4-BE49-F238E27FC236}">
+                <a16:creationId xmlns:a16="http://schemas.microsoft.com/office/drawing/2014/main" id="{86CADD2B-FEFD-4BF7-1B49-C0584CBA33EE}"/>
+              </a:ext>
+            </a:extLst>
+          </p:cNvPr>
+          <p:cNvSpPr/>
+          <p:nvPr/>
+        </p:nvSpPr>
+        <p:spPr>
+          <a:xfrm flipH="1">
+            <a:off x="4005940" y="4227063"/>
+            <a:ext cx="65314" cy="45719"/>
+          </a:xfrm>
+          <a:prstGeom prst="ellipse">
+            <a:avLst/>
+          </a:prstGeom>
+        </p:spPr>
+        <p:style>
+          <a:lnRef idx="2">
+            <a:schemeClr val="accent1">
+              <a:shade val="15000"/>
+            </a:schemeClr>
+          </a:lnRef>
+          <a:fillRef idx="1">
+            <a:schemeClr val="accent1"/>
+          </a:fillRef>
+          <a:effectRef idx="0">
+            <a:schemeClr val="accent1"/>
+          </a:effectRef>
+          <a:fontRef idx="minor">
+            <a:schemeClr val="lt1"/>
+          </a:fontRef>
+        </p:style>
+        <p:txBody>
+          <a:bodyPr rtlCol="0" anchor="ctr"/>
+          <a:lstStyle/>
+          <a:p>
+            <a:pPr algn="ctr"/>
+            <a:endParaRPr lang="en-PL"/>
+          </a:p>
+        </p:txBody>
+      </p:sp>
+    </p:spTree>
+    <p:extLst>
+      <p:ext uri="{BB962C8B-B14F-4D97-AF65-F5344CB8AC3E}">
+        <p14:creationId xmlns:p14="http://schemas.microsoft.com/office/powerpoint/2010/main" val="2030071942"/>
+      </p:ext>
+    </p:extLst>
+  </p:cSld>
+  <p:clrMapOvr>
+    <a:masterClrMapping/>
+  </p:clrMapOvr>
+</p:sld>
+</file>
+
 <file path=ppt/slides/slide2.xml><?xml version="1.0" encoding="utf-8"?>
 <p:sld xmlns:a="http://schemas.openxmlformats.org/drawingml/2006/main" xmlns:r="http://schemas.openxmlformats.org/officeDocument/2006/relationships" xmlns:p="http://schemas.openxmlformats.org/presentationml/2006/main">
   <p:cSld>
@@ -3682,6 +5960,196 @@
     <p:extLst>
       <p:ext uri="{BB962C8B-B14F-4D97-AF65-F5344CB8AC3E}">
         <p14:creationId xmlns:p14="http://schemas.microsoft.com/office/powerpoint/2010/main" val="523046956"/>
+      </p:ext>
+    </p:extLst>
+  </p:cSld>
+  <p:clrMapOvr>
+    <a:masterClrMapping/>
+  </p:clrMapOvr>
+</p:sld>
+</file>
+
+<file path=ppt/slides/slide20.xml><?xml version="1.0" encoding="utf-8"?>
+<p:sld xmlns:a="http://schemas.openxmlformats.org/drawingml/2006/main" xmlns:r="http://schemas.openxmlformats.org/officeDocument/2006/relationships" xmlns:p="http://schemas.openxmlformats.org/presentationml/2006/main">
+  <p:cSld>
+    <p:spTree>
+      <p:nvGrpSpPr>
+        <p:cNvPr id="1" name=""/>
+        <p:cNvGrpSpPr/>
+        <p:nvPr/>
+      </p:nvGrpSpPr>
+      <p:grpSpPr>
+        <a:xfrm>
+          <a:off x="0" y="0"/>
+          <a:ext cx="0" cy="0"/>
+          <a:chOff x="0" y="0"/>
+          <a:chExt cx="0" cy="0"/>
+        </a:xfrm>
+      </p:grpSpPr>
+      <p:sp>
+        <p:nvSpPr>
+          <p:cNvPr id="2" name="Title 1">
+            <a:extLst>
+              <a:ext uri="{FF2B5EF4-FFF2-40B4-BE49-F238E27FC236}">
+                <a16:creationId xmlns:a16="http://schemas.microsoft.com/office/drawing/2014/main" id="{09140196-710F-C3B3-5636-367ADB312F88}"/>
+              </a:ext>
+            </a:extLst>
+          </p:cNvPr>
+          <p:cNvSpPr>
+            <a:spLocks noGrp="1"/>
+          </p:cNvSpPr>
+          <p:nvPr>
+            <p:ph type="title"/>
+          </p:nvPr>
+        </p:nvSpPr>
+        <p:spPr>
+          <a:xfrm>
+            <a:off x="838200" y="273276"/>
+            <a:ext cx="10515600" cy="527504"/>
+          </a:xfrm>
+        </p:spPr>
+        <p:txBody>
+          <a:bodyPr>
+            <a:normAutofit fontScale="90000"/>
+          </a:bodyPr>
+          <a:lstStyle/>
+          <a:p>
+            <a:r>
+              <a:rPr lang="en-PL" dirty="0"/>
+              <a:t>PLAN</a:t>
+            </a:r>
+          </a:p>
+        </p:txBody>
+      </p:sp>
+      <p:sp>
+        <p:nvSpPr>
+          <p:cNvPr id="3" name="Content Placeholder 2">
+            <a:extLst>
+              <a:ext uri="{FF2B5EF4-FFF2-40B4-BE49-F238E27FC236}">
+                <a16:creationId xmlns:a16="http://schemas.microsoft.com/office/drawing/2014/main" id="{20E9ACC7-9813-D260-2B7E-2F5676F74851}"/>
+              </a:ext>
+            </a:extLst>
+          </p:cNvPr>
+          <p:cNvSpPr>
+            <a:spLocks noGrp="1"/>
+          </p:cNvSpPr>
+          <p:nvPr>
+            <p:ph idx="1"/>
+          </p:nvPr>
+        </p:nvSpPr>
+        <p:spPr>
+          <a:xfrm>
+            <a:off x="838200" y="976538"/>
+            <a:ext cx="10515600" cy="5608186"/>
+          </a:xfrm>
+        </p:spPr>
+        <p:txBody>
+          <a:bodyPr>
+            <a:normAutofit fontScale="92500" lnSpcReduction="20000"/>
+          </a:bodyPr>
+          <a:lstStyle/>
+          <a:p>
+            <a:pPr marL="0" indent="0">
+              <a:buNone/>
+            </a:pPr>
+            <a:r>
+              <a:rPr lang="en-PL" b="1" dirty="0"/>
+              <a:t>*** CLEAN THE CODE ***</a:t>
+            </a:r>
+          </a:p>
+          <a:p>
+            <a:pPr marL="0" indent="0">
+              <a:buNone/>
+            </a:pPr>
+            <a:r>
+              <a:rPr lang="en-PL" b="1" dirty="0"/>
+              <a:t>SEGMENTATION MODULE:</a:t>
+            </a:r>
+          </a:p>
+          <a:p>
+            <a:r>
+              <a:rPr lang="en-PL" dirty="0"/>
+              <a:t>Create new features and attributes: acceleration, differences between velo acc and dir in edge attributes, avg velocity.</a:t>
+            </a:r>
+          </a:p>
+          <a:p>
+            <a:r>
+              <a:rPr lang="en-PL" dirty="0"/>
+              <a:t>Standardize somehow direction etc?</a:t>
+            </a:r>
+          </a:p>
+          <a:p>
+            <a:r>
+              <a:rPr lang="en-PL" dirty="0"/>
+              <a:t>Visualise the predictions, analyse the spikes without annotations.</a:t>
+            </a:r>
+          </a:p>
+          <a:p>
+            <a:r>
+              <a:rPr lang="en-PL" dirty="0"/>
+              <a:t>Remove threshold for edges (additionally).</a:t>
+            </a:r>
+          </a:p>
+          <a:p>
+            <a:r>
+              <a:rPr lang="en-PL" dirty="0"/>
+              <a:t>Play with K params individually to capture the impact / remove receptive field.</a:t>
+            </a:r>
+          </a:p>
+          <a:p>
+            <a:r>
+              <a:rPr lang="en-PL" dirty="0"/>
+              <a:t>Generate augmented data, by mirroring actions. </a:t>
+            </a:r>
+          </a:p>
+          <a:p>
+            <a:r>
+              <a:rPr lang="en-PL" dirty="0"/>
+              <a:t>Include dead and pass for annotations might be helpful further for spotting</a:t>
+            </a:r>
+          </a:p>
+          <a:p>
+            <a:pPr marL="0" indent="0">
+              <a:buNone/>
+            </a:pPr>
+            <a:r>
+              <a:rPr lang="en-PL" b="1" dirty="0"/>
+              <a:t>SPOTTING MODULE</a:t>
+            </a:r>
+          </a:p>
+          <a:p>
+            <a:r>
+              <a:rPr lang="en-PL" dirty="0"/>
+              <a:t>Build pipeline and start experimenting with the number of FN cells.</a:t>
+            </a:r>
+          </a:p>
+          <a:p>
+            <a:r>
+              <a:rPr lang="en-PL" dirty="0"/>
+              <a:t>Potential issue: double overfitting</a:t>
+            </a:r>
+          </a:p>
+          <a:p>
+            <a:endParaRPr lang="en-PL" dirty="0"/>
+          </a:p>
+          <a:p>
+            <a:endParaRPr lang="en-PL" dirty="0"/>
+          </a:p>
+          <a:p>
+            <a:endParaRPr lang="en-PL" dirty="0"/>
+          </a:p>
+          <a:p>
+            <a:endParaRPr lang="en-PL" dirty="0"/>
+          </a:p>
+          <a:p>
+            <a:endParaRPr lang="en-PL" dirty="0"/>
+          </a:p>
+        </p:txBody>
+      </p:sp>
+    </p:spTree>
+    <p:extLst>
+      <p:ext uri="{BB962C8B-B14F-4D97-AF65-F5344CB8AC3E}">
+        <p14:creationId xmlns:p14="http://schemas.microsoft.com/office/powerpoint/2010/main" val="4103414296"/>
       </p:ext>
     </p:extLst>
   </p:cSld>
@@ -4234,6 +6702,389 @@
     <p:extLst>
       <p:ext uri="{BB962C8B-B14F-4D97-AF65-F5344CB8AC3E}">
         <p14:creationId xmlns:p14="http://schemas.microsoft.com/office/powerpoint/2010/main" val="3526087448"/>
+      </p:ext>
+    </p:extLst>
+  </p:cSld>
+  <p:clrMapOvr>
+    <a:masterClrMapping/>
+  </p:clrMapOvr>
+</p:sld>
+</file>
+
+<file path=ppt/slides/slide8.xml><?xml version="1.0" encoding="utf-8"?>
+<p:sld xmlns:a="http://schemas.openxmlformats.org/drawingml/2006/main" xmlns:r="http://schemas.openxmlformats.org/officeDocument/2006/relationships" xmlns:p="http://schemas.openxmlformats.org/presentationml/2006/main">
+  <p:cSld>
+    <p:spTree>
+      <p:nvGrpSpPr>
+        <p:cNvPr id="1" name=""/>
+        <p:cNvGrpSpPr/>
+        <p:nvPr/>
+      </p:nvGrpSpPr>
+      <p:grpSpPr>
+        <a:xfrm>
+          <a:off x="0" y="0"/>
+          <a:ext cx="0" cy="0"/>
+          <a:chOff x="0" y="0"/>
+          <a:chExt cx="0" cy="0"/>
+        </a:xfrm>
+      </p:grpSpPr>
+      <p:pic>
+        <p:nvPicPr>
+          <p:cNvPr id="5" name="Picture 4">
+            <a:extLst>
+              <a:ext uri="{FF2B5EF4-FFF2-40B4-BE49-F238E27FC236}">
+                <a16:creationId xmlns:a16="http://schemas.microsoft.com/office/drawing/2014/main" id="{95649DEC-91EE-9E8A-73C4-7FEACC8F0AF5}"/>
+              </a:ext>
+            </a:extLst>
+          </p:cNvPr>
+          <p:cNvPicPr>
+            <a:picLocks noChangeAspect="1"/>
+          </p:cNvPicPr>
+          <p:nvPr/>
+        </p:nvPicPr>
+        <p:blipFill rotWithShape="1">
+          <a:blip r:embed="rId2"/>
+          <a:srcRect t="1747"/>
+          <a:stretch/>
+        </p:blipFill>
+        <p:spPr>
+          <a:xfrm>
+            <a:off x="-3047" y="10"/>
+            <a:ext cx="12191999" cy="6857990"/>
+          </a:xfrm>
+          <a:prstGeom prst="rect">
+            <a:avLst/>
+          </a:prstGeom>
+        </p:spPr>
+      </p:pic>
+      <p:sp>
+        <p:nvSpPr>
+          <p:cNvPr id="2" name="Title 1">
+            <a:extLst>
+              <a:ext uri="{FF2B5EF4-FFF2-40B4-BE49-F238E27FC236}">
+                <a16:creationId xmlns:a16="http://schemas.microsoft.com/office/drawing/2014/main" id="{27507E1A-3EA2-9020-D849-69537DB37F76}"/>
+              </a:ext>
+            </a:extLst>
+          </p:cNvPr>
+          <p:cNvSpPr>
+            <a:spLocks noGrp="1"/>
+          </p:cNvSpPr>
+          <p:nvPr>
+            <p:ph type="ctrTitle"/>
+          </p:nvPr>
+        </p:nvSpPr>
+        <p:spPr>
+          <a:xfrm>
+            <a:off x="1097280" y="325550"/>
+            <a:ext cx="10058400" cy="3574778"/>
+          </a:xfrm>
+          <a:effectLst>
+            <a:outerShdw blurRad="50800" dist="38100" dir="2700000" algn="tl" rotWithShape="0">
+              <a:prstClr val="black">
+                <a:alpha val="40000"/>
+              </a:prstClr>
+            </a:outerShdw>
+          </a:effectLst>
+        </p:spPr>
+        <p:txBody>
+          <a:bodyPr>
+            <a:normAutofit/>
+          </a:bodyPr>
+          <a:lstStyle/>
+          <a:p>
+            <a:r>
+              <a:rPr lang="en-PL" sz="5200" b="1" dirty="0">
+                <a:solidFill>
+                  <a:srgbClr val="FFFFFF"/>
+                </a:solidFill>
+              </a:rPr>
+              <a:t>Segmentation Module - Analysis</a:t>
+            </a:r>
+          </a:p>
+        </p:txBody>
+      </p:sp>
+      <p:sp>
+        <p:nvSpPr>
+          <p:cNvPr id="3" name="Subtitle 2">
+            <a:extLst>
+              <a:ext uri="{FF2B5EF4-FFF2-40B4-BE49-F238E27FC236}">
+                <a16:creationId xmlns:a16="http://schemas.microsoft.com/office/drawing/2014/main" id="{E95F4DAD-B444-F2F6-6FAC-E26C0CF55F9F}"/>
+              </a:ext>
+            </a:extLst>
+          </p:cNvPr>
+          <p:cNvSpPr>
+            <a:spLocks noGrp="1"/>
+          </p:cNvSpPr>
+          <p:nvPr>
+            <p:ph type="subTitle" idx="1"/>
+          </p:nvPr>
+        </p:nvSpPr>
+        <p:spPr>
+          <a:xfrm>
+            <a:off x="1100051" y="4072043"/>
+            <a:ext cx="10058400" cy="1282707"/>
+          </a:xfrm>
+          <a:effectLst>
+            <a:outerShdw blurRad="50800" dist="38100" dir="2700000" algn="tl" rotWithShape="0">
+              <a:prstClr val="black">
+                <a:alpha val="40000"/>
+              </a:prstClr>
+            </a:outerShdw>
+          </a:effectLst>
+        </p:spPr>
+        <p:txBody>
+          <a:bodyPr>
+            <a:normAutofit/>
+          </a:bodyPr>
+          <a:lstStyle/>
+          <a:p>
+            <a:endParaRPr lang="en-PL">
+              <a:solidFill>
+                <a:srgbClr val="FFFFFF"/>
+              </a:solidFill>
+            </a:endParaRPr>
+          </a:p>
+        </p:txBody>
+      </p:sp>
+    </p:spTree>
+    <p:extLst>
+      <p:ext uri="{BB962C8B-B14F-4D97-AF65-F5344CB8AC3E}">
+        <p14:creationId xmlns:p14="http://schemas.microsoft.com/office/powerpoint/2010/main" val="1682083768"/>
+      </p:ext>
+    </p:extLst>
+  </p:cSld>
+  <p:clrMapOvr>
+    <a:masterClrMapping/>
+  </p:clrMapOvr>
+  <p:timing>
+    <p:tnLst>
+      <p:par>
+        <p:cTn id="1" dur="indefinite" restart="never" nodeType="tmRoot">
+          <p:childTnLst>
+            <p:seq concurrent="1" nextAc="seek">
+              <p:cTn id="2" dur="indefinite" nodeType="mainSeq">
+                <p:childTnLst>
+                  <p:par>
+                    <p:cTn id="3" fill="hold">
+                      <p:stCondLst>
+                        <p:cond delay="indefinite"/>
+                        <p:cond evt="onBegin" delay="0">
+                          <p:tn val="2"/>
+                        </p:cond>
+                      </p:stCondLst>
+                      <p:childTnLst>
+                        <p:par>
+                          <p:cTn id="4" fill="hold">
+                            <p:stCondLst>
+                              <p:cond delay="0"/>
+                            </p:stCondLst>
+                            <p:childTnLst>
+                              <p:par>
+                                <p:cTn id="5" presetID="10" presetClass="entr" presetSubtype="0" fill="hold" grpId="0" nodeType="withEffect">
+                                  <p:stCondLst>
+                                    <p:cond delay="1000"/>
+                                  </p:stCondLst>
+                                  <p:iterate type="lt">
+                                    <p:tmPct val="10000"/>
+                                  </p:iterate>
+                                  <p:childTnLst>
+                                    <p:set>
+                                      <p:cBhvr>
+                                        <p:cTn id="6" dur="1" fill="hold">
+                                          <p:stCondLst>
+                                            <p:cond delay="0"/>
+                                          </p:stCondLst>
+                                        </p:cTn>
+                                        <p:tgtEl>
+                                          <p:spTgt spid="2"/>
+                                        </p:tgtEl>
+                                        <p:attrNameLst>
+                                          <p:attrName>style.visibility</p:attrName>
+                                        </p:attrNameLst>
+                                      </p:cBhvr>
+                                      <p:to>
+                                        <p:strVal val="visible"/>
+                                      </p:to>
+                                    </p:set>
+                                    <p:animEffect transition="in" filter="fade">
+                                      <p:cBhvr>
+                                        <p:cTn id="7" dur="400"/>
+                                        <p:tgtEl>
+                                          <p:spTgt spid="2"/>
+                                        </p:tgtEl>
+                                      </p:cBhvr>
+                                    </p:animEffect>
+                                  </p:childTnLst>
+                                </p:cTn>
+                              </p:par>
+                            </p:childTnLst>
+                          </p:cTn>
+                        </p:par>
+                      </p:childTnLst>
+                    </p:cTn>
+                  </p:par>
+                </p:childTnLst>
+              </p:cTn>
+              <p:prevCondLst>
+                <p:cond evt="onPrev" delay="0">
+                  <p:tgtEl>
+                    <p:sldTgt/>
+                  </p:tgtEl>
+                </p:cond>
+              </p:prevCondLst>
+              <p:nextCondLst>
+                <p:cond evt="onNext" delay="0">
+                  <p:tgtEl>
+                    <p:sldTgt/>
+                  </p:tgtEl>
+                </p:cond>
+              </p:nextCondLst>
+            </p:seq>
+          </p:childTnLst>
+        </p:cTn>
+      </p:par>
+    </p:tnLst>
+    <p:bldLst>
+      <p:bldP spid="2" grpId="0"/>
+    </p:bldLst>
+  </p:timing>
+</p:sld>
+</file>
+
+<file path=ppt/slides/slide9.xml><?xml version="1.0" encoding="utf-8"?>
+<p:sld xmlns:a="http://schemas.openxmlformats.org/drawingml/2006/main" xmlns:r="http://schemas.openxmlformats.org/officeDocument/2006/relationships" xmlns:p="http://schemas.openxmlformats.org/presentationml/2006/main">
+  <p:cSld>
+    <p:spTree>
+      <p:nvGrpSpPr>
+        <p:cNvPr id="1" name=""/>
+        <p:cNvGrpSpPr/>
+        <p:nvPr/>
+      </p:nvGrpSpPr>
+      <p:grpSpPr>
+        <a:xfrm>
+          <a:off x="0" y="0"/>
+          <a:ext cx="0" cy="0"/>
+          <a:chOff x="0" y="0"/>
+          <a:chExt cx="0" cy="0"/>
+        </a:xfrm>
+      </p:grpSpPr>
+      <p:sp>
+        <p:nvSpPr>
+          <p:cNvPr id="2" name="Title 1">
+            <a:extLst>
+              <a:ext uri="{FF2B5EF4-FFF2-40B4-BE49-F238E27FC236}">
+                <a16:creationId xmlns:a16="http://schemas.microsoft.com/office/drawing/2014/main" id="{EAE0AFDC-9419-9552-FC26-B9C3186DE3ED}"/>
+              </a:ext>
+            </a:extLst>
+          </p:cNvPr>
+          <p:cNvSpPr>
+            <a:spLocks noGrp="1"/>
+          </p:cNvSpPr>
+          <p:nvPr>
+            <p:ph type="title"/>
+          </p:nvPr>
+        </p:nvSpPr>
+        <p:spPr/>
+        <p:txBody>
+          <a:bodyPr/>
+          <a:lstStyle/>
+          <a:p>
+            <a:r>
+              <a:rPr lang="en-PL" dirty="0"/>
+              <a:t>4-annotations / early stopping  </a:t>
+            </a:r>
+          </a:p>
+        </p:txBody>
+      </p:sp>
+      <p:sp>
+        <p:nvSpPr>
+          <p:cNvPr id="3" name="Content Placeholder 2">
+            <a:extLst>
+              <a:ext uri="{FF2B5EF4-FFF2-40B4-BE49-F238E27FC236}">
+                <a16:creationId xmlns:a16="http://schemas.microsoft.com/office/drawing/2014/main" id="{94849653-8E57-0B2F-6E16-2179AFEDD033}"/>
+              </a:ext>
+            </a:extLst>
+          </p:cNvPr>
+          <p:cNvSpPr>
+            <a:spLocks noGrp="1"/>
+          </p:cNvSpPr>
+          <p:nvPr>
+            <p:ph idx="1"/>
+          </p:nvPr>
+        </p:nvSpPr>
+        <p:spPr/>
+        <p:txBody>
+          <a:bodyPr/>
+          <a:lstStyle/>
+          <a:p>
+            <a:endParaRPr lang="en-PL" dirty="0"/>
+          </a:p>
+        </p:txBody>
+      </p:sp>
+      <p:pic>
+        <p:nvPicPr>
+          <p:cNvPr id="4" name="Picture 3">
+            <a:extLst>
+              <a:ext uri="{FF2B5EF4-FFF2-40B4-BE49-F238E27FC236}">
+                <a16:creationId xmlns:a16="http://schemas.microsoft.com/office/drawing/2014/main" id="{19BFB9C9-C314-7382-BB71-890BF2AA99B1}"/>
+              </a:ext>
+            </a:extLst>
+          </p:cNvPr>
+          <p:cNvPicPr>
+            <a:picLocks noChangeAspect="1"/>
+          </p:cNvPicPr>
+          <p:nvPr/>
+        </p:nvPicPr>
+        <p:blipFill>
+          <a:blip r:embed="rId2"/>
+          <a:stretch>
+            <a:fillRect/>
+          </a:stretch>
+        </p:blipFill>
+        <p:spPr>
+          <a:xfrm>
+            <a:off x="379195" y="2752518"/>
+            <a:ext cx="5360427" cy="2655823"/>
+          </a:xfrm>
+          <a:prstGeom prst="rect">
+            <a:avLst/>
+          </a:prstGeom>
+        </p:spPr>
+      </p:pic>
+      <p:pic>
+        <p:nvPicPr>
+          <p:cNvPr id="5" name="Picture 4">
+            <a:extLst>
+              <a:ext uri="{FF2B5EF4-FFF2-40B4-BE49-F238E27FC236}">
+                <a16:creationId xmlns:a16="http://schemas.microsoft.com/office/drawing/2014/main" id="{1EFBEF12-BDBE-50DD-9F68-962D99201F3E}"/>
+              </a:ext>
+            </a:extLst>
+          </p:cNvPr>
+          <p:cNvPicPr>
+            <a:picLocks noChangeAspect="1"/>
+          </p:cNvPicPr>
+          <p:nvPr/>
+        </p:nvPicPr>
+        <p:blipFill>
+          <a:blip r:embed="rId3"/>
+          <a:stretch>
+            <a:fillRect/>
+          </a:stretch>
+        </p:blipFill>
+        <p:spPr>
+          <a:xfrm>
+            <a:off x="5739622" y="2385932"/>
+            <a:ext cx="6187069" cy="3230724"/>
+          </a:xfrm>
+          <a:prstGeom prst="rect">
+            <a:avLst/>
+          </a:prstGeom>
+        </p:spPr>
+      </p:pic>
+    </p:spTree>
+    <p:extLst>
+      <p:ext uri="{BB962C8B-B14F-4D97-AF65-F5344CB8AC3E}">
+        <p14:creationId xmlns:p14="http://schemas.microsoft.com/office/powerpoint/2010/main" val="888162164"/>
       </p:ext>
     </p:extLst>
   </p:cSld>

--- a/Notes/Code_Description.pptx
+++ b/Notes/Code_Description.pptx
@@ -19,12 +19,16 @@
     <p:sldId id="268" r:id="rId13"/>
     <p:sldId id="269" r:id="rId14"/>
     <p:sldId id="274" r:id="rId15"/>
-    <p:sldId id="270" r:id="rId16"/>
-    <p:sldId id="272" r:id="rId17"/>
-    <p:sldId id="273" r:id="rId18"/>
-    <p:sldId id="271" r:id="rId19"/>
-    <p:sldId id="275" r:id="rId20"/>
-    <p:sldId id="276" r:id="rId21"/>
+    <p:sldId id="280" r:id="rId16"/>
+    <p:sldId id="270" r:id="rId17"/>
+    <p:sldId id="272" r:id="rId18"/>
+    <p:sldId id="273" r:id="rId19"/>
+    <p:sldId id="271" r:id="rId20"/>
+    <p:sldId id="279" r:id="rId21"/>
+    <p:sldId id="276" r:id="rId22"/>
+    <p:sldId id="277" r:id="rId23"/>
+    <p:sldId id="275" r:id="rId24"/>
+    <p:sldId id="278" r:id="rId25"/>
   </p:sldIdLst>
   <p:sldSz cx="12192000" cy="6858000"/>
   <p:notesSz cx="6858000" cy="9144000"/>
@@ -4142,7 +4146,7 @@
         </p:nvSpPr>
         <p:spPr>
           <a:xfrm>
-            <a:off x="838200" y="2766218"/>
+            <a:off x="848710" y="2766218"/>
             <a:ext cx="3700346" cy="1325563"/>
           </a:xfrm>
         </p:spPr>
@@ -4152,17 +4156,17 @@
           <a:p>
             <a:r>
               <a:rPr lang="en-PL" dirty="0"/>
-              <a:t>Only Duel</a:t>
+              <a:t>SEPERATE MODELS</a:t>
             </a:r>
           </a:p>
         </p:txBody>
       </p:sp>
       <p:pic>
         <p:nvPicPr>
-          <p:cNvPr id="4" name="Picture 3">
-            <a:extLst>
-              <a:ext uri="{FF2B5EF4-FFF2-40B4-BE49-F238E27FC236}">
-                <a16:creationId xmlns:a16="http://schemas.microsoft.com/office/drawing/2014/main" id="{E64C43F9-84E0-A77E-CA8A-D35A84B608BA}"/>
+          <p:cNvPr id="3" name="Picture 2">
+            <a:extLst>
+              <a:ext uri="{FF2B5EF4-FFF2-40B4-BE49-F238E27FC236}">
+                <a16:creationId xmlns:a16="http://schemas.microsoft.com/office/drawing/2014/main" id="{C355557B-045C-799C-C250-7074E3BF8338}"/>
               </a:ext>
             </a:extLst>
           </p:cNvPr>
@@ -4179,8 +4183,8 @@
         </p:blipFill>
         <p:spPr>
           <a:xfrm>
-            <a:off x="5105528" y="0"/>
-            <a:ext cx="6775967" cy="6858000"/>
+            <a:off x="5240004" y="0"/>
+            <a:ext cx="6836649" cy="6858000"/>
           </a:xfrm>
           <a:prstGeom prst="rect">
             <a:avLst/>
@@ -4201,6 +4205,96 @@
 </file>
 
 <file path=ppt/slides/slide15.xml><?xml version="1.0" encoding="utf-8"?>
+<p:sld xmlns:a="http://schemas.openxmlformats.org/drawingml/2006/main" xmlns:r="http://schemas.openxmlformats.org/officeDocument/2006/relationships" xmlns:p="http://schemas.openxmlformats.org/presentationml/2006/main">
+  <p:cSld>
+    <p:spTree>
+      <p:nvGrpSpPr>
+        <p:cNvPr id="1" name=""/>
+        <p:cNvGrpSpPr/>
+        <p:nvPr/>
+      </p:nvGrpSpPr>
+      <p:grpSpPr>
+        <a:xfrm>
+          <a:off x="0" y="0"/>
+          <a:ext cx="0" cy="0"/>
+          <a:chOff x="0" y="0"/>
+          <a:chExt cx="0" cy="0"/>
+        </a:xfrm>
+      </p:grpSpPr>
+      <p:sp>
+        <p:nvSpPr>
+          <p:cNvPr id="2" name="Title 1">
+            <a:extLst>
+              <a:ext uri="{FF2B5EF4-FFF2-40B4-BE49-F238E27FC236}">
+                <a16:creationId xmlns:a16="http://schemas.microsoft.com/office/drawing/2014/main" id="{DB93EB56-E605-0478-36B0-00E00598AAC0}"/>
+              </a:ext>
+            </a:extLst>
+          </p:cNvPr>
+          <p:cNvSpPr>
+            <a:spLocks noGrp="1"/>
+          </p:cNvSpPr>
+          <p:nvPr>
+            <p:ph type="title"/>
+          </p:nvPr>
+        </p:nvSpPr>
+        <p:spPr/>
+        <p:txBody>
+          <a:bodyPr/>
+          <a:lstStyle/>
+          <a:p>
+            <a:r>
+              <a:rPr lang="en-PL" dirty="0"/>
+              <a:t>SEPERATE MODELS</a:t>
+            </a:r>
+          </a:p>
+        </p:txBody>
+      </p:sp>
+      <p:pic>
+        <p:nvPicPr>
+          <p:cNvPr id="4" name="Content Placeholder 3">
+            <a:extLst>
+              <a:ext uri="{FF2B5EF4-FFF2-40B4-BE49-F238E27FC236}">
+                <a16:creationId xmlns:a16="http://schemas.microsoft.com/office/drawing/2014/main" id="{2F530471-3C58-6D58-8445-44A82639786D}"/>
+              </a:ext>
+            </a:extLst>
+          </p:cNvPr>
+          <p:cNvPicPr>
+            <a:picLocks noGrp="1" noChangeAspect="1"/>
+          </p:cNvPicPr>
+          <p:nvPr>
+            <p:ph idx="1"/>
+          </p:nvPr>
+        </p:nvPicPr>
+        <p:blipFill>
+          <a:blip r:embed="rId2"/>
+          <a:stretch>
+            <a:fillRect/>
+          </a:stretch>
+        </p:blipFill>
+        <p:spPr>
+          <a:xfrm>
+            <a:off x="265050" y="2583545"/>
+            <a:ext cx="11661900" cy="3144593"/>
+          </a:xfrm>
+          <a:prstGeom prst="rect">
+            <a:avLst/>
+          </a:prstGeom>
+        </p:spPr>
+      </p:pic>
+    </p:spTree>
+    <p:extLst>
+      <p:ext uri="{BB962C8B-B14F-4D97-AF65-F5344CB8AC3E}">
+        <p14:creationId xmlns:p14="http://schemas.microsoft.com/office/powerpoint/2010/main" val="4196509084"/>
+      </p:ext>
+    </p:extLst>
+  </p:cSld>
+  <p:clrMapOvr>
+    <a:masterClrMapping/>
+  </p:clrMapOvr>
+</p:sld>
+</file>
+
+<file path=ppt/slides/slide16.xml><?xml version="1.0" encoding="utf-8"?>
 <p:sld xmlns:a="http://schemas.openxmlformats.org/drawingml/2006/main" xmlns:r="http://schemas.openxmlformats.org/officeDocument/2006/relationships" xmlns:p="http://schemas.openxmlformats.org/presentationml/2006/main">
   <p:cSld>
     <p:spTree>
@@ -4440,96 +4534,6 @@
 </p:sld>
 </file>
 
-<file path=ppt/slides/slide16.xml><?xml version="1.0" encoding="utf-8"?>
-<p:sld xmlns:a="http://schemas.openxmlformats.org/drawingml/2006/main" xmlns:r="http://schemas.openxmlformats.org/officeDocument/2006/relationships" xmlns:p="http://schemas.openxmlformats.org/presentationml/2006/main">
-  <p:cSld>
-    <p:spTree>
-      <p:nvGrpSpPr>
-        <p:cNvPr id="1" name=""/>
-        <p:cNvGrpSpPr/>
-        <p:nvPr/>
-      </p:nvGrpSpPr>
-      <p:grpSpPr>
-        <a:xfrm>
-          <a:off x="0" y="0"/>
-          <a:ext cx="0" cy="0"/>
-          <a:chOff x="0" y="0"/>
-          <a:chExt cx="0" cy="0"/>
-        </a:xfrm>
-      </p:grpSpPr>
-      <p:sp>
-        <p:nvSpPr>
-          <p:cNvPr id="2" name="Title 1">
-            <a:extLst>
-              <a:ext uri="{FF2B5EF4-FFF2-40B4-BE49-F238E27FC236}">
-                <a16:creationId xmlns:a16="http://schemas.microsoft.com/office/drawing/2014/main" id="{CBF9555E-3218-6845-0DE2-329EB6E881FE}"/>
-              </a:ext>
-            </a:extLst>
-          </p:cNvPr>
-          <p:cNvSpPr>
-            <a:spLocks noGrp="1"/>
-          </p:cNvSpPr>
-          <p:nvPr>
-            <p:ph type="title"/>
-          </p:nvPr>
-        </p:nvSpPr>
-        <p:spPr/>
-        <p:txBody>
-          <a:bodyPr/>
-          <a:lstStyle/>
-          <a:p>
-            <a:r>
-              <a:rPr lang="en-PL" dirty="0"/>
-              <a:t>Event distribution in the game</a:t>
-            </a:r>
-          </a:p>
-        </p:txBody>
-      </p:sp>
-      <p:pic>
-        <p:nvPicPr>
-          <p:cNvPr id="4" name="Content Placeholder 3">
-            <a:extLst>
-              <a:ext uri="{FF2B5EF4-FFF2-40B4-BE49-F238E27FC236}">
-                <a16:creationId xmlns:a16="http://schemas.microsoft.com/office/drawing/2014/main" id="{6AA54701-87CF-2438-7B5C-890FC63ECDC7}"/>
-              </a:ext>
-            </a:extLst>
-          </p:cNvPr>
-          <p:cNvPicPr>
-            <a:picLocks noGrp="1" noChangeAspect="1"/>
-          </p:cNvPicPr>
-          <p:nvPr>
-            <p:ph idx="1"/>
-          </p:nvPr>
-        </p:nvPicPr>
-        <p:blipFill>
-          <a:blip r:embed="rId2"/>
-          <a:stretch>
-            <a:fillRect/>
-          </a:stretch>
-        </p:blipFill>
-        <p:spPr>
-          <a:xfrm>
-            <a:off x="1000442" y="1825625"/>
-            <a:ext cx="10191115" cy="4351338"/>
-          </a:xfrm>
-          <a:prstGeom prst="rect">
-            <a:avLst/>
-          </a:prstGeom>
-        </p:spPr>
-      </p:pic>
-    </p:spTree>
-    <p:extLst>
-      <p:ext uri="{BB962C8B-B14F-4D97-AF65-F5344CB8AC3E}">
-        <p14:creationId xmlns:p14="http://schemas.microsoft.com/office/powerpoint/2010/main" val="3781031469"/>
-      </p:ext>
-    </p:extLst>
-  </p:cSld>
-  <p:clrMapOvr>
-    <a:masterClrMapping/>
-  </p:clrMapOvr>
-</p:sld>
-</file>
-
 <file path=ppt/slides/slide17.xml><?xml version="1.0" encoding="utf-8"?>
 <p:sld xmlns:a="http://schemas.openxmlformats.org/drawingml/2006/main" xmlns:r="http://schemas.openxmlformats.org/officeDocument/2006/relationships" xmlns:p="http://schemas.openxmlformats.org/presentationml/2006/main">
   <p:cSld>
@@ -4552,7 +4556,7 @@
           <p:cNvPr id="2" name="Title 1">
             <a:extLst>
               <a:ext uri="{FF2B5EF4-FFF2-40B4-BE49-F238E27FC236}">
-                <a16:creationId xmlns:a16="http://schemas.microsoft.com/office/drawing/2014/main" id="{96F8BE19-88B2-5FEA-0D5B-E510D85C586A}"/>
+                <a16:creationId xmlns:a16="http://schemas.microsoft.com/office/drawing/2014/main" id="{CBF9555E-3218-6845-0DE2-329EB6E881FE}"/>
               </a:ext>
             </a:extLst>
           </p:cNvPr>
@@ -4563,43 +4567,33 @@
             <p:ph type="title"/>
           </p:nvPr>
         </p:nvSpPr>
-        <p:spPr>
-          <a:xfrm>
-            <a:off x="568764" y="2596697"/>
-            <a:ext cx="5102693" cy="1325563"/>
-          </a:xfrm>
-        </p:spPr>
+        <p:spPr/>
         <p:txBody>
           <a:bodyPr/>
           <a:lstStyle/>
           <a:p>
             <a:r>
               <a:rPr lang="en-PL" dirty="0"/>
-              <a:t>Correlation of the</a:t>
-            </a:r>
-            <a:br>
-              <a:rPr lang="en-PL" dirty="0"/>
-            </a:br>
-            <a:r>
-              <a:rPr lang="en-PL" dirty="0"/>
-              <a:t>Segmentation Results</a:t>
+              <a:t>Event distribution in the game</a:t>
             </a:r>
           </a:p>
         </p:txBody>
       </p:sp>
       <p:pic>
         <p:nvPicPr>
-          <p:cNvPr id="4" name="Picture 3">
-            <a:extLst>
-              <a:ext uri="{FF2B5EF4-FFF2-40B4-BE49-F238E27FC236}">
-                <a16:creationId xmlns:a16="http://schemas.microsoft.com/office/drawing/2014/main" id="{51EFC332-C4C9-C322-B7AF-557F6EC246D5}"/>
+          <p:cNvPr id="4" name="Content Placeholder 3">
+            <a:extLst>
+              <a:ext uri="{FF2B5EF4-FFF2-40B4-BE49-F238E27FC236}">
+                <a16:creationId xmlns:a16="http://schemas.microsoft.com/office/drawing/2014/main" id="{6AA54701-87CF-2438-7B5C-890FC63ECDC7}"/>
               </a:ext>
             </a:extLst>
           </p:cNvPr>
           <p:cNvPicPr>
-            <a:picLocks noChangeAspect="1"/>
+            <a:picLocks noGrp="1" noChangeAspect="1"/>
           </p:cNvPicPr>
-          <p:nvPr/>
+          <p:nvPr>
+            <p:ph idx="1"/>
+          </p:nvPr>
         </p:nvPicPr>
         <p:blipFill>
           <a:blip r:embed="rId2"/>
@@ -4609,8 +4603,8 @@
         </p:blipFill>
         <p:spPr>
           <a:xfrm>
-            <a:off x="5826564" y="0"/>
-            <a:ext cx="6365436" cy="6858000"/>
+            <a:off x="1000442" y="1825625"/>
+            <a:ext cx="10191115" cy="4351338"/>
           </a:xfrm>
           <a:prstGeom prst="rect">
             <a:avLst/>
@@ -4620,7 +4614,7 @@
     </p:spTree>
     <p:extLst>
       <p:ext uri="{BB962C8B-B14F-4D97-AF65-F5344CB8AC3E}">
-        <p14:creationId xmlns:p14="http://schemas.microsoft.com/office/powerpoint/2010/main" val="2320668275"/>
+        <p14:creationId xmlns:p14="http://schemas.microsoft.com/office/powerpoint/2010/main" val="3781031469"/>
       </p:ext>
     </p:extLst>
   </p:cSld>
@@ -4652,7 +4646,7 @@
           <p:cNvPr id="2" name="Title 1">
             <a:extLst>
               <a:ext uri="{FF2B5EF4-FFF2-40B4-BE49-F238E27FC236}">
-                <a16:creationId xmlns:a16="http://schemas.microsoft.com/office/drawing/2014/main" id="{09140196-710F-C3B3-5636-367ADB312F88}"/>
+                <a16:creationId xmlns:a16="http://schemas.microsoft.com/office/drawing/2014/main" id="{96F8BE19-88B2-5FEA-0D5B-E510D85C586A}"/>
               </a:ext>
             </a:extLst>
           </p:cNvPr>
@@ -4663,71 +4657,64 @@
             <p:ph type="title"/>
           </p:nvPr>
         </p:nvSpPr>
-        <p:spPr/>
+        <p:spPr>
+          <a:xfrm>
+            <a:off x="568764" y="2596697"/>
+            <a:ext cx="5102693" cy="1325563"/>
+          </a:xfrm>
+        </p:spPr>
         <p:txBody>
           <a:bodyPr/>
           <a:lstStyle/>
           <a:p>
             <a:r>
               <a:rPr lang="en-PL" dirty="0"/>
-              <a:t>FilterNet</a:t>
+              <a:t>Correlation of the</a:t>
+            </a:r>
+            <a:br>
+              <a:rPr lang="en-PL" dirty="0"/>
+            </a:br>
+            <a:r>
+              <a:rPr lang="en-PL" dirty="0"/>
+              <a:t>Segmentation Results</a:t>
             </a:r>
           </a:p>
         </p:txBody>
       </p:sp>
       <p:pic>
         <p:nvPicPr>
-          <p:cNvPr id="1026" name="Picture 2">
-            <a:extLst>
-              <a:ext uri="{FF2B5EF4-FFF2-40B4-BE49-F238E27FC236}">
-                <a16:creationId xmlns:a16="http://schemas.microsoft.com/office/drawing/2014/main" id="{3704F111-6234-BC98-E3A6-3C291043FDA5}"/>
+          <p:cNvPr id="4" name="Picture 3">
+            <a:extLst>
+              <a:ext uri="{FF2B5EF4-FFF2-40B4-BE49-F238E27FC236}">
+                <a16:creationId xmlns:a16="http://schemas.microsoft.com/office/drawing/2014/main" id="{51EFC332-C4C9-C322-B7AF-557F6EC246D5}"/>
               </a:ext>
             </a:extLst>
           </p:cNvPr>
           <p:cNvPicPr>
-            <a:picLocks noGrp="1" noChangeAspect="1" noChangeArrowheads="1"/>
+            <a:picLocks noChangeAspect="1"/>
           </p:cNvPicPr>
-          <p:nvPr>
-            <p:ph idx="1"/>
-          </p:nvPr>
+          <p:nvPr/>
         </p:nvPicPr>
         <p:blipFill>
-          <a:blip r:embed="rId2">
-            <a:extLst>
-              <a:ext uri="{28A0092B-C50C-407E-A947-70E740481C1C}">
-                <a14:useLocalDpi xmlns:a14="http://schemas.microsoft.com/office/drawing/2010/main" val="0"/>
-              </a:ext>
-            </a:extLst>
-          </a:blip>
-          <a:srcRect/>
+          <a:blip r:embed="rId2"/>
           <a:stretch>
             <a:fillRect/>
           </a:stretch>
         </p:blipFill>
-        <p:spPr bwMode="auto">
-          <a:xfrm>
-            <a:off x="2807824" y="1825625"/>
-            <a:ext cx="6576352" cy="4351338"/>
+        <p:spPr>
+          <a:xfrm>
+            <a:off x="5826564" y="0"/>
+            <a:ext cx="6365436" cy="6858000"/>
           </a:xfrm>
           <a:prstGeom prst="rect">
             <a:avLst/>
           </a:prstGeom>
-          <a:noFill/>
-          <a:extLst>
-            <a:ext uri="{909E8E84-426E-40DD-AFC4-6F175D3DCCD1}">
-              <a14:hiddenFill xmlns:a14="http://schemas.microsoft.com/office/drawing/2010/main">
-                <a:solidFill>
-                  <a:srgbClr val="FFFFFF"/>
-                </a:solidFill>
-              </a14:hiddenFill>
-            </a:ext>
-          </a:extLst>
         </p:spPr>
       </p:pic>
     </p:spTree>
     <p:extLst>
       <p:ext uri="{BB962C8B-B14F-4D97-AF65-F5344CB8AC3E}">
-        <p14:creationId xmlns:p14="http://schemas.microsoft.com/office/powerpoint/2010/main" val="2526343008"/>
+        <p14:creationId xmlns:p14="http://schemas.microsoft.com/office/powerpoint/2010/main" val="2320668275"/>
       </p:ext>
     </p:extLst>
   </p:cSld>
@@ -4756,10 +4743,10 @@
       </p:grpSpPr>
       <p:sp>
         <p:nvSpPr>
-          <p:cNvPr id="5" name="Title 4">
-            <a:extLst>
-              <a:ext uri="{FF2B5EF4-FFF2-40B4-BE49-F238E27FC236}">
-                <a16:creationId xmlns:a16="http://schemas.microsoft.com/office/drawing/2014/main" id="{FA1D7A2E-5AEB-FA0B-CA30-792496DC2668}"/>
+          <p:cNvPr id="2" name="Title 1">
+            <a:extLst>
+              <a:ext uri="{FF2B5EF4-FFF2-40B4-BE49-F238E27FC236}">
+                <a16:creationId xmlns:a16="http://schemas.microsoft.com/office/drawing/2014/main" id="{09140196-710F-C3B3-5636-367ADB312F88}"/>
               </a:ext>
             </a:extLst>
           </p:cNvPr>
@@ -4777,1069 +4764,64 @@
           <a:p>
             <a:r>
               <a:rPr lang="en-PL" dirty="0"/>
-              <a:t>Proposed Pipeline</a:t>
-            </a:r>
-          </a:p>
-        </p:txBody>
-      </p:sp>
-      <p:sp>
-        <p:nvSpPr>
-          <p:cNvPr id="6" name="Rectangle 5">
-            <a:extLst>
-              <a:ext uri="{FF2B5EF4-FFF2-40B4-BE49-F238E27FC236}">
-                <a16:creationId xmlns:a16="http://schemas.microsoft.com/office/drawing/2014/main" id="{3A1C1B31-1A3F-4675-BB48-9A55C86017C6}"/>
-              </a:ext>
-            </a:extLst>
-          </p:cNvPr>
-          <p:cNvSpPr/>
-          <p:nvPr/>
-        </p:nvSpPr>
-        <p:spPr>
-          <a:xfrm>
-            <a:off x="544286" y="2057400"/>
-            <a:ext cx="1426028" cy="4049485"/>
+              <a:t>FilterNet</a:t>
+            </a:r>
+          </a:p>
+        </p:txBody>
+      </p:sp>
+      <p:pic>
+        <p:nvPicPr>
+          <p:cNvPr id="1026" name="Picture 2">
+            <a:extLst>
+              <a:ext uri="{FF2B5EF4-FFF2-40B4-BE49-F238E27FC236}">
+                <a16:creationId xmlns:a16="http://schemas.microsoft.com/office/drawing/2014/main" id="{3704F111-6234-BC98-E3A6-3C291043FDA5}"/>
+              </a:ext>
+            </a:extLst>
+          </p:cNvPr>
+          <p:cNvPicPr>
+            <a:picLocks noGrp="1" noChangeAspect="1" noChangeArrowheads="1"/>
+          </p:cNvPicPr>
+          <p:nvPr>
+            <p:ph idx="1"/>
+          </p:nvPr>
+        </p:nvPicPr>
+        <p:blipFill>
+          <a:blip r:embed="rId2">
+            <a:extLst>
+              <a:ext uri="{28A0092B-C50C-407E-A947-70E740481C1C}">
+                <a14:useLocalDpi xmlns:a14="http://schemas.microsoft.com/office/drawing/2010/main" val="0"/>
+              </a:ext>
+            </a:extLst>
+          </a:blip>
+          <a:srcRect/>
+          <a:stretch>
+            <a:fillRect/>
+          </a:stretch>
+        </p:blipFill>
+        <p:spPr bwMode="auto">
+          <a:xfrm>
+            <a:off x="2807824" y="1825625"/>
+            <a:ext cx="6576352" cy="4351338"/>
           </a:xfrm>
           <a:prstGeom prst="rect">
             <a:avLst/>
           </a:prstGeom>
-        </p:spPr>
-        <p:style>
-          <a:lnRef idx="2">
-            <a:schemeClr val="accent1">
-              <a:shade val="15000"/>
-            </a:schemeClr>
-          </a:lnRef>
-          <a:fillRef idx="1">
-            <a:schemeClr val="accent1"/>
-          </a:fillRef>
-          <a:effectRef idx="0">
-            <a:schemeClr val="accent1"/>
-          </a:effectRef>
-          <a:fontRef idx="minor">
-            <a:schemeClr val="lt1"/>
-          </a:fontRef>
-        </p:style>
-        <p:txBody>
-          <a:bodyPr vert="vert270" rtlCol="0" anchor="ctr"/>
-          <a:lstStyle/>
-          <a:p>
-            <a:pPr algn="ctr"/>
-            <a:r>
-              <a:rPr lang="en-PL" dirty="0"/>
-              <a:t>SEGMENTATION</a:t>
-            </a:r>
-            <a:br>
-              <a:rPr lang="en-PL" dirty="0"/>
-            </a:br>
-            <a:r>
-              <a:rPr lang="en-PL" dirty="0"/>
-              <a:t>MODULE</a:t>
-            </a:r>
-          </a:p>
-          <a:p>
-            <a:pPr algn="ctr"/>
-            <a:r>
-              <a:rPr lang="en-PL" dirty="0"/>
-              <a:t>(Black Box)</a:t>
-            </a:r>
-          </a:p>
-        </p:txBody>
-      </p:sp>
-      <p:sp>
-        <p:nvSpPr>
-          <p:cNvPr id="16" name="Rectangle 15">
-            <a:extLst>
-              <a:ext uri="{FF2B5EF4-FFF2-40B4-BE49-F238E27FC236}">
-                <a16:creationId xmlns:a16="http://schemas.microsoft.com/office/drawing/2014/main" id="{E4CB0E1C-5353-2E72-B60B-90C30B10CC03}"/>
-              </a:ext>
-            </a:extLst>
-          </p:cNvPr>
-          <p:cNvSpPr/>
-          <p:nvPr/>
-        </p:nvSpPr>
-        <p:spPr>
-          <a:xfrm>
-            <a:off x="2895600" y="5344885"/>
-            <a:ext cx="2079171" cy="609600"/>
-          </a:xfrm>
-          <a:prstGeom prst="rect">
-            <a:avLst/>
-          </a:prstGeom>
-        </p:spPr>
-        <p:style>
-          <a:lnRef idx="2">
-            <a:schemeClr val="accent1">
-              <a:shade val="15000"/>
-            </a:schemeClr>
-          </a:lnRef>
-          <a:fillRef idx="1">
-            <a:schemeClr val="accent1"/>
-          </a:fillRef>
-          <a:effectRef idx="0">
-            <a:schemeClr val="accent1"/>
-          </a:effectRef>
-          <a:fontRef idx="minor">
-            <a:schemeClr val="lt1"/>
-          </a:fontRef>
-        </p:style>
-        <p:txBody>
-          <a:bodyPr rtlCol="0" anchor="ctr"/>
-          <a:lstStyle/>
-          <a:p>
-            <a:pPr algn="ctr"/>
-            <a:r>
-              <a:rPr lang="en-PL" dirty="0"/>
-              <a:t>FilterNet(ann1)</a:t>
-            </a:r>
-          </a:p>
-        </p:txBody>
-      </p:sp>
-      <p:cxnSp>
-        <p:nvCxnSpPr>
-          <p:cNvPr id="19" name="Elbow Connector 18">
-            <a:extLst>
-              <a:ext uri="{FF2B5EF4-FFF2-40B4-BE49-F238E27FC236}">
-                <a16:creationId xmlns:a16="http://schemas.microsoft.com/office/drawing/2014/main" id="{E00BE4FE-B131-D85E-3DBB-5AA885FE7299}"/>
-              </a:ext>
-            </a:extLst>
-          </p:cNvPr>
-          <p:cNvCxnSpPr>
-            <a:stCxn id="6" idx="3"/>
-            <a:endCxn id="16" idx="1"/>
-          </p:cNvCxnSpPr>
-          <p:nvPr/>
-        </p:nvCxnSpPr>
-        <p:spPr>
-          <a:xfrm>
-            <a:off x="1970314" y="4082143"/>
-            <a:ext cx="925286" cy="1567542"/>
-          </a:xfrm>
-          <a:prstGeom prst="bentConnector3">
-            <a:avLst/>
-          </a:prstGeom>
-          <a:ln>
-            <a:tailEnd type="triangle"/>
-          </a:ln>
-        </p:spPr>
-        <p:style>
-          <a:lnRef idx="1">
-            <a:schemeClr val="accent1"/>
-          </a:lnRef>
-          <a:fillRef idx="0">
-            <a:schemeClr val="accent1"/>
-          </a:fillRef>
-          <a:effectRef idx="0">
-            <a:schemeClr val="accent1"/>
-          </a:effectRef>
-          <a:fontRef idx="minor">
-            <a:schemeClr val="tx1"/>
-          </a:fontRef>
-        </p:style>
-      </p:cxnSp>
-      <p:sp>
-        <p:nvSpPr>
-          <p:cNvPr id="21" name="Rectangle 20">
-            <a:extLst>
-              <a:ext uri="{FF2B5EF4-FFF2-40B4-BE49-F238E27FC236}">
-                <a16:creationId xmlns:a16="http://schemas.microsoft.com/office/drawing/2014/main" id="{4FFD47B2-007E-9517-C91B-80DE8BD5F7FC}"/>
-              </a:ext>
-            </a:extLst>
-          </p:cNvPr>
-          <p:cNvSpPr/>
-          <p:nvPr/>
-        </p:nvSpPr>
-        <p:spPr>
-          <a:xfrm>
-            <a:off x="2895599" y="4514170"/>
-            <a:ext cx="2079171" cy="609600"/>
-          </a:xfrm>
-          <a:prstGeom prst="rect">
-            <a:avLst/>
-          </a:prstGeom>
-        </p:spPr>
-        <p:style>
-          <a:lnRef idx="2">
-            <a:schemeClr val="accent1">
-              <a:shade val="15000"/>
-            </a:schemeClr>
-          </a:lnRef>
-          <a:fillRef idx="1">
-            <a:schemeClr val="accent1"/>
-          </a:fillRef>
-          <a:effectRef idx="0">
-            <a:schemeClr val="accent1"/>
-          </a:effectRef>
-          <a:fontRef idx="minor">
-            <a:schemeClr val="lt1"/>
-          </a:fontRef>
-        </p:style>
-        <p:txBody>
-          <a:bodyPr rtlCol="0" anchor="ctr"/>
-          <a:lstStyle/>
-          <a:p>
-            <a:pPr algn="ctr"/>
-            <a:r>
-              <a:rPr lang="en-PL" dirty="0"/>
-              <a:t>FilterNet(ann2)</a:t>
-            </a:r>
-          </a:p>
-        </p:txBody>
-      </p:sp>
-      <p:sp>
-        <p:nvSpPr>
-          <p:cNvPr id="22" name="Rectangle 21">
-            <a:extLst>
-              <a:ext uri="{FF2B5EF4-FFF2-40B4-BE49-F238E27FC236}">
-                <a16:creationId xmlns:a16="http://schemas.microsoft.com/office/drawing/2014/main" id="{643626D7-9E2A-8109-AB62-6C4BBAECCA3B}"/>
-              </a:ext>
-            </a:extLst>
-          </p:cNvPr>
-          <p:cNvSpPr/>
-          <p:nvPr/>
-        </p:nvSpPr>
-        <p:spPr>
-          <a:xfrm>
-            <a:off x="2884711" y="2986087"/>
-            <a:ext cx="2079171" cy="609600"/>
-          </a:xfrm>
-          <a:prstGeom prst="rect">
-            <a:avLst/>
-          </a:prstGeom>
-        </p:spPr>
-        <p:style>
-          <a:lnRef idx="2">
-            <a:schemeClr val="accent1">
-              <a:shade val="15000"/>
-            </a:schemeClr>
-          </a:lnRef>
-          <a:fillRef idx="1">
-            <a:schemeClr val="accent1"/>
-          </a:fillRef>
-          <a:effectRef idx="0">
-            <a:schemeClr val="accent1"/>
-          </a:effectRef>
-          <a:fontRef idx="minor">
-            <a:schemeClr val="lt1"/>
-          </a:fontRef>
-        </p:style>
-        <p:txBody>
-          <a:bodyPr rtlCol="0" anchor="ctr"/>
-          <a:lstStyle/>
-          <a:p>
-            <a:pPr algn="ctr"/>
-            <a:r>
-              <a:rPr lang="en-PL" dirty="0"/>
-              <a:t>FilterNet(ann7)</a:t>
-            </a:r>
-          </a:p>
-        </p:txBody>
-      </p:sp>
-      <p:sp>
-        <p:nvSpPr>
-          <p:cNvPr id="23" name="Rectangle 22">
-            <a:extLst>
-              <a:ext uri="{FF2B5EF4-FFF2-40B4-BE49-F238E27FC236}">
-                <a16:creationId xmlns:a16="http://schemas.microsoft.com/office/drawing/2014/main" id="{6EB2F609-9D75-FD3E-3463-425AC7349389}"/>
-              </a:ext>
-            </a:extLst>
-          </p:cNvPr>
-          <p:cNvSpPr/>
-          <p:nvPr/>
-        </p:nvSpPr>
-        <p:spPr>
-          <a:xfrm>
-            <a:off x="2895597" y="2155372"/>
-            <a:ext cx="2079171" cy="609600"/>
-          </a:xfrm>
-          <a:prstGeom prst="rect">
-            <a:avLst/>
-          </a:prstGeom>
-        </p:spPr>
-        <p:style>
-          <a:lnRef idx="2">
-            <a:schemeClr val="accent1">
-              <a:shade val="15000"/>
-            </a:schemeClr>
-          </a:lnRef>
-          <a:fillRef idx="1">
-            <a:schemeClr val="accent1"/>
-          </a:fillRef>
-          <a:effectRef idx="0">
-            <a:schemeClr val="accent1"/>
-          </a:effectRef>
-          <a:fontRef idx="minor">
-            <a:schemeClr val="lt1"/>
-          </a:fontRef>
-        </p:style>
-        <p:txBody>
-          <a:bodyPr rtlCol="0" anchor="ctr"/>
-          <a:lstStyle/>
-          <a:p>
-            <a:pPr algn="ctr"/>
-            <a:r>
-              <a:rPr lang="en-PL" dirty="0"/>
-              <a:t>FilterNet(ann8)</a:t>
-            </a:r>
-          </a:p>
-        </p:txBody>
-      </p:sp>
-      <p:cxnSp>
-        <p:nvCxnSpPr>
-          <p:cNvPr id="28" name="Elbow Connector 27">
-            <a:extLst>
-              <a:ext uri="{FF2B5EF4-FFF2-40B4-BE49-F238E27FC236}">
-                <a16:creationId xmlns:a16="http://schemas.microsoft.com/office/drawing/2014/main" id="{D85BDA95-56DC-C265-0026-C9D3BB95EB0D}"/>
-              </a:ext>
-            </a:extLst>
-          </p:cNvPr>
-          <p:cNvCxnSpPr>
-            <a:stCxn id="6" idx="3"/>
-            <a:endCxn id="22" idx="1"/>
-          </p:cNvCxnSpPr>
-          <p:nvPr/>
-        </p:nvCxnSpPr>
-        <p:spPr>
-          <a:xfrm flipV="1">
-            <a:off x="1970314" y="3290887"/>
-            <a:ext cx="914397" cy="791256"/>
-          </a:xfrm>
-          <a:prstGeom prst="bentConnector3">
-            <a:avLst/>
-          </a:prstGeom>
-          <a:ln>
-            <a:tailEnd type="triangle"/>
-          </a:ln>
-        </p:spPr>
-        <p:style>
-          <a:lnRef idx="1">
-            <a:schemeClr val="accent1"/>
-          </a:lnRef>
-          <a:fillRef idx="0">
-            <a:schemeClr val="accent1"/>
-          </a:fillRef>
-          <a:effectRef idx="0">
-            <a:schemeClr val="accent1"/>
-          </a:effectRef>
-          <a:fontRef idx="minor">
-            <a:schemeClr val="tx1"/>
-          </a:fontRef>
-        </p:style>
-      </p:cxnSp>
-      <p:cxnSp>
-        <p:nvCxnSpPr>
-          <p:cNvPr id="30" name="Elbow Connector 29">
-            <a:extLst>
-              <a:ext uri="{FF2B5EF4-FFF2-40B4-BE49-F238E27FC236}">
-                <a16:creationId xmlns:a16="http://schemas.microsoft.com/office/drawing/2014/main" id="{D2294302-7155-43D1-4170-728868D9E29B}"/>
-              </a:ext>
-            </a:extLst>
-          </p:cNvPr>
-          <p:cNvCxnSpPr>
-            <a:stCxn id="6" idx="3"/>
-            <a:endCxn id="23" idx="1"/>
-          </p:cNvCxnSpPr>
-          <p:nvPr/>
-        </p:nvCxnSpPr>
-        <p:spPr>
-          <a:xfrm flipV="1">
-            <a:off x="1970314" y="2460172"/>
-            <a:ext cx="925283" cy="1621971"/>
-          </a:xfrm>
-          <a:prstGeom prst="bentConnector3">
-            <a:avLst/>
-          </a:prstGeom>
-          <a:ln>
-            <a:tailEnd type="triangle"/>
-          </a:ln>
-        </p:spPr>
-        <p:style>
-          <a:lnRef idx="1">
-            <a:schemeClr val="accent1"/>
-          </a:lnRef>
-          <a:fillRef idx="0">
-            <a:schemeClr val="accent1"/>
-          </a:fillRef>
-          <a:effectRef idx="0">
-            <a:schemeClr val="accent1"/>
-          </a:effectRef>
-          <a:fontRef idx="minor">
-            <a:schemeClr val="tx1"/>
-          </a:fontRef>
-        </p:style>
-      </p:cxnSp>
-      <p:cxnSp>
-        <p:nvCxnSpPr>
-          <p:cNvPr id="32" name="Elbow Connector 31">
-            <a:extLst>
-              <a:ext uri="{FF2B5EF4-FFF2-40B4-BE49-F238E27FC236}">
-                <a16:creationId xmlns:a16="http://schemas.microsoft.com/office/drawing/2014/main" id="{81140EF1-DBA7-EA62-913B-46E5F259BF6C}"/>
-              </a:ext>
-            </a:extLst>
-          </p:cNvPr>
-          <p:cNvCxnSpPr>
-            <a:stCxn id="6" idx="3"/>
-            <a:endCxn id="21" idx="1"/>
-          </p:cNvCxnSpPr>
-          <p:nvPr/>
-        </p:nvCxnSpPr>
-        <p:spPr>
-          <a:xfrm>
-            <a:off x="1970314" y="4082143"/>
-            <a:ext cx="925285" cy="736827"/>
-          </a:xfrm>
-          <a:prstGeom prst="bentConnector3">
-            <a:avLst/>
-          </a:prstGeom>
-          <a:ln>
-            <a:tailEnd type="triangle"/>
-          </a:ln>
-        </p:spPr>
-        <p:style>
-          <a:lnRef idx="1">
-            <a:schemeClr val="accent1"/>
-          </a:lnRef>
-          <a:fillRef idx="0">
-            <a:schemeClr val="accent1"/>
-          </a:fillRef>
-          <a:effectRef idx="0">
-            <a:schemeClr val="accent1"/>
-          </a:effectRef>
-          <a:fontRef idx="minor">
-            <a:schemeClr val="tx1"/>
-          </a:fontRef>
-        </p:style>
-      </p:cxnSp>
-      <p:sp>
-        <p:nvSpPr>
-          <p:cNvPr id="33" name="Rectangle 32">
-            <a:extLst>
-              <a:ext uri="{FF2B5EF4-FFF2-40B4-BE49-F238E27FC236}">
-                <a16:creationId xmlns:a16="http://schemas.microsoft.com/office/drawing/2014/main" id="{B62CF127-1E6B-3E04-3387-07EFB4B221DC}"/>
-              </a:ext>
-            </a:extLst>
-          </p:cNvPr>
-          <p:cNvSpPr/>
-          <p:nvPr/>
-        </p:nvSpPr>
-        <p:spPr>
-          <a:xfrm>
-            <a:off x="5856510" y="2155371"/>
-            <a:ext cx="979715" cy="3799113"/>
-          </a:xfrm>
-          <a:prstGeom prst="rect">
-            <a:avLst/>
-          </a:prstGeom>
-        </p:spPr>
-        <p:style>
-          <a:lnRef idx="2">
-            <a:schemeClr val="accent1">
-              <a:shade val="15000"/>
-            </a:schemeClr>
-          </a:lnRef>
-          <a:fillRef idx="1">
-            <a:schemeClr val="accent1"/>
-          </a:fillRef>
-          <a:effectRef idx="0">
-            <a:schemeClr val="accent1"/>
-          </a:effectRef>
-          <a:fontRef idx="minor">
-            <a:schemeClr val="lt1"/>
-          </a:fontRef>
-        </p:style>
-        <p:txBody>
-          <a:bodyPr vert="vert270" rtlCol="0" anchor="ctr"/>
-          <a:lstStyle/>
-          <a:p>
-            <a:pPr algn="ctr"/>
-            <a:r>
-              <a:rPr lang="en-PL" dirty="0"/>
-              <a:t>CONCATENATE</a:t>
-            </a:r>
-          </a:p>
-        </p:txBody>
-      </p:sp>
-      <p:sp>
-        <p:nvSpPr>
-          <p:cNvPr id="34" name="Rectangle 33">
-            <a:extLst>
-              <a:ext uri="{FF2B5EF4-FFF2-40B4-BE49-F238E27FC236}">
-                <a16:creationId xmlns:a16="http://schemas.microsoft.com/office/drawing/2014/main" id="{B9E16546-140A-855E-88FC-FA3B52B9E090}"/>
-              </a:ext>
-            </a:extLst>
-          </p:cNvPr>
-          <p:cNvSpPr/>
-          <p:nvPr/>
-        </p:nvSpPr>
-        <p:spPr>
-          <a:xfrm>
-            <a:off x="7445819" y="2155371"/>
-            <a:ext cx="979715" cy="3799113"/>
-          </a:xfrm>
-          <a:prstGeom prst="rect">
-            <a:avLst/>
-          </a:prstGeom>
-        </p:spPr>
-        <p:style>
-          <a:lnRef idx="2">
-            <a:schemeClr val="accent1">
-              <a:shade val="15000"/>
-            </a:schemeClr>
-          </a:lnRef>
-          <a:fillRef idx="1">
-            <a:schemeClr val="accent1"/>
-          </a:fillRef>
-          <a:effectRef idx="0">
-            <a:schemeClr val="accent1"/>
-          </a:effectRef>
-          <a:fontRef idx="minor">
-            <a:schemeClr val="lt1"/>
-          </a:fontRef>
-        </p:style>
-        <p:txBody>
-          <a:bodyPr vert="vert270" rtlCol="0" anchor="ctr"/>
-          <a:lstStyle/>
-          <a:p>
-            <a:pPr algn="ctr"/>
-            <a:r>
-              <a:rPr lang="en-PL" dirty="0"/>
-              <a:t>AVG POOL</a:t>
-            </a:r>
-          </a:p>
-        </p:txBody>
-      </p:sp>
-      <p:sp>
-        <p:nvSpPr>
-          <p:cNvPr id="35" name="Rectangle 34">
-            <a:extLst>
-              <a:ext uri="{FF2B5EF4-FFF2-40B4-BE49-F238E27FC236}">
-                <a16:creationId xmlns:a16="http://schemas.microsoft.com/office/drawing/2014/main" id="{B567CA65-5F72-CB42-E0AA-B358FD06DACA}"/>
-              </a:ext>
-            </a:extLst>
-          </p:cNvPr>
-          <p:cNvSpPr/>
-          <p:nvPr/>
-        </p:nvSpPr>
-        <p:spPr>
-          <a:xfrm>
-            <a:off x="9035128" y="2155371"/>
-            <a:ext cx="979715" cy="3799113"/>
-          </a:xfrm>
-          <a:prstGeom prst="rect">
-            <a:avLst/>
-          </a:prstGeom>
-        </p:spPr>
-        <p:style>
-          <a:lnRef idx="2">
-            <a:schemeClr val="accent1">
-              <a:shade val="15000"/>
-            </a:schemeClr>
-          </a:lnRef>
-          <a:fillRef idx="1">
-            <a:schemeClr val="accent1"/>
-          </a:fillRef>
-          <a:effectRef idx="0">
-            <a:schemeClr val="accent1"/>
-          </a:effectRef>
-          <a:fontRef idx="minor">
-            <a:schemeClr val="lt1"/>
-          </a:fontRef>
-        </p:style>
-        <p:txBody>
-          <a:bodyPr vert="vert270" rtlCol="0" anchor="ctr"/>
-          <a:lstStyle/>
-          <a:p>
-            <a:pPr algn="ctr"/>
-            <a:r>
-              <a:rPr lang="en-PL" dirty="0"/>
-              <a:t>LINEAR</a:t>
-            </a:r>
-          </a:p>
-        </p:txBody>
-      </p:sp>
-      <p:sp>
-        <p:nvSpPr>
-          <p:cNvPr id="36" name="Rectangle 35">
-            <a:extLst>
-              <a:ext uri="{FF2B5EF4-FFF2-40B4-BE49-F238E27FC236}">
-                <a16:creationId xmlns:a16="http://schemas.microsoft.com/office/drawing/2014/main" id="{C5B2E84F-4245-5223-02F3-2873F557E2A9}"/>
-              </a:ext>
-            </a:extLst>
-          </p:cNvPr>
-          <p:cNvSpPr/>
-          <p:nvPr/>
-        </p:nvSpPr>
-        <p:spPr>
-          <a:xfrm>
-            <a:off x="10624437" y="2182585"/>
-            <a:ext cx="979715" cy="3799113"/>
-          </a:xfrm>
-          <a:prstGeom prst="rect">
-            <a:avLst/>
-          </a:prstGeom>
-        </p:spPr>
-        <p:style>
-          <a:lnRef idx="2">
-            <a:schemeClr val="accent1">
-              <a:shade val="15000"/>
-            </a:schemeClr>
-          </a:lnRef>
-          <a:fillRef idx="1">
-            <a:schemeClr val="accent1"/>
-          </a:fillRef>
-          <a:effectRef idx="0">
-            <a:schemeClr val="accent1"/>
-          </a:effectRef>
-          <a:fontRef idx="minor">
-            <a:schemeClr val="lt1"/>
-          </a:fontRef>
-        </p:style>
-        <p:txBody>
-          <a:bodyPr vert="vert270" rtlCol="0" anchor="ctr"/>
-          <a:lstStyle/>
-          <a:p>
-            <a:pPr algn="ctr"/>
-            <a:r>
-              <a:rPr lang="en-PL" dirty="0"/>
-              <a:t>SIGMOID</a:t>
-            </a:r>
-          </a:p>
-        </p:txBody>
-      </p:sp>
-      <p:cxnSp>
-        <p:nvCxnSpPr>
-          <p:cNvPr id="38" name="Elbow Connector 37">
-            <a:extLst>
-              <a:ext uri="{FF2B5EF4-FFF2-40B4-BE49-F238E27FC236}">
-                <a16:creationId xmlns:a16="http://schemas.microsoft.com/office/drawing/2014/main" id="{A34652D6-F13D-2DF7-8270-B7675087CFEA}"/>
-              </a:ext>
-            </a:extLst>
-          </p:cNvPr>
-          <p:cNvCxnSpPr>
-            <a:stCxn id="23" idx="3"/>
-            <a:endCxn id="33" idx="1"/>
-          </p:cNvCxnSpPr>
-          <p:nvPr/>
-        </p:nvCxnSpPr>
-        <p:spPr>
-          <a:xfrm>
-            <a:off x="4974768" y="2460172"/>
-            <a:ext cx="881742" cy="1594756"/>
-          </a:xfrm>
-          <a:prstGeom prst="bentConnector3">
-            <a:avLst/>
-          </a:prstGeom>
-          <a:ln>
-            <a:tailEnd type="triangle"/>
-          </a:ln>
-        </p:spPr>
-        <p:style>
-          <a:lnRef idx="1">
-            <a:schemeClr val="accent1"/>
-          </a:lnRef>
-          <a:fillRef idx="0">
-            <a:schemeClr val="accent1"/>
-          </a:fillRef>
-          <a:effectRef idx="0">
-            <a:schemeClr val="accent1"/>
-          </a:effectRef>
-          <a:fontRef idx="minor">
-            <a:schemeClr val="tx1"/>
-          </a:fontRef>
-        </p:style>
-      </p:cxnSp>
-      <p:cxnSp>
-        <p:nvCxnSpPr>
-          <p:cNvPr id="40" name="Elbow Connector 39">
-            <a:extLst>
-              <a:ext uri="{FF2B5EF4-FFF2-40B4-BE49-F238E27FC236}">
-                <a16:creationId xmlns:a16="http://schemas.microsoft.com/office/drawing/2014/main" id="{CA58BD51-46B9-1349-B370-4F7F34759487}"/>
-              </a:ext>
-            </a:extLst>
-          </p:cNvPr>
-          <p:cNvCxnSpPr>
-            <a:stCxn id="22" idx="3"/>
-            <a:endCxn id="33" idx="1"/>
-          </p:cNvCxnSpPr>
-          <p:nvPr/>
-        </p:nvCxnSpPr>
-        <p:spPr>
-          <a:xfrm>
-            <a:off x="4963882" y="3290887"/>
-            <a:ext cx="892628" cy="764041"/>
-          </a:xfrm>
-          <a:prstGeom prst="bentConnector3">
-            <a:avLst/>
-          </a:prstGeom>
-          <a:ln>
-            <a:tailEnd type="triangle"/>
-          </a:ln>
-        </p:spPr>
-        <p:style>
-          <a:lnRef idx="1">
-            <a:schemeClr val="accent1"/>
-          </a:lnRef>
-          <a:fillRef idx="0">
-            <a:schemeClr val="accent1"/>
-          </a:fillRef>
-          <a:effectRef idx="0">
-            <a:schemeClr val="accent1"/>
-          </a:effectRef>
-          <a:fontRef idx="minor">
-            <a:schemeClr val="tx1"/>
-          </a:fontRef>
-        </p:style>
-      </p:cxnSp>
-      <p:cxnSp>
-        <p:nvCxnSpPr>
-          <p:cNvPr id="42" name="Elbow Connector 41">
-            <a:extLst>
-              <a:ext uri="{FF2B5EF4-FFF2-40B4-BE49-F238E27FC236}">
-                <a16:creationId xmlns:a16="http://schemas.microsoft.com/office/drawing/2014/main" id="{7264D9EF-57BF-1379-86C2-A0E2F610426D}"/>
-              </a:ext>
-            </a:extLst>
-          </p:cNvPr>
-          <p:cNvCxnSpPr>
-            <a:stCxn id="21" idx="3"/>
-            <a:endCxn id="33" idx="1"/>
-          </p:cNvCxnSpPr>
-          <p:nvPr/>
-        </p:nvCxnSpPr>
-        <p:spPr>
-          <a:xfrm flipV="1">
-            <a:off x="4974770" y="4054928"/>
-            <a:ext cx="881740" cy="764042"/>
-          </a:xfrm>
-          <a:prstGeom prst="bentConnector3">
-            <a:avLst/>
-          </a:prstGeom>
-          <a:ln>
-            <a:tailEnd type="triangle"/>
-          </a:ln>
-        </p:spPr>
-        <p:style>
-          <a:lnRef idx="1">
-            <a:schemeClr val="accent1"/>
-          </a:lnRef>
-          <a:fillRef idx="0">
-            <a:schemeClr val="accent1"/>
-          </a:fillRef>
-          <a:effectRef idx="0">
-            <a:schemeClr val="accent1"/>
-          </a:effectRef>
-          <a:fontRef idx="minor">
-            <a:schemeClr val="tx1"/>
-          </a:fontRef>
-        </p:style>
-      </p:cxnSp>
-      <p:cxnSp>
-        <p:nvCxnSpPr>
-          <p:cNvPr id="44" name="Elbow Connector 43">
-            <a:extLst>
-              <a:ext uri="{FF2B5EF4-FFF2-40B4-BE49-F238E27FC236}">
-                <a16:creationId xmlns:a16="http://schemas.microsoft.com/office/drawing/2014/main" id="{17443C94-E065-C48A-5D5B-FFACE2EFF8A4}"/>
-              </a:ext>
-            </a:extLst>
-          </p:cNvPr>
-          <p:cNvCxnSpPr>
-            <a:stCxn id="16" idx="3"/>
-            <a:endCxn id="33" idx="1"/>
-          </p:cNvCxnSpPr>
-          <p:nvPr/>
-        </p:nvCxnSpPr>
-        <p:spPr>
-          <a:xfrm flipV="1">
-            <a:off x="4974771" y="4054928"/>
-            <a:ext cx="881739" cy="1594757"/>
-          </a:xfrm>
-          <a:prstGeom prst="bentConnector3">
-            <a:avLst/>
-          </a:prstGeom>
-          <a:ln>
-            <a:tailEnd type="triangle"/>
-          </a:ln>
-        </p:spPr>
-        <p:style>
-          <a:lnRef idx="1">
-            <a:schemeClr val="accent1"/>
-          </a:lnRef>
-          <a:fillRef idx="0">
-            <a:schemeClr val="accent1"/>
-          </a:fillRef>
-          <a:effectRef idx="0">
-            <a:schemeClr val="accent1"/>
-          </a:effectRef>
-          <a:fontRef idx="minor">
-            <a:schemeClr val="tx1"/>
-          </a:fontRef>
-        </p:style>
-      </p:cxnSp>
-      <p:cxnSp>
-        <p:nvCxnSpPr>
-          <p:cNvPr id="46" name="Straight Arrow Connector 45">
-            <a:extLst>
-              <a:ext uri="{FF2B5EF4-FFF2-40B4-BE49-F238E27FC236}">
-                <a16:creationId xmlns:a16="http://schemas.microsoft.com/office/drawing/2014/main" id="{23F2C5B4-D43D-0452-234B-541D52309CA1}"/>
-              </a:ext>
-            </a:extLst>
-          </p:cNvPr>
-          <p:cNvCxnSpPr>
-            <a:stCxn id="33" idx="3"/>
-            <a:endCxn id="34" idx="1"/>
-          </p:cNvCxnSpPr>
-          <p:nvPr/>
-        </p:nvCxnSpPr>
-        <p:spPr>
-          <a:xfrm>
-            <a:off x="6836225" y="4054928"/>
-            <a:ext cx="609594" cy="0"/>
-          </a:xfrm>
-          <a:prstGeom prst="straightConnector1">
-            <a:avLst/>
-          </a:prstGeom>
-          <a:ln>
-            <a:tailEnd type="triangle"/>
-          </a:ln>
-        </p:spPr>
-        <p:style>
-          <a:lnRef idx="1">
-            <a:schemeClr val="accent1"/>
-          </a:lnRef>
-          <a:fillRef idx="0">
-            <a:schemeClr val="accent1"/>
-          </a:fillRef>
-          <a:effectRef idx="0">
-            <a:schemeClr val="accent1"/>
-          </a:effectRef>
-          <a:fontRef idx="minor">
-            <a:schemeClr val="tx1"/>
-          </a:fontRef>
-        </p:style>
-      </p:cxnSp>
-      <p:cxnSp>
-        <p:nvCxnSpPr>
-          <p:cNvPr id="48" name="Straight Arrow Connector 47">
-            <a:extLst>
-              <a:ext uri="{FF2B5EF4-FFF2-40B4-BE49-F238E27FC236}">
-                <a16:creationId xmlns:a16="http://schemas.microsoft.com/office/drawing/2014/main" id="{8AD2FA72-6ACD-B9F1-1E97-D7E0EA1521E9}"/>
-              </a:ext>
-            </a:extLst>
-          </p:cNvPr>
-          <p:cNvCxnSpPr>
-            <a:stCxn id="34" idx="3"/>
-            <a:endCxn id="35" idx="1"/>
-          </p:cNvCxnSpPr>
-          <p:nvPr/>
-        </p:nvCxnSpPr>
-        <p:spPr>
-          <a:xfrm>
-            <a:off x="8425534" y="4054928"/>
-            <a:ext cx="609594" cy="0"/>
-          </a:xfrm>
-          <a:prstGeom prst="straightConnector1">
-            <a:avLst/>
-          </a:prstGeom>
-          <a:ln>
-            <a:tailEnd type="triangle"/>
-          </a:ln>
-        </p:spPr>
-        <p:style>
-          <a:lnRef idx="1">
-            <a:schemeClr val="accent1"/>
-          </a:lnRef>
-          <a:fillRef idx="0">
-            <a:schemeClr val="accent1"/>
-          </a:fillRef>
-          <a:effectRef idx="0">
-            <a:schemeClr val="accent1"/>
-          </a:effectRef>
-          <a:fontRef idx="minor">
-            <a:schemeClr val="tx1"/>
-          </a:fontRef>
-        </p:style>
-      </p:cxnSp>
-      <p:cxnSp>
-        <p:nvCxnSpPr>
-          <p:cNvPr id="50" name="Straight Arrow Connector 49">
-            <a:extLst>
-              <a:ext uri="{FF2B5EF4-FFF2-40B4-BE49-F238E27FC236}">
-                <a16:creationId xmlns:a16="http://schemas.microsoft.com/office/drawing/2014/main" id="{4D8B9EFE-EED0-FD09-8E9A-2CE6EBCDD4C8}"/>
-              </a:ext>
-            </a:extLst>
-          </p:cNvPr>
-          <p:cNvCxnSpPr>
-            <a:stCxn id="35" idx="3"/>
-          </p:cNvCxnSpPr>
-          <p:nvPr/>
-        </p:nvCxnSpPr>
-        <p:spPr>
-          <a:xfrm>
-            <a:off x="10014843" y="4054928"/>
-            <a:ext cx="609594" cy="0"/>
-          </a:xfrm>
-          <a:prstGeom prst="straightConnector1">
-            <a:avLst/>
-          </a:prstGeom>
-          <a:ln>
-            <a:tailEnd type="triangle"/>
-          </a:ln>
-        </p:spPr>
-        <p:style>
-          <a:lnRef idx="1">
-            <a:schemeClr val="accent1"/>
-          </a:lnRef>
-          <a:fillRef idx="0">
-            <a:schemeClr val="accent1"/>
-          </a:fillRef>
-          <a:effectRef idx="0">
-            <a:schemeClr val="accent1"/>
-          </a:effectRef>
-          <a:fontRef idx="minor">
-            <a:schemeClr val="tx1"/>
-          </a:fontRef>
-        </p:style>
-      </p:cxnSp>
-      <p:sp>
-        <p:nvSpPr>
-          <p:cNvPr id="51" name="Oval 50">
-            <a:extLst>
-              <a:ext uri="{FF2B5EF4-FFF2-40B4-BE49-F238E27FC236}">
-                <a16:creationId xmlns:a16="http://schemas.microsoft.com/office/drawing/2014/main" id="{3CA1E4BD-11C6-9319-D727-35FA5010A443}"/>
-              </a:ext>
-            </a:extLst>
-          </p:cNvPr>
-          <p:cNvSpPr/>
-          <p:nvPr/>
-        </p:nvSpPr>
-        <p:spPr>
-          <a:xfrm flipH="1">
-            <a:off x="3995057" y="3933149"/>
-            <a:ext cx="65314" cy="45719"/>
-          </a:xfrm>
-          <a:prstGeom prst="ellipse">
-            <a:avLst/>
-          </a:prstGeom>
-        </p:spPr>
-        <p:style>
-          <a:lnRef idx="2">
-            <a:schemeClr val="accent1">
-              <a:shade val="15000"/>
-            </a:schemeClr>
-          </a:lnRef>
-          <a:fillRef idx="1">
-            <a:schemeClr val="accent1"/>
-          </a:fillRef>
-          <a:effectRef idx="0">
-            <a:schemeClr val="accent1"/>
-          </a:effectRef>
-          <a:fontRef idx="minor">
-            <a:schemeClr val="lt1"/>
-          </a:fontRef>
-        </p:style>
-        <p:txBody>
-          <a:bodyPr rtlCol="0" anchor="ctr"/>
-          <a:lstStyle/>
-          <a:p>
-            <a:pPr algn="ctr"/>
-            <a:endParaRPr lang="en-PL"/>
-          </a:p>
-        </p:txBody>
-      </p:sp>
-      <p:sp>
-        <p:nvSpPr>
-          <p:cNvPr id="58" name="Oval 57">
-            <a:extLst>
-              <a:ext uri="{FF2B5EF4-FFF2-40B4-BE49-F238E27FC236}">
-                <a16:creationId xmlns:a16="http://schemas.microsoft.com/office/drawing/2014/main" id="{85E18650-3DA8-CAB8-762A-6745A227B2EC}"/>
-              </a:ext>
-            </a:extLst>
-          </p:cNvPr>
-          <p:cNvSpPr/>
-          <p:nvPr/>
-        </p:nvSpPr>
-        <p:spPr>
-          <a:xfrm flipH="1">
-            <a:off x="4005943" y="4085549"/>
-            <a:ext cx="65314" cy="45719"/>
-          </a:xfrm>
-          <a:prstGeom prst="ellipse">
-            <a:avLst/>
-          </a:prstGeom>
-        </p:spPr>
-        <p:style>
-          <a:lnRef idx="2">
-            <a:schemeClr val="accent1">
-              <a:shade val="15000"/>
-            </a:schemeClr>
-          </a:lnRef>
-          <a:fillRef idx="1">
-            <a:schemeClr val="accent1"/>
-          </a:fillRef>
-          <a:effectRef idx="0">
-            <a:schemeClr val="accent1"/>
-          </a:effectRef>
-          <a:fontRef idx="minor">
-            <a:schemeClr val="lt1"/>
-          </a:fontRef>
-        </p:style>
-        <p:txBody>
-          <a:bodyPr rtlCol="0" anchor="ctr"/>
-          <a:lstStyle/>
-          <a:p>
-            <a:pPr algn="ctr"/>
-            <a:endParaRPr lang="en-PL"/>
-          </a:p>
-        </p:txBody>
-      </p:sp>
-      <p:sp>
-        <p:nvSpPr>
-          <p:cNvPr id="59" name="Oval 58">
-            <a:extLst>
-              <a:ext uri="{FF2B5EF4-FFF2-40B4-BE49-F238E27FC236}">
-                <a16:creationId xmlns:a16="http://schemas.microsoft.com/office/drawing/2014/main" id="{86CADD2B-FEFD-4BF7-1B49-C0584CBA33EE}"/>
-              </a:ext>
-            </a:extLst>
-          </p:cNvPr>
-          <p:cNvSpPr/>
-          <p:nvPr/>
-        </p:nvSpPr>
-        <p:spPr>
-          <a:xfrm flipH="1">
-            <a:off x="4005940" y="4227063"/>
-            <a:ext cx="65314" cy="45719"/>
-          </a:xfrm>
-          <a:prstGeom prst="ellipse">
-            <a:avLst/>
-          </a:prstGeom>
-        </p:spPr>
-        <p:style>
-          <a:lnRef idx="2">
-            <a:schemeClr val="accent1">
-              <a:shade val="15000"/>
-            </a:schemeClr>
-          </a:lnRef>
-          <a:fillRef idx="1">
-            <a:schemeClr val="accent1"/>
-          </a:fillRef>
-          <a:effectRef idx="0">
-            <a:schemeClr val="accent1"/>
-          </a:effectRef>
-          <a:fontRef idx="minor">
-            <a:schemeClr val="lt1"/>
-          </a:fontRef>
-        </p:style>
-        <p:txBody>
-          <a:bodyPr rtlCol="0" anchor="ctr"/>
-          <a:lstStyle/>
-          <a:p>
-            <a:pPr algn="ctr"/>
-            <a:endParaRPr lang="en-PL"/>
-          </a:p>
-        </p:txBody>
-      </p:sp>
+          <a:noFill/>
+          <a:extLst>
+            <a:ext uri="{909E8E84-426E-40DD-AFC4-6F175D3DCCD1}">
+              <a14:hiddenFill xmlns:a14="http://schemas.microsoft.com/office/drawing/2010/main">
+                <a:solidFill>
+                  <a:srgbClr val="FFFFFF"/>
+                </a:solidFill>
+              </a14:hiddenFill>
+            </a:ext>
+          </a:extLst>
+        </p:spPr>
+      </p:pic>
     </p:spTree>
     <p:extLst>
       <p:ext uri="{BB962C8B-B14F-4D97-AF65-F5344CB8AC3E}">
-        <p14:creationId xmlns:p14="http://schemas.microsoft.com/office/powerpoint/2010/main" val="2030071942"/>
+        <p14:creationId xmlns:p14="http://schemas.microsoft.com/office/powerpoint/2010/main" val="2526343008"/>
       </p:ext>
     </p:extLst>
   </p:cSld>
@@ -5988,6 +4970,985 @@
       </p:grpSpPr>
       <p:sp>
         <p:nvSpPr>
+          <p:cNvPr id="5" name="Title 4">
+            <a:extLst>
+              <a:ext uri="{FF2B5EF4-FFF2-40B4-BE49-F238E27FC236}">
+                <a16:creationId xmlns:a16="http://schemas.microsoft.com/office/drawing/2014/main" id="{FA1D7A2E-5AEB-FA0B-CA30-792496DC2668}"/>
+              </a:ext>
+            </a:extLst>
+          </p:cNvPr>
+          <p:cNvSpPr>
+            <a:spLocks noGrp="1"/>
+          </p:cNvSpPr>
+          <p:nvPr>
+            <p:ph type="title"/>
+          </p:nvPr>
+        </p:nvSpPr>
+        <p:spPr/>
+        <p:txBody>
+          <a:bodyPr/>
+          <a:lstStyle/>
+          <a:p>
+            <a:r>
+              <a:rPr lang="en-PL" dirty="0"/>
+              <a:t>Proposed Pipeline</a:t>
+            </a:r>
+          </a:p>
+        </p:txBody>
+      </p:sp>
+      <p:sp>
+        <p:nvSpPr>
+          <p:cNvPr id="6" name="Rectangle 5">
+            <a:extLst>
+              <a:ext uri="{FF2B5EF4-FFF2-40B4-BE49-F238E27FC236}">
+                <a16:creationId xmlns:a16="http://schemas.microsoft.com/office/drawing/2014/main" id="{3A1C1B31-1A3F-4675-BB48-9A55C86017C6}"/>
+              </a:ext>
+            </a:extLst>
+          </p:cNvPr>
+          <p:cNvSpPr/>
+          <p:nvPr/>
+        </p:nvSpPr>
+        <p:spPr>
+          <a:xfrm>
+            <a:off x="209722" y="1855700"/>
+            <a:ext cx="1426028" cy="4049485"/>
+          </a:xfrm>
+          <a:prstGeom prst="rect">
+            <a:avLst/>
+          </a:prstGeom>
+        </p:spPr>
+        <p:style>
+          <a:lnRef idx="2">
+            <a:schemeClr val="accent1">
+              <a:shade val="15000"/>
+            </a:schemeClr>
+          </a:lnRef>
+          <a:fillRef idx="1">
+            <a:schemeClr val="accent1"/>
+          </a:fillRef>
+          <a:effectRef idx="0">
+            <a:schemeClr val="accent1"/>
+          </a:effectRef>
+          <a:fontRef idx="minor">
+            <a:schemeClr val="lt1"/>
+          </a:fontRef>
+        </p:style>
+        <p:txBody>
+          <a:bodyPr vert="vert270" rtlCol="0" anchor="ctr"/>
+          <a:lstStyle/>
+          <a:p>
+            <a:pPr algn="ctr"/>
+            <a:r>
+              <a:rPr lang="en-PL" dirty="0"/>
+              <a:t>SEGMENTATION</a:t>
+            </a:r>
+            <a:br>
+              <a:rPr lang="en-PL" dirty="0"/>
+            </a:br>
+            <a:r>
+              <a:rPr lang="en-PL" dirty="0"/>
+              <a:t>MODULE</a:t>
+            </a:r>
+          </a:p>
+          <a:p>
+            <a:pPr algn="ctr"/>
+            <a:r>
+              <a:rPr lang="en-PL" dirty="0"/>
+              <a:t>(Black Box)</a:t>
+            </a:r>
+          </a:p>
+        </p:txBody>
+      </p:sp>
+      <p:sp>
+        <p:nvSpPr>
+          <p:cNvPr id="33" name="Rectangle 32">
+            <a:extLst>
+              <a:ext uri="{FF2B5EF4-FFF2-40B4-BE49-F238E27FC236}">
+                <a16:creationId xmlns:a16="http://schemas.microsoft.com/office/drawing/2014/main" id="{B62CF127-1E6B-3E04-3387-07EFB4B221DC}"/>
+              </a:ext>
+            </a:extLst>
+          </p:cNvPr>
+          <p:cNvSpPr/>
+          <p:nvPr/>
+        </p:nvSpPr>
+        <p:spPr>
+          <a:xfrm>
+            <a:off x="6251028" y="1984705"/>
+            <a:ext cx="979715" cy="3799113"/>
+          </a:xfrm>
+          <a:prstGeom prst="rect">
+            <a:avLst/>
+          </a:prstGeom>
+        </p:spPr>
+        <p:style>
+          <a:lnRef idx="2">
+            <a:schemeClr val="accent1">
+              <a:shade val="15000"/>
+            </a:schemeClr>
+          </a:lnRef>
+          <a:fillRef idx="1">
+            <a:schemeClr val="accent1"/>
+          </a:fillRef>
+          <a:effectRef idx="0">
+            <a:schemeClr val="accent1"/>
+          </a:effectRef>
+          <a:fontRef idx="minor">
+            <a:schemeClr val="lt1"/>
+          </a:fontRef>
+        </p:style>
+        <p:txBody>
+          <a:bodyPr vert="vert270" rtlCol="0" anchor="ctr"/>
+          <a:lstStyle/>
+          <a:p>
+            <a:pPr algn="ctr"/>
+            <a:r>
+              <a:rPr lang="en-PL" dirty="0"/>
+              <a:t>CONCATENATE</a:t>
+            </a:r>
+          </a:p>
+        </p:txBody>
+      </p:sp>
+      <p:sp>
+        <p:nvSpPr>
+          <p:cNvPr id="34" name="Rectangle 33">
+            <a:extLst>
+              <a:ext uri="{FF2B5EF4-FFF2-40B4-BE49-F238E27FC236}">
+                <a16:creationId xmlns:a16="http://schemas.microsoft.com/office/drawing/2014/main" id="{B9E16546-140A-855E-88FC-FA3B52B9E090}"/>
+              </a:ext>
+            </a:extLst>
+          </p:cNvPr>
+          <p:cNvSpPr/>
+          <p:nvPr/>
+        </p:nvSpPr>
+        <p:spPr>
+          <a:xfrm>
+            <a:off x="7840337" y="1980887"/>
+            <a:ext cx="979715" cy="3799113"/>
+          </a:xfrm>
+          <a:prstGeom prst="rect">
+            <a:avLst/>
+          </a:prstGeom>
+        </p:spPr>
+        <p:style>
+          <a:lnRef idx="2">
+            <a:schemeClr val="accent1">
+              <a:shade val="15000"/>
+            </a:schemeClr>
+          </a:lnRef>
+          <a:fillRef idx="1">
+            <a:schemeClr val="accent1"/>
+          </a:fillRef>
+          <a:effectRef idx="0">
+            <a:schemeClr val="accent1"/>
+          </a:effectRef>
+          <a:fontRef idx="minor">
+            <a:schemeClr val="lt1"/>
+          </a:fontRef>
+        </p:style>
+        <p:txBody>
+          <a:bodyPr vert="vert270" rtlCol="0" anchor="ctr"/>
+          <a:lstStyle/>
+          <a:p>
+            <a:pPr algn="ctr"/>
+            <a:r>
+              <a:rPr lang="en-PL" dirty="0"/>
+              <a:t>AVG POOL</a:t>
+            </a:r>
+          </a:p>
+        </p:txBody>
+      </p:sp>
+      <p:sp>
+        <p:nvSpPr>
+          <p:cNvPr id="35" name="Rectangle 34">
+            <a:extLst>
+              <a:ext uri="{FF2B5EF4-FFF2-40B4-BE49-F238E27FC236}">
+                <a16:creationId xmlns:a16="http://schemas.microsoft.com/office/drawing/2014/main" id="{B567CA65-5F72-CB42-E0AA-B358FD06DACA}"/>
+              </a:ext>
+            </a:extLst>
+          </p:cNvPr>
+          <p:cNvSpPr/>
+          <p:nvPr/>
+        </p:nvSpPr>
+        <p:spPr>
+          <a:xfrm>
+            <a:off x="9429646" y="1980886"/>
+            <a:ext cx="979715" cy="3799113"/>
+          </a:xfrm>
+          <a:prstGeom prst="rect">
+            <a:avLst/>
+          </a:prstGeom>
+        </p:spPr>
+        <p:style>
+          <a:lnRef idx="2">
+            <a:schemeClr val="accent1">
+              <a:shade val="15000"/>
+            </a:schemeClr>
+          </a:lnRef>
+          <a:fillRef idx="1">
+            <a:schemeClr val="accent1"/>
+          </a:fillRef>
+          <a:effectRef idx="0">
+            <a:schemeClr val="accent1"/>
+          </a:effectRef>
+          <a:fontRef idx="minor">
+            <a:schemeClr val="lt1"/>
+          </a:fontRef>
+        </p:style>
+        <p:txBody>
+          <a:bodyPr vert="vert270" rtlCol="0" anchor="ctr"/>
+          <a:lstStyle/>
+          <a:p>
+            <a:pPr algn="ctr"/>
+            <a:r>
+              <a:rPr lang="en-PL" dirty="0"/>
+              <a:t>LINEAR</a:t>
+            </a:r>
+          </a:p>
+        </p:txBody>
+      </p:sp>
+      <p:sp>
+        <p:nvSpPr>
+          <p:cNvPr id="36" name="Rectangle 35">
+            <a:extLst>
+              <a:ext uri="{FF2B5EF4-FFF2-40B4-BE49-F238E27FC236}">
+                <a16:creationId xmlns:a16="http://schemas.microsoft.com/office/drawing/2014/main" id="{C5B2E84F-4245-5223-02F3-2873F557E2A9}"/>
+              </a:ext>
+            </a:extLst>
+          </p:cNvPr>
+          <p:cNvSpPr/>
+          <p:nvPr/>
+        </p:nvSpPr>
+        <p:spPr>
+          <a:xfrm>
+            <a:off x="11018955" y="1984623"/>
+            <a:ext cx="979715" cy="3799113"/>
+          </a:xfrm>
+          <a:prstGeom prst="rect">
+            <a:avLst/>
+          </a:prstGeom>
+        </p:spPr>
+        <p:style>
+          <a:lnRef idx="2">
+            <a:schemeClr val="accent1">
+              <a:shade val="15000"/>
+            </a:schemeClr>
+          </a:lnRef>
+          <a:fillRef idx="1">
+            <a:schemeClr val="accent1"/>
+          </a:fillRef>
+          <a:effectRef idx="0">
+            <a:schemeClr val="accent1"/>
+          </a:effectRef>
+          <a:fontRef idx="minor">
+            <a:schemeClr val="lt1"/>
+          </a:fontRef>
+        </p:style>
+        <p:txBody>
+          <a:bodyPr vert="vert270" rtlCol="0" anchor="ctr"/>
+          <a:lstStyle/>
+          <a:p>
+            <a:pPr algn="ctr"/>
+            <a:r>
+              <a:rPr lang="en-PL" dirty="0"/>
+              <a:t>SIGMOID</a:t>
+            </a:r>
+          </a:p>
+        </p:txBody>
+      </p:sp>
+      <p:cxnSp>
+        <p:nvCxnSpPr>
+          <p:cNvPr id="46" name="Straight Arrow Connector 45">
+            <a:extLst>
+              <a:ext uri="{FF2B5EF4-FFF2-40B4-BE49-F238E27FC236}">
+                <a16:creationId xmlns:a16="http://schemas.microsoft.com/office/drawing/2014/main" id="{23F2C5B4-D43D-0452-234B-541D52309CA1}"/>
+              </a:ext>
+            </a:extLst>
+          </p:cNvPr>
+          <p:cNvCxnSpPr>
+            <a:stCxn id="33" idx="3"/>
+            <a:endCxn id="34" idx="1"/>
+          </p:cNvCxnSpPr>
+          <p:nvPr/>
+        </p:nvCxnSpPr>
+        <p:spPr>
+          <a:xfrm flipV="1">
+            <a:off x="7230743" y="3880444"/>
+            <a:ext cx="609594" cy="3818"/>
+          </a:xfrm>
+          <a:prstGeom prst="straightConnector1">
+            <a:avLst/>
+          </a:prstGeom>
+          <a:ln>
+            <a:tailEnd type="triangle"/>
+          </a:ln>
+        </p:spPr>
+        <p:style>
+          <a:lnRef idx="1">
+            <a:schemeClr val="accent1"/>
+          </a:lnRef>
+          <a:fillRef idx="0">
+            <a:schemeClr val="accent1"/>
+          </a:fillRef>
+          <a:effectRef idx="0">
+            <a:schemeClr val="accent1"/>
+          </a:effectRef>
+          <a:fontRef idx="minor">
+            <a:schemeClr val="tx1"/>
+          </a:fontRef>
+        </p:style>
+      </p:cxnSp>
+      <p:cxnSp>
+        <p:nvCxnSpPr>
+          <p:cNvPr id="48" name="Straight Arrow Connector 47">
+            <a:extLst>
+              <a:ext uri="{FF2B5EF4-FFF2-40B4-BE49-F238E27FC236}">
+                <a16:creationId xmlns:a16="http://schemas.microsoft.com/office/drawing/2014/main" id="{8AD2FA72-6ACD-B9F1-1E97-D7E0EA1521E9}"/>
+              </a:ext>
+            </a:extLst>
+          </p:cNvPr>
+          <p:cNvCxnSpPr>
+            <a:stCxn id="34" idx="3"/>
+            <a:endCxn id="35" idx="1"/>
+          </p:cNvCxnSpPr>
+          <p:nvPr/>
+        </p:nvCxnSpPr>
+        <p:spPr>
+          <a:xfrm flipV="1">
+            <a:off x="8820052" y="3880443"/>
+            <a:ext cx="609594" cy="1"/>
+          </a:xfrm>
+          <a:prstGeom prst="straightConnector1">
+            <a:avLst/>
+          </a:prstGeom>
+          <a:ln>
+            <a:tailEnd type="triangle"/>
+          </a:ln>
+        </p:spPr>
+        <p:style>
+          <a:lnRef idx="1">
+            <a:schemeClr val="accent1"/>
+          </a:lnRef>
+          <a:fillRef idx="0">
+            <a:schemeClr val="accent1"/>
+          </a:fillRef>
+          <a:effectRef idx="0">
+            <a:schemeClr val="accent1"/>
+          </a:effectRef>
+          <a:fontRef idx="minor">
+            <a:schemeClr val="tx1"/>
+          </a:fontRef>
+        </p:style>
+      </p:cxnSp>
+      <p:cxnSp>
+        <p:nvCxnSpPr>
+          <p:cNvPr id="50" name="Straight Arrow Connector 49">
+            <a:extLst>
+              <a:ext uri="{FF2B5EF4-FFF2-40B4-BE49-F238E27FC236}">
+                <a16:creationId xmlns:a16="http://schemas.microsoft.com/office/drawing/2014/main" id="{4D8B9EFE-EED0-FD09-8E9A-2CE6EBCDD4C8}"/>
+              </a:ext>
+            </a:extLst>
+          </p:cNvPr>
+          <p:cNvCxnSpPr>
+            <a:stCxn id="35" idx="3"/>
+          </p:cNvCxnSpPr>
+          <p:nvPr/>
+        </p:nvCxnSpPr>
+        <p:spPr>
+          <a:xfrm>
+            <a:off x="10409361" y="3880443"/>
+            <a:ext cx="609594" cy="0"/>
+          </a:xfrm>
+          <a:prstGeom prst="straightConnector1">
+            <a:avLst/>
+          </a:prstGeom>
+          <a:ln>
+            <a:tailEnd type="triangle"/>
+          </a:ln>
+        </p:spPr>
+        <p:style>
+          <a:lnRef idx="1">
+            <a:schemeClr val="accent1"/>
+          </a:lnRef>
+          <a:fillRef idx="0">
+            <a:schemeClr val="accent1"/>
+          </a:fillRef>
+          <a:effectRef idx="0">
+            <a:schemeClr val="accent1"/>
+          </a:effectRef>
+          <a:fontRef idx="minor">
+            <a:schemeClr val="tx1"/>
+          </a:fontRef>
+        </p:style>
+      </p:cxnSp>
+      <p:sp>
+        <p:nvSpPr>
+          <p:cNvPr id="2" name="Rectangle 1">
+            <a:extLst>
+              <a:ext uri="{FF2B5EF4-FFF2-40B4-BE49-F238E27FC236}">
+                <a16:creationId xmlns:a16="http://schemas.microsoft.com/office/drawing/2014/main" id="{E8E0955D-AD34-7822-9E0B-6C50A4800DE1}"/>
+              </a:ext>
+            </a:extLst>
+          </p:cNvPr>
+          <p:cNvSpPr/>
+          <p:nvPr/>
+        </p:nvSpPr>
+        <p:spPr>
+          <a:xfrm rot="5400000">
+            <a:off x="3352011" y="1630131"/>
+            <a:ext cx="979715" cy="1700192"/>
+          </a:xfrm>
+          <a:prstGeom prst="rect">
+            <a:avLst/>
+          </a:prstGeom>
+        </p:spPr>
+        <p:style>
+          <a:lnRef idx="2">
+            <a:schemeClr val="accent1">
+              <a:shade val="15000"/>
+            </a:schemeClr>
+          </a:lnRef>
+          <a:fillRef idx="1">
+            <a:schemeClr val="accent1"/>
+          </a:fillRef>
+          <a:effectRef idx="0">
+            <a:schemeClr val="accent1"/>
+          </a:effectRef>
+          <a:fontRef idx="minor">
+            <a:schemeClr val="lt1"/>
+          </a:fontRef>
+        </p:style>
+        <p:txBody>
+          <a:bodyPr vert="vert270" rtlCol="0" anchor="ctr"/>
+          <a:lstStyle/>
+          <a:p>
+            <a:pPr algn="ctr"/>
+            <a:r>
+              <a:rPr lang="en-PL" dirty="0"/>
+              <a:t>FilterNet</a:t>
+            </a:r>
+          </a:p>
+          <a:p>
+            <a:pPr algn="ctr"/>
+            <a:r>
+              <a:rPr lang="en-PL" dirty="0"/>
+              <a:t>(LSTM-bidir)</a:t>
+            </a:r>
+          </a:p>
+        </p:txBody>
+      </p:sp>
+      <p:sp>
+        <p:nvSpPr>
+          <p:cNvPr id="3" name="Rectangle 2">
+            <a:extLst>
+              <a:ext uri="{FF2B5EF4-FFF2-40B4-BE49-F238E27FC236}">
+                <a16:creationId xmlns:a16="http://schemas.microsoft.com/office/drawing/2014/main" id="{6EB1E3DD-43EB-C9CC-3ED9-91D05C95F782}"/>
+              </a:ext>
+            </a:extLst>
+          </p:cNvPr>
+          <p:cNvSpPr/>
+          <p:nvPr/>
+        </p:nvSpPr>
+        <p:spPr>
+          <a:xfrm rot="5400000">
+            <a:off x="3313876" y="4440045"/>
+            <a:ext cx="979715" cy="1700193"/>
+          </a:xfrm>
+          <a:prstGeom prst="rect">
+            <a:avLst/>
+          </a:prstGeom>
+        </p:spPr>
+        <p:style>
+          <a:lnRef idx="2">
+            <a:schemeClr val="accent1">
+              <a:shade val="15000"/>
+            </a:schemeClr>
+          </a:lnRef>
+          <a:fillRef idx="1">
+            <a:schemeClr val="accent1"/>
+          </a:fillRef>
+          <a:effectRef idx="0">
+            <a:schemeClr val="accent1"/>
+          </a:effectRef>
+          <a:fontRef idx="minor">
+            <a:schemeClr val="lt1"/>
+          </a:fontRef>
+        </p:style>
+        <p:txBody>
+          <a:bodyPr vert="vert270" rtlCol="0" anchor="ctr"/>
+          <a:lstStyle/>
+          <a:p>
+            <a:pPr algn="ctr"/>
+            <a:r>
+              <a:rPr lang="en-PL" dirty="0"/>
+              <a:t>CONVOLUTION </a:t>
+            </a:r>
+          </a:p>
+          <a:p>
+            <a:pPr algn="ctr"/>
+            <a:r>
+              <a:rPr lang="en-PL" dirty="0"/>
+              <a:t>WHOLE SEQUENCE</a:t>
+            </a:r>
+          </a:p>
+        </p:txBody>
+      </p:sp>
+      <p:cxnSp>
+        <p:nvCxnSpPr>
+          <p:cNvPr id="7" name="Elbow Connector 6">
+            <a:extLst>
+              <a:ext uri="{FF2B5EF4-FFF2-40B4-BE49-F238E27FC236}">
+                <a16:creationId xmlns:a16="http://schemas.microsoft.com/office/drawing/2014/main" id="{09210381-380C-A744-1365-B6741D30660D}"/>
+              </a:ext>
+            </a:extLst>
+          </p:cNvPr>
+          <p:cNvCxnSpPr>
+            <a:cxnSpLocks/>
+            <a:stCxn id="6" idx="3"/>
+            <a:endCxn id="3" idx="2"/>
+          </p:cNvCxnSpPr>
+          <p:nvPr/>
+        </p:nvCxnSpPr>
+        <p:spPr>
+          <a:xfrm>
+            <a:off x="1635750" y="3880443"/>
+            <a:ext cx="1317887" cy="1409699"/>
+          </a:xfrm>
+          <a:prstGeom prst="bentConnector3">
+            <a:avLst>
+              <a:gd name="adj1" fmla="val 11381"/>
+            </a:avLst>
+          </a:prstGeom>
+          <a:ln>
+            <a:tailEnd type="triangle"/>
+          </a:ln>
+        </p:spPr>
+        <p:style>
+          <a:lnRef idx="1">
+            <a:schemeClr val="accent1"/>
+          </a:lnRef>
+          <a:fillRef idx="0">
+            <a:schemeClr val="accent1"/>
+          </a:fillRef>
+          <a:effectRef idx="0">
+            <a:schemeClr val="accent1"/>
+          </a:effectRef>
+          <a:fontRef idx="minor">
+            <a:schemeClr val="tx1"/>
+          </a:fontRef>
+        </p:style>
+      </p:cxnSp>
+      <p:cxnSp>
+        <p:nvCxnSpPr>
+          <p:cNvPr id="9" name="Elbow Connector 8">
+            <a:extLst>
+              <a:ext uri="{FF2B5EF4-FFF2-40B4-BE49-F238E27FC236}">
+                <a16:creationId xmlns:a16="http://schemas.microsoft.com/office/drawing/2014/main" id="{B3FA371D-B09E-D165-C10C-EE3E057E9AC4}"/>
+              </a:ext>
+            </a:extLst>
+          </p:cNvPr>
+          <p:cNvCxnSpPr>
+            <a:cxnSpLocks/>
+            <a:stCxn id="6" idx="3"/>
+            <a:endCxn id="2" idx="2"/>
+          </p:cNvCxnSpPr>
+          <p:nvPr/>
+        </p:nvCxnSpPr>
+        <p:spPr>
+          <a:xfrm flipV="1">
+            <a:off x="1635750" y="2480228"/>
+            <a:ext cx="1356023" cy="1400215"/>
+          </a:xfrm>
+          <a:prstGeom prst="bentConnector3">
+            <a:avLst>
+              <a:gd name="adj1" fmla="val 10840"/>
+            </a:avLst>
+          </a:prstGeom>
+          <a:ln>
+            <a:tailEnd type="triangle"/>
+          </a:ln>
+        </p:spPr>
+        <p:style>
+          <a:lnRef idx="1">
+            <a:schemeClr val="accent1"/>
+          </a:lnRef>
+          <a:fillRef idx="0">
+            <a:schemeClr val="accent1"/>
+          </a:fillRef>
+          <a:effectRef idx="0">
+            <a:schemeClr val="accent1"/>
+          </a:effectRef>
+          <a:fontRef idx="minor">
+            <a:schemeClr val="tx1"/>
+          </a:fontRef>
+        </p:style>
+      </p:cxnSp>
+      <p:cxnSp>
+        <p:nvCxnSpPr>
+          <p:cNvPr id="11" name="Elbow Connector 10">
+            <a:extLst>
+              <a:ext uri="{FF2B5EF4-FFF2-40B4-BE49-F238E27FC236}">
+                <a16:creationId xmlns:a16="http://schemas.microsoft.com/office/drawing/2014/main" id="{47E040F8-4EB8-B383-665A-E8D6FCA7CC78}"/>
+              </a:ext>
+            </a:extLst>
+          </p:cNvPr>
+          <p:cNvCxnSpPr>
+            <a:cxnSpLocks/>
+            <a:stCxn id="2" idx="0"/>
+            <a:endCxn id="33" idx="1"/>
+          </p:cNvCxnSpPr>
+          <p:nvPr/>
+        </p:nvCxnSpPr>
+        <p:spPr>
+          <a:xfrm>
+            <a:off x="4691965" y="2480228"/>
+            <a:ext cx="1559063" cy="1404034"/>
+          </a:xfrm>
+          <a:prstGeom prst="bentConnector3">
+            <a:avLst>
+              <a:gd name="adj1" fmla="val 76559"/>
+            </a:avLst>
+          </a:prstGeom>
+          <a:ln>
+            <a:tailEnd type="triangle"/>
+          </a:ln>
+        </p:spPr>
+        <p:style>
+          <a:lnRef idx="1">
+            <a:schemeClr val="accent1"/>
+          </a:lnRef>
+          <a:fillRef idx="0">
+            <a:schemeClr val="accent1"/>
+          </a:fillRef>
+          <a:effectRef idx="0">
+            <a:schemeClr val="accent1"/>
+          </a:effectRef>
+          <a:fontRef idx="minor">
+            <a:schemeClr val="tx1"/>
+          </a:fontRef>
+        </p:style>
+      </p:cxnSp>
+      <p:cxnSp>
+        <p:nvCxnSpPr>
+          <p:cNvPr id="13" name="Elbow Connector 12">
+            <a:extLst>
+              <a:ext uri="{FF2B5EF4-FFF2-40B4-BE49-F238E27FC236}">
+                <a16:creationId xmlns:a16="http://schemas.microsoft.com/office/drawing/2014/main" id="{93421866-C114-4E15-541E-9ED7741F0ABB}"/>
+              </a:ext>
+            </a:extLst>
+          </p:cNvPr>
+          <p:cNvCxnSpPr>
+            <a:cxnSpLocks/>
+            <a:stCxn id="3" idx="0"/>
+            <a:endCxn id="33" idx="1"/>
+          </p:cNvCxnSpPr>
+          <p:nvPr/>
+        </p:nvCxnSpPr>
+        <p:spPr>
+          <a:xfrm flipV="1">
+            <a:off x="4653830" y="3884262"/>
+            <a:ext cx="1597198" cy="1405880"/>
+          </a:xfrm>
+          <a:prstGeom prst="bentConnector3">
+            <a:avLst>
+              <a:gd name="adj1" fmla="val 77005"/>
+            </a:avLst>
+          </a:prstGeom>
+          <a:ln>
+            <a:tailEnd type="triangle"/>
+          </a:ln>
+        </p:spPr>
+        <p:style>
+          <a:lnRef idx="1">
+            <a:schemeClr val="accent1"/>
+          </a:lnRef>
+          <a:fillRef idx="0">
+            <a:schemeClr val="accent1"/>
+          </a:fillRef>
+          <a:effectRef idx="0">
+            <a:schemeClr val="accent1"/>
+          </a:effectRef>
+          <a:fontRef idx="minor">
+            <a:schemeClr val="tx1"/>
+          </a:fontRef>
+        </p:style>
+      </p:cxnSp>
+      <p:sp>
+        <p:nvSpPr>
+          <p:cNvPr id="28" name="Rectangle 27">
+            <a:extLst>
+              <a:ext uri="{FF2B5EF4-FFF2-40B4-BE49-F238E27FC236}">
+                <a16:creationId xmlns:a16="http://schemas.microsoft.com/office/drawing/2014/main" id="{33F39BFA-8D39-87D0-497A-5CC32AC561AC}"/>
+              </a:ext>
+            </a:extLst>
+          </p:cNvPr>
+          <p:cNvSpPr/>
+          <p:nvPr/>
+        </p:nvSpPr>
+        <p:spPr>
+          <a:xfrm rot="5400000">
+            <a:off x="2348125" y="3025546"/>
+            <a:ext cx="979715" cy="1700193"/>
+          </a:xfrm>
+          <a:prstGeom prst="rect">
+            <a:avLst/>
+          </a:prstGeom>
+        </p:spPr>
+        <p:style>
+          <a:lnRef idx="2">
+            <a:schemeClr val="accent1">
+              <a:shade val="15000"/>
+            </a:schemeClr>
+          </a:lnRef>
+          <a:fillRef idx="1">
+            <a:schemeClr val="accent1"/>
+          </a:fillRef>
+          <a:effectRef idx="0">
+            <a:schemeClr val="accent1"/>
+          </a:effectRef>
+          <a:fontRef idx="minor">
+            <a:schemeClr val="lt1"/>
+          </a:fontRef>
+        </p:style>
+        <p:txBody>
+          <a:bodyPr vert="vert270" rtlCol="0" anchor="ctr"/>
+          <a:lstStyle/>
+          <a:p>
+            <a:pPr algn="ctr"/>
+            <a:r>
+              <a:rPr lang="en-PL" dirty="0"/>
+              <a:t>CONVOLUTION </a:t>
+            </a:r>
+          </a:p>
+          <a:p>
+            <a:pPr algn="ctr"/>
+            <a:r>
+              <a:rPr lang="en-PL" dirty="0"/>
+              <a:t>ALONGSIDE </a:t>
+            </a:r>
+          </a:p>
+          <a:p>
+            <a:pPr algn="ctr"/>
+            <a:r>
+              <a:rPr lang="en-PL" dirty="0"/>
+              <a:t>EVENTS</a:t>
+            </a:r>
+          </a:p>
+        </p:txBody>
+      </p:sp>
+      <p:cxnSp>
+        <p:nvCxnSpPr>
+          <p:cNvPr id="32" name="Straight Arrow Connector 31">
+            <a:extLst>
+              <a:ext uri="{FF2B5EF4-FFF2-40B4-BE49-F238E27FC236}">
+                <a16:creationId xmlns:a16="http://schemas.microsoft.com/office/drawing/2014/main" id="{DDD2E8C3-A80B-ABBC-5647-74AB69CA78EE}"/>
+              </a:ext>
+            </a:extLst>
+          </p:cNvPr>
+          <p:cNvCxnSpPr>
+            <a:stCxn id="6" idx="3"/>
+            <a:endCxn id="28" idx="2"/>
+          </p:cNvCxnSpPr>
+          <p:nvPr/>
+        </p:nvCxnSpPr>
+        <p:spPr>
+          <a:xfrm flipV="1">
+            <a:off x="1635750" y="3875643"/>
+            <a:ext cx="352136" cy="4800"/>
+          </a:xfrm>
+          <a:prstGeom prst="straightConnector1">
+            <a:avLst/>
+          </a:prstGeom>
+          <a:ln>
+            <a:tailEnd type="triangle"/>
+          </a:ln>
+        </p:spPr>
+        <p:style>
+          <a:lnRef idx="1">
+            <a:schemeClr val="accent1"/>
+          </a:lnRef>
+          <a:fillRef idx="0">
+            <a:schemeClr val="accent1"/>
+          </a:fillRef>
+          <a:effectRef idx="0">
+            <a:schemeClr val="accent1"/>
+          </a:effectRef>
+          <a:fontRef idx="minor">
+            <a:schemeClr val="tx1"/>
+          </a:fontRef>
+        </p:style>
+      </p:cxnSp>
+      <p:sp>
+        <p:nvSpPr>
+          <p:cNvPr id="60" name="Rectangle 59">
+            <a:extLst>
+              <a:ext uri="{FF2B5EF4-FFF2-40B4-BE49-F238E27FC236}">
+                <a16:creationId xmlns:a16="http://schemas.microsoft.com/office/drawing/2014/main" id="{E7099218-2B60-F8AD-53FE-DE3641E58B20}"/>
+              </a:ext>
+            </a:extLst>
+          </p:cNvPr>
+          <p:cNvSpPr/>
+          <p:nvPr/>
+        </p:nvSpPr>
+        <p:spPr>
+          <a:xfrm rot="5400000">
+            <a:off x="4353115" y="3026610"/>
+            <a:ext cx="979715" cy="1700192"/>
+          </a:xfrm>
+          <a:prstGeom prst="rect">
+            <a:avLst/>
+          </a:prstGeom>
+        </p:spPr>
+        <p:style>
+          <a:lnRef idx="2">
+            <a:schemeClr val="accent1">
+              <a:shade val="15000"/>
+            </a:schemeClr>
+          </a:lnRef>
+          <a:fillRef idx="1">
+            <a:schemeClr val="accent1"/>
+          </a:fillRef>
+          <a:effectRef idx="0">
+            <a:schemeClr val="accent1"/>
+          </a:effectRef>
+          <a:fontRef idx="minor">
+            <a:schemeClr val="lt1"/>
+          </a:fontRef>
+        </p:style>
+        <p:txBody>
+          <a:bodyPr vert="vert270" rtlCol="0" anchor="ctr"/>
+          <a:lstStyle/>
+          <a:p>
+            <a:pPr algn="ctr"/>
+            <a:r>
+              <a:rPr lang="en-PL" dirty="0"/>
+              <a:t>FilterNet</a:t>
+            </a:r>
+          </a:p>
+          <a:p>
+            <a:pPr algn="ctr"/>
+            <a:r>
+              <a:rPr lang="en-PL" dirty="0"/>
+              <a:t>(LSTM-bidir)</a:t>
+            </a:r>
+          </a:p>
+        </p:txBody>
+      </p:sp>
+      <p:cxnSp>
+        <p:nvCxnSpPr>
+          <p:cNvPr id="62" name="Straight Arrow Connector 61">
+            <a:extLst>
+              <a:ext uri="{FF2B5EF4-FFF2-40B4-BE49-F238E27FC236}">
+                <a16:creationId xmlns:a16="http://schemas.microsoft.com/office/drawing/2014/main" id="{E8486339-0E9B-5B9A-2B8B-4FED79C63285}"/>
+              </a:ext>
+            </a:extLst>
+          </p:cNvPr>
+          <p:cNvCxnSpPr>
+            <a:stCxn id="28" idx="0"/>
+            <a:endCxn id="60" idx="2"/>
+          </p:cNvCxnSpPr>
+          <p:nvPr/>
+        </p:nvCxnSpPr>
+        <p:spPr>
+          <a:xfrm>
+            <a:off x="3688079" y="3875643"/>
+            <a:ext cx="304798" cy="1064"/>
+          </a:xfrm>
+          <a:prstGeom prst="straightConnector1">
+            <a:avLst/>
+          </a:prstGeom>
+          <a:ln>
+            <a:tailEnd type="triangle"/>
+          </a:ln>
+        </p:spPr>
+        <p:style>
+          <a:lnRef idx="1">
+            <a:schemeClr val="accent1"/>
+          </a:lnRef>
+          <a:fillRef idx="0">
+            <a:schemeClr val="accent1"/>
+          </a:fillRef>
+          <a:effectRef idx="0">
+            <a:schemeClr val="accent1"/>
+          </a:effectRef>
+          <a:fontRef idx="minor">
+            <a:schemeClr val="tx1"/>
+          </a:fontRef>
+        </p:style>
+      </p:cxnSp>
+      <p:cxnSp>
+        <p:nvCxnSpPr>
+          <p:cNvPr id="64" name="Straight Arrow Connector 63">
+            <a:extLst>
+              <a:ext uri="{FF2B5EF4-FFF2-40B4-BE49-F238E27FC236}">
+                <a16:creationId xmlns:a16="http://schemas.microsoft.com/office/drawing/2014/main" id="{ACE3C36A-2202-5832-C5F4-E3C20C19F2EF}"/>
+              </a:ext>
+            </a:extLst>
+          </p:cNvPr>
+          <p:cNvCxnSpPr>
+            <a:stCxn id="60" idx="0"/>
+            <a:endCxn id="33" idx="1"/>
+          </p:cNvCxnSpPr>
+          <p:nvPr/>
+        </p:nvCxnSpPr>
+        <p:spPr>
+          <a:xfrm>
+            <a:off x="5693069" y="3876707"/>
+            <a:ext cx="557959" cy="7555"/>
+          </a:xfrm>
+          <a:prstGeom prst="straightConnector1">
+            <a:avLst/>
+          </a:prstGeom>
+          <a:ln>
+            <a:tailEnd type="triangle"/>
+          </a:ln>
+        </p:spPr>
+        <p:style>
+          <a:lnRef idx="1">
+            <a:schemeClr val="accent1"/>
+          </a:lnRef>
+          <a:fillRef idx="0">
+            <a:schemeClr val="accent1"/>
+          </a:fillRef>
+          <a:effectRef idx="0">
+            <a:schemeClr val="accent1"/>
+          </a:effectRef>
+          <a:fontRef idx="minor">
+            <a:schemeClr val="tx1"/>
+          </a:fontRef>
+        </p:style>
+      </p:cxnSp>
+    </p:spTree>
+    <p:extLst>
+      <p:ext uri="{BB962C8B-B14F-4D97-AF65-F5344CB8AC3E}">
+        <p14:creationId xmlns:p14="http://schemas.microsoft.com/office/powerpoint/2010/main" val="2822865057"/>
+      </p:ext>
+    </p:extLst>
+  </p:cSld>
+  <p:clrMapOvr>
+    <a:masterClrMapping/>
+  </p:clrMapOvr>
+</p:sld>
+</file>
+
+<file path=ppt/slides/slide21.xml><?xml version="1.0" encoding="utf-8"?>
+<p:sld xmlns:a="http://schemas.openxmlformats.org/drawingml/2006/main" xmlns:r="http://schemas.openxmlformats.org/officeDocument/2006/relationships" xmlns:p="http://schemas.openxmlformats.org/presentationml/2006/main">
+  <p:cSld>
+    <p:spTree>
+      <p:nvGrpSpPr>
+        <p:cNvPr id="1" name=""/>
+        <p:cNvGrpSpPr/>
+        <p:nvPr/>
+      </p:nvGrpSpPr>
+      <p:grpSpPr>
+        <a:xfrm>
+          <a:off x="0" y="0"/>
+          <a:ext cx="0" cy="0"/>
+          <a:chOff x="0" y="0"/>
+          <a:chExt cx="0" cy="0"/>
+        </a:xfrm>
+      </p:grpSpPr>
+      <p:sp>
+        <p:nvSpPr>
           <p:cNvPr id="2" name="Title 1">
             <a:extLst>
               <a:ext uri="{FF2B5EF4-FFF2-40B4-BE49-F238E27FC236}">
@@ -6016,7 +5977,7 @@
           <a:p>
             <a:r>
               <a:rPr lang="en-PL" dirty="0"/>
-              <a:t>PLAN</a:t>
+              <a:t>PLAN - IDEAS</a:t>
             </a:r>
           </a:p>
         </p:txBody>
@@ -6045,7 +6006,7 @@
         </p:spPr>
         <p:txBody>
           <a:bodyPr>
-            <a:normAutofit fontScale="92500" lnSpcReduction="20000"/>
+            <a:normAutofit fontScale="55000" lnSpcReduction="20000"/>
           </a:bodyPr>
           <a:lstStyle/>
           <a:p>
@@ -6054,7 +6015,73 @@
             </a:pPr>
             <a:r>
               <a:rPr lang="en-PL" b="1" dirty="0"/>
-              <a:t>*** CLEAN THE CODE ***</a:t>
+              <a:t>SEGMENTATION MODULE:</a:t>
+            </a:r>
+          </a:p>
+          <a:p>
+            <a:r>
+              <a:rPr lang="en-PL" dirty="0"/>
+              <a:t>Create new features and attributes: acceleration, differences between velo acc and dir in edge attributes, accumulated avg v, a, dir.</a:t>
+            </a:r>
+          </a:p>
+          <a:p>
+            <a:r>
+              <a:rPr lang="en-PL" dirty="0"/>
+              <a:t>Standardize somehow direction etc?</a:t>
+            </a:r>
+          </a:p>
+          <a:p>
+            <a:r>
+              <a:rPr lang="en-PL" dirty="0"/>
+              <a:t>Visualise the predictions, analyse the spikes without annotations.</a:t>
+            </a:r>
+          </a:p>
+          <a:p>
+            <a:r>
+              <a:rPr lang="en-PL" dirty="0"/>
+              <a:t>Remove threshold for edges (additionally).</a:t>
+            </a:r>
+          </a:p>
+          <a:p>
+            <a:r>
+              <a:rPr lang="en-PL" dirty="0"/>
+              <a:t>Play with K params individually to capture the impact / remove receptive field.</a:t>
+            </a:r>
+          </a:p>
+          <a:p>
+            <a:r>
+              <a:rPr lang="en-PL" dirty="0"/>
+              <a:t>Generate augmented data, by mirroring actions. </a:t>
+            </a:r>
+          </a:p>
+          <a:p>
+            <a:r>
+              <a:rPr lang="en-PL" dirty="0"/>
+              <a:t>Include dead and pass for annotations might be helpful further for spotting.</a:t>
+            </a:r>
+          </a:p>
+          <a:p>
+            <a:r>
+              <a:rPr lang="en-PL" dirty="0"/>
+              <a:t>Analyse somehow embeddings or attributes (need ideas). </a:t>
+            </a:r>
+          </a:p>
+          <a:p>
+            <a:r>
+              <a:rPr lang="en-PL" dirty="0"/>
+              <a:t>Select more often annotations which perform badly.</a:t>
+            </a:r>
+          </a:p>
+          <a:p>
+            <a:r>
+              <a:rPr lang="en-PL" dirty="0"/>
+              <a:t>For single models different way of choosing an anchor so negative samples were chosen.</a:t>
+            </a:r>
+          </a:p>
+          <a:p>
+            <a:r>
+              <a:rPr lang="en-PL" dirty="0"/>
+              <a:t>Transfer learning: learn model for all then fine tune to specific events</a:t>
             </a:r>
           </a:p>
           <a:p>
@@ -6063,55 +6090,19 @@
             </a:pPr>
             <a:r>
               <a:rPr lang="en-PL" b="1" dirty="0"/>
-              <a:t>SEGMENTATION MODULE:</a:t>
-            </a:r>
-          </a:p>
-          <a:p>
-            <a:r>
-              <a:rPr lang="en-PL" dirty="0"/>
-              <a:t>Create new features and attributes: acceleration, differences between velo acc and dir in edge attributes, avg velocity.</a:t>
-            </a:r>
-          </a:p>
-          <a:p>
-            <a:r>
-              <a:rPr lang="en-PL" dirty="0"/>
-              <a:t>Standardize somehow direction etc?</a:t>
-            </a:r>
-          </a:p>
-          <a:p>
-            <a:r>
-              <a:rPr lang="en-PL" dirty="0"/>
-              <a:t>Visualise the predictions, analyse the spikes without annotations.</a:t>
-            </a:r>
-          </a:p>
-          <a:p>
-            <a:r>
-              <a:rPr lang="en-PL" dirty="0"/>
-              <a:t>Remove threshold for edges (additionally).</a:t>
-            </a:r>
-          </a:p>
-          <a:p>
-            <a:r>
-              <a:rPr lang="en-PL" dirty="0"/>
-              <a:t>Play with K params individually to capture the impact / remove receptive field.</a:t>
-            </a:r>
-          </a:p>
-          <a:p>
-            <a:r>
-              <a:rPr lang="en-PL" dirty="0"/>
-              <a:t>Generate augmented data, by mirroring actions. </a:t>
-            </a:r>
-          </a:p>
-          <a:p>
-            <a:r>
-              <a:rPr lang="en-PL" dirty="0"/>
-              <a:t>Include dead and pass for annotations might be helpful further for spotting</a:t>
+              <a:t>*** CLEAN THE CODE ***</a:t>
             </a:r>
           </a:p>
           <a:p>
             <a:pPr marL="0" indent="0">
               <a:buNone/>
             </a:pPr>
+            <a:endParaRPr lang="en-PL" dirty="0"/>
+          </a:p>
+          <a:p>
+            <a:pPr marL="0" indent="0">
+              <a:buNone/>
+            </a:pPr>
             <a:r>
               <a:rPr lang="en-PL" b="1" dirty="0"/>
               <a:t>SPOTTING MODULE</a:t>
@@ -6126,14 +6117,14 @@
           <a:p>
             <a:r>
               <a:rPr lang="en-PL" dirty="0"/>
-              <a:t>Potential issue: double overfitting</a:t>
-            </a:r>
-          </a:p>
-          <a:p>
-            <a:endParaRPr lang="en-PL" dirty="0"/>
-          </a:p>
-          <a:p>
-            <a:endParaRPr lang="en-PL" dirty="0"/>
+              <a:t>Potential issue: double overfitting.</a:t>
+            </a:r>
+          </a:p>
+          <a:p>
+            <a:r>
+              <a:rPr lang="en-PL" dirty="0"/>
+              <a:t>Decide about LossFunction, parametrise it as the data is unbalanced</a:t>
+            </a:r>
           </a:p>
           <a:p>
             <a:endParaRPr lang="en-PL" dirty="0"/>
@@ -6150,6 +6141,1923 @@
     <p:extLst>
       <p:ext uri="{BB962C8B-B14F-4D97-AF65-F5344CB8AC3E}">
         <p14:creationId xmlns:p14="http://schemas.microsoft.com/office/powerpoint/2010/main" val="4103414296"/>
+      </p:ext>
+    </p:extLst>
+  </p:cSld>
+  <p:clrMapOvr>
+    <a:masterClrMapping/>
+  </p:clrMapOvr>
+</p:sld>
+</file>
+
+<file path=ppt/slides/slide22.xml><?xml version="1.0" encoding="utf-8"?>
+<p:sld xmlns:a="http://schemas.openxmlformats.org/drawingml/2006/main" xmlns:r="http://schemas.openxmlformats.org/officeDocument/2006/relationships" xmlns:p="http://schemas.openxmlformats.org/presentationml/2006/main">
+  <p:cSld>
+    <p:spTree>
+      <p:nvGrpSpPr>
+        <p:cNvPr id="1" name=""/>
+        <p:cNvGrpSpPr/>
+        <p:nvPr/>
+      </p:nvGrpSpPr>
+      <p:grpSpPr>
+        <a:xfrm>
+          <a:off x="0" y="0"/>
+          <a:ext cx="0" cy="0"/>
+          <a:chOff x="0" y="0"/>
+          <a:chExt cx="0" cy="0"/>
+        </a:xfrm>
+      </p:grpSpPr>
+      <p:sp>
+        <p:nvSpPr>
+          <p:cNvPr id="5" name="Title 4">
+            <a:extLst>
+              <a:ext uri="{FF2B5EF4-FFF2-40B4-BE49-F238E27FC236}">
+                <a16:creationId xmlns:a16="http://schemas.microsoft.com/office/drawing/2014/main" id="{FA1D7A2E-5AEB-FA0B-CA30-792496DC2668}"/>
+              </a:ext>
+            </a:extLst>
+          </p:cNvPr>
+          <p:cNvSpPr>
+            <a:spLocks noGrp="1"/>
+          </p:cNvSpPr>
+          <p:nvPr>
+            <p:ph type="title"/>
+          </p:nvPr>
+        </p:nvSpPr>
+        <p:spPr/>
+        <p:txBody>
+          <a:bodyPr/>
+          <a:lstStyle/>
+          <a:p>
+            <a:r>
+              <a:rPr lang="en-PL" dirty="0"/>
+              <a:t>Proposed Pipeline</a:t>
+            </a:r>
+          </a:p>
+        </p:txBody>
+      </p:sp>
+      <p:sp>
+        <p:nvSpPr>
+          <p:cNvPr id="6" name="Rectangle 5">
+            <a:extLst>
+              <a:ext uri="{FF2B5EF4-FFF2-40B4-BE49-F238E27FC236}">
+                <a16:creationId xmlns:a16="http://schemas.microsoft.com/office/drawing/2014/main" id="{3A1C1B31-1A3F-4675-BB48-9A55C86017C6}"/>
+              </a:ext>
+            </a:extLst>
+          </p:cNvPr>
+          <p:cNvSpPr/>
+          <p:nvPr/>
+        </p:nvSpPr>
+        <p:spPr>
+          <a:xfrm>
+            <a:off x="1326710" y="1859437"/>
+            <a:ext cx="1426028" cy="4049485"/>
+          </a:xfrm>
+          <a:prstGeom prst="rect">
+            <a:avLst/>
+          </a:prstGeom>
+        </p:spPr>
+        <p:style>
+          <a:lnRef idx="2">
+            <a:schemeClr val="accent1">
+              <a:shade val="15000"/>
+            </a:schemeClr>
+          </a:lnRef>
+          <a:fillRef idx="1">
+            <a:schemeClr val="accent1"/>
+          </a:fillRef>
+          <a:effectRef idx="0">
+            <a:schemeClr val="accent1"/>
+          </a:effectRef>
+          <a:fontRef idx="minor">
+            <a:schemeClr val="lt1"/>
+          </a:fontRef>
+        </p:style>
+        <p:txBody>
+          <a:bodyPr vert="vert270" rtlCol="0" anchor="ctr"/>
+          <a:lstStyle/>
+          <a:p>
+            <a:pPr algn="ctr"/>
+            <a:r>
+              <a:rPr lang="en-PL" dirty="0"/>
+              <a:t>SEGMENTATION</a:t>
+            </a:r>
+            <a:br>
+              <a:rPr lang="en-PL" dirty="0"/>
+            </a:br>
+            <a:r>
+              <a:rPr lang="en-PL" dirty="0"/>
+              <a:t>MODULE</a:t>
+            </a:r>
+          </a:p>
+          <a:p>
+            <a:pPr algn="ctr"/>
+            <a:r>
+              <a:rPr lang="en-PL" dirty="0"/>
+              <a:t>(Black Box)</a:t>
+            </a:r>
+          </a:p>
+        </p:txBody>
+      </p:sp>
+      <p:sp>
+        <p:nvSpPr>
+          <p:cNvPr id="33" name="Rectangle 32">
+            <a:extLst>
+              <a:ext uri="{FF2B5EF4-FFF2-40B4-BE49-F238E27FC236}">
+                <a16:creationId xmlns:a16="http://schemas.microsoft.com/office/drawing/2014/main" id="{B62CF127-1E6B-3E04-3387-07EFB4B221DC}"/>
+              </a:ext>
+            </a:extLst>
+          </p:cNvPr>
+          <p:cNvSpPr/>
+          <p:nvPr/>
+        </p:nvSpPr>
+        <p:spPr>
+          <a:xfrm>
+            <a:off x="5036377" y="1957408"/>
+            <a:ext cx="979715" cy="3799113"/>
+          </a:xfrm>
+          <a:prstGeom prst="rect">
+            <a:avLst/>
+          </a:prstGeom>
+        </p:spPr>
+        <p:style>
+          <a:lnRef idx="2">
+            <a:schemeClr val="accent1">
+              <a:shade val="15000"/>
+            </a:schemeClr>
+          </a:lnRef>
+          <a:fillRef idx="1">
+            <a:schemeClr val="accent1"/>
+          </a:fillRef>
+          <a:effectRef idx="0">
+            <a:schemeClr val="accent1"/>
+          </a:effectRef>
+          <a:fontRef idx="minor">
+            <a:schemeClr val="lt1"/>
+          </a:fontRef>
+        </p:style>
+        <p:txBody>
+          <a:bodyPr vert="vert270" rtlCol="0" anchor="ctr"/>
+          <a:lstStyle/>
+          <a:p>
+            <a:pPr algn="ctr"/>
+            <a:r>
+              <a:rPr lang="en-PL" dirty="0"/>
+              <a:t>CONCATENATE</a:t>
+            </a:r>
+          </a:p>
+        </p:txBody>
+      </p:sp>
+      <p:sp>
+        <p:nvSpPr>
+          <p:cNvPr id="34" name="Rectangle 33">
+            <a:extLst>
+              <a:ext uri="{FF2B5EF4-FFF2-40B4-BE49-F238E27FC236}">
+                <a16:creationId xmlns:a16="http://schemas.microsoft.com/office/drawing/2014/main" id="{B9E16546-140A-855E-88FC-FA3B52B9E090}"/>
+              </a:ext>
+            </a:extLst>
+          </p:cNvPr>
+          <p:cNvSpPr/>
+          <p:nvPr/>
+        </p:nvSpPr>
+        <p:spPr>
+          <a:xfrm>
+            <a:off x="6625686" y="1957408"/>
+            <a:ext cx="979715" cy="3799113"/>
+          </a:xfrm>
+          <a:prstGeom prst="rect">
+            <a:avLst/>
+          </a:prstGeom>
+        </p:spPr>
+        <p:style>
+          <a:lnRef idx="2">
+            <a:schemeClr val="accent1">
+              <a:shade val="15000"/>
+            </a:schemeClr>
+          </a:lnRef>
+          <a:fillRef idx="1">
+            <a:schemeClr val="accent1"/>
+          </a:fillRef>
+          <a:effectRef idx="0">
+            <a:schemeClr val="accent1"/>
+          </a:effectRef>
+          <a:fontRef idx="minor">
+            <a:schemeClr val="lt1"/>
+          </a:fontRef>
+        </p:style>
+        <p:txBody>
+          <a:bodyPr vert="vert270" rtlCol="0" anchor="ctr"/>
+          <a:lstStyle/>
+          <a:p>
+            <a:pPr algn="ctr"/>
+            <a:r>
+              <a:rPr lang="en-PL" dirty="0"/>
+              <a:t>AVG POOL</a:t>
+            </a:r>
+          </a:p>
+        </p:txBody>
+      </p:sp>
+      <p:sp>
+        <p:nvSpPr>
+          <p:cNvPr id="35" name="Rectangle 34">
+            <a:extLst>
+              <a:ext uri="{FF2B5EF4-FFF2-40B4-BE49-F238E27FC236}">
+                <a16:creationId xmlns:a16="http://schemas.microsoft.com/office/drawing/2014/main" id="{B567CA65-5F72-CB42-E0AA-B358FD06DACA}"/>
+              </a:ext>
+            </a:extLst>
+          </p:cNvPr>
+          <p:cNvSpPr/>
+          <p:nvPr/>
+        </p:nvSpPr>
+        <p:spPr>
+          <a:xfrm>
+            <a:off x="8214995" y="1957408"/>
+            <a:ext cx="979715" cy="3799113"/>
+          </a:xfrm>
+          <a:prstGeom prst="rect">
+            <a:avLst/>
+          </a:prstGeom>
+        </p:spPr>
+        <p:style>
+          <a:lnRef idx="2">
+            <a:schemeClr val="accent1">
+              <a:shade val="15000"/>
+            </a:schemeClr>
+          </a:lnRef>
+          <a:fillRef idx="1">
+            <a:schemeClr val="accent1"/>
+          </a:fillRef>
+          <a:effectRef idx="0">
+            <a:schemeClr val="accent1"/>
+          </a:effectRef>
+          <a:fontRef idx="minor">
+            <a:schemeClr val="lt1"/>
+          </a:fontRef>
+        </p:style>
+        <p:txBody>
+          <a:bodyPr vert="vert270" rtlCol="0" anchor="ctr"/>
+          <a:lstStyle/>
+          <a:p>
+            <a:pPr algn="ctr"/>
+            <a:r>
+              <a:rPr lang="en-PL" dirty="0"/>
+              <a:t>LINEAR</a:t>
+            </a:r>
+          </a:p>
+        </p:txBody>
+      </p:sp>
+      <p:sp>
+        <p:nvSpPr>
+          <p:cNvPr id="36" name="Rectangle 35">
+            <a:extLst>
+              <a:ext uri="{FF2B5EF4-FFF2-40B4-BE49-F238E27FC236}">
+                <a16:creationId xmlns:a16="http://schemas.microsoft.com/office/drawing/2014/main" id="{C5B2E84F-4245-5223-02F3-2873F557E2A9}"/>
+              </a:ext>
+            </a:extLst>
+          </p:cNvPr>
+          <p:cNvSpPr/>
+          <p:nvPr/>
+        </p:nvSpPr>
+        <p:spPr>
+          <a:xfrm>
+            <a:off x="9804304" y="1984622"/>
+            <a:ext cx="979715" cy="3799113"/>
+          </a:xfrm>
+          <a:prstGeom prst="rect">
+            <a:avLst/>
+          </a:prstGeom>
+        </p:spPr>
+        <p:style>
+          <a:lnRef idx="2">
+            <a:schemeClr val="accent1">
+              <a:shade val="15000"/>
+            </a:schemeClr>
+          </a:lnRef>
+          <a:fillRef idx="1">
+            <a:schemeClr val="accent1"/>
+          </a:fillRef>
+          <a:effectRef idx="0">
+            <a:schemeClr val="accent1"/>
+          </a:effectRef>
+          <a:fontRef idx="minor">
+            <a:schemeClr val="lt1"/>
+          </a:fontRef>
+        </p:style>
+        <p:txBody>
+          <a:bodyPr vert="vert270" rtlCol="0" anchor="ctr"/>
+          <a:lstStyle/>
+          <a:p>
+            <a:pPr algn="ctr"/>
+            <a:r>
+              <a:rPr lang="en-PL" dirty="0"/>
+              <a:t>SIGMOID</a:t>
+            </a:r>
+          </a:p>
+        </p:txBody>
+      </p:sp>
+      <p:cxnSp>
+        <p:nvCxnSpPr>
+          <p:cNvPr id="46" name="Straight Arrow Connector 45">
+            <a:extLst>
+              <a:ext uri="{FF2B5EF4-FFF2-40B4-BE49-F238E27FC236}">
+                <a16:creationId xmlns:a16="http://schemas.microsoft.com/office/drawing/2014/main" id="{23F2C5B4-D43D-0452-234B-541D52309CA1}"/>
+              </a:ext>
+            </a:extLst>
+          </p:cNvPr>
+          <p:cNvCxnSpPr>
+            <a:stCxn id="33" idx="3"/>
+            <a:endCxn id="34" idx="1"/>
+          </p:cNvCxnSpPr>
+          <p:nvPr/>
+        </p:nvCxnSpPr>
+        <p:spPr>
+          <a:xfrm>
+            <a:off x="6016092" y="3856965"/>
+            <a:ext cx="609594" cy="0"/>
+          </a:xfrm>
+          <a:prstGeom prst="straightConnector1">
+            <a:avLst/>
+          </a:prstGeom>
+          <a:ln>
+            <a:tailEnd type="triangle"/>
+          </a:ln>
+        </p:spPr>
+        <p:style>
+          <a:lnRef idx="1">
+            <a:schemeClr val="accent1"/>
+          </a:lnRef>
+          <a:fillRef idx="0">
+            <a:schemeClr val="accent1"/>
+          </a:fillRef>
+          <a:effectRef idx="0">
+            <a:schemeClr val="accent1"/>
+          </a:effectRef>
+          <a:fontRef idx="minor">
+            <a:schemeClr val="tx1"/>
+          </a:fontRef>
+        </p:style>
+      </p:cxnSp>
+      <p:cxnSp>
+        <p:nvCxnSpPr>
+          <p:cNvPr id="48" name="Straight Arrow Connector 47">
+            <a:extLst>
+              <a:ext uri="{FF2B5EF4-FFF2-40B4-BE49-F238E27FC236}">
+                <a16:creationId xmlns:a16="http://schemas.microsoft.com/office/drawing/2014/main" id="{8AD2FA72-6ACD-B9F1-1E97-D7E0EA1521E9}"/>
+              </a:ext>
+            </a:extLst>
+          </p:cNvPr>
+          <p:cNvCxnSpPr>
+            <a:stCxn id="34" idx="3"/>
+            <a:endCxn id="35" idx="1"/>
+          </p:cNvCxnSpPr>
+          <p:nvPr/>
+        </p:nvCxnSpPr>
+        <p:spPr>
+          <a:xfrm>
+            <a:off x="7605401" y="3856965"/>
+            <a:ext cx="609594" cy="0"/>
+          </a:xfrm>
+          <a:prstGeom prst="straightConnector1">
+            <a:avLst/>
+          </a:prstGeom>
+          <a:ln>
+            <a:tailEnd type="triangle"/>
+          </a:ln>
+        </p:spPr>
+        <p:style>
+          <a:lnRef idx="1">
+            <a:schemeClr val="accent1"/>
+          </a:lnRef>
+          <a:fillRef idx="0">
+            <a:schemeClr val="accent1"/>
+          </a:fillRef>
+          <a:effectRef idx="0">
+            <a:schemeClr val="accent1"/>
+          </a:effectRef>
+          <a:fontRef idx="minor">
+            <a:schemeClr val="tx1"/>
+          </a:fontRef>
+        </p:style>
+      </p:cxnSp>
+      <p:cxnSp>
+        <p:nvCxnSpPr>
+          <p:cNvPr id="50" name="Straight Arrow Connector 49">
+            <a:extLst>
+              <a:ext uri="{FF2B5EF4-FFF2-40B4-BE49-F238E27FC236}">
+                <a16:creationId xmlns:a16="http://schemas.microsoft.com/office/drawing/2014/main" id="{4D8B9EFE-EED0-FD09-8E9A-2CE6EBCDD4C8}"/>
+              </a:ext>
+            </a:extLst>
+          </p:cNvPr>
+          <p:cNvCxnSpPr>
+            <a:stCxn id="35" idx="3"/>
+          </p:cNvCxnSpPr>
+          <p:nvPr/>
+        </p:nvCxnSpPr>
+        <p:spPr>
+          <a:xfrm>
+            <a:off x="9194710" y="3856965"/>
+            <a:ext cx="609594" cy="0"/>
+          </a:xfrm>
+          <a:prstGeom prst="straightConnector1">
+            <a:avLst/>
+          </a:prstGeom>
+          <a:ln>
+            <a:tailEnd type="triangle"/>
+          </a:ln>
+        </p:spPr>
+        <p:style>
+          <a:lnRef idx="1">
+            <a:schemeClr val="accent1"/>
+          </a:lnRef>
+          <a:fillRef idx="0">
+            <a:schemeClr val="accent1"/>
+          </a:fillRef>
+          <a:effectRef idx="0">
+            <a:schemeClr val="accent1"/>
+          </a:effectRef>
+          <a:fontRef idx="minor">
+            <a:schemeClr val="tx1"/>
+          </a:fontRef>
+        </p:style>
+      </p:cxnSp>
+      <p:sp>
+        <p:nvSpPr>
+          <p:cNvPr id="2" name="Rectangle 1">
+            <a:extLst>
+              <a:ext uri="{FF2B5EF4-FFF2-40B4-BE49-F238E27FC236}">
+                <a16:creationId xmlns:a16="http://schemas.microsoft.com/office/drawing/2014/main" id="{E8E0955D-AD34-7822-9E0B-6C50A4800DE1}"/>
+              </a:ext>
+            </a:extLst>
+          </p:cNvPr>
+          <p:cNvSpPr/>
+          <p:nvPr/>
+        </p:nvSpPr>
+        <p:spPr>
+          <a:xfrm>
+            <a:off x="3301612" y="1957409"/>
+            <a:ext cx="979715" cy="1700192"/>
+          </a:xfrm>
+          <a:prstGeom prst="rect">
+            <a:avLst/>
+          </a:prstGeom>
+        </p:spPr>
+        <p:style>
+          <a:lnRef idx="2">
+            <a:schemeClr val="accent1">
+              <a:shade val="15000"/>
+            </a:schemeClr>
+          </a:lnRef>
+          <a:fillRef idx="1">
+            <a:schemeClr val="accent1"/>
+          </a:fillRef>
+          <a:effectRef idx="0">
+            <a:schemeClr val="accent1"/>
+          </a:effectRef>
+          <a:fontRef idx="minor">
+            <a:schemeClr val="lt1"/>
+          </a:fontRef>
+        </p:style>
+        <p:txBody>
+          <a:bodyPr vert="vert270" rtlCol="0" anchor="ctr"/>
+          <a:lstStyle/>
+          <a:p>
+            <a:pPr algn="ctr"/>
+            <a:r>
+              <a:rPr lang="en-PL" dirty="0"/>
+              <a:t>FilterNet</a:t>
+            </a:r>
+          </a:p>
+          <a:p>
+            <a:pPr algn="ctr"/>
+            <a:r>
+              <a:rPr lang="en-PL" dirty="0"/>
+              <a:t>(LSTM-bidir)</a:t>
+            </a:r>
+          </a:p>
+        </p:txBody>
+      </p:sp>
+      <p:sp>
+        <p:nvSpPr>
+          <p:cNvPr id="3" name="Rectangle 2">
+            <a:extLst>
+              <a:ext uri="{FF2B5EF4-FFF2-40B4-BE49-F238E27FC236}">
+                <a16:creationId xmlns:a16="http://schemas.microsoft.com/office/drawing/2014/main" id="{6EB1E3DD-43EB-C9CC-3ED9-91D05C95F782}"/>
+              </a:ext>
+            </a:extLst>
+          </p:cNvPr>
+          <p:cNvSpPr/>
+          <p:nvPr/>
+        </p:nvSpPr>
+        <p:spPr>
+          <a:xfrm>
+            <a:off x="3301612" y="4122285"/>
+            <a:ext cx="979715" cy="1700193"/>
+          </a:xfrm>
+          <a:prstGeom prst="rect">
+            <a:avLst/>
+          </a:prstGeom>
+        </p:spPr>
+        <p:style>
+          <a:lnRef idx="2">
+            <a:schemeClr val="accent1">
+              <a:shade val="15000"/>
+            </a:schemeClr>
+          </a:lnRef>
+          <a:fillRef idx="1">
+            <a:schemeClr val="accent1"/>
+          </a:fillRef>
+          <a:effectRef idx="0">
+            <a:schemeClr val="accent1"/>
+          </a:effectRef>
+          <a:fontRef idx="minor">
+            <a:schemeClr val="lt1"/>
+          </a:fontRef>
+        </p:style>
+        <p:txBody>
+          <a:bodyPr vert="vert270" rtlCol="0" anchor="ctr"/>
+          <a:lstStyle/>
+          <a:p>
+            <a:pPr algn="ctr"/>
+            <a:r>
+              <a:rPr lang="en-PL" dirty="0"/>
+              <a:t>CONVOLUTION </a:t>
+            </a:r>
+          </a:p>
+          <a:p>
+            <a:pPr algn="ctr"/>
+            <a:r>
+              <a:rPr lang="en-PL" dirty="0"/>
+              <a:t>WHOLE SEQUENCE</a:t>
+            </a:r>
+          </a:p>
+        </p:txBody>
+      </p:sp>
+      <p:cxnSp>
+        <p:nvCxnSpPr>
+          <p:cNvPr id="7" name="Elbow Connector 6">
+            <a:extLst>
+              <a:ext uri="{FF2B5EF4-FFF2-40B4-BE49-F238E27FC236}">
+                <a16:creationId xmlns:a16="http://schemas.microsoft.com/office/drawing/2014/main" id="{09210381-380C-A744-1365-B6741D30660D}"/>
+              </a:ext>
+            </a:extLst>
+          </p:cNvPr>
+          <p:cNvCxnSpPr>
+            <a:stCxn id="6" idx="3"/>
+            <a:endCxn id="3" idx="1"/>
+          </p:cNvCxnSpPr>
+          <p:nvPr/>
+        </p:nvCxnSpPr>
+        <p:spPr>
+          <a:xfrm>
+            <a:off x="2752738" y="3884180"/>
+            <a:ext cx="548874" cy="1088202"/>
+          </a:xfrm>
+          <a:prstGeom prst="bentConnector3">
+            <a:avLst/>
+          </a:prstGeom>
+          <a:ln>
+            <a:tailEnd type="triangle"/>
+          </a:ln>
+        </p:spPr>
+        <p:style>
+          <a:lnRef idx="1">
+            <a:schemeClr val="accent1"/>
+          </a:lnRef>
+          <a:fillRef idx="0">
+            <a:schemeClr val="accent1"/>
+          </a:fillRef>
+          <a:effectRef idx="0">
+            <a:schemeClr val="accent1"/>
+          </a:effectRef>
+          <a:fontRef idx="minor">
+            <a:schemeClr val="tx1"/>
+          </a:fontRef>
+        </p:style>
+      </p:cxnSp>
+      <p:cxnSp>
+        <p:nvCxnSpPr>
+          <p:cNvPr id="9" name="Elbow Connector 8">
+            <a:extLst>
+              <a:ext uri="{FF2B5EF4-FFF2-40B4-BE49-F238E27FC236}">
+                <a16:creationId xmlns:a16="http://schemas.microsoft.com/office/drawing/2014/main" id="{B3FA371D-B09E-D165-C10C-EE3E057E9AC4}"/>
+              </a:ext>
+            </a:extLst>
+          </p:cNvPr>
+          <p:cNvCxnSpPr>
+            <a:stCxn id="6" idx="3"/>
+            <a:endCxn id="2" idx="1"/>
+          </p:cNvCxnSpPr>
+          <p:nvPr/>
+        </p:nvCxnSpPr>
+        <p:spPr>
+          <a:xfrm flipV="1">
+            <a:off x="2752738" y="2807505"/>
+            <a:ext cx="548874" cy="1076675"/>
+          </a:xfrm>
+          <a:prstGeom prst="bentConnector3">
+            <a:avLst/>
+          </a:prstGeom>
+          <a:ln>
+            <a:tailEnd type="triangle"/>
+          </a:ln>
+        </p:spPr>
+        <p:style>
+          <a:lnRef idx="1">
+            <a:schemeClr val="accent1"/>
+          </a:lnRef>
+          <a:fillRef idx="0">
+            <a:schemeClr val="accent1"/>
+          </a:fillRef>
+          <a:effectRef idx="0">
+            <a:schemeClr val="accent1"/>
+          </a:effectRef>
+          <a:fontRef idx="minor">
+            <a:schemeClr val="tx1"/>
+          </a:fontRef>
+        </p:style>
+      </p:cxnSp>
+      <p:cxnSp>
+        <p:nvCxnSpPr>
+          <p:cNvPr id="11" name="Elbow Connector 10">
+            <a:extLst>
+              <a:ext uri="{FF2B5EF4-FFF2-40B4-BE49-F238E27FC236}">
+                <a16:creationId xmlns:a16="http://schemas.microsoft.com/office/drawing/2014/main" id="{47E040F8-4EB8-B383-665A-E8D6FCA7CC78}"/>
+              </a:ext>
+            </a:extLst>
+          </p:cNvPr>
+          <p:cNvCxnSpPr>
+            <a:stCxn id="2" idx="3"/>
+            <a:endCxn id="33" idx="1"/>
+          </p:cNvCxnSpPr>
+          <p:nvPr/>
+        </p:nvCxnSpPr>
+        <p:spPr>
+          <a:xfrm>
+            <a:off x="4281327" y="2807505"/>
+            <a:ext cx="755050" cy="1049460"/>
+          </a:xfrm>
+          <a:prstGeom prst="bentConnector3">
+            <a:avLst/>
+          </a:prstGeom>
+          <a:ln>
+            <a:tailEnd type="triangle"/>
+          </a:ln>
+        </p:spPr>
+        <p:style>
+          <a:lnRef idx="1">
+            <a:schemeClr val="accent1"/>
+          </a:lnRef>
+          <a:fillRef idx="0">
+            <a:schemeClr val="accent1"/>
+          </a:fillRef>
+          <a:effectRef idx="0">
+            <a:schemeClr val="accent1"/>
+          </a:effectRef>
+          <a:fontRef idx="minor">
+            <a:schemeClr val="tx1"/>
+          </a:fontRef>
+        </p:style>
+      </p:cxnSp>
+      <p:cxnSp>
+        <p:nvCxnSpPr>
+          <p:cNvPr id="13" name="Elbow Connector 12">
+            <a:extLst>
+              <a:ext uri="{FF2B5EF4-FFF2-40B4-BE49-F238E27FC236}">
+                <a16:creationId xmlns:a16="http://schemas.microsoft.com/office/drawing/2014/main" id="{93421866-C114-4E15-541E-9ED7741F0ABB}"/>
+              </a:ext>
+            </a:extLst>
+          </p:cNvPr>
+          <p:cNvCxnSpPr>
+            <a:stCxn id="3" idx="3"/>
+            <a:endCxn id="33" idx="1"/>
+          </p:cNvCxnSpPr>
+          <p:nvPr/>
+        </p:nvCxnSpPr>
+        <p:spPr>
+          <a:xfrm flipV="1">
+            <a:off x="4281327" y="3856965"/>
+            <a:ext cx="755050" cy="1115417"/>
+          </a:xfrm>
+          <a:prstGeom prst="bentConnector3">
+            <a:avLst/>
+          </a:prstGeom>
+          <a:ln>
+            <a:tailEnd type="triangle"/>
+          </a:ln>
+        </p:spPr>
+        <p:style>
+          <a:lnRef idx="1">
+            <a:schemeClr val="accent1"/>
+          </a:lnRef>
+          <a:fillRef idx="0">
+            <a:schemeClr val="accent1"/>
+          </a:fillRef>
+          <a:effectRef idx="0">
+            <a:schemeClr val="accent1"/>
+          </a:effectRef>
+          <a:fontRef idx="minor">
+            <a:schemeClr val="tx1"/>
+          </a:fontRef>
+        </p:style>
+      </p:cxnSp>
+    </p:spTree>
+    <p:extLst>
+      <p:ext uri="{BB962C8B-B14F-4D97-AF65-F5344CB8AC3E}">
+        <p14:creationId xmlns:p14="http://schemas.microsoft.com/office/powerpoint/2010/main" val="1608781081"/>
+      </p:ext>
+    </p:extLst>
+  </p:cSld>
+  <p:clrMapOvr>
+    <a:masterClrMapping/>
+  </p:clrMapOvr>
+</p:sld>
+</file>
+
+<file path=ppt/slides/slide23.xml><?xml version="1.0" encoding="utf-8"?>
+<p:sld xmlns:a="http://schemas.openxmlformats.org/drawingml/2006/main" xmlns:r="http://schemas.openxmlformats.org/officeDocument/2006/relationships" xmlns:p="http://schemas.openxmlformats.org/presentationml/2006/main">
+  <p:cSld>
+    <p:spTree>
+      <p:nvGrpSpPr>
+        <p:cNvPr id="1" name=""/>
+        <p:cNvGrpSpPr/>
+        <p:nvPr/>
+      </p:nvGrpSpPr>
+      <p:grpSpPr>
+        <a:xfrm>
+          <a:off x="0" y="0"/>
+          <a:ext cx="0" cy="0"/>
+          <a:chOff x="0" y="0"/>
+          <a:chExt cx="0" cy="0"/>
+        </a:xfrm>
+      </p:grpSpPr>
+      <p:sp>
+        <p:nvSpPr>
+          <p:cNvPr id="5" name="Title 4">
+            <a:extLst>
+              <a:ext uri="{FF2B5EF4-FFF2-40B4-BE49-F238E27FC236}">
+                <a16:creationId xmlns:a16="http://schemas.microsoft.com/office/drawing/2014/main" id="{FA1D7A2E-5AEB-FA0B-CA30-792496DC2668}"/>
+              </a:ext>
+            </a:extLst>
+          </p:cNvPr>
+          <p:cNvSpPr>
+            <a:spLocks noGrp="1"/>
+          </p:cNvSpPr>
+          <p:nvPr>
+            <p:ph type="title"/>
+          </p:nvPr>
+        </p:nvSpPr>
+        <p:spPr/>
+        <p:txBody>
+          <a:bodyPr/>
+          <a:lstStyle/>
+          <a:p>
+            <a:r>
+              <a:rPr lang="en-PL" dirty="0"/>
+              <a:t>Proposed Pipeline</a:t>
+            </a:r>
+          </a:p>
+        </p:txBody>
+      </p:sp>
+      <p:sp>
+        <p:nvSpPr>
+          <p:cNvPr id="6" name="Rectangle 5">
+            <a:extLst>
+              <a:ext uri="{FF2B5EF4-FFF2-40B4-BE49-F238E27FC236}">
+                <a16:creationId xmlns:a16="http://schemas.microsoft.com/office/drawing/2014/main" id="{3A1C1B31-1A3F-4675-BB48-9A55C86017C6}"/>
+              </a:ext>
+            </a:extLst>
+          </p:cNvPr>
+          <p:cNvSpPr/>
+          <p:nvPr/>
+        </p:nvSpPr>
+        <p:spPr>
+          <a:xfrm>
+            <a:off x="544286" y="2057400"/>
+            <a:ext cx="1426028" cy="4049485"/>
+          </a:xfrm>
+          <a:prstGeom prst="rect">
+            <a:avLst/>
+          </a:prstGeom>
+        </p:spPr>
+        <p:style>
+          <a:lnRef idx="2">
+            <a:schemeClr val="accent1">
+              <a:shade val="15000"/>
+            </a:schemeClr>
+          </a:lnRef>
+          <a:fillRef idx="1">
+            <a:schemeClr val="accent1"/>
+          </a:fillRef>
+          <a:effectRef idx="0">
+            <a:schemeClr val="accent1"/>
+          </a:effectRef>
+          <a:fontRef idx="minor">
+            <a:schemeClr val="lt1"/>
+          </a:fontRef>
+        </p:style>
+        <p:txBody>
+          <a:bodyPr vert="vert270" rtlCol="0" anchor="ctr"/>
+          <a:lstStyle/>
+          <a:p>
+            <a:pPr algn="ctr"/>
+            <a:r>
+              <a:rPr lang="en-PL" dirty="0"/>
+              <a:t>SEGMENTATION</a:t>
+            </a:r>
+            <a:br>
+              <a:rPr lang="en-PL" dirty="0"/>
+            </a:br>
+            <a:r>
+              <a:rPr lang="en-PL" dirty="0"/>
+              <a:t>MODULE</a:t>
+            </a:r>
+          </a:p>
+          <a:p>
+            <a:pPr algn="ctr"/>
+            <a:r>
+              <a:rPr lang="en-PL" dirty="0"/>
+              <a:t>(Black Box)</a:t>
+            </a:r>
+          </a:p>
+        </p:txBody>
+      </p:sp>
+      <p:sp>
+        <p:nvSpPr>
+          <p:cNvPr id="16" name="Rectangle 15">
+            <a:extLst>
+              <a:ext uri="{FF2B5EF4-FFF2-40B4-BE49-F238E27FC236}">
+                <a16:creationId xmlns:a16="http://schemas.microsoft.com/office/drawing/2014/main" id="{E4CB0E1C-5353-2E72-B60B-90C30B10CC03}"/>
+              </a:ext>
+            </a:extLst>
+          </p:cNvPr>
+          <p:cNvSpPr/>
+          <p:nvPr/>
+        </p:nvSpPr>
+        <p:spPr>
+          <a:xfrm>
+            <a:off x="2895600" y="5344885"/>
+            <a:ext cx="2079171" cy="609600"/>
+          </a:xfrm>
+          <a:prstGeom prst="rect">
+            <a:avLst/>
+          </a:prstGeom>
+        </p:spPr>
+        <p:style>
+          <a:lnRef idx="2">
+            <a:schemeClr val="accent1">
+              <a:shade val="15000"/>
+            </a:schemeClr>
+          </a:lnRef>
+          <a:fillRef idx="1">
+            <a:schemeClr val="accent1"/>
+          </a:fillRef>
+          <a:effectRef idx="0">
+            <a:schemeClr val="accent1"/>
+          </a:effectRef>
+          <a:fontRef idx="minor">
+            <a:schemeClr val="lt1"/>
+          </a:fontRef>
+        </p:style>
+        <p:txBody>
+          <a:bodyPr rtlCol="0" anchor="ctr"/>
+          <a:lstStyle/>
+          <a:p>
+            <a:pPr algn="ctr"/>
+            <a:r>
+              <a:rPr lang="en-PL" dirty="0"/>
+              <a:t>FilterNet(ann1)</a:t>
+            </a:r>
+          </a:p>
+        </p:txBody>
+      </p:sp>
+      <p:cxnSp>
+        <p:nvCxnSpPr>
+          <p:cNvPr id="19" name="Elbow Connector 18">
+            <a:extLst>
+              <a:ext uri="{FF2B5EF4-FFF2-40B4-BE49-F238E27FC236}">
+                <a16:creationId xmlns:a16="http://schemas.microsoft.com/office/drawing/2014/main" id="{E00BE4FE-B131-D85E-3DBB-5AA885FE7299}"/>
+              </a:ext>
+            </a:extLst>
+          </p:cNvPr>
+          <p:cNvCxnSpPr>
+            <a:stCxn id="6" idx="3"/>
+            <a:endCxn id="16" idx="1"/>
+          </p:cNvCxnSpPr>
+          <p:nvPr/>
+        </p:nvCxnSpPr>
+        <p:spPr>
+          <a:xfrm>
+            <a:off x="1970314" y="4082143"/>
+            <a:ext cx="925286" cy="1567542"/>
+          </a:xfrm>
+          <a:prstGeom prst="bentConnector3">
+            <a:avLst/>
+          </a:prstGeom>
+          <a:ln>
+            <a:tailEnd type="triangle"/>
+          </a:ln>
+        </p:spPr>
+        <p:style>
+          <a:lnRef idx="1">
+            <a:schemeClr val="accent1"/>
+          </a:lnRef>
+          <a:fillRef idx="0">
+            <a:schemeClr val="accent1"/>
+          </a:fillRef>
+          <a:effectRef idx="0">
+            <a:schemeClr val="accent1"/>
+          </a:effectRef>
+          <a:fontRef idx="minor">
+            <a:schemeClr val="tx1"/>
+          </a:fontRef>
+        </p:style>
+      </p:cxnSp>
+      <p:sp>
+        <p:nvSpPr>
+          <p:cNvPr id="21" name="Rectangle 20">
+            <a:extLst>
+              <a:ext uri="{FF2B5EF4-FFF2-40B4-BE49-F238E27FC236}">
+                <a16:creationId xmlns:a16="http://schemas.microsoft.com/office/drawing/2014/main" id="{4FFD47B2-007E-9517-C91B-80DE8BD5F7FC}"/>
+              </a:ext>
+            </a:extLst>
+          </p:cNvPr>
+          <p:cNvSpPr/>
+          <p:nvPr/>
+        </p:nvSpPr>
+        <p:spPr>
+          <a:xfrm>
+            <a:off x="2895599" y="4514170"/>
+            <a:ext cx="2079171" cy="609600"/>
+          </a:xfrm>
+          <a:prstGeom prst="rect">
+            <a:avLst/>
+          </a:prstGeom>
+        </p:spPr>
+        <p:style>
+          <a:lnRef idx="2">
+            <a:schemeClr val="accent1">
+              <a:shade val="15000"/>
+            </a:schemeClr>
+          </a:lnRef>
+          <a:fillRef idx="1">
+            <a:schemeClr val="accent1"/>
+          </a:fillRef>
+          <a:effectRef idx="0">
+            <a:schemeClr val="accent1"/>
+          </a:effectRef>
+          <a:fontRef idx="minor">
+            <a:schemeClr val="lt1"/>
+          </a:fontRef>
+        </p:style>
+        <p:txBody>
+          <a:bodyPr rtlCol="0" anchor="ctr"/>
+          <a:lstStyle/>
+          <a:p>
+            <a:pPr algn="ctr"/>
+            <a:r>
+              <a:rPr lang="en-PL" dirty="0"/>
+              <a:t>FilterNet(ann2)</a:t>
+            </a:r>
+          </a:p>
+        </p:txBody>
+      </p:sp>
+      <p:sp>
+        <p:nvSpPr>
+          <p:cNvPr id="22" name="Rectangle 21">
+            <a:extLst>
+              <a:ext uri="{FF2B5EF4-FFF2-40B4-BE49-F238E27FC236}">
+                <a16:creationId xmlns:a16="http://schemas.microsoft.com/office/drawing/2014/main" id="{643626D7-9E2A-8109-AB62-6C4BBAECCA3B}"/>
+              </a:ext>
+            </a:extLst>
+          </p:cNvPr>
+          <p:cNvSpPr/>
+          <p:nvPr/>
+        </p:nvSpPr>
+        <p:spPr>
+          <a:xfrm>
+            <a:off x="2884711" y="2986087"/>
+            <a:ext cx="2079171" cy="609600"/>
+          </a:xfrm>
+          <a:prstGeom prst="rect">
+            <a:avLst/>
+          </a:prstGeom>
+        </p:spPr>
+        <p:style>
+          <a:lnRef idx="2">
+            <a:schemeClr val="accent1">
+              <a:shade val="15000"/>
+            </a:schemeClr>
+          </a:lnRef>
+          <a:fillRef idx="1">
+            <a:schemeClr val="accent1"/>
+          </a:fillRef>
+          <a:effectRef idx="0">
+            <a:schemeClr val="accent1"/>
+          </a:effectRef>
+          <a:fontRef idx="minor">
+            <a:schemeClr val="lt1"/>
+          </a:fontRef>
+        </p:style>
+        <p:txBody>
+          <a:bodyPr rtlCol="0" anchor="ctr"/>
+          <a:lstStyle/>
+          <a:p>
+            <a:pPr algn="ctr"/>
+            <a:r>
+              <a:rPr lang="en-PL" dirty="0"/>
+              <a:t>FilterNet(ann7)</a:t>
+            </a:r>
+          </a:p>
+        </p:txBody>
+      </p:sp>
+      <p:sp>
+        <p:nvSpPr>
+          <p:cNvPr id="23" name="Rectangle 22">
+            <a:extLst>
+              <a:ext uri="{FF2B5EF4-FFF2-40B4-BE49-F238E27FC236}">
+                <a16:creationId xmlns:a16="http://schemas.microsoft.com/office/drawing/2014/main" id="{6EB2F609-9D75-FD3E-3463-425AC7349389}"/>
+              </a:ext>
+            </a:extLst>
+          </p:cNvPr>
+          <p:cNvSpPr/>
+          <p:nvPr/>
+        </p:nvSpPr>
+        <p:spPr>
+          <a:xfrm>
+            <a:off x="2895597" y="2155372"/>
+            <a:ext cx="2079171" cy="609600"/>
+          </a:xfrm>
+          <a:prstGeom prst="rect">
+            <a:avLst/>
+          </a:prstGeom>
+        </p:spPr>
+        <p:style>
+          <a:lnRef idx="2">
+            <a:schemeClr val="accent1">
+              <a:shade val="15000"/>
+            </a:schemeClr>
+          </a:lnRef>
+          <a:fillRef idx="1">
+            <a:schemeClr val="accent1"/>
+          </a:fillRef>
+          <a:effectRef idx="0">
+            <a:schemeClr val="accent1"/>
+          </a:effectRef>
+          <a:fontRef idx="minor">
+            <a:schemeClr val="lt1"/>
+          </a:fontRef>
+        </p:style>
+        <p:txBody>
+          <a:bodyPr rtlCol="0" anchor="ctr"/>
+          <a:lstStyle/>
+          <a:p>
+            <a:pPr algn="ctr"/>
+            <a:r>
+              <a:rPr lang="en-PL" dirty="0"/>
+              <a:t>FilterNet(ann8)</a:t>
+            </a:r>
+          </a:p>
+        </p:txBody>
+      </p:sp>
+      <p:cxnSp>
+        <p:nvCxnSpPr>
+          <p:cNvPr id="28" name="Elbow Connector 27">
+            <a:extLst>
+              <a:ext uri="{FF2B5EF4-FFF2-40B4-BE49-F238E27FC236}">
+                <a16:creationId xmlns:a16="http://schemas.microsoft.com/office/drawing/2014/main" id="{D85BDA95-56DC-C265-0026-C9D3BB95EB0D}"/>
+              </a:ext>
+            </a:extLst>
+          </p:cNvPr>
+          <p:cNvCxnSpPr>
+            <a:stCxn id="6" idx="3"/>
+            <a:endCxn id="22" idx="1"/>
+          </p:cNvCxnSpPr>
+          <p:nvPr/>
+        </p:nvCxnSpPr>
+        <p:spPr>
+          <a:xfrm flipV="1">
+            <a:off x="1970314" y="3290887"/>
+            <a:ext cx="914397" cy="791256"/>
+          </a:xfrm>
+          <a:prstGeom prst="bentConnector3">
+            <a:avLst/>
+          </a:prstGeom>
+          <a:ln>
+            <a:tailEnd type="triangle"/>
+          </a:ln>
+        </p:spPr>
+        <p:style>
+          <a:lnRef idx="1">
+            <a:schemeClr val="accent1"/>
+          </a:lnRef>
+          <a:fillRef idx="0">
+            <a:schemeClr val="accent1"/>
+          </a:fillRef>
+          <a:effectRef idx="0">
+            <a:schemeClr val="accent1"/>
+          </a:effectRef>
+          <a:fontRef idx="minor">
+            <a:schemeClr val="tx1"/>
+          </a:fontRef>
+        </p:style>
+      </p:cxnSp>
+      <p:cxnSp>
+        <p:nvCxnSpPr>
+          <p:cNvPr id="30" name="Elbow Connector 29">
+            <a:extLst>
+              <a:ext uri="{FF2B5EF4-FFF2-40B4-BE49-F238E27FC236}">
+                <a16:creationId xmlns:a16="http://schemas.microsoft.com/office/drawing/2014/main" id="{D2294302-7155-43D1-4170-728868D9E29B}"/>
+              </a:ext>
+            </a:extLst>
+          </p:cNvPr>
+          <p:cNvCxnSpPr>
+            <a:stCxn id="6" idx="3"/>
+            <a:endCxn id="23" idx="1"/>
+          </p:cNvCxnSpPr>
+          <p:nvPr/>
+        </p:nvCxnSpPr>
+        <p:spPr>
+          <a:xfrm flipV="1">
+            <a:off x="1970314" y="2460172"/>
+            <a:ext cx="925283" cy="1621971"/>
+          </a:xfrm>
+          <a:prstGeom prst="bentConnector3">
+            <a:avLst/>
+          </a:prstGeom>
+          <a:ln>
+            <a:tailEnd type="triangle"/>
+          </a:ln>
+        </p:spPr>
+        <p:style>
+          <a:lnRef idx="1">
+            <a:schemeClr val="accent1"/>
+          </a:lnRef>
+          <a:fillRef idx="0">
+            <a:schemeClr val="accent1"/>
+          </a:fillRef>
+          <a:effectRef idx="0">
+            <a:schemeClr val="accent1"/>
+          </a:effectRef>
+          <a:fontRef idx="minor">
+            <a:schemeClr val="tx1"/>
+          </a:fontRef>
+        </p:style>
+      </p:cxnSp>
+      <p:cxnSp>
+        <p:nvCxnSpPr>
+          <p:cNvPr id="32" name="Elbow Connector 31">
+            <a:extLst>
+              <a:ext uri="{FF2B5EF4-FFF2-40B4-BE49-F238E27FC236}">
+                <a16:creationId xmlns:a16="http://schemas.microsoft.com/office/drawing/2014/main" id="{81140EF1-DBA7-EA62-913B-46E5F259BF6C}"/>
+              </a:ext>
+            </a:extLst>
+          </p:cNvPr>
+          <p:cNvCxnSpPr>
+            <a:stCxn id="6" idx="3"/>
+            <a:endCxn id="21" idx="1"/>
+          </p:cNvCxnSpPr>
+          <p:nvPr/>
+        </p:nvCxnSpPr>
+        <p:spPr>
+          <a:xfrm>
+            <a:off x="1970314" y="4082143"/>
+            <a:ext cx="925285" cy="736827"/>
+          </a:xfrm>
+          <a:prstGeom prst="bentConnector3">
+            <a:avLst/>
+          </a:prstGeom>
+          <a:ln>
+            <a:tailEnd type="triangle"/>
+          </a:ln>
+        </p:spPr>
+        <p:style>
+          <a:lnRef idx="1">
+            <a:schemeClr val="accent1"/>
+          </a:lnRef>
+          <a:fillRef idx="0">
+            <a:schemeClr val="accent1"/>
+          </a:fillRef>
+          <a:effectRef idx="0">
+            <a:schemeClr val="accent1"/>
+          </a:effectRef>
+          <a:fontRef idx="minor">
+            <a:schemeClr val="tx1"/>
+          </a:fontRef>
+        </p:style>
+      </p:cxnSp>
+      <p:sp>
+        <p:nvSpPr>
+          <p:cNvPr id="33" name="Rectangle 32">
+            <a:extLst>
+              <a:ext uri="{FF2B5EF4-FFF2-40B4-BE49-F238E27FC236}">
+                <a16:creationId xmlns:a16="http://schemas.microsoft.com/office/drawing/2014/main" id="{B62CF127-1E6B-3E04-3387-07EFB4B221DC}"/>
+              </a:ext>
+            </a:extLst>
+          </p:cNvPr>
+          <p:cNvSpPr/>
+          <p:nvPr/>
+        </p:nvSpPr>
+        <p:spPr>
+          <a:xfrm>
+            <a:off x="5856510" y="2155371"/>
+            <a:ext cx="979715" cy="3799113"/>
+          </a:xfrm>
+          <a:prstGeom prst="rect">
+            <a:avLst/>
+          </a:prstGeom>
+        </p:spPr>
+        <p:style>
+          <a:lnRef idx="2">
+            <a:schemeClr val="accent1">
+              <a:shade val="15000"/>
+            </a:schemeClr>
+          </a:lnRef>
+          <a:fillRef idx="1">
+            <a:schemeClr val="accent1"/>
+          </a:fillRef>
+          <a:effectRef idx="0">
+            <a:schemeClr val="accent1"/>
+          </a:effectRef>
+          <a:fontRef idx="minor">
+            <a:schemeClr val="lt1"/>
+          </a:fontRef>
+        </p:style>
+        <p:txBody>
+          <a:bodyPr vert="vert270" rtlCol="0" anchor="ctr"/>
+          <a:lstStyle/>
+          <a:p>
+            <a:pPr algn="ctr"/>
+            <a:r>
+              <a:rPr lang="en-PL" dirty="0"/>
+              <a:t>CONCATENATE</a:t>
+            </a:r>
+          </a:p>
+        </p:txBody>
+      </p:sp>
+      <p:sp>
+        <p:nvSpPr>
+          <p:cNvPr id="34" name="Rectangle 33">
+            <a:extLst>
+              <a:ext uri="{FF2B5EF4-FFF2-40B4-BE49-F238E27FC236}">
+                <a16:creationId xmlns:a16="http://schemas.microsoft.com/office/drawing/2014/main" id="{B9E16546-140A-855E-88FC-FA3B52B9E090}"/>
+              </a:ext>
+            </a:extLst>
+          </p:cNvPr>
+          <p:cNvSpPr/>
+          <p:nvPr/>
+        </p:nvSpPr>
+        <p:spPr>
+          <a:xfrm>
+            <a:off x="7445819" y="2155371"/>
+            <a:ext cx="979715" cy="3799113"/>
+          </a:xfrm>
+          <a:prstGeom prst="rect">
+            <a:avLst/>
+          </a:prstGeom>
+        </p:spPr>
+        <p:style>
+          <a:lnRef idx="2">
+            <a:schemeClr val="accent1">
+              <a:shade val="15000"/>
+            </a:schemeClr>
+          </a:lnRef>
+          <a:fillRef idx="1">
+            <a:schemeClr val="accent1"/>
+          </a:fillRef>
+          <a:effectRef idx="0">
+            <a:schemeClr val="accent1"/>
+          </a:effectRef>
+          <a:fontRef idx="minor">
+            <a:schemeClr val="lt1"/>
+          </a:fontRef>
+        </p:style>
+        <p:txBody>
+          <a:bodyPr vert="vert270" rtlCol="0" anchor="ctr"/>
+          <a:lstStyle/>
+          <a:p>
+            <a:pPr algn="ctr"/>
+            <a:r>
+              <a:rPr lang="en-PL" dirty="0"/>
+              <a:t>AVG POOL</a:t>
+            </a:r>
+          </a:p>
+        </p:txBody>
+      </p:sp>
+      <p:sp>
+        <p:nvSpPr>
+          <p:cNvPr id="35" name="Rectangle 34">
+            <a:extLst>
+              <a:ext uri="{FF2B5EF4-FFF2-40B4-BE49-F238E27FC236}">
+                <a16:creationId xmlns:a16="http://schemas.microsoft.com/office/drawing/2014/main" id="{B567CA65-5F72-CB42-E0AA-B358FD06DACA}"/>
+              </a:ext>
+            </a:extLst>
+          </p:cNvPr>
+          <p:cNvSpPr/>
+          <p:nvPr/>
+        </p:nvSpPr>
+        <p:spPr>
+          <a:xfrm>
+            <a:off x="9035128" y="2155371"/>
+            <a:ext cx="979715" cy="3799113"/>
+          </a:xfrm>
+          <a:prstGeom prst="rect">
+            <a:avLst/>
+          </a:prstGeom>
+        </p:spPr>
+        <p:style>
+          <a:lnRef idx="2">
+            <a:schemeClr val="accent1">
+              <a:shade val="15000"/>
+            </a:schemeClr>
+          </a:lnRef>
+          <a:fillRef idx="1">
+            <a:schemeClr val="accent1"/>
+          </a:fillRef>
+          <a:effectRef idx="0">
+            <a:schemeClr val="accent1"/>
+          </a:effectRef>
+          <a:fontRef idx="minor">
+            <a:schemeClr val="lt1"/>
+          </a:fontRef>
+        </p:style>
+        <p:txBody>
+          <a:bodyPr vert="vert270" rtlCol="0" anchor="ctr"/>
+          <a:lstStyle/>
+          <a:p>
+            <a:pPr algn="ctr"/>
+            <a:r>
+              <a:rPr lang="en-PL" dirty="0"/>
+              <a:t>LINEAR</a:t>
+            </a:r>
+          </a:p>
+        </p:txBody>
+      </p:sp>
+      <p:sp>
+        <p:nvSpPr>
+          <p:cNvPr id="36" name="Rectangle 35">
+            <a:extLst>
+              <a:ext uri="{FF2B5EF4-FFF2-40B4-BE49-F238E27FC236}">
+                <a16:creationId xmlns:a16="http://schemas.microsoft.com/office/drawing/2014/main" id="{C5B2E84F-4245-5223-02F3-2873F557E2A9}"/>
+              </a:ext>
+            </a:extLst>
+          </p:cNvPr>
+          <p:cNvSpPr/>
+          <p:nvPr/>
+        </p:nvSpPr>
+        <p:spPr>
+          <a:xfrm>
+            <a:off x="10624437" y="2182585"/>
+            <a:ext cx="979715" cy="3799113"/>
+          </a:xfrm>
+          <a:prstGeom prst="rect">
+            <a:avLst/>
+          </a:prstGeom>
+        </p:spPr>
+        <p:style>
+          <a:lnRef idx="2">
+            <a:schemeClr val="accent1">
+              <a:shade val="15000"/>
+            </a:schemeClr>
+          </a:lnRef>
+          <a:fillRef idx="1">
+            <a:schemeClr val="accent1"/>
+          </a:fillRef>
+          <a:effectRef idx="0">
+            <a:schemeClr val="accent1"/>
+          </a:effectRef>
+          <a:fontRef idx="minor">
+            <a:schemeClr val="lt1"/>
+          </a:fontRef>
+        </p:style>
+        <p:txBody>
+          <a:bodyPr vert="vert270" rtlCol="0" anchor="ctr"/>
+          <a:lstStyle/>
+          <a:p>
+            <a:pPr algn="ctr"/>
+            <a:r>
+              <a:rPr lang="en-PL" dirty="0"/>
+              <a:t>SIGMOID</a:t>
+            </a:r>
+          </a:p>
+        </p:txBody>
+      </p:sp>
+      <p:cxnSp>
+        <p:nvCxnSpPr>
+          <p:cNvPr id="38" name="Elbow Connector 37">
+            <a:extLst>
+              <a:ext uri="{FF2B5EF4-FFF2-40B4-BE49-F238E27FC236}">
+                <a16:creationId xmlns:a16="http://schemas.microsoft.com/office/drawing/2014/main" id="{A34652D6-F13D-2DF7-8270-B7675087CFEA}"/>
+              </a:ext>
+            </a:extLst>
+          </p:cNvPr>
+          <p:cNvCxnSpPr>
+            <a:stCxn id="23" idx="3"/>
+            <a:endCxn id="33" idx="1"/>
+          </p:cNvCxnSpPr>
+          <p:nvPr/>
+        </p:nvCxnSpPr>
+        <p:spPr>
+          <a:xfrm>
+            <a:off x="4974768" y="2460172"/>
+            <a:ext cx="881742" cy="1594756"/>
+          </a:xfrm>
+          <a:prstGeom prst="bentConnector3">
+            <a:avLst/>
+          </a:prstGeom>
+          <a:ln>
+            <a:tailEnd type="triangle"/>
+          </a:ln>
+        </p:spPr>
+        <p:style>
+          <a:lnRef idx="1">
+            <a:schemeClr val="accent1"/>
+          </a:lnRef>
+          <a:fillRef idx="0">
+            <a:schemeClr val="accent1"/>
+          </a:fillRef>
+          <a:effectRef idx="0">
+            <a:schemeClr val="accent1"/>
+          </a:effectRef>
+          <a:fontRef idx="minor">
+            <a:schemeClr val="tx1"/>
+          </a:fontRef>
+        </p:style>
+      </p:cxnSp>
+      <p:cxnSp>
+        <p:nvCxnSpPr>
+          <p:cNvPr id="40" name="Elbow Connector 39">
+            <a:extLst>
+              <a:ext uri="{FF2B5EF4-FFF2-40B4-BE49-F238E27FC236}">
+                <a16:creationId xmlns:a16="http://schemas.microsoft.com/office/drawing/2014/main" id="{CA58BD51-46B9-1349-B370-4F7F34759487}"/>
+              </a:ext>
+            </a:extLst>
+          </p:cNvPr>
+          <p:cNvCxnSpPr>
+            <a:stCxn id="22" idx="3"/>
+            <a:endCxn id="33" idx="1"/>
+          </p:cNvCxnSpPr>
+          <p:nvPr/>
+        </p:nvCxnSpPr>
+        <p:spPr>
+          <a:xfrm>
+            <a:off x="4963882" y="3290887"/>
+            <a:ext cx="892628" cy="764041"/>
+          </a:xfrm>
+          <a:prstGeom prst="bentConnector3">
+            <a:avLst/>
+          </a:prstGeom>
+          <a:ln>
+            <a:tailEnd type="triangle"/>
+          </a:ln>
+        </p:spPr>
+        <p:style>
+          <a:lnRef idx="1">
+            <a:schemeClr val="accent1"/>
+          </a:lnRef>
+          <a:fillRef idx="0">
+            <a:schemeClr val="accent1"/>
+          </a:fillRef>
+          <a:effectRef idx="0">
+            <a:schemeClr val="accent1"/>
+          </a:effectRef>
+          <a:fontRef idx="minor">
+            <a:schemeClr val="tx1"/>
+          </a:fontRef>
+        </p:style>
+      </p:cxnSp>
+      <p:cxnSp>
+        <p:nvCxnSpPr>
+          <p:cNvPr id="42" name="Elbow Connector 41">
+            <a:extLst>
+              <a:ext uri="{FF2B5EF4-FFF2-40B4-BE49-F238E27FC236}">
+                <a16:creationId xmlns:a16="http://schemas.microsoft.com/office/drawing/2014/main" id="{7264D9EF-57BF-1379-86C2-A0E2F610426D}"/>
+              </a:ext>
+            </a:extLst>
+          </p:cNvPr>
+          <p:cNvCxnSpPr>
+            <a:stCxn id="21" idx="3"/>
+            <a:endCxn id="33" idx="1"/>
+          </p:cNvCxnSpPr>
+          <p:nvPr/>
+        </p:nvCxnSpPr>
+        <p:spPr>
+          <a:xfrm flipV="1">
+            <a:off x="4974770" y="4054928"/>
+            <a:ext cx="881740" cy="764042"/>
+          </a:xfrm>
+          <a:prstGeom prst="bentConnector3">
+            <a:avLst/>
+          </a:prstGeom>
+          <a:ln>
+            <a:tailEnd type="triangle"/>
+          </a:ln>
+        </p:spPr>
+        <p:style>
+          <a:lnRef idx="1">
+            <a:schemeClr val="accent1"/>
+          </a:lnRef>
+          <a:fillRef idx="0">
+            <a:schemeClr val="accent1"/>
+          </a:fillRef>
+          <a:effectRef idx="0">
+            <a:schemeClr val="accent1"/>
+          </a:effectRef>
+          <a:fontRef idx="minor">
+            <a:schemeClr val="tx1"/>
+          </a:fontRef>
+        </p:style>
+      </p:cxnSp>
+      <p:cxnSp>
+        <p:nvCxnSpPr>
+          <p:cNvPr id="44" name="Elbow Connector 43">
+            <a:extLst>
+              <a:ext uri="{FF2B5EF4-FFF2-40B4-BE49-F238E27FC236}">
+                <a16:creationId xmlns:a16="http://schemas.microsoft.com/office/drawing/2014/main" id="{17443C94-E065-C48A-5D5B-FFACE2EFF8A4}"/>
+              </a:ext>
+            </a:extLst>
+          </p:cNvPr>
+          <p:cNvCxnSpPr>
+            <a:stCxn id="16" idx="3"/>
+            <a:endCxn id="33" idx="1"/>
+          </p:cNvCxnSpPr>
+          <p:nvPr/>
+        </p:nvCxnSpPr>
+        <p:spPr>
+          <a:xfrm flipV="1">
+            <a:off x="4974771" y="4054928"/>
+            <a:ext cx="881739" cy="1594757"/>
+          </a:xfrm>
+          <a:prstGeom prst="bentConnector3">
+            <a:avLst/>
+          </a:prstGeom>
+          <a:ln>
+            <a:tailEnd type="triangle"/>
+          </a:ln>
+        </p:spPr>
+        <p:style>
+          <a:lnRef idx="1">
+            <a:schemeClr val="accent1"/>
+          </a:lnRef>
+          <a:fillRef idx="0">
+            <a:schemeClr val="accent1"/>
+          </a:fillRef>
+          <a:effectRef idx="0">
+            <a:schemeClr val="accent1"/>
+          </a:effectRef>
+          <a:fontRef idx="minor">
+            <a:schemeClr val="tx1"/>
+          </a:fontRef>
+        </p:style>
+      </p:cxnSp>
+      <p:cxnSp>
+        <p:nvCxnSpPr>
+          <p:cNvPr id="46" name="Straight Arrow Connector 45">
+            <a:extLst>
+              <a:ext uri="{FF2B5EF4-FFF2-40B4-BE49-F238E27FC236}">
+                <a16:creationId xmlns:a16="http://schemas.microsoft.com/office/drawing/2014/main" id="{23F2C5B4-D43D-0452-234B-541D52309CA1}"/>
+              </a:ext>
+            </a:extLst>
+          </p:cNvPr>
+          <p:cNvCxnSpPr>
+            <a:stCxn id="33" idx="3"/>
+            <a:endCxn id="34" idx="1"/>
+          </p:cNvCxnSpPr>
+          <p:nvPr/>
+        </p:nvCxnSpPr>
+        <p:spPr>
+          <a:xfrm>
+            <a:off x="6836225" y="4054928"/>
+            <a:ext cx="609594" cy="0"/>
+          </a:xfrm>
+          <a:prstGeom prst="straightConnector1">
+            <a:avLst/>
+          </a:prstGeom>
+          <a:ln>
+            <a:tailEnd type="triangle"/>
+          </a:ln>
+        </p:spPr>
+        <p:style>
+          <a:lnRef idx="1">
+            <a:schemeClr val="accent1"/>
+          </a:lnRef>
+          <a:fillRef idx="0">
+            <a:schemeClr val="accent1"/>
+          </a:fillRef>
+          <a:effectRef idx="0">
+            <a:schemeClr val="accent1"/>
+          </a:effectRef>
+          <a:fontRef idx="minor">
+            <a:schemeClr val="tx1"/>
+          </a:fontRef>
+        </p:style>
+      </p:cxnSp>
+      <p:cxnSp>
+        <p:nvCxnSpPr>
+          <p:cNvPr id="48" name="Straight Arrow Connector 47">
+            <a:extLst>
+              <a:ext uri="{FF2B5EF4-FFF2-40B4-BE49-F238E27FC236}">
+                <a16:creationId xmlns:a16="http://schemas.microsoft.com/office/drawing/2014/main" id="{8AD2FA72-6ACD-B9F1-1E97-D7E0EA1521E9}"/>
+              </a:ext>
+            </a:extLst>
+          </p:cNvPr>
+          <p:cNvCxnSpPr>
+            <a:stCxn id="34" idx="3"/>
+            <a:endCxn id="35" idx="1"/>
+          </p:cNvCxnSpPr>
+          <p:nvPr/>
+        </p:nvCxnSpPr>
+        <p:spPr>
+          <a:xfrm>
+            <a:off x="8425534" y="4054928"/>
+            <a:ext cx="609594" cy="0"/>
+          </a:xfrm>
+          <a:prstGeom prst="straightConnector1">
+            <a:avLst/>
+          </a:prstGeom>
+          <a:ln>
+            <a:tailEnd type="triangle"/>
+          </a:ln>
+        </p:spPr>
+        <p:style>
+          <a:lnRef idx="1">
+            <a:schemeClr val="accent1"/>
+          </a:lnRef>
+          <a:fillRef idx="0">
+            <a:schemeClr val="accent1"/>
+          </a:fillRef>
+          <a:effectRef idx="0">
+            <a:schemeClr val="accent1"/>
+          </a:effectRef>
+          <a:fontRef idx="minor">
+            <a:schemeClr val="tx1"/>
+          </a:fontRef>
+        </p:style>
+      </p:cxnSp>
+      <p:cxnSp>
+        <p:nvCxnSpPr>
+          <p:cNvPr id="50" name="Straight Arrow Connector 49">
+            <a:extLst>
+              <a:ext uri="{FF2B5EF4-FFF2-40B4-BE49-F238E27FC236}">
+                <a16:creationId xmlns:a16="http://schemas.microsoft.com/office/drawing/2014/main" id="{4D8B9EFE-EED0-FD09-8E9A-2CE6EBCDD4C8}"/>
+              </a:ext>
+            </a:extLst>
+          </p:cNvPr>
+          <p:cNvCxnSpPr>
+            <a:stCxn id="35" idx="3"/>
+          </p:cNvCxnSpPr>
+          <p:nvPr/>
+        </p:nvCxnSpPr>
+        <p:spPr>
+          <a:xfrm>
+            <a:off x="10014843" y="4054928"/>
+            <a:ext cx="609594" cy="0"/>
+          </a:xfrm>
+          <a:prstGeom prst="straightConnector1">
+            <a:avLst/>
+          </a:prstGeom>
+          <a:ln>
+            <a:tailEnd type="triangle"/>
+          </a:ln>
+        </p:spPr>
+        <p:style>
+          <a:lnRef idx="1">
+            <a:schemeClr val="accent1"/>
+          </a:lnRef>
+          <a:fillRef idx="0">
+            <a:schemeClr val="accent1"/>
+          </a:fillRef>
+          <a:effectRef idx="0">
+            <a:schemeClr val="accent1"/>
+          </a:effectRef>
+          <a:fontRef idx="minor">
+            <a:schemeClr val="tx1"/>
+          </a:fontRef>
+        </p:style>
+      </p:cxnSp>
+      <p:sp>
+        <p:nvSpPr>
+          <p:cNvPr id="51" name="Oval 50">
+            <a:extLst>
+              <a:ext uri="{FF2B5EF4-FFF2-40B4-BE49-F238E27FC236}">
+                <a16:creationId xmlns:a16="http://schemas.microsoft.com/office/drawing/2014/main" id="{3CA1E4BD-11C6-9319-D727-35FA5010A443}"/>
+              </a:ext>
+            </a:extLst>
+          </p:cNvPr>
+          <p:cNvSpPr/>
+          <p:nvPr/>
+        </p:nvSpPr>
+        <p:spPr>
+          <a:xfrm flipH="1">
+            <a:off x="3995057" y="3933149"/>
+            <a:ext cx="65314" cy="45719"/>
+          </a:xfrm>
+          <a:prstGeom prst="ellipse">
+            <a:avLst/>
+          </a:prstGeom>
+        </p:spPr>
+        <p:style>
+          <a:lnRef idx="2">
+            <a:schemeClr val="accent1">
+              <a:shade val="15000"/>
+            </a:schemeClr>
+          </a:lnRef>
+          <a:fillRef idx="1">
+            <a:schemeClr val="accent1"/>
+          </a:fillRef>
+          <a:effectRef idx="0">
+            <a:schemeClr val="accent1"/>
+          </a:effectRef>
+          <a:fontRef idx="minor">
+            <a:schemeClr val="lt1"/>
+          </a:fontRef>
+        </p:style>
+        <p:txBody>
+          <a:bodyPr rtlCol="0" anchor="ctr"/>
+          <a:lstStyle/>
+          <a:p>
+            <a:pPr algn="ctr"/>
+            <a:endParaRPr lang="en-PL"/>
+          </a:p>
+        </p:txBody>
+      </p:sp>
+      <p:sp>
+        <p:nvSpPr>
+          <p:cNvPr id="58" name="Oval 57">
+            <a:extLst>
+              <a:ext uri="{FF2B5EF4-FFF2-40B4-BE49-F238E27FC236}">
+                <a16:creationId xmlns:a16="http://schemas.microsoft.com/office/drawing/2014/main" id="{85E18650-3DA8-CAB8-762A-6745A227B2EC}"/>
+              </a:ext>
+            </a:extLst>
+          </p:cNvPr>
+          <p:cNvSpPr/>
+          <p:nvPr/>
+        </p:nvSpPr>
+        <p:spPr>
+          <a:xfrm flipH="1">
+            <a:off x="4005943" y="4085549"/>
+            <a:ext cx="65314" cy="45719"/>
+          </a:xfrm>
+          <a:prstGeom prst="ellipse">
+            <a:avLst/>
+          </a:prstGeom>
+        </p:spPr>
+        <p:style>
+          <a:lnRef idx="2">
+            <a:schemeClr val="accent1">
+              <a:shade val="15000"/>
+            </a:schemeClr>
+          </a:lnRef>
+          <a:fillRef idx="1">
+            <a:schemeClr val="accent1"/>
+          </a:fillRef>
+          <a:effectRef idx="0">
+            <a:schemeClr val="accent1"/>
+          </a:effectRef>
+          <a:fontRef idx="minor">
+            <a:schemeClr val="lt1"/>
+          </a:fontRef>
+        </p:style>
+        <p:txBody>
+          <a:bodyPr rtlCol="0" anchor="ctr"/>
+          <a:lstStyle/>
+          <a:p>
+            <a:pPr algn="ctr"/>
+            <a:endParaRPr lang="en-PL"/>
+          </a:p>
+        </p:txBody>
+      </p:sp>
+      <p:sp>
+        <p:nvSpPr>
+          <p:cNvPr id="59" name="Oval 58">
+            <a:extLst>
+              <a:ext uri="{FF2B5EF4-FFF2-40B4-BE49-F238E27FC236}">
+                <a16:creationId xmlns:a16="http://schemas.microsoft.com/office/drawing/2014/main" id="{86CADD2B-FEFD-4BF7-1B49-C0584CBA33EE}"/>
+              </a:ext>
+            </a:extLst>
+          </p:cNvPr>
+          <p:cNvSpPr/>
+          <p:nvPr/>
+        </p:nvSpPr>
+        <p:spPr>
+          <a:xfrm flipH="1">
+            <a:off x="4005940" y="4227063"/>
+            <a:ext cx="65314" cy="45719"/>
+          </a:xfrm>
+          <a:prstGeom prst="ellipse">
+            <a:avLst/>
+          </a:prstGeom>
+        </p:spPr>
+        <p:style>
+          <a:lnRef idx="2">
+            <a:schemeClr val="accent1">
+              <a:shade val="15000"/>
+            </a:schemeClr>
+          </a:lnRef>
+          <a:fillRef idx="1">
+            <a:schemeClr val="accent1"/>
+          </a:fillRef>
+          <a:effectRef idx="0">
+            <a:schemeClr val="accent1"/>
+          </a:effectRef>
+          <a:fontRef idx="minor">
+            <a:schemeClr val="lt1"/>
+          </a:fontRef>
+        </p:style>
+        <p:txBody>
+          <a:bodyPr rtlCol="0" anchor="ctr"/>
+          <a:lstStyle/>
+          <a:p>
+            <a:pPr algn="ctr"/>
+            <a:endParaRPr lang="en-PL"/>
+          </a:p>
+        </p:txBody>
+      </p:sp>
+    </p:spTree>
+    <p:extLst>
+      <p:ext uri="{BB962C8B-B14F-4D97-AF65-F5344CB8AC3E}">
+        <p14:creationId xmlns:p14="http://schemas.microsoft.com/office/powerpoint/2010/main" val="2030071942"/>
+      </p:ext>
+    </p:extLst>
+  </p:cSld>
+  <p:clrMapOvr>
+    <a:masterClrMapping/>
+  </p:clrMapOvr>
+</p:sld>
+</file>
+
+<file path=ppt/slides/slide24.xml><?xml version="1.0" encoding="utf-8"?>
+<p:sld xmlns:a="http://schemas.openxmlformats.org/drawingml/2006/main" xmlns:r="http://schemas.openxmlformats.org/officeDocument/2006/relationships" xmlns:p="http://schemas.openxmlformats.org/presentationml/2006/main">
+  <p:cSld>
+    <p:spTree>
+      <p:nvGrpSpPr>
+        <p:cNvPr id="1" name=""/>
+        <p:cNvGrpSpPr/>
+        <p:nvPr/>
+      </p:nvGrpSpPr>
+      <p:grpSpPr>
+        <a:xfrm>
+          <a:off x="0" y="0"/>
+          <a:ext cx="0" cy="0"/>
+          <a:chOff x="0" y="0"/>
+          <a:chExt cx="0" cy="0"/>
+        </a:xfrm>
+      </p:grpSpPr>
+      <p:sp>
+        <p:nvSpPr>
+          <p:cNvPr id="2" name="Title 1">
+            <a:extLst>
+              <a:ext uri="{FF2B5EF4-FFF2-40B4-BE49-F238E27FC236}">
+                <a16:creationId xmlns:a16="http://schemas.microsoft.com/office/drawing/2014/main" id="{20B9C4FF-0228-23B0-11AB-BA682D4C92D5}"/>
+              </a:ext>
+            </a:extLst>
+          </p:cNvPr>
+          <p:cNvSpPr>
+            <a:spLocks noGrp="1"/>
+          </p:cNvSpPr>
+          <p:nvPr>
+            <p:ph type="title"/>
+          </p:nvPr>
+        </p:nvSpPr>
+        <p:spPr/>
+        <p:txBody>
+          <a:bodyPr/>
+          <a:lstStyle/>
+          <a:p>
+            <a:r>
+              <a:rPr lang="en-PL" dirty="0"/>
+              <a:t>FINAL PLAN</a:t>
+            </a:r>
+          </a:p>
+        </p:txBody>
+      </p:sp>
+      <p:sp>
+        <p:nvSpPr>
+          <p:cNvPr id="3" name="Content Placeholder 2">
+            <a:extLst>
+              <a:ext uri="{FF2B5EF4-FFF2-40B4-BE49-F238E27FC236}">
+                <a16:creationId xmlns:a16="http://schemas.microsoft.com/office/drawing/2014/main" id="{A4B171C4-F8B9-4EB3-B29D-B44C8C56C993}"/>
+              </a:ext>
+            </a:extLst>
+          </p:cNvPr>
+          <p:cNvSpPr>
+            <a:spLocks noGrp="1"/>
+          </p:cNvSpPr>
+          <p:nvPr>
+            <p:ph idx="1"/>
+          </p:nvPr>
+        </p:nvSpPr>
+        <p:spPr/>
+        <p:txBody>
+          <a:bodyPr/>
+          <a:lstStyle/>
+          <a:p>
+            <a:endParaRPr lang="en-PL"/>
+          </a:p>
+        </p:txBody>
+      </p:sp>
+    </p:spTree>
+    <p:extLst>
+      <p:ext uri="{BB962C8B-B14F-4D97-AF65-F5344CB8AC3E}">
+        <p14:creationId xmlns:p14="http://schemas.microsoft.com/office/powerpoint/2010/main" val="4065227102"/>
       </p:ext>
     </p:extLst>
   </p:cSld>
@@ -6991,7 +8899,7 @@
           <a:p>
             <a:r>
               <a:rPr lang="en-PL" dirty="0"/>
-              <a:t>4-annotations / early stopping  </a:t>
+              <a:t>4-annotations</a:t>
             </a:r>
           </a:p>
         </p:txBody>

--- a/Notes/Code_Description.pptx
+++ b/Notes/Code_Description.pptx
@@ -20,15 +20,20 @@
     <p:sldId id="269" r:id="rId14"/>
     <p:sldId id="274" r:id="rId15"/>
     <p:sldId id="280" r:id="rId16"/>
-    <p:sldId id="270" r:id="rId17"/>
-    <p:sldId id="272" r:id="rId18"/>
-    <p:sldId id="273" r:id="rId19"/>
-    <p:sldId id="271" r:id="rId20"/>
-    <p:sldId id="279" r:id="rId21"/>
-    <p:sldId id="276" r:id="rId22"/>
-    <p:sldId id="277" r:id="rId23"/>
-    <p:sldId id="275" r:id="rId24"/>
-    <p:sldId id="278" r:id="rId25"/>
+    <p:sldId id="281" r:id="rId17"/>
+    <p:sldId id="282" r:id="rId18"/>
+    <p:sldId id="283" r:id="rId19"/>
+    <p:sldId id="284" r:id="rId20"/>
+    <p:sldId id="285" r:id="rId21"/>
+    <p:sldId id="270" r:id="rId22"/>
+    <p:sldId id="272" r:id="rId23"/>
+    <p:sldId id="273" r:id="rId24"/>
+    <p:sldId id="271" r:id="rId25"/>
+    <p:sldId id="279" r:id="rId26"/>
+    <p:sldId id="276" r:id="rId27"/>
+    <p:sldId id="277" r:id="rId28"/>
+    <p:sldId id="275" r:id="rId29"/>
+    <p:sldId id="278" r:id="rId30"/>
   </p:sldIdLst>
   <p:sldSz cx="12192000" cy="6858000"/>
   <p:notesSz cx="6858000" cy="9144000"/>
@@ -284,7 +289,7 @@
           <a:p>
             <a:fld id="{4D45599C-0F8D-9340-AE26-E07A73F6A26F}" type="datetimeFigureOut">
               <a:rPr lang="en-PL" smtClean="0"/>
-              <a:t>04/03/2024</a:t>
+              <a:t>10/03/2024</a:t>
             </a:fld>
             <a:endParaRPr lang="en-PL"/>
           </a:p>
@@ -484,7 +489,7 @@
           <a:p>
             <a:fld id="{4D45599C-0F8D-9340-AE26-E07A73F6A26F}" type="datetimeFigureOut">
               <a:rPr lang="en-PL" smtClean="0"/>
-              <a:t>04/03/2024</a:t>
+              <a:t>10/03/2024</a:t>
             </a:fld>
             <a:endParaRPr lang="en-PL"/>
           </a:p>
@@ -694,7 +699,7 @@
           <a:p>
             <a:fld id="{4D45599C-0F8D-9340-AE26-E07A73F6A26F}" type="datetimeFigureOut">
               <a:rPr lang="en-PL" smtClean="0"/>
-              <a:t>04/03/2024</a:t>
+              <a:t>10/03/2024</a:t>
             </a:fld>
             <a:endParaRPr lang="en-PL"/>
           </a:p>
@@ -894,7 +899,7 @@
           <a:p>
             <a:fld id="{4D45599C-0F8D-9340-AE26-E07A73F6A26F}" type="datetimeFigureOut">
               <a:rPr lang="en-PL" smtClean="0"/>
-              <a:t>04/03/2024</a:t>
+              <a:t>10/03/2024</a:t>
             </a:fld>
             <a:endParaRPr lang="en-PL"/>
           </a:p>
@@ -1170,7 +1175,7 @@
           <a:p>
             <a:fld id="{4D45599C-0F8D-9340-AE26-E07A73F6A26F}" type="datetimeFigureOut">
               <a:rPr lang="en-PL" smtClean="0"/>
-              <a:t>04/03/2024</a:t>
+              <a:t>10/03/2024</a:t>
             </a:fld>
             <a:endParaRPr lang="en-PL"/>
           </a:p>
@@ -1438,7 +1443,7 @@
           <a:p>
             <a:fld id="{4D45599C-0F8D-9340-AE26-E07A73F6A26F}" type="datetimeFigureOut">
               <a:rPr lang="en-PL" smtClean="0"/>
-              <a:t>04/03/2024</a:t>
+              <a:t>10/03/2024</a:t>
             </a:fld>
             <a:endParaRPr lang="en-PL"/>
           </a:p>
@@ -1853,7 +1858,7 @@
           <a:p>
             <a:fld id="{4D45599C-0F8D-9340-AE26-E07A73F6A26F}" type="datetimeFigureOut">
               <a:rPr lang="en-PL" smtClean="0"/>
-              <a:t>04/03/2024</a:t>
+              <a:t>10/03/2024</a:t>
             </a:fld>
             <a:endParaRPr lang="en-PL"/>
           </a:p>
@@ -1995,7 +2000,7 @@
           <a:p>
             <a:fld id="{4D45599C-0F8D-9340-AE26-E07A73F6A26F}" type="datetimeFigureOut">
               <a:rPr lang="en-PL" smtClean="0"/>
-              <a:t>04/03/2024</a:t>
+              <a:t>10/03/2024</a:t>
             </a:fld>
             <a:endParaRPr lang="en-PL"/>
           </a:p>
@@ -2108,7 +2113,7 @@
           <a:p>
             <a:fld id="{4D45599C-0F8D-9340-AE26-E07A73F6A26F}" type="datetimeFigureOut">
               <a:rPr lang="en-PL" smtClean="0"/>
-              <a:t>04/03/2024</a:t>
+              <a:t>10/03/2024</a:t>
             </a:fld>
             <a:endParaRPr lang="en-PL"/>
           </a:p>
@@ -2421,7 +2426,7 @@
           <a:p>
             <a:fld id="{4D45599C-0F8D-9340-AE26-E07A73F6A26F}" type="datetimeFigureOut">
               <a:rPr lang="en-PL" smtClean="0"/>
-              <a:t>04/03/2024</a:t>
+              <a:t>10/03/2024</a:t>
             </a:fld>
             <a:endParaRPr lang="en-PL"/>
           </a:p>
@@ -2710,7 +2715,7 @@
           <a:p>
             <a:fld id="{4D45599C-0F8D-9340-AE26-E07A73F6A26F}" type="datetimeFigureOut">
               <a:rPr lang="en-PL" smtClean="0"/>
-              <a:t>04/03/2024</a:t>
+              <a:t>10/03/2024</a:t>
             </a:fld>
             <a:endParaRPr lang="en-PL"/>
           </a:p>
@@ -2953,7 +2958,7 @@
           <a:p>
             <a:fld id="{4D45599C-0F8D-9340-AE26-E07A73F6A26F}" type="datetimeFigureOut">
               <a:rPr lang="en-PL" smtClean="0"/>
-              <a:t>04/03/2024</a:t>
+              <a:t>10/03/2024</a:t>
             </a:fld>
             <a:endParaRPr lang="en-PL"/>
           </a:p>
@@ -4311,6 +4316,597 @@
           <a:chExt cx="0" cy="0"/>
         </a:xfrm>
       </p:grpSpPr>
+      <p:sp>
+        <p:nvSpPr>
+          <p:cNvPr id="2" name="Title 1">
+            <a:extLst>
+              <a:ext uri="{FF2B5EF4-FFF2-40B4-BE49-F238E27FC236}">
+                <a16:creationId xmlns:a16="http://schemas.microsoft.com/office/drawing/2014/main" id="{9E7F0C84-BCD0-EC39-3C67-4A7E7B0AD698}"/>
+              </a:ext>
+            </a:extLst>
+          </p:cNvPr>
+          <p:cNvSpPr>
+            <a:spLocks noGrp="1"/>
+          </p:cNvSpPr>
+          <p:nvPr>
+            <p:ph type="title"/>
+          </p:nvPr>
+        </p:nvSpPr>
+        <p:spPr>
+          <a:xfrm>
+            <a:off x="838200" y="365125"/>
+            <a:ext cx="10515600" cy="549275"/>
+          </a:xfrm>
+        </p:spPr>
+        <p:txBody>
+          <a:bodyPr>
+            <a:normAutofit fontScale="90000"/>
+          </a:bodyPr>
+          <a:lstStyle/>
+          <a:p>
+            <a:pPr algn="ctr"/>
+            <a:r>
+              <a:rPr lang="en-PL" sz="3200" dirty="0"/>
+              <a:t>More features &amp; edge weights + 2 annotations + augmented data</a:t>
+            </a:r>
+          </a:p>
+        </p:txBody>
+      </p:sp>
+      <p:pic>
+        <p:nvPicPr>
+          <p:cNvPr id="4" name="Content Placeholder 3">
+            <a:extLst>
+              <a:ext uri="{FF2B5EF4-FFF2-40B4-BE49-F238E27FC236}">
+                <a16:creationId xmlns:a16="http://schemas.microsoft.com/office/drawing/2014/main" id="{ECE3DC3F-7AC2-4E4B-A910-A10EB031EF31}"/>
+              </a:ext>
+            </a:extLst>
+          </p:cNvPr>
+          <p:cNvPicPr>
+            <a:picLocks noGrp="1" noChangeAspect="1"/>
+          </p:cNvPicPr>
+          <p:nvPr>
+            <p:ph idx="1"/>
+          </p:nvPr>
+        </p:nvPicPr>
+        <p:blipFill>
+          <a:blip r:embed="rId2"/>
+          <a:stretch>
+            <a:fillRect/>
+          </a:stretch>
+        </p:blipFill>
+        <p:spPr>
+          <a:xfrm>
+            <a:off x="693033" y="1133657"/>
+            <a:ext cx="10805933" cy="5359218"/>
+          </a:xfrm>
+          <a:prstGeom prst="rect">
+            <a:avLst/>
+          </a:prstGeom>
+        </p:spPr>
+      </p:pic>
+    </p:spTree>
+    <p:extLst>
+      <p:ext uri="{BB962C8B-B14F-4D97-AF65-F5344CB8AC3E}">
+        <p14:creationId xmlns:p14="http://schemas.microsoft.com/office/powerpoint/2010/main" val="3403132611"/>
+      </p:ext>
+    </p:extLst>
+  </p:cSld>
+  <p:clrMapOvr>
+    <a:masterClrMapping/>
+  </p:clrMapOvr>
+</p:sld>
+</file>
+
+<file path=ppt/slides/slide17.xml><?xml version="1.0" encoding="utf-8"?>
+<p:sld xmlns:a="http://schemas.openxmlformats.org/drawingml/2006/main" xmlns:r="http://schemas.openxmlformats.org/officeDocument/2006/relationships" xmlns:p="http://schemas.openxmlformats.org/presentationml/2006/main">
+  <p:cSld>
+    <p:spTree>
+      <p:nvGrpSpPr>
+        <p:cNvPr id="1" name=""/>
+        <p:cNvGrpSpPr/>
+        <p:nvPr/>
+      </p:nvGrpSpPr>
+      <p:grpSpPr>
+        <a:xfrm>
+          <a:off x="0" y="0"/>
+          <a:ext cx="0" cy="0"/>
+          <a:chOff x="0" y="0"/>
+          <a:chExt cx="0" cy="0"/>
+        </a:xfrm>
+      </p:grpSpPr>
+      <p:pic>
+        <p:nvPicPr>
+          <p:cNvPr id="4" name="Picture 3">
+            <a:extLst>
+              <a:ext uri="{FF2B5EF4-FFF2-40B4-BE49-F238E27FC236}">
+                <a16:creationId xmlns:a16="http://schemas.microsoft.com/office/drawing/2014/main" id="{E0C9B5B1-E0F9-D176-1D4F-5020CD184460}"/>
+              </a:ext>
+            </a:extLst>
+          </p:cNvPr>
+          <p:cNvPicPr>
+            <a:picLocks noChangeAspect="1"/>
+          </p:cNvPicPr>
+          <p:nvPr/>
+        </p:nvPicPr>
+        <p:blipFill>
+          <a:blip r:embed="rId2"/>
+          <a:stretch>
+            <a:fillRect/>
+          </a:stretch>
+        </p:blipFill>
+        <p:spPr>
+          <a:xfrm>
+            <a:off x="6678030" y="-1"/>
+            <a:ext cx="5513970" cy="6858000"/>
+          </a:xfrm>
+          <a:prstGeom prst="rect">
+            <a:avLst/>
+          </a:prstGeom>
+        </p:spPr>
+      </p:pic>
+      <p:sp>
+        <p:nvSpPr>
+          <p:cNvPr id="5" name="Title 1">
+            <a:extLst>
+              <a:ext uri="{FF2B5EF4-FFF2-40B4-BE49-F238E27FC236}">
+                <a16:creationId xmlns:a16="http://schemas.microsoft.com/office/drawing/2014/main" id="{D8B51723-FD6E-F4BB-DA69-2685E6F08145}"/>
+              </a:ext>
+            </a:extLst>
+          </p:cNvPr>
+          <p:cNvSpPr>
+            <a:spLocks noGrp="1"/>
+          </p:cNvSpPr>
+          <p:nvPr>
+            <p:ph type="title"/>
+          </p:nvPr>
+        </p:nvSpPr>
+        <p:spPr>
+          <a:xfrm>
+            <a:off x="1181100" y="3154362"/>
+            <a:ext cx="3825240" cy="549275"/>
+          </a:xfrm>
+        </p:spPr>
+        <p:txBody>
+          <a:bodyPr>
+            <a:normAutofit fontScale="90000"/>
+          </a:bodyPr>
+          <a:lstStyle/>
+          <a:p>
+            <a:pPr algn="ctr"/>
+            <a:r>
+              <a:rPr lang="en-PL" sz="3200" dirty="0"/>
+              <a:t>More features &amp; edge weights + 2 annotations + augmented data</a:t>
+            </a:r>
+          </a:p>
+        </p:txBody>
+      </p:sp>
+    </p:spTree>
+    <p:extLst>
+      <p:ext uri="{BB962C8B-B14F-4D97-AF65-F5344CB8AC3E}">
+        <p14:creationId xmlns:p14="http://schemas.microsoft.com/office/powerpoint/2010/main" val="2546663398"/>
+      </p:ext>
+    </p:extLst>
+  </p:cSld>
+  <p:clrMapOvr>
+    <a:masterClrMapping/>
+  </p:clrMapOvr>
+</p:sld>
+</file>
+
+<file path=ppt/slides/slide18.xml><?xml version="1.0" encoding="utf-8"?>
+<p:sld xmlns:a="http://schemas.openxmlformats.org/drawingml/2006/main" xmlns:r="http://schemas.openxmlformats.org/officeDocument/2006/relationships" xmlns:p="http://schemas.openxmlformats.org/presentationml/2006/main">
+  <p:cSld>
+    <p:spTree>
+      <p:nvGrpSpPr>
+        <p:cNvPr id="1" name=""/>
+        <p:cNvGrpSpPr/>
+        <p:nvPr/>
+      </p:nvGrpSpPr>
+      <p:grpSpPr>
+        <a:xfrm>
+          <a:off x="0" y="0"/>
+          <a:ext cx="0" cy="0"/>
+          <a:chOff x="0" y="0"/>
+          <a:chExt cx="0" cy="0"/>
+        </a:xfrm>
+      </p:grpSpPr>
+      <p:sp>
+        <p:nvSpPr>
+          <p:cNvPr id="2" name="Title 1">
+            <a:extLst>
+              <a:ext uri="{FF2B5EF4-FFF2-40B4-BE49-F238E27FC236}">
+                <a16:creationId xmlns:a16="http://schemas.microsoft.com/office/drawing/2014/main" id="{231E5175-7A1E-AD99-06AA-D0715DBC3106}"/>
+              </a:ext>
+            </a:extLst>
+          </p:cNvPr>
+          <p:cNvSpPr>
+            <a:spLocks noGrp="1"/>
+          </p:cNvSpPr>
+          <p:nvPr>
+            <p:ph type="title"/>
+          </p:nvPr>
+        </p:nvSpPr>
+        <p:spPr>
+          <a:xfrm>
+            <a:off x="838200" y="2130287"/>
+            <a:ext cx="4807760" cy="2597426"/>
+          </a:xfrm>
+        </p:spPr>
+        <p:txBody>
+          <a:bodyPr/>
+          <a:lstStyle/>
+          <a:p>
+            <a:pPr algn="ctr"/>
+            <a:r>
+              <a:rPr lang="en-PL" dirty="0"/>
+              <a:t>Rare actions more probable to choose hile training</a:t>
+            </a:r>
+          </a:p>
+        </p:txBody>
+      </p:sp>
+      <p:pic>
+        <p:nvPicPr>
+          <p:cNvPr id="4" name="Picture 3">
+            <a:extLst>
+              <a:ext uri="{FF2B5EF4-FFF2-40B4-BE49-F238E27FC236}">
+                <a16:creationId xmlns:a16="http://schemas.microsoft.com/office/drawing/2014/main" id="{7AC6688F-67F0-E6DC-99B0-A22A27B56729}"/>
+              </a:ext>
+            </a:extLst>
+          </p:cNvPr>
+          <p:cNvPicPr>
+            <a:picLocks noChangeAspect="1"/>
+          </p:cNvPicPr>
+          <p:nvPr/>
+        </p:nvPicPr>
+        <p:blipFill>
+          <a:blip r:embed="rId2"/>
+          <a:stretch>
+            <a:fillRect/>
+          </a:stretch>
+        </p:blipFill>
+        <p:spPr>
+          <a:xfrm>
+            <a:off x="6546041" y="0"/>
+            <a:ext cx="5513970" cy="6858000"/>
+          </a:xfrm>
+          <a:prstGeom prst="rect">
+            <a:avLst/>
+          </a:prstGeom>
+        </p:spPr>
+      </p:pic>
+    </p:spTree>
+    <p:extLst>
+      <p:ext uri="{BB962C8B-B14F-4D97-AF65-F5344CB8AC3E}">
+        <p14:creationId xmlns:p14="http://schemas.microsoft.com/office/powerpoint/2010/main" val="1366263102"/>
+      </p:ext>
+    </p:extLst>
+  </p:cSld>
+  <p:clrMapOvr>
+    <a:masterClrMapping/>
+  </p:clrMapOvr>
+</p:sld>
+</file>
+
+<file path=ppt/slides/slide19.xml><?xml version="1.0" encoding="utf-8"?>
+<p:sld xmlns:a="http://schemas.openxmlformats.org/drawingml/2006/main" xmlns:r="http://schemas.openxmlformats.org/officeDocument/2006/relationships" xmlns:p="http://schemas.openxmlformats.org/presentationml/2006/main">
+  <p:cSld>
+    <p:spTree>
+      <p:nvGrpSpPr>
+        <p:cNvPr id="1" name=""/>
+        <p:cNvGrpSpPr/>
+        <p:nvPr/>
+      </p:nvGrpSpPr>
+      <p:grpSpPr>
+        <a:xfrm>
+          <a:off x="0" y="0"/>
+          <a:ext cx="0" cy="0"/>
+          <a:chOff x="0" y="0"/>
+          <a:chExt cx="0" cy="0"/>
+        </a:xfrm>
+      </p:grpSpPr>
+      <p:pic>
+        <p:nvPicPr>
+          <p:cNvPr id="4" name="Picture 3">
+            <a:extLst>
+              <a:ext uri="{FF2B5EF4-FFF2-40B4-BE49-F238E27FC236}">
+                <a16:creationId xmlns:a16="http://schemas.microsoft.com/office/drawing/2014/main" id="{1945440E-EBA0-5238-BA98-6242CDCBBCEE}"/>
+              </a:ext>
+            </a:extLst>
+          </p:cNvPr>
+          <p:cNvPicPr>
+            <a:picLocks noChangeAspect="1"/>
+          </p:cNvPicPr>
+          <p:nvPr/>
+        </p:nvPicPr>
+        <p:blipFill>
+          <a:blip r:embed="rId2"/>
+          <a:stretch>
+            <a:fillRect/>
+          </a:stretch>
+        </p:blipFill>
+        <p:spPr>
+          <a:xfrm>
+            <a:off x="66261" y="0"/>
+            <a:ext cx="5513970" cy="6858000"/>
+          </a:xfrm>
+          <a:prstGeom prst="rect">
+            <a:avLst/>
+          </a:prstGeom>
+        </p:spPr>
+      </p:pic>
+      <p:pic>
+        <p:nvPicPr>
+          <p:cNvPr id="8" name="Picture 7">
+            <a:extLst>
+              <a:ext uri="{FF2B5EF4-FFF2-40B4-BE49-F238E27FC236}">
+                <a16:creationId xmlns:a16="http://schemas.microsoft.com/office/drawing/2014/main" id="{238C9C23-8762-46A0-CD9A-E8675DB92D39}"/>
+              </a:ext>
+            </a:extLst>
+          </p:cNvPr>
+          <p:cNvPicPr>
+            <a:picLocks noChangeAspect="1"/>
+          </p:cNvPicPr>
+          <p:nvPr/>
+        </p:nvPicPr>
+        <p:blipFill>
+          <a:blip r:embed="rId3"/>
+          <a:stretch>
+            <a:fillRect/>
+          </a:stretch>
+        </p:blipFill>
+        <p:spPr>
+          <a:xfrm>
+            <a:off x="6546041" y="0"/>
+            <a:ext cx="5513970" cy="6858000"/>
+          </a:xfrm>
+          <a:prstGeom prst="rect">
+            <a:avLst/>
+          </a:prstGeom>
+        </p:spPr>
+      </p:pic>
+    </p:spTree>
+    <p:extLst>
+      <p:ext uri="{BB962C8B-B14F-4D97-AF65-F5344CB8AC3E}">
+        <p14:creationId xmlns:p14="http://schemas.microsoft.com/office/powerpoint/2010/main" val="3898067731"/>
+      </p:ext>
+    </p:extLst>
+  </p:cSld>
+  <p:clrMapOvr>
+    <a:masterClrMapping/>
+  </p:clrMapOvr>
+</p:sld>
+</file>
+
+<file path=ppt/slides/slide2.xml><?xml version="1.0" encoding="utf-8"?>
+<p:sld xmlns:a="http://schemas.openxmlformats.org/drawingml/2006/main" xmlns:r="http://schemas.openxmlformats.org/officeDocument/2006/relationships" xmlns:p="http://schemas.openxmlformats.org/presentationml/2006/main">
+  <p:cSld>
+    <p:spTree>
+      <p:nvGrpSpPr>
+        <p:cNvPr id="1" name=""/>
+        <p:cNvGrpSpPr/>
+        <p:nvPr/>
+      </p:nvGrpSpPr>
+      <p:grpSpPr>
+        <a:xfrm>
+          <a:off x="0" y="0"/>
+          <a:ext cx="0" cy="0"/>
+          <a:chOff x="0" y="0"/>
+          <a:chExt cx="0" cy="0"/>
+        </a:xfrm>
+      </p:grpSpPr>
+      <p:sp>
+        <p:nvSpPr>
+          <p:cNvPr id="2" name="Title 1">
+            <a:extLst>
+              <a:ext uri="{FF2B5EF4-FFF2-40B4-BE49-F238E27FC236}">
+                <a16:creationId xmlns:a16="http://schemas.microsoft.com/office/drawing/2014/main" id="{1E009B0A-5A09-EA34-A00A-D1BC4C97B436}"/>
+              </a:ext>
+            </a:extLst>
+          </p:cNvPr>
+          <p:cNvSpPr>
+            <a:spLocks noGrp="1"/>
+          </p:cNvSpPr>
+          <p:nvPr>
+            <p:ph type="title"/>
+          </p:nvPr>
+        </p:nvSpPr>
+        <p:spPr/>
+        <p:txBody>
+          <a:bodyPr/>
+          <a:lstStyle/>
+          <a:p>
+            <a:r>
+              <a:rPr lang="en-PL" dirty="0"/>
+              <a:t>Data Preprocessing</a:t>
+            </a:r>
+          </a:p>
+        </p:txBody>
+      </p:sp>
+      <p:sp>
+        <p:nvSpPr>
+          <p:cNvPr id="3" name="Content Placeholder 2">
+            <a:extLst>
+              <a:ext uri="{FF2B5EF4-FFF2-40B4-BE49-F238E27FC236}">
+                <a16:creationId xmlns:a16="http://schemas.microsoft.com/office/drawing/2014/main" id="{10CE5358-B2BA-42CE-B0B6-3546DFCBB72D}"/>
+              </a:ext>
+            </a:extLst>
+          </p:cNvPr>
+          <p:cNvSpPr>
+            <a:spLocks noGrp="1"/>
+          </p:cNvSpPr>
+          <p:nvPr>
+            <p:ph idx="1"/>
+          </p:nvPr>
+        </p:nvSpPr>
+        <p:spPr>
+          <a:xfrm>
+            <a:off x="838200" y="1349115"/>
+            <a:ext cx="10515600" cy="4827848"/>
+          </a:xfrm>
+        </p:spPr>
+        <p:txBody>
+          <a:bodyPr>
+            <a:normAutofit fontScale="92500" lnSpcReduction="10000"/>
+          </a:bodyPr>
+          <a:lstStyle/>
+          <a:p>
+            <a:r>
+              <a:rPr lang="en-PL" dirty="0"/>
+              <a:t>For each game loads predicted features, </a:t>
+            </a:r>
+          </a:p>
+          <a:p>
+            <a:r>
+              <a:rPr lang="en-PL" dirty="0"/>
+              <a:t>For each game labels and store in the matrix (frames x classes), there are 17 classes. Then they are shifted (for their loss function)</a:t>
+            </a:r>
+          </a:p>
+          <a:p>
+            <a:r>
+              <a:rPr lang="en-PL" dirty="0"/>
+              <a:t>For each game load bboxes and calibrations are loaded. Then for each frame they are used to project players localizations. The edges are defined between players who are not further to each other than the threshold value. The player features are colors, bbox area, center of the bbox and projected centre. The Dataset class from torch_geometric was used to store features and edges.</a:t>
+            </a:r>
+          </a:p>
+          <a:p>
+            <a:r>
+              <a:rPr lang="en-PL" dirty="0"/>
+              <a:t>__getitem__: selects random events and gets corresponding clip features, clip labels,  and players representation from the graph.</a:t>
+            </a:r>
+          </a:p>
+          <a:p>
+            <a:r>
+              <a:rPr lang="en-PL" dirty="0"/>
+              <a:t>Possible improvement include more node features.</a:t>
+            </a:r>
+          </a:p>
+          <a:p>
+            <a:endParaRPr lang="en-PL" dirty="0"/>
+          </a:p>
+        </p:txBody>
+      </p:sp>
+    </p:spTree>
+    <p:extLst>
+      <p:ext uri="{BB962C8B-B14F-4D97-AF65-F5344CB8AC3E}">
+        <p14:creationId xmlns:p14="http://schemas.microsoft.com/office/powerpoint/2010/main" val="523046956"/>
+      </p:ext>
+    </p:extLst>
+  </p:cSld>
+  <p:clrMapOvr>
+    <a:masterClrMapping/>
+  </p:clrMapOvr>
+</p:sld>
+</file>
+
+<file path=ppt/slides/slide20.xml><?xml version="1.0" encoding="utf-8"?>
+<p:sld xmlns:a="http://schemas.openxmlformats.org/drawingml/2006/main" xmlns:r="http://schemas.openxmlformats.org/officeDocument/2006/relationships" xmlns:p="http://schemas.openxmlformats.org/presentationml/2006/main">
+  <p:cSld>
+    <p:spTree>
+      <p:nvGrpSpPr>
+        <p:cNvPr id="1" name=""/>
+        <p:cNvGrpSpPr/>
+        <p:nvPr/>
+      </p:nvGrpSpPr>
+      <p:grpSpPr>
+        <a:xfrm>
+          <a:off x="0" y="0"/>
+          <a:ext cx="0" cy="0"/>
+          <a:chOff x="0" y="0"/>
+          <a:chExt cx="0" cy="0"/>
+        </a:xfrm>
+      </p:grpSpPr>
+      <p:sp>
+        <p:nvSpPr>
+          <p:cNvPr id="2" name="Title 1">
+            <a:extLst>
+              <a:ext uri="{FF2B5EF4-FFF2-40B4-BE49-F238E27FC236}">
+                <a16:creationId xmlns:a16="http://schemas.microsoft.com/office/drawing/2014/main" id="{9B1EFC1D-E621-4380-25D1-396EDFDB95E7}"/>
+              </a:ext>
+            </a:extLst>
+          </p:cNvPr>
+          <p:cNvSpPr>
+            <a:spLocks noGrp="1"/>
+          </p:cNvSpPr>
+          <p:nvPr>
+            <p:ph type="title"/>
+          </p:nvPr>
+        </p:nvSpPr>
+        <p:spPr>
+          <a:xfrm>
+            <a:off x="890452" y="2766218"/>
+            <a:ext cx="4008120" cy="1325563"/>
+          </a:xfrm>
+        </p:spPr>
+        <p:txBody>
+          <a:bodyPr/>
+          <a:lstStyle/>
+          <a:p>
+            <a:r>
+              <a:rPr lang="en-PL" dirty="0"/>
+              <a:t>Fine Tunning</a:t>
+            </a:r>
+          </a:p>
+        </p:txBody>
+      </p:sp>
+      <p:pic>
+        <p:nvPicPr>
+          <p:cNvPr id="4" name="Picture 3">
+            <a:extLst>
+              <a:ext uri="{FF2B5EF4-FFF2-40B4-BE49-F238E27FC236}">
+                <a16:creationId xmlns:a16="http://schemas.microsoft.com/office/drawing/2014/main" id="{3F4107B5-6C04-2833-6934-928BD56CD18B}"/>
+              </a:ext>
+            </a:extLst>
+          </p:cNvPr>
+          <p:cNvPicPr>
+            <a:picLocks noChangeAspect="1"/>
+          </p:cNvPicPr>
+          <p:nvPr/>
+        </p:nvPicPr>
+        <p:blipFill>
+          <a:blip r:embed="rId2"/>
+          <a:stretch>
+            <a:fillRect/>
+          </a:stretch>
+        </p:blipFill>
+        <p:spPr>
+          <a:xfrm>
+            <a:off x="5359621" y="0"/>
+            <a:ext cx="6832379" cy="6858000"/>
+          </a:xfrm>
+          <a:prstGeom prst="rect">
+            <a:avLst/>
+          </a:prstGeom>
+        </p:spPr>
+      </p:pic>
+    </p:spTree>
+    <p:extLst>
+      <p:ext uri="{BB962C8B-B14F-4D97-AF65-F5344CB8AC3E}">
+        <p14:creationId xmlns:p14="http://schemas.microsoft.com/office/powerpoint/2010/main" val="3566648914"/>
+      </p:ext>
+    </p:extLst>
+  </p:cSld>
+  <p:clrMapOvr>
+    <a:masterClrMapping/>
+  </p:clrMapOvr>
+</p:sld>
+</file>
+
+<file path=ppt/slides/slide21.xml><?xml version="1.0" encoding="utf-8"?>
+<p:sld xmlns:a="http://schemas.openxmlformats.org/drawingml/2006/main" xmlns:r="http://schemas.openxmlformats.org/officeDocument/2006/relationships" xmlns:p="http://schemas.openxmlformats.org/presentationml/2006/main">
+  <p:cSld>
+    <p:spTree>
+      <p:nvGrpSpPr>
+        <p:cNvPr id="1" name=""/>
+        <p:cNvGrpSpPr/>
+        <p:nvPr/>
+      </p:nvGrpSpPr>
+      <p:grpSpPr>
+        <a:xfrm>
+          <a:off x="0" y="0"/>
+          <a:ext cx="0" cy="0"/>
+          <a:chOff x="0" y="0"/>
+          <a:chExt cx="0" cy="0"/>
+        </a:xfrm>
+      </p:grpSpPr>
       <p:pic>
         <p:nvPicPr>
           <p:cNvPr id="5" name="Picture 4">
@@ -4534,1622 +5130,6 @@
 </p:sld>
 </file>
 
-<file path=ppt/slides/slide17.xml><?xml version="1.0" encoding="utf-8"?>
-<p:sld xmlns:a="http://schemas.openxmlformats.org/drawingml/2006/main" xmlns:r="http://schemas.openxmlformats.org/officeDocument/2006/relationships" xmlns:p="http://schemas.openxmlformats.org/presentationml/2006/main">
-  <p:cSld>
-    <p:spTree>
-      <p:nvGrpSpPr>
-        <p:cNvPr id="1" name=""/>
-        <p:cNvGrpSpPr/>
-        <p:nvPr/>
-      </p:nvGrpSpPr>
-      <p:grpSpPr>
-        <a:xfrm>
-          <a:off x="0" y="0"/>
-          <a:ext cx="0" cy="0"/>
-          <a:chOff x="0" y="0"/>
-          <a:chExt cx="0" cy="0"/>
-        </a:xfrm>
-      </p:grpSpPr>
-      <p:sp>
-        <p:nvSpPr>
-          <p:cNvPr id="2" name="Title 1">
-            <a:extLst>
-              <a:ext uri="{FF2B5EF4-FFF2-40B4-BE49-F238E27FC236}">
-                <a16:creationId xmlns:a16="http://schemas.microsoft.com/office/drawing/2014/main" id="{CBF9555E-3218-6845-0DE2-329EB6E881FE}"/>
-              </a:ext>
-            </a:extLst>
-          </p:cNvPr>
-          <p:cNvSpPr>
-            <a:spLocks noGrp="1"/>
-          </p:cNvSpPr>
-          <p:nvPr>
-            <p:ph type="title"/>
-          </p:nvPr>
-        </p:nvSpPr>
-        <p:spPr/>
-        <p:txBody>
-          <a:bodyPr/>
-          <a:lstStyle/>
-          <a:p>
-            <a:r>
-              <a:rPr lang="en-PL" dirty="0"/>
-              <a:t>Event distribution in the game</a:t>
-            </a:r>
-          </a:p>
-        </p:txBody>
-      </p:sp>
-      <p:pic>
-        <p:nvPicPr>
-          <p:cNvPr id="4" name="Content Placeholder 3">
-            <a:extLst>
-              <a:ext uri="{FF2B5EF4-FFF2-40B4-BE49-F238E27FC236}">
-                <a16:creationId xmlns:a16="http://schemas.microsoft.com/office/drawing/2014/main" id="{6AA54701-87CF-2438-7B5C-890FC63ECDC7}"/>
-              </a:ext>
-            </a:extLst>
-          </p:cNvPr>
-          <p:cNvPicPr>
-            <a:picLocks noGrp="1" noChangeAspect="1"/>
-          </p:cNvPicPr>
-          <p:nvPr>
-            <p:ph idx="1"/>
-          </p:nvPr>
-        </p:nvPicPr>
-        <p:blipFill>
-          <a:blip r:embed="rId2"/>
-          <a:stretch>
-            <a:fillRect/>
-          </a:stretch>
-        </p:blipFill>
-        <p:spPr>
-          <a:xfrm>
-            <a:off x="1000442" y="1825625"/>
-            <a:ext cx="10191115" cy="4351338"/>
-          </a:xfrm>
-          <a:prstGeom prst="rect">
-            <a:avLst/>
-          </a:prstGeom>
-        </p:spPr>
-      </p:pic>
-    </p:spTree>
-    <p:extLst>
-      <p:ext uri="{BB962C8B-B14F-4D97-AF65-F5344CB8AC3E}">
-        <p14:creationId xmlns:p14="http://schemas.microsoft.com/office/powerpoint/2010/main" val="3781031469"/>
-      </p:ext>
-    </p:extLst>
-  </p:cSld>
-  <p:clrMapOvr>
-    <a:masterClrMapping/>
-  </p:clrMapOvr>
-</p:sld>
-</file>
-
-<file path=ppt/slides/slide18.xml><?xml version="1.0" encoding="utf-8"?>
-<p:sld xmlns:a="http://schemas.openxmlformats.org/drawingml/2006/main" xmlns:r="http://schemas.openxmlformats.org/officeDocument/2006/relationships" xmlns:p="http://schemas.openxmlformats.org/presentationml/2006/main">
-  <p:cSld>
-    <p:spTree>
-      <p:nvGrpSpPr>
-        <p:cNvPr id="1" name=""/>
-        <p:cNvGrpSpPr/>
-        <p:nvPr/>
-      </p:nvGrpSpPr>
-      <p:grpSpPr>
-        <a:xfrm>
-          <a:off x="0" y="0"/>
-          <a:ext cx="0" cy="0"/>
-          <a:chOff x="0" y="0"/>
-          <a:chExt cx="0" cy="0"/>
-        </a:xfrm>
-      </p:grpSpPr>
-      <p:sp>
-        <p:nvSpPr>
-          <p:cNvPr id="2" name="Title 1">
-            <a:extLst>
-              <a:ext uri="{FF2B5EF4-FFF2-40B4-BE49-F238E27FC236}">
-                <a16:creationId xmlns:a16="http://schemas.microsoft.com/office/drawing/2014/main" id="{96F8BE19-88B2-5FEA-0D5B-E510D85C586A}"/>
-              </a:ext>
-            </a:extLst>
-          </p:cNvPr>
-          <p:cNvSpPr>
-            <a:spLocks noGrp="1"/>
-          </p:cNvSpPr>
-          <p:nvPr>
-            <p:ph type="title"/>
-          </p:nvPr>
-        </p:nvSpPr>
-        <p:spPr>
-          <a:xfrm>
-            <a:off x="568764" y="2596697"/>
-            <a:ext cx="5102693" cy="1325563"/>
-          </a:xfrm>
-        </p:spPr>
-        <p:txBody>
-          <a:bodyPr/>
-          <a:lstStyle/>
-          <a:p>
-            <a:r>
-              <a:rPr lang="en-PL" dirty="0"/>
-              <a:t>Correlation of the</a:t>
-            </a:r>
-            <a:br>
-              <a:rPr lang="en-PL" dirty="0"/>
-            </a:br>
-            <a:r>
-              <a:rPr lang="en-PL" dirty="0"/>
-              <a:t>Segmentation Results</a:t>
-            </a:r>
-          </a:p>
-        </p:txBody>
-      </p:sp>
-      <p:pic>
-        <p:nvPicPr>
-          <p:cNvPr id="4" name="Picture 3">
-            <a:extLst>
-              <a:ext uri="{FF2B5EF4-FFF2-40B4-BE49-F238E27FC236}">
-                <a16:creationId xmlns:a16="http://schemas.microsoft.com/office/drawing/2014/main" id="{51EFC332-C4C9-C322-B7AF-557F6EC246D5}"/>
-              </a:ext>
-            </a:extLst>
-          </p:cNvPr>
-          <p:cNvPicPr>
-            <a:picLocks noChangeAspect="1"/>
-          </p:cNvPicPr>
-          <p:nvPr/>
-        </p:nvPicPr>
-        <p:blipFill>
-          <a:blip r:embed="rId2"/>
-          <a:stretch>
-            <a:fillRect/>
-          </a:stretch>
-        </p:blipFill>
-        <p:spPr>
-          <a:xfrm>
-            <a:off x="5826564" y="0"/>
-            <a:ext cx="6365436" cy="6858000"/>
-          </a:xfrm>
-          <a:prstGeom prst="rect">
-            <a:avLst/>
-          </a:prstGeom>
-        </p:spPr>
-      </p:pic>
-    </p:spTree>
-    <p:extLst>
-      <p:ext uri="{BB962C8B-B14F-4D97-AF65-F5344CB8AC3E}">
-        <p14:creationId xmlns:p14="http://schemas.microsoft.com/office/powerpoint/2010/main" val="2320668275"/>
-      </p:ext>
-    </p:extLst>
-  </p:cSld>
-  <p:clrMapOvr>
-    <a:masterClrMapping/>
-  </p:clrMapOvr>
-</p:sld>
-</file>
-
-<file path=ppt/slides/slide19.xml><?xml version="1.0" encoding="utf-8"?>
-<p:sld xmlns:a="http://schemas.openxmlformats.org/drawingml/2006/main" xmlns:r="http://schemas.openxmlformats.org/officeDocument/2006/relationships" xmlns:p="http://schemas.openxmlformats.org/presentationml/2006/main">
-  <p:cSld>
-    <p:spTree>
-      <p:nvGrpSpPr>
-        <p:cNvPr id="1" name=""/>
-        <p:cNvGrpSpPr/>
-        <p:nvPr/>
-      </p:nvGrpSpPr>
-      <p:grpSpPr>
-        <a:xfrm>
-          <a:off x="0" y="0"/>
-          <a:ext cx="0" cy="0"/>
-          <a:chOff x="0" y="0"/>
-          <a:chExt cx="0" cy="0"/>
-        </a:xfrm>
-      </p:grpSpPr>
-      <p:sp>
-        <p:nvSpPr>
-          <p:cNvPr id="2" name="Title 1">
-            <a:extLst>
-              <a:ext uri="{FF2B5EF4-FFF2-40B4-BE49-F238E27FC236}">
-                <a16:creationId xmlns:a16="http://schemas.microsoft.com/office/drawing/2014/main" id="{09140196-710F-C3B3-5636-367ADB312F88}"/>
-              </a:ext>
-            </a:extLst>
-          </p:cNvPr>
-          <p:cNvSpPr>
-            <a:spLocks noGrp="1"/>
-          </p:cNvSpPr>
-          <p:nvPr>
-            <p:ph type="title"/>
-          </p:nvPr>
-        </p:nvSpPr>
-        <p:spPr/>
-        <p:txBody>
-          <a:bodyPr/>
-          <a:lstStyle/>
-          <a:p>
-            <a:r>
-              <a:rPr lang="en-PL" dirty="0"/>
-              <a:t>FilterNet</a:t>
-            </a:r>
-          </a:p>
-        </p:txBody>
-      </p:sp>
-      <p:pic>
-        <p:nvPicPr>
-          <p:cNvPr id="1026" name="Picture 2">
-            <a:extLst>
-              <a:ext uri="{FF2B5EF4-FFF2-40B4-BE49-F238E27FC236}">
-                <a16:creationId xmlns:a16="http://schemas.microsoft.com/office/drawing/2014/main" id="{3704F111-6234-BC98-E3A6-3C291043FDA5}"/>
-              </a:ext>
-            </a:extLst>
-          </p:cNvPr>
-          <p:cNvPicPr>
-            <a:picLocks noGrp="1" noChangeAspect="1" noChangeArrowheads="1"/>
-          </p:cNvPicPr>
-          <p:nvPr>
-            <p:ph idx="1"/>
-          </p:nvPr>
-        </p:nvPicPr>
-        <p:blipFill>
-          <a:blip r:embed="rId2">
-            <a:extLst>
-              <a:ext uri="{28A0092B-C50C-407E-A947-70E740481C1C}">
-                <a14:useLocalDpi xmlns:a14="http://schemas.microsoft.com/office/drawing/2010/main" val="0"/>
-              </a:ext>
-            </a:extLst>
-          </a:blip>
-          <a:srcRect/>
-          <a:stretch>
-            <a:fillRect/>
-          </a:stretch>
-        </p:blipFill>
-        <p:spPr bwMode="auto">
-          <a:xfrm>
-            <a:off x="2807824" y="1825625"/>
-            <a:ext cx="6576352" cy="4351338"/>
-          </a:xfrm>
-          <a:prstGeom prst="rect">
-            <a:avLst/>
-          </a:prstGeom>
-          <a:noFill/>
-          <a:extLst>
-            <a:ext uri="{909E8E84-426E-40DD-AFC4-6F175D3DCCD1}">
-              <a14:hiddenFill xmlns:a14="http://schemas.microsoft.com/office/drawing/2010/main">
-                <a:solidFill>
-                  <a:srgbClr val="FFFFFF"/>
-                </a:solidFill>
-              </a14:hiddenFill>
-            </a:ext>
-          </a:extLst>
-        </p:spPr>
-      </p:pic>
-    </p:spTree>
-    <p:extLst>
-      <p:ext uri="{BB962C8B-B14F-4D97-AF65-F5344CB8AC3E}">
-        <p14:creationId xmlns:p14="http://schemas.microsoft.com/office/powerpoint/2010/main" val="2526343008"/>
-      </p:ext>
-    </p:extLst>
-  </p:cSld>
-  <p:clrMapOvr>
-    <a:masterClrMapping/>
-  </p:clrMapOvr>
-</p:sld>
-</file>
-
-<file path=ppt/slides/slide2.xml><?xml version="1.0" encoding="utf-8"?>
-<p:sld xmlns:a="http://schemas.openxmlformats.org/drawingml/2006/main" xmlns:r="http://schemas.openxmlformats.org/officeDocument/2006/relationships" xmlns:p="http://schemas.openxmlformats.org/presentationml/2006/main">
-  <p:cSld>
-    <p:spTree>
-      <p:nvGrpSpPr>
-        <p:cNvPr id="1" name=""/>
-        <p:cNvGrpSpPr/>
-        <p:nvPr/>
-      </p:nvGrpSpPr>
-      <p:grpSpPr>
-        <a:xfrm>
-          <a:off x="0" y="0"/>
-          <a:ext cx="0" cy="0"/>
-          <a:chOff x="0" y="0"/>
-          <a:chExt cx="0" cy="0"/>
-        </a:xfrm>
-      </p:grpSpPr>
-      <p:sp>
-        <p:nvSpPr>
-          <p:cNvPr id="2" name="Title 1">
-            <a:extLst>
-              <a:ext uri="{FF2B5EF4-FFF2-40B4-BE49-F238E27FC236}">
-                <a16:creationId xmlns:a16="http://schemas.microsoft.com/office/drawing/2014/main" id="{1E009B0A-5A09-EA34-A00A-D1BC4C97B436}"/>
-              </a:ext>
-            </a:extLst>
-          </p:cNvPr>
-          <p:cNvSpPr>
-            <a:spLocks noGrp="1"/>
-          </p:cNvSpPr>
-          <p:nvPr>
-            <p:ph type="title"/>
-          </p:nvPr>
-        </p:nvSpPr>
-        <p:spPr/>
-        <p:txBody>
-          <a:bodyPr/>
-          <a:lstStyle/>
-          <a:p>
-            <a:r>
-              <a:rPr lang="en-PL" dirty="0"/>
-              <a:t>Data Preprocessing</a:t>
-            </a:r>
-          </a:p>
-        </p:txBody>
-      </p:sp>
-      <p:sp>
-        <p:nvSpPr>
-          <p:cNvPr id="3" name="Content Placeholder 2">
-            <a:extLst>
-              <a:ext uri="{FF2B5EF4-FFF2-40B4-BE49-F238E27FC236}">
-                <a16:creationId xmlns:a16="http://schemas.microsoft.com/office/drawing/2014/main" id="{10CE5358-B2BA-42CE-B0B6-3546DFCBB72D}"/>
-              </a:ext>
-            </a:extLst>
-          </p:cNvPr>
-          <p:cNvSpPr>
-            <a:spLocks noGrp="1"/>
-          </p:cNvSpPr>
-          <p:nvPr>
-            <p:ph idx="1"/>
-          </p:nvPr>
-        </p:nvSpPr>
-        <p:spPr>
-          <a:xfrm>
-            <a:off x="838200" y="1349115"/>
-            <a:ext cx="10515600" cy="4827848"/>
-          </a:xfrm>
-        </p:spPr>
-        <p:txBody>
-          <a:bodyPr>
-            <a:normAutofit fontScale="92500" lnSpcReduction="10000"/>
-          </a:bodyPr>
-          <a:lstStyle/>
-          <a:p>
-            <a:r>
-              <a:rPr lang="en-PL" dirty="0"/>
-              <a:t>For each game loads predicted features, </a:t>
-            </a:r>
-          </a:p>
-          <a:p>
-            <a:r>
-              <a:rPr lang="en-PL" dirty="0"/>
-              <a:t>For each game labels and store in the matrix (frames x classes), there are 17 classes. Then they are shifted (for their loss function)</a:t>
-            </a:r>
-          </a:p>
-          <a:p>
-            <a:r>
-              <a:rPr lang="en-PL" dirty="0"/>
-              <a:t>For each game load bboxes and calibrations are loaded. Then for each frame they are used to project players localizations. The edges are defined between players who are not further to each other than the threshold value. The player features are colors, bbox area, center of the bbox and projected centre. The Dataset class from torch_geometric was used to store features and edges.</a:t>
-            </a:r>
-          </a:p>
-          <a:p>
-            <a:r>
-              <a:rPr lang="en-PL" dirty="0"/>
-              <a:t>__getitem__: selects random events and gets corresponding clip features, clip labels,  and players representation from the graph.</a:t>
-            </a:r>
-          </a:p>
-          <a:p>
-            <a:r>
-              <a:rPr lang="en-PL" dirty="0"/>
-              <a:t>Possible improvement include more node features.</a:t>
-            </a:r>
-          </a:p>
-          <a:p>
-            <a:endParaRPr lang="en-PL" dirty="0"/>
-          </a:p>
-        </p:txBody>
-      </p:sp>
-    </p:spTree>
-    <p:extLst>
-      <p:ext uri="{BB962C8B-B14F-4D97-AF65-F5344CB8AC3E}">
-        <p14:creationId xmlns:p14="http://schemas.microsoft.com/office/powerpoint/2010/main" val="523046956"/>
-      </p:ext>
-    </p:extLst>
-  </p:cSld>
-  <p:clrMapOvr>
-    <a:masterClrMapping/>
-  </p:clrMapOvr>
-</p:sld>
-</file>
-
-<file path=ppt/slides/slide20.xml><?xml version="1.0" encoding="utf-8"?>
-<p:sld xmlns:a="http://schemas.openxmlformats.org/drawingml/2006/main" xmlns:r="http://schemas.openxmlformats.org/officeDocument/2006/relationships" xmlns:p="http://schemas.openxmlformats.org/presentationml/2006/main">
-  <p:cSld>
-    <p:spTree>
-      <p:nvGrpSpPr>
-        <p:cNvPr id="1" name=""/>
-        <p:cNvGrpSpPr/>
-        <p:nvPr/>
-      </p:nvGrpSpPr>
-      <p:grpSpPr>
-        <a:xfrm>
-          <a:off x="0" y="0"/>
-          <a:ext cx="0" cy="0"/>
-          <a:chOff x="0" y="0"/>
-          <a:chExt cx="0" cy="0"/>
-        </a:xfrm>
-      </p:grpSpPr>
-      <p:sp>
-        <p:nvSpPr>
-          <p:cNvPr id="5" name="Title 4">
-            <a:extLst>
-              <a:ext uri="{FF2B5EF4-FFF2-40B4-BE49-F238E27FC236}">
-                <a16:creationId xmlns:a16="http://schemas.microsoft.com/office/drawing/2014/main" id="{FA1D7A2E-5AEB-FA0B-CA30-792496DC2668}"/>
-              </a:ext>
-            </a:extLst>
-          </p:cNvPr>
-          <p:cNvSpPr>
-            <a:spLocks noGrp="1"/>
-          </p:cNvSpPr>
-          <p:nvPr>
-            <p:ph type="title"/>
-          </p:nvPr>
-        </p:nvSpPr>
-        <p:spPr/>
-        <p:txBody>
-          <a:bodyPr/>
-          <a:lstStyle/>
-          <a:p>
-            <a:r>
-              <a:rPr lang="en-PL" dirty="0"/>
-              <a:t>Proposed Pipeline</a:t>
-            </a:r>
-          </a:p>
-        </p:txBody>
-      </p:sp>
-      <p:sp>
-        <p:nvSpPr>
-          <p:cNvPr id="6" name="Rectangle 5">
-            <a:extLst>
-              <a:ext uri="{FF2B5EF4-FFF2-40B4-BE49-F238E27FC236}">
-                <a16:creationId xmlns:a16="http://schemas.microsoft.com/office/drawing/2014/main" id="{3A1C1B31-1A3F-4675-BB48-9A55C86017C6}"/>
-              </a:ext>
-            </a:extLst>
-          </p:cNvPr>
-          <p:cNvSpPr/>
-          <p:nvPr/>
-        </p:nvSpPr>
-        <p:spPr>
-          <a:xfrm>
-            <a:off x="209722" y="1855700"/>
-            <a:ext cx="1426028" cy="4049485"/>
-          </a:xfrm>
-          <a:prstGeom prst="rect">
-            <a:avLst/>
-          </a:prstGeom>
-        </p:spPr>
-        <p:style>
-          <a:lnRef idx="2">
-            <a:schemeClr val="accent1">
-              <a:shade val="15000"/>
-            </a:schemeClr>
-          </a:lnRef>
-          <a:fillRef idx="1">
-            <a:schemeClr val="accent1"/>
-          </a:fillRef>
-          <a:effectRef idx="0">
-            <a:schemeClr val="accent1"/>
-          </a:effectRef>
-          <a:fontRef idx="minor">
-            <a:schemeClr val="lt1"/>
-          </a:fontRef>
-        </p:style>
-        <p:txBody>
-          <a:bodyPr vert="vert270" rtlCol="0" anchor="ctr"/>
-          <a:lstStyle/>
-          <a:p>
-            <a:pPr algn="ctr"/>
-            <a:r>
-              <a:rPr lang="en-PL" dirty="0"/>
-              <a:t>SEGMENTATION</a:t>
-            </a:r>
-            <a:br>
-              <a:rPr lang="en-PL" dirty="0"/>
-            </a:br>
-            <a:r>
-              <a:rPr lang="en-PL" dirty="0"/>
-              <a:t>MODULE</a:t>
-            </a:r>
-          </a:p>
-          <a:p>
-            <a:pPr algn="ctr"/>
-            <a:r>
-              <a:rPr lang="en-PL" dirty="0"/>
-              <a:t>(Black Box)</a:t>
-            </a:r>
-          </a:p>
-        </p:txBody>
-      </p:sp>
-      <p:sp>
-        <p:nvSpPr>
-          <p:cNvPr id="33" name="Rectangle 32">
-            <a:extLst>
-              <a:ext uri="{FF2B5EF4-FFF2-40B4-BE49-F238E27FC236}">
-                <a16:creationId xmlns:a16="http://schemas.microsoft.com/office/drawing/2014/main" id="{B62CF127-1E6B-3E04-3387-07EFB4B221DC}"/>
-              </a:ext>
-            </a:extLst>
-          </p:cNvPr>
-          <p:cNvSpPr/>
-          <p:nvPr/>
-        </p:nvSpPr>
-        <p:spPr>
-          <a:xfrm>
-            <a:off x="6251028" y="1984705"/>
-            <a:ext cx="979715" cy="3799113"/>
-          </a:xfrm>
-          <a:prstGeom prst="rect">
-            <a:avLst/>
-          </a:prstGeom>
-        </p:spPr>
-        <p:style>
-          <a:lnRef idx="2">
-            <a:schemeClr val="accent1">
-              <a:shade val="15000"/>
-            </a:schemeClr>
-          </a:lnRef>
-          <a:fillRef idx="1">
-            <a:schemeClr val="accent1"/>
-          </a:fillRef>
-          <a:effectRef idx="0">
-            <a:schemeClr val="accent1"/>
-          </a:effectRef>
-          <a:fontRef idx="minor">
-            <a:schemeClr val="lt1"/>
-          </a:fontRef>
-        </p:style>
-        <p:txBody>
-          <a:bodyPr vert="vert270" rtlCol="0" anchor="ctr"/>
-          <a:lstStyle/>
-          <a:p>
-            <a:pPr algn="ctr"/>
-            <a:r>
-              <a:rPr lang="en-PL" dirty="0"/>
-              <a:t>CONCATENATE</a:t>
-            </a:r>
-          </a:p>
-        </p:txBody>
-      </p:sp>
-      <p:sp>
-        <p:nvSpPr>
-          <p:cNvPr id="34" name="Rectangle 33">
-            <a:extLst>
-              <a:ext uri="{FF2B5EF4-FFF2-40B4-BE49-F238E27FC236}">
-                <a16:creationId xmlns:a16="http://schemas.microsoft.com/office/drawing/2014/main" id="{B9E16546-140A-855E-88FC-FA3B52B9E090}"/>
-              </a:ext>
-            </a:extLst>
-          </p:cNvPr>
-          <p:cNvSpPr/>
-          <p:nvPr/>
-        </p:nvSpPr>
-        <p:spPr>
-          <a:xfrm>
-            <a:off x="7840337" y="1980887"/>
-            <a:ext cx="979715" cy="3799113"/>
-          </a:xfrm>
-          <a:prstGeom prst="rect">
-            <a:avLst/>
-          </a:prstGeom>
-        </p:spPr>
-        <p:style>
-          <a:lnRef idx="2">
-            <a:schemeClr val="accent1">
-              <a:shade val="15000"/>
-            </a:schemeClr>
-          </a:lnRef>
-          <a:fillRef idx="1">
-            <a:schemeClr val="accent1"/>
-          </a:fillRef>
-          <a:effectRef idx="0">
-            <a:schemeClr val="accent1"/>
-          </a:effectRef>
-          <a:fontRef idx="minor">
-            <a:schemeClr val="lt1"/>
-          </a:fontRef>
-        </p:style>
-        <p:txBody>
-          <a:bodyPr vert="vert270" rtlCol="0" anchor="ctr"/>
-          <a:lstStyle/>
-          <a:p>
-            <a:pPr algn="ctr"/>
-            <a:r>
-              <a:rPr lang="en-PL" dirty="0"/>
-              <a:t>AVG POOL</a:t>
-            </a:r>
-          </a:p>
-        </p:txBody>
-      </p:sp>
-      <p:sp>
-        <p:nvSpPr>
-          <p:cNvPr id="35" name="Rectangle 34">
-            <a:extLst>
-              <a:ext uri="{FF2B5EF4-FFF2-40B4-BE49-F238E27FC236}">
-                <a16:creationId xmlns:a16="http://schemas.microsoft.com/office/drawing/2014/main" id="{B567CA65-5F72-CB42-E0AA-B358FD06DACA}"/>
-              </a:ext>
-            </a:extLst>
-          </p:cNvPr>
-          <p:cNvSpPr/>
-          <p:nvPr/>
-        </p:nvSpPr>
-        <p:spPr>
-          <a:xfrm>
-            <a:off x="9429646" y="1980886"/>
-            <a:ext cx="979715" cy="3799113"/>
-          </a:xfrm>
-          <a:prstGeom prst="rect">
-            <a:avLst/>
-          </a:prstGeom>
-        </p:spPr>
-        <p:style>
-          <a:lnRef idx="2">
-            <a:schemeClr val="accent1">
-              <a:shade val="15000"/>
-            </a:schemeClr>
-          </a:lnRef>
-          <a:fillRef idx="1">
-            <a:schemeClr val="accent1"/>
-          </a:fillRef>
-          <a:effectRef idx="0">
-            <a:schemeClr val="accent1"/>
-          </a:effectRef>
-          <a:fontRef idx="minor">
-            <a:schemeClr val="lt1"/>
-          </a:fontRef>
-        </p:style>
-        <p:txBody>
-          <a:bodyPr vert="vert270" rtlCol="0" anchor="ctr"/>
-          <a:lstStyle/>
-          <a:p>
-            <a:pPr algn="ctr"/>
-            <a:r>
-              <a:rPr lang="en-PL" dirty="0"/>
-              <a:t>LINEAR</a:t>
-            </a:r>
-          </a:p>
-        </p:txBody>
-      </p:sp>
-      <p:sp>
-        <p:nvSpPr>
-          <p:cNvPr id="36" name="Rectangle 35">
-            <a:extLst>
-              <a:ext uri="{FF2B5EF4-FFF2-40B4-BE49-F238E27FC236}">
-                <a16:creationId xmlns:a16="http://schemas.microsoft.com/office/drawing/2014/main" id="{C5B2E84F-4245-5223-02F3-2873F557E2A9}"/>
-              </a:ext>
-            </a:extLst>
-          </p:cNvPr>
-          <p:cNvSpPr/>
-          <p:nvPr/>
-        </p:nvSpPr>
-        <p:spPr>
-          <a:xfrm>
-            <a:off x="11018955" y="1984623"/>
-            <a:ext cx="979715" cy="3799113"/>
-          </a:xfrm>
-          <a:prstGeom prst="rect">
-            <a:avLst/>
-          </a:prstGeom>
-        </p:spPr>
-        <p:style>
-          <a:lnRef idx="2">
-            <a:schemeClr val="accent1">
-              <a:shade val="15000"/>
-            </a:schemeClr>
-          </a:lnRef>
-          <a:fillRef idx="1">
-            <a:schemeClr val="accent1"/>
-          </a:fillRef>
-          <a:effectRef idx="0">
-            <a:schemeClr val="accent1"/>
-          </a:effectRef>
-          <a:fontRef idx="minor">
-            <a:schemeClr val="lt1"/>
-          </a:fontRef>
-        </p:style>
-        <p:txBody>
-          <a:bodyPr vert="vert270" rtlCol="0" anchor="ctr"/>
-          <a:lstStyle/>
-          <a:p>
-            <a:pPr algn="ctr"/>
-            <a:r>
-              <a:rPr lang="en-PL" dirty="0"/>
-              <a:t>SIGMOID</a:t>
-            </a:r>
-          </a:p>
-        </p:txBody>
-      </p:sp>
-      <p:cxnSp>
-        <p:nvCxnSpPr>
-          <p:cNvPr id="46" name="Straight Arrow Connector 45">
-            <a:extLst>
-              <a:ext uri="{FF2B5EF4-FFF2-40B4-BE49-F238E27FC236}">
-                <a16:creationId xmlns:a16="http://schemas.microsoft.com/office/drawing/2014/main" id="{23F2C5B4-D43D-0452-234B-541D52309CA1}"/>
-              </a:ext>
-            </a:extLst>
-          </p:cNvPr>
-          <p:cNvCxnSpPr>
-            <a:stCxn id="33" idx="3"/>
-            <a:endCxn id="34" idx="1"/>
-          </p:cNvCxnSpPr>
-          <p:nvPr/>
-        </p:nvCxnSpPr>
-        <p:spPr>
-          <a:xfrm flipV="1">
-            <a:off x="7230743" y="3880444"/>
-            <a:ext cx="609594" cy="3818"/>
-          </a:xfrm>
-          <a:prstGeom prst="straightConnector1">
-            <a:avLst/>
-          </a:prstGeom>
-          <a:ln>
-            <a:tailEnd type="triangle"/>
-          </a:ln>
-        </p:spPr>
-        <p:style>
-          <a:lnRef idx="1">
-            <a:schemeClr val="accent1"/>
-          </a:lnRef>
-          <a:fillRef idx="0">
-            <a:schemeClr val="accent1"/>
-          </a:fillRef>
-          <a:effectRef idx="0">
-            <a:schemeClr val="accent1"/>
-          </a:effectRef>
-          <a:fontRef idx="minor">
-            <a:schemeClr val="tx1"/>
-          </a:fontRef>
-        </p:style>
-      </p:cxnSp>
-      <p:cxnSp>
-        <p:nvCxnSpPr>
-          <p:cNvPr id="48" name="Straight Arrow Connector 47">
-            <a:extLst>
-              <a:ext uri="{FF2B5EF4-FFF2-40B4-BE49-F238E27FC236}">
-                <a16:creationId xmlns:a16="http://schemas.microsoft.com/office/drawing/2014/main" id="{8AD2FA72-6ACD-B9F1-1E97-D7E0EA1521E9}"/>
-              </a:ext>
-            </a:extLst>
-          </p:cNvPr>
-          <p:cNvCxnSpPr>
-            <a:stCxn id="34" idx="3"/>
-            <a:endCxn id="35" idx="1"/>
-          </p:cNvCxnSpPr>
-          <p:nvPr/>
-        </p:nvCxnSpPr>
-        <p:spPr>
-          <a:xfrm flipV="1">
-            <a:off x="8820052" y="3880443"/>
-            <a:ext cx="609594" cy="1"/>
-          </a:xfrm>
-          <a:prstGeom prst="straightConnector1">
-            <a:avLst/>
-          </a:prstGeom>
-          <a:ln>
-            <a:tailEnd type="triangle"/>
-          </a:ln>
-        </p:spPr>
-        <p:style>
-          <a:lnRef idx="1">
-            <a:schemeClr val="accent1"/>
-          </a:lnRef>
-          <a:fillRef idx="0">
-            <a:schemeClr val="accent1"/>
-          </a:fillRef>
-          <a:effectRef idx="0">
-            <a:schemeClr val="accent1"/>
-          </a:effectRef>
-          <a:fontRef idx="minor">
-            <a:schemeClr val="tx1"/>
-          </a:fontRef>
-        </p:style>
-      </p:cxnSp>
-      <p:cxnSp>
-        <p:nvCxnSpPr>
-          <p:cNvPr id="50" name="Straight Arrow Connector 49">
-            <a:extLst>
-              <a:ext uri="{FF2B5EF4-FFF2-40B4-BE49-F238E27FC236}">
-                <a16:creationId xmlns:a16="http://schemas.microsoft.com/office/drawing/2014/main" id="{4D8B9EFE-EED0-FD09-8E9A-2CE6EBCDD4C8}"/>
-              </a:ext>
-            </a:extLst>
-          </p:cNvPr>
-          <p:cNvCxnSpPr>
-            <a:stCxn id="35" idx="3"/>
-          </p:cNvCxnSpPr>
-          <p:nvPr/>
-        </p:nvCxnSpPr>
-        <p:spPr>
-          <a:xfrm>
-            <a:off x="10409361" y="3880443"/>
-            <a:ext cx="609594" cy="0"/>
-          </a:xfrm>
-          <a:prstGeom prst="straightConnector1">
-            <a:avLst/>
-          </a:prstGeom>
-          <a:ln>
-            <a:tailEnd type="triangle"/>
-          </a:ln>
-        </p:spPr>
-        <p:style>
-          <a:lnRef idx="1">
-            <a:schemeClr val="accent1"/>
-          </a:lnRef>
-          <a:fillRef idx="0">
-            <a:schemeClr val="accent1"/>
-          </a:fillRef>
-          <a:effectRef idx="0">
-            <a:schemeClr val="accent1"/>
-          </a:effectRef>
-          <a:fontRef idx="minor">
-            <a:schemeClr val="tx1"/>
-          </a:fontRef>
-        </p:style>
-      </p:cxnSp>
-      <p:sp>
-        <p:nvSpPr>
-          <p:cNvPr id="2" name="Rectangle 1">
-            <a:extLst>
-              <a:ext uri="{FF2B5EF4-FFF2-40B4-BE49-F238E27FC236}">
-                <a16:creationId xmlns:a16="http://schemas.microsoft.com/office/drawing/2014/main" id="{E8E0955D-AD34-7822-9E0B-6C50A4800DE1}"/>
-              </a:ext>
-            </a:extLst>
-          </p:cNvPr>
-          <p:cNvSpPr/>
-          <p:nvPr/>
-        </p:nvSpPr>
-        <p:spPr>
-          <a:xfrm rot="5400000">
-            <a:off x="3352011" y="1630131"/>
-            <a:ext cx="979715" cy="1700192"/>
-          </a:xfrm>
-          <a:prstGeom prst="rect">
-            <a:avLst/>
-          </a:prstGeom>
-        </p:spPr>
-        <p:style>
-          <a:lnRef idx="2">
-            <a:schemeClr val="accent1">
-              <a:shade val="15000"/>
-            </a:schemeClr>
-          </a:lnRef>
-          <a:fillRef idx="1">
-            <a:schemeClr val="accent1"/>
-          </a:fillRef>
-          <a:effectRef idx="0">
-            <a:schemeClr val="accent1"/>
-          </a:effectRef>
-          <a:fontRef idx="minor">
-            <a:schemeClr val="lt1"/>
-          </a:fontRef>
-        </p:style>
-        <p:txBody>
-          <a:bodyPr vert="vert270" rtlCol="0" anchor="ctr"/>
-          <a:lstStyle/>
-          <a:p>
-            <a:pPr algn="ctr"/>
-            <a:r>
-              <a:rPr lang="en-PL" dirty="0"/>
-              <a:t>FilterNet</a:t>
-            </a:r>
-          </a:p>
-          <a:p>
-            <a:pPr algn="ctr"/>
-            <a:r>
-              <a:rPr lang="en-PL" dirty="0"/>
-              <a:t>(LSTM-bidir)</a:t>
-            </a:r>
-          </a:p>
-        </p:txBody>
-      </p:sp>
-      <p:sp>
-        <p:nvSpPr>
-          <p:cNvPr id="3" name="Rectangle 2">
-            <a:extLst>
-              <a:ext uri="{FF2B5EF4-FFF2-40B4-BE49-F238E27FC236}">
-                <a16:creationId xmlns:a16="http://schemas.microsoft.com/office/drawing/2014/main" id="{6EB1E3DD-43EB-C9CC-3ED9-91D05C95F782}"/>
-              </a:ext>
-            </a:extLst>
-          </p:cNvPr>
-          <p:cNvSpPr/>
-          <p:nvPr/>
-        </p:nvSpPr>
-        <p:spPr>
-          <a:xfrm rot="5400000">
-            <a:off x="3313876" y="4440045"/>
-            <a:ext cx="979715" cy="1700193"/>
-          </a:xfrm>
-          <a:prstGeom prst="rect">
-            <a:avLst/>
-          </a:prstGeom>
-        </p:spPr>
-        <p:style>
-          <a:lnRef idx="2">
-            <a:schemeClr val="accent1">
-              <a:shade val="15000"/>
-            </a:schemeClr>
-          </a:lnRef>
-          <a:fillRef idx="1">
-            <a:schemeClr val="accent1"/>
-          </a:fillRef>
-          <a:effectRef idx="0">
-            <a:schemeClr val="accent1"/>
-          </a:effectRef>
-          <a:fontRef idx="minor">
-            <a:schemeClr val="lt1"/>
-          </a:fontRef>
-        </p:style>
-        <p:txBody>
-          <a:bodyPr vert="vert270" rtlCol="0" anchor="ctr"/>
-          <a:lstStyle/>
-          <a:p>
-            <a:pPr algn="ctr"/>
-            <a:r>
-              <a:rPr lang="en-PL" dirty="0"/>
-              <a:t>CONVOLUTION </a:t>
-            </a:r>
-          </a:p>
-          <a:p>
-            <a:pPr algn="ctr"/>
-            <a:r>
-              <a:rPr lang="en-PL" dirty="0"/>
-              <a:t>WHOLE SEQUENCE</a:t>
-            </a:r>
-          </a:p>
-        </p:txBody>
-      </p:sp>
-      <p:cxnSp>
-        <p:nvCxnSpPr>
-          <p:cNvPr id="7" name="Elbow Connector 6">
-            <a:extLst>
-              <a:ext uri="{FF2B5EF4-FFF2-40B4-BE49-F238E27FC236}">
-                <a16:creationId xmlns:a16="http://schemas.microsoft.com/office/drawing/2014/main" id="{09210381-380C-A744-1365-B6741D30660D}"/>
-              </a:ext>
-            </a:extLst>
-          </p:cNvPr>
-          <p:cNvCxnSpPr>
-            <a:cxnSpLocks/>
-            <a:stCxn id="6" idx="3"/>
-            <a:endCxn id="3" idx="2"/>
-          </p:cNvCxnSpPr>
-          <p:nvPr/>
-        </p:nvCxnSpPr>
-        <p:spPr>
-          <a:xfrm>
-            <a:off x="1635750" y="3880443"/>
-            <a:ext cx="1317887" cy="1409699"/>
-          </a:xfrm>
-          <a:prstGeom prst="bentConnector3">
-            <a:avLst>
-              <a:gd name="adj1" fmla="val 11381"/>
-            </a:avLst>
-          </a:prstGeom>
-          <a:ln>
-            <a:tailEnd type="triangle"/>
-          </a:ln>
-        </p:spPr>
-        <p:style>
-          <a:lnRef idx="1">
-            <a:schemeClr val="accent1"/>
-          </a:lnRef>
-          <a:fillRef idx="0">
-            <a:schemeClr val="accent1"/>
-          </a:fillRef>
-          <a:effectRef idx="0">
-            <a:schemeClr val="accent1"/>
-          </a:effectRef>
-          <a:fontRef idx="minor">
-            <a:schemeClr val="tx1"/>
-          </a:fontRef>
-        </p:style>
-      </p:cxnSp>
-      <p:cxnSp>
-        <p:nvCxnSpPr>
-          <p:cNvPr id="9" name="Elbow Connector 8">
-            <a:extLst>
-              <a:ext uri="{FF2B5EF4-FFF2-40B4-BE49-F238E27FC236}">
-                <a16:creationId xmlns:a16="http://schemas.microsoft.com/office/drawing/2014/main" id="{B3FA371D-B09E-D165-C10C-EE3E057E9AC4}"/>
-              </a:ext>
-            </a:extLst>
-          </p:cNvPr>
-          <p:cNvCxnSpPr>
-            <a:cxnSpLocks/>
-            <a:stCxn id="6" idx="3"/>
-            <a:endCxn id="2" idx="2"/>
-          </p:cNvCxnSpPr>
-          <p:nvPr/>
-        </p:nvCxnSpPr>
-        <p:spPr>
-          <a:xfrm flipV="1">
-            <a:off x="1635750" y="2480228"/>
-            <a:ext cx="1356023" cy="1400215"/>
-          </a:xfrm>
-          <a:prstGeom prst="bentConnector3">
-            <a:avLst>
-              <a:gd name="adj1" fmla="val 10840"/>
-            </a:avLst>
-          </a:prstGeom>
-          <a:ln>
-            <a:tailEnd type="triangle"/>
-          </a:ln>
-        </p:spPr>
-        <p:style>
-          <a:lnRef idx="1">
-            <a:schemeClr val="accent1"/>
-          </a:lnRef>
-          <a:fillRef idx="0">
-            <a:schemeClr val="accent1"/>
-          </a:fillRef>
-          <a:effectRef idx="0">
-            <a:schemeClr val="accent1"/>
-          </a:effectRef>
-          <a:fontRef idx="minor">
-            <a:schemeClr val="tx1"/>
-          </a:fontRef>
-        </p:style>
-      </p:cxnSp>
-      <p:cxnSp>
-        <p:nvCxnSpPr>
-          <p:cNvPr id="11" name="Elbow Connector 10">
-            <a:extLst>
-              <a:ext uri="{FF2B5EF4-FFF2-40B4-BE49-F238E27FC236}">
-                <a16:creationId xmlns:a16="http://schemas.microsoft.com/office/drawing/2014/main" id="{47E040F8-4EB8-B383-665A-E8D6FCA7CC78}"/>
-              </a:ext>
-            </a:extLst>
-          </p:cNvPr>
-          <p:cNvCxnSpPr>
-            <a:cxnSpLocks/>
-            <a:stCxn id="2" idx="0"/>
-            <a:endCxn id="33" idx="1"/>
-          </p:cNvCxnSpPr>
-          <p:nvPr/>
-        </p:nvCxnSpPr>
-        <p:spPr>
-          <a:xfrm>
-            <a:off x="4691965" y="2480228"/>
-            <a:ext cx="1559063" cy="1404034"/>
-          </a:xfrm>
-          <a:prstGeom prst="bentConnector3">
-            <a:avLst>
-              <a:gd name="adj1" fmla="val 76559"/>
-            </a:avLst>
-          </a:prstGeom>
-          <a:ln>
-            <a:tailEnd type="triangle"/>
-          </a:ln>
-        </p:spPr>
-        <p:style>
-          <a:lnRef idx="1">
-            <a:schemeClr val="accent1"/>
-          </a:lnRef>
-          <a:fillRef idx="0">
-            <a:schemeClr val="accent1"/>
-          </a:fillRef>
-          <a:effectRef idx="0">
-            <a:schemeClr val="accent1"/>
-          </a:effectRef>
-          <a:fontRef idx="minor">
-            <a:schemeClr val="tx1"/>
-          </a:fontRef>
-        </p:style>
-      </p:cxnSp>
-      <p:cxnSp>
-        <p:nvCxnSpPr>
-          <p:cNvPr id="13" name="Elbow Connector 12">
-            <a:extLst>
-              <a:ext uri="{FF2B5EF4-FFF2-40B4-BE49-F238E27FC236}">
-                <a16:creationId xmlns:a16="http://schemas.microsoft.com/office/drawing/2014/main" id="{93421866-C114-4E15-541E-9ED7741F0ABB}"/>
-              </a:ext>
-            </a:extLst>
-          </p:cNvPr>
-          <p:cNvCxnSpPr>
-            <a:cxnSpLocks/>
-            <a:stCxn id="3" idx="0"/>
-            <a:endCxn id="33" idx="1"/>
-          </p:cNvCxnSpPr>
-          <p:nvPr/>
-        </p:nvCxnSpPr>
-        <p:spPr>
-          <a:xfrm flipV="1">
-            <a:off x="4653830" y="3884262"/>
-            <a:ext cx="1597198" cy="1405880"/>
-          </a:xfrm>
-          <a:prstGeom prst="bentConnector3">
-            <a:avLst>
-              <a:gd name="adj1" fmla="val 77005"/>
-            </a:avLst>
-          </a:prstGeom>
-          <a:ln>
-            <a:tailEnd type="triangle"/>
-          </a:ln>
-        </p:spPr>
-        <p:style>
-          <a:lnRef idx="1">
-            <a:schemeClr val="accent1"/>
-          </a:lnRef>
-          <a:fillRef idx="0">
-            <a:schemeClr val="accent1"/>
-          </a:fillRef>
-          <a:effectRef idx="0">
-            <a:schemeClr val="accent1"/>
-          </a:effectRef>
-          <a:fontRef idx="minor">
-            <a:schemeClr val="tx1"/>
-          </a:fontRef>
-        </p:style>
-      </p:cxnSp>
-      <p:sp>
-        <p:nvSpPr>
-          <p:cNvPr id="28" name="Rectangle 27">
-            <a:extLst>
-              <a:ext uri="{FF2B5EF4-FFF2-40B4-BE49-F238E27FC236}">
-                <a16:creationId xmlns:a16="http://schemas.microsoft.com/office/drawing/2014/main" id="{33F39BFA-8D39-87D0-497A-5CC32AC561AC}"/>
-              </a:ext>
-            </a:extLst>
-          </p:cNvPr>
-          <p:cNvSpPr/>
-          <p:nvPr/>
-        </p:nvSpPr>
-        <p:spPr>
-          <a:xfrm rot="5400000">
-            <a:off x="2348125" y="3025546"/>
-            <a:ext cx="979715" cy="1700193"/>
-          </a:xfrm>
-          <a:prstGeom prst="rect">
-            <a:avLst/>
-          </a:prstGeom>
-        </p:spPr>
-        <p:style>
-          <a:lnRef idx="2">
-            <a:schemeClr val="accent1">
-              <a:shade val="15000"/>
-            </a:schemeClr>
-          </a:lnRef>
-          <a:fillRef idx="1">
-            <a:schemeClr val="accent1"/>
-          </a:fillRef>
-          <a:effectRef idx="0">
-            <a:schemeClr val="accent1"/>
-          </a:effectRef>
-          <a:fontRef idx="minor">
-            <a:schemeClr val="lt1"/>
-          </a:fontRef>
-        </p:style>
-        <p:txBody>
-          <a:bodyPr vert="vert270" rtlCol="0" anchor="ctr"/>
-          <a:lstStyle/>
-          <a:p>
-            <a:pPr algn="ctr"/>
-            <a:r>
-              <a:rPr lang="en-PL" dirty="0"/>
-              <a:t>CONVOLUTION </a:t>
-            </a:r>
-          </a:p>
-          <a:p>
-            <a:pPr algn="ctr"/>
-            <a:r>
-              <a:rPr lang="en-PL" dirty="0"/>
-              <a:t>ALONGSIDE </a:t>
-            </a:r>
-          </a:p>
-          <a:p>
-            <a:pPr algn="ctr"/>
-            <a:r>
-              <a:rPr lang="en-PL" dirty="0"/>
-              <a:t>EVENTS</a:t>
-            </a:r>
-          </a:p>
-        </p:txBody>
-      </p:sp>
-      <p:cxnSp>
-        <p:nvCxnSpPr>
-          <p:cNvPr id="32" name="Straight Arrow Connector 31">
-            <a:extLst>
-              <a:ext uri="{FF2B5EF4-FFF2-40B4-BE49-F238E27FC236}">
-                <a16:creationId xmlns:a16="http://schemas.microsoft.com/office/drawing/2014/main" id="{DDD2E8C3-A80B-ABBC-5647-74AB69CA78EE}"/>
-              </a:ext>
-            </a:extLst>
-          </p:cNvPr>
-          <p:cNvCxnSpPr>
-            <a:stCxn id="6" idx="3"/>
-            <a:endCxn id="28" idx="2"/>
-          </p:cNvCxnSpPr>
-          <p:nvPr/>
-        </p:nvCxnSpPr>
-        <p:spPr>
-          <a:xfrm flipV="1">
-            <a:off x="1635750" y="3875643"/>
-            <a:ext cx="352136" cy="4800"/>
-          </a:xfrm>
-          <a:prstGeom prst="straightConnector1">
-            <a:avLst/>
-          </a:prstGeom>
-          <a:ln>
-            <a:tailEnd type="triangle"/>
-          </a:ln>
-        </p:spPr>
-        <p:style>
-          <a:lnRef idx="1">
-            <a:schemeClr val="accent1"/>
-          </a:lnRef>
-          <a:fillRef idx="0">
-            <a:schemeClr val="accent1"/>
-          </a:fillRef>
-          <a:effectRef idx="0">
-            <a:schemeClr val="accent1"/>
-          </a:effectRef>
-          <a:fontRef idx="minor">
-            <a:schemeClr val="tx1"/>
-          </a:fontRef>
-        </p:style>
-      </p:cxnSp>
-      <p:sp>
-        <p:nvSpPr>
-          <p:cNvPr id="60" name="Rectangle 59">
-            <a:extLst>
-              <a:ext uri="{FF2B5EF4-FFF2-40B4-BE49-F238E27FC236}">
-                <a16:creationId xmlns:a16="http://schemas.microsoft.com/office/drawing/2014/main" id="{E7099218-2B60-F8AD-53FE-DE3641E58B20}"/>
-              </a:ext>
-            </a:extLst>
-          </p:cNvPr>
-          <p:cNvSpPr/>
-          <p:nvPr/>
-        </p:nvSpPr>
-        <p:spPr>
-          <a:xfrm rot="5400000">
-            <a:off x="4353115" y="3026610"/>
-            <a:ext cx="979715" cy="1700192"/>
-          </a:xfrm>
-          <a:prstGeom prst="rect">
-            <a:avLst/>
-          </a:prstGeom>
-        </p:spPr>
-        <p:style>
-          <a:lnRef idx="2">
-            <a:schemeClr val="accent1">
-              <a:shade val="15000"/>
-            </a:schemeClr>
-          </a:lnRef>
-          <a:fillRef idx="1">
-            <a:schemeClr val="accent1"/>
-          </a:fillRef>
-          <a:effectRef idx="0">
-            <a:schemeClr val="accent1"/>
-          </a:effectRef>
-          <a:fontRef idx="minor">
-            <a:schemeClr val="lt1"/>
-          </a:fontRef>
-        </p:style>
-        <p:txBody>
-          <a:bodyPr vert="vert270" rtlCol="0" anchor="ctr"/>
-          <a:lstStyle/>
-          <a:p>
-            <a:pPr algn="ctr"/>
-            <a:r>
-              <a:rPr lang="en-PL" dirty="0"/>
-              <a:t>FilterNet</a:t>
-            </a:r>
-          </a:p>
-          <a:p>
-            <a:pPr algn="ctr"/>
-            <a:r>
-              <a:rPr lang="en-PL" dirty="0"/>
-              <a:t>(LSTM-bidir)</a:t>
-            </a:r>
-          </a:p>
-        </p:txBody>
-      </p:sp>
-      <p:cxnSp>
-        <p:nvCxnSpPr>
-          <p:cNvPr id="62" name="Straight Arrow Connector 61">
-            <a:extLst>
-              <a:ext uri="{FF2B5EF4-FFF2-40B4-BE49-F238E27FC236}">
-                <a16:creationId xmlns:a16="http://schemas.microsoft.com/office/drawing/2014/main" id="{E8486339-0E9B-5B9A-2B8B-4FED79C63285}"/>
-              </a:ext>
-            </a:extLst>
-          </p:cNvPr>
-          <p:cNvCxnSpPr>
-            <a:stCxn id="28" idx="0"/>
-            <a:endCxn id="60" idx="2"/>
-          </p:cNvCxnSpPr>
-          <p:nvPr/>
-        </p:nvCxnSpPr>
-        <p:spPr>
-          <a:xfrm>
-            <a:off x="3688079" y="3875643"/>
-            <a:ext cx="304798" cy="1064"/>
-          </a:xfrm>
-          <a:prstGeom prst="straightConnector1">
-            <a:avLst/>
-          </a:prstGeom>
-          <a:ln>
-            <a:tailEnd type="triangle"/>
-          </a:ln>
-        </p:spPr>
-        <p:style>
-          <a:lnRef idx="1">
-            <a:schemeClr val="accent1"/>
-          </a:lnRef>
-          <a:fillRef idx="0">
-            <a:schemeClr val="accent1"/>
-          </a:fillRef>
-          <a:effectRef idx="0">
-            <a:schemeClr val="accent1"/>
-          </a:effectRef>
-          <a:fontRef idx="minor">
-            <a:schemeClr val="tx1"/>
-          </a:fontRef>
-        </p:style>
-      </p:cxnSp>
-      <p:cxnSp>
-        <p:nvCxnSpPr>
-          <p:cNvPr id="64" name="Straight Arrow Connector 63">
-            <a:extLst>
-              <a:ext uri="{FF2B5EF4-FFF2-40B4-BE49-F238E27FC236}">
-                <a16:creationId xmlns:a16="http://schemas.microsoft.com/office/drawing/2014/main" id="{ACE3C36A-2202-5832-C5F4-E3C20C19F2EF}"/>
-              </a:ext>
-            </a:extLst>
-          </p:cNvPr>
-          <p:cNvCxnSpPr>
-            <a:stCxn id="60" idx="0"/>
-            <a:endCxn id="33" idx="1"/>
-          </p:cNvCxnSpPr>
-          <p:nvPr/>
-        </p:nvCxnSpPr>
-        <p:spPr>
-          <a:xfrm>
-            <a:off x="5693069" y="3876707"/>
-            <a:ext cx="557959" cy="7555"/>
-          </a:xfrm>
-          <a:prstGeom prst="straightConnector1">
-            <a:avLst/>
-          </a:prstGeom>
-          <a:ln>
-            <a:tailEnd type="triangle"/>
-          </a:ln>
-        </p:spPr>
-        <p:style>
-          <a:lnRef idx="1">
-            <a:schemeClr val="accent1"/>
-          </a:lnRef>
-          <a:fillRef idx="0">
-            <a:schemeClr val="accent1"/>
-          </a:fillRef>
-          <a:effectRef idx="0">
-            <a:schemeClr val="accent1"/>
-          </a:effectRef>
-          <a:fontRef idx="minor">
-            <a:schemeClr val="tx1"/>
-          </a:fontRef>
-        </p:style>
-      </p:cxnSp>
-    </p:spTree>
-    <p:extLst>
-      <p:ext uri="{BB962C8B-B14F-4D97-AF65-F5344CB8AC3E}">
-        <p14:creationId xmlns:p14="http://schemas.microsoft.com/office/powerpoint/2010/main" val="2822865057"/>
-      </p:ext>
-    </p:extLst>
-  </p:cSld>
-  <p:clrMapOvr>
-    <a:masterClrMapping/>
-  </p:clrMapOvr>
-</p:sld>
-</file>
-
-<file path=ppt/slides/slide21.xml><?xml version="1.0" encoding="utf-8"?>
-<p:sld xmlns:a="http://schemas.openxmlformats.org/drawingml/2006/main" xmlns:r="http://schemas.openxmlformats.org/officeDocument/2006/relationships" xmlns:p="http://schemas.openxmlformats.org/presentationml/2006/main">
-  <p:cSld>
-    <p:spTree>
-      <p:nvGrpSpPr>
-        <p:cNvPr id="1" name=""/>
-        <p:cNvGrpSpPr/>
-        <p:nvPr/>
-      </p:nvGrpSpPr>
-      <p:grpSpPr>
-        <a:xfrm>
-          <a:off x="0" y="0"/>
-          <a:ext cx="0" cy="0"/>
-          <a:chOff x="0" y="0"/>
-          <a:chExt cx="0" cy="0"/>
-        </a:xfrm>
-      </p:grpSpPr>
-      <p:sp>
-        <p:nvSpPr>
-          <p:cNvPr id="2" name="Title 1">
-            <a:extLst>
-              <a:ext uri="{FF2B5EF4-FFF2-40B4-BE49-F238E27FC236}">
-                <a16:creationId xmlns:a16="http://schemas.microsoft.com/office/drawing/2014/main" id="{09140196-710F-C3B3-5636-367ADB312F88}"/>
-              </a:ext>
-            </a:extLst>
-          </p:cNvPr>
-          <p:cNvSpPr>
-            <a:spLocks noGrp="1"/>
-          </p:cNvSpPr>
-          <p:nvPr>
-            <p:ph type="title"/>
-          </p:nvPr>
-        </p:nvSpPr>
-        <p:spPr>
-          <a:xfrm>
-            <a:off x="838200" y="273276"/>
-            <a:ext cx="10515600" cy="527504"/>
-          </a:xfrm>
-        </p:spPr>
-        <p:txBody>
-          <a:bodyPr>
-            <a:normAutofit fontScale="90000"/>
-          </a:bodyPr>
-          <a:lstStyle/>
-          <a:p>
-            <a:r>
-              <a:rPr lang="en-PL" dirty="0"/>
-              <a:t>PLAN - IDEAS</a:t>
-            </a:r>
-          </a:p>
-        </p:txBody>
-      </p:sp>
-      <p:sp>
-        <p:nvSpPr>
-          <p:cNvPr id="3" name="Content Placeholder 2">
-            <a:extLst>
-              <a:ext uri="{FF2B5EF4-FFF2-40B4-BE49-F238E27FC236}">
-                <a16:creationId xmlns:a16="http://schemas.microsoft.com/office/drawing/2014/main" id="{20E9ACC7-9813-D260-2B7E-2F5676F74851}"/>
-              </a:ext>
-            </a:extLst>
-          </p:cNvPr>
-          <p:cNvSpPr>
-            <a:spLocks noGrp="1"/>
-          </p:cNvSpPr>
-          <p:nvPr>
-            <p:ph idx="1"/>
-          </p:nvPr>
-        </p:nvSpPr>
-        <p:spPr>
-          <a:xfrm>
-            <a:off x="838200" y="976538"/>
-            <a:ext cx="10515600" cy="5608186"/>
-          </a:xfrm>
-        </p:spPr>
-        <p:txBody>
-          <a:bodyPr>
-            <a:normAutofit fontScale="55000" lnSpcReduction="20000"/>
-          </a:bodyPr>
-          <a:lstStyle/>
-          <a:p>
-            <a:pPr marL="0" indent="0">
-              <a:buNone/>
-            </a:pPr>
-            <a:r>
-              <a:rPr lang="en-PL" b="1" dirty="0"/>
-              <a:t>SEGMENTATION MODULE:</a:t>
-            </a:r>
-          </a:p>
-          <a:p>
-            <a:r>
-              <a:rPr lang="en-PL" dirty="0"/>
-              <a:t>Create new features and attributes: acceleration, differences between velo acc and dir in edge attributes, accumulated avg v, a, dir.</a:t>
-            </a:r>
-          </a:p>
-          <a:p>
-            <a:r>
-              <a:rPr lang="en-PL" dirty="0"/>
-              <a:t>Standardize somehow direction etc?</a:t>
-            </a:r>
-          </a:p>
-          <a:p>
-            <a:r>
-              <a:rPr lang="en-PL" dirty="0"/>
-              <a:t>Visualise the predictions, analyse the spikes without annotations.</a:t>
-            </a:r>
-          </a:p>
-          <a:p>
-            <a:r>
-              <a:rPr lang="en-PL" dirty="0"/>
-              <a:t>Remove threshold for edges (additionally).</a:t>
-            </a:r>
-          </a:p>
-          <a:p>
-            <a:r>
-              <a:rPr lang="en-PL" dirty="0"/>
-              <a:t>Play with K params individually to capture the impact / remove receptive field.</a:t>
-            </a:r>
-          </a:p>
-          <a:p>
-            <a:r>
-              <a:rPr lang="en-PL" dirty="0"/>
-              <a:t>Generate augmented data, by mirroring actions. </a:t>
-            </a:r>
-          </a:p>
-          <a:p>
-            <a:r>
-              <a:rPr lang="en-PL" dirty="0"/>
-              <a:t>Include dead and pass for annotations might be helpful further for spotting.</a:t>
-            </a:r>
-          </a:p>
-          <a:p>
-            <a:r>
-              <a:rPr lang="en-PL" dirty="0"/>
-              <a:t>Analyse somehow embeddings or attributes (need ideas). </a:t>
-            </a:r>
-          </a:p>
-          <a:p>
-            <a:r>
-              <a:rPr lang="en-PL" dirty="0"/>
-              <a:t>Select more often annotations which perform badly.</a:t>
-            </a:r>
-          </a:p>
-          <a:p>
-            <a:r>
-              <a:rPr lang="en-PL" dirty="0"/>
-              <a:t>For single models different way of choosing an anchor so negative samples were chosen.</a:t>
-            </a:r>
-          </a:p>
-          <a:p>
-            <a:r>
-              <a:rPr lang="en-PL" dirty="0"/>
-              <a:t>Transfer learning: learn model for all then fine tune to specific events</a:t>
-            </a:r>
-          </a:p>
-          <a:p>
-            <a:pPr marL="0" indent="0">
-              <a:buNone/>
-            </a:pPr>
-            <a:r>
-              <a:rPr lang="en-PL" b="1" dirty="0"/>
-              <a:t>*** CLEAN THE CODE ***</a:t>
-            </a:r>
-          </a:p>
-          <a:p>
-            <a:pPr marL="0" indent="0">
-              <a:buNone/>
-            </a:pPr>
-            <a:endParaRPr lang="en-PL" dirty="0"/>
-          </a:p>
-          <a:p>
-            <a:pPr marL="0" indent="0">
-              <a:buNone/>
-            </a:pPr>
-            <a:r>
-              <a:rPr lang="en-PL" b="1" dirty="0"/>
-              <a:t>SPOTTING MODULE</a:t>
-            </a:r>
-          </a:p>
-          <a:p>
-            <a:r>
-              <a:rPr lang="en-PL" dirty="0"/>
-              <a:t>Build pipeline and start experimenting with the number of FN cells.</a:t>
-            </a:r>
-          </a:p>
-          <a:p>
-            <a:r>
-              <a:rPr lang="en-PL" dirty="0"/>
-              <a:t>Potential issue: double overfitting.</a:t>
-            </a:r>
-          </a:p>
-          <a:p>
-            <a:r>
-              <a:rPr lang="en-PL" dirty="0"/>
-              <a:t>Decide about LossFunction, parametrise it as the data is unbalanced</a:t>
-            </a:r>
-          </a:p>
-          <a:p>
-            <a:endParaRPr lang="en-PL" dirty="0"/>
-          </a:p>
-          <a:p>
-            <a:endParaRPr lang="en-PL" dirty="0"/>
-          </a:p>
-          <a:p>
-            <a:endParaRPr lang="en-PL" dirty="0"/>
-          </a:p>
-        </p:txBody>
-      </p:sp>
-    </p:spTree>
-    <p:extLst>
-      <p:ext uri="{BB962C8B-B14F-4D97-AF65-F5344CB8AC3E}">
-        <p14:creationId xmlns:p14="http://schemas.microsoft.com/office/powerpoint/2010/main" val="4103414296"/>
-      </p:ext>
-    </p:extLst>
-  </p:cSld>
-  <p:clrMapOvr>
-    <a:masterClrMapping/>
-  </p:clrMapOvr>
-</p:sld>
-</file>
-
 <file path=ppt/slides/slide22.xml><?xml version="1.0" encoding="utf-8"?>
 <p:sld xmlns:a="http://schemas.openxmlformats.org/drawingml/2006/main" xmlns:r="http://schemas.openxmlformats.org/officeDocument/2006/relationships" xmlns:p="http://schemas.openxmlformats.org/presentationml/2006/main">
   <p:cSld>
@@ -6169,10 +5149,10 @@
       </p:grpSpPr>
       <p:sp>
         <p:nvSpPr>
-          <p:cNvPr id="5" name="Title 4">
-            <a:extLst>
-              <a:ext uri="{FF2B5EF4-FFF2-40B4-BE49-F238E27FC236}">
-                <a16:creationId xmlns:a16="http://schemas.microsoft.com/office/drawing/2014/main" id="{FA1D7A2E-5AEB-FA0B-CA30-792496DC2668}"/>
+          <p:cNvPr id="2" name="Title 1">
+            <a:extLst>
+              <a:ext uri="{FF2B5EF4-FFF2-40B4-BE49-F238E27FC236}">
+                <a16:creationId xmlns:a16="http://schemas.microsoft.com/office/drawing/2014/main" id="{CBF9555E-3218-6845-0DE2-329EB6E881FE}"/>
               </a:ext>
             </a:extLst>
           </p:cNvPr>
@@ -6190,679 +5170,47 @@
           <a:p>
             <a:r>
               <a:rPr lang="en-PL" dirty="0"/>
-              <a:t>Proposed Pipeline</a:t>
-            </a:r>
-          </a:p>
-        </p:txBody>
-      </p:sp>
-      <p:sp>
-        <p:nvSpPr>
-          <p:cNvPr id="6" name="Rectangle 5">
-            <a:extLst>
-              <a:ext uri="{FF2B5EF4-FFF2-40B4-BE49-F238E27FC236}">
-                <a16:creationId xmlns:a16="http://schemas.microsoft.com/office/drawing/2014/main" id="{3A1C1B31-1A3F-4675-BB48-9A55C86017C6}"/>
-              </a:ext>
-            </a:extLst>
-          </p:cNvPr>
-          <p:cNvSpPr/>
-          <p:nvPr/>
-        </p:nvSpPr>
-        <p:spPr>
-          <a:xfrm>
-            <a:off x="1326710" y="1859437"/>
-            <a:ext cx="1426028" cy="4049485"/>
+              <a:t>Event distribution in the game</a:t>
+            </a:r>
+          </a:p>
+        </p:txBody>
+      </p:sp>
+      <p:pic>
+        <p:nvPicPr>
+          <p:cNvPr id="4" name="Content Placeholder 3">
+            <a:extLst>
+              <a:ext uri="{FF2B5EF4-FFF2-40B4-BE49-F238E27FC236}">
+                <a16:creationId xmlns:a16="http://schemas.microsoft.com/office/drawing/2014/main" id="{6AA54701-87CF-2438-7B5C-890FC63ECDC7}"/>
+              </a:ext>
+            </a:extLst>
+          </p:cNvPr>
+          <p:cNvPicPr>
+            <a:picLocks noGrp="1" noChangeAspect="1"/>
+          </p:cNvPicPr>
+          <p:nvPr>
+            <p:ph idx="1"/>
+          </p:nvPr>
+        </p:nvPicPr>
+        <p:blipFill>
+          <a:blip r:embed="rId2"/>
+          <a:stretch>
+            <a:fillRect/>
+          </a:stretch>
+        </p:blipFill>
+        <p:spPr>
+          <a:xfrm>
+            <a:off x="1000442" y="1825625"/>
+            <a:ext cx="10191115" cy="4351338"/>
           </a:xfrm>
           <a:prstGeom prst="rect">
             <a:avLst/>
           </a:prstGeom>
         </p:spPr>
-        <p:style>
-          <a:lnRef idx="2">
-            <a:schemeClr val="accent1">
-              <a:shade val="15000"/>
-            </a:schemeClr>
-          </a:lnRef>
-          <a:fillRef idx="1">
-            <a:schemeClr val="accent1"/>
-          </a:fillRef>
-          <a:effectRef idx="0">
-            <a:schemeClr val="accent1"/>
-          </a:effectRef>
-          <a:fontRef idx="minor">
-            <a:schemeClr val="lt1"/>
-          </a:fontRef>
-        </p:style>
-        <p:txBody>
-          <a:bodyPr vert="vert270" rtlCol="0" anchor="ctr"/>
-          <a:lstStyle/>
-          <a:p>
-            <a:pPr algn="ctr"/>
-            <a:r>
-              <a:rPr lang="en-PL" dirty="0"/>
-              <a:t>SEGMENTATION</a:t>
-            </a:r>
-            <a:br>
-              <a:rPr lang="en-PL" dirty="0"/>
-            </a:br>
-            <a:r>
-              <a:rPr lang="en-PL" dirty="0"/>
-              <a:t>MODULE</a:t>
-            </a:r>
-          </a:p>
-          <a:p>
-            <a:pPr algn="ctr"/>
-            <a:r>
-              <a:rPr lang="en-PL" dirty="0"/>
-              <a:t>(Black Box)</a:t>
-            </a:r>
-          </a:p>
-        </p:txBody>
-      </p:sp>
-      <p:sp>
-        <p:nvSpPr>
-          <p:cNvPr id="33" name="Rectangle 32">
-            <a:extLst>
-              <a:ext uri="{FF2B5EF4-FFF2-40B4-BE49-F238E27FC236}">
-                <a16:creationId xmlns:a16="http://schemas.microsoft.com/office/drawing/2014/main" id="{B62CF127-1E6B-3E04-3387-07EFB4B221DC}"/>
-              </a:ext>
-            </a:extLst>
-          </p:cNvPr>
-          <p:cNvSpPr/>
-          <p:nvPr/>
-        </p:nvSpPr>
-        <p:spPr>
-          <a:xfrm>
-            <a:off x="5036377" y="1957408"/>
-            <a:ext cx="979715" cy="3799113"/>
-          </a:xfrm>
-          <a:prstGeom prst="rect">
-            <a:avLst/>
-          </a:prstGeom>
-        </p:spPr>
-        <p:style>
-          <a:lnRef idx="2">
-            <a:schemeClr val="accent1">
-              <a:shade val="15000"/>
-            </a:schemeClr>
-          </a:lnRef>
-          <a:fillRef idx="1">
-            <a:schemeClr val="accent1"/>
-          </a:fillRef>
-          <a:effectRef idx="0">
-            <a:schemeClr val="accent1"/>
-          </a:effectRef>
-          <a:fontRef idx="minor">
-            <a:schemeClr val="lt1"/>
-          </a:fontRef>
-        </p:style>
-        <p:txBody>
-          <a:bodyPr vert="vert270" rtlCol="0" anchor="ctr"/>
-          <a:lstStyle/>
-          <a:p>
-            <a:pPr algn="ctr"/>
-            <a:r>
-              <a:rPr lang="en-PL" dirty="0"/>
-              <a:t>CONCATENATE</a:t>
-            </a:r>
-          </a:p>
-        </p:txBody>
-      </p:sp>
-      <p:sp>
-        <p:nvSpPr>
-          <p:cNvPr id="34" name="Rectangle 33">
-            <a:extLst>
-              <a:ext uri="{FF2B5EF4-FFF2-40B4-BE49-F238E27FC236}">
-                <a16:creationId xmlns:a16="http://schemas.microsoft.com/office/drawing/2014/main" id="{B9E16546-140A-855E-88FC-FA3B52B9E090}"/>
-              </a:ext>
-            </a:extLst>
-          </p:cNvPr>
-          <p:cNvSpPr/>
-          <p:nvPr/>
-        </p:nvSpPr>
-        <p:spPr>
-          <a:xfrm>
-            <a:off x="6625686" y="1957408"/>
-            <a:ext cx="979715" cy="3799113"/>
-          </a:xfrm>
-          <a:prstGeom prst="rect">
-            <a:avLst/>
-          </a:prstGeom>
-        </p:spPr>
-        <p:style>
-          <a:lnRef idx="2">
-            <a:schemeClr val="accent1">
-              <a:shade val="15000"/>
-            </a:schemeClr>
-          </a:lnRef>
-          <a:fillRef idx="1">
-            <a:schemeClr val="accent1"/>
-          </a:fillRef>
-          <a:effectRef idx="0">
-            <a:schemeClr val="accent1"/>
-          </a:effectRef>
-          <a:fontRef idx="minor">
-            <a:schemeClr val="lt1"/>
-          </a:fontRef>
-        </p:style>
-        <p:txBody>
-          <a:bodyPr vert="vert270" rtlCol="0" anchor="ctr"/>
-          <a:lstStyle/>
-          <a:p>
-            <a:pPr algn="ctr"/>
-            <a:r>
-              <a:rPr lang="en-PL" dirty="0"/>
-              <a:t>AVG POOL</a:t>
-            </a:r>
-          </a:p>
-        </p:txBody>
-      </p:sp>
-      <p:sp>
-        <p:nvSpPr>
-          <p:cNvPr id="35" name="Rectangle 34">
-            <a:extLst>
-              <a:ext uri="{FF2B5EF4-FFF2-40B4-BE49-F238E27FC236}">
-                <a16:creationId xmlns:a16="http://schemas.microsoft.com/office/drawing/2014/main" id="{B567CA65-5F72-CB42-E0AA-B358FD06DACA}"/>
-              </a:ext>
-            </a:extLst>
-          </p:cNvPr>
-          <p:cNvSpPr/>
-          <p:nvPr/>
-        </p:nvSpPr>
-        <p:spPr>
-          <a:xfrm>
-            <a:off x="8214995" y="1957408"/>
-            <a:ext cx="979715" cy="3799113"/>
-          </a:xfrm>
-          <a:prstGeom prst="rect">
-            <a:avLst/>
-          </a:prstGeom>
-        </p:spPr>
-        <p:style>
-          <a:lnRef idx="2">
-            <a:schemeClr val="accent1">
-              <a:shade val="15000"/>
-            </a:schemeClr>
-          </a:lnRef>
-          <a:fillRef idx="1">
-            <a:schemeClr val="accent1"/>
-          </a:fillRef>
-          <a:effectRef idx="0">
-            <a:schemeClr val="accent1"/>
-          </a:effectRef>
-          <a:fontRef idx="minor">
-            <a:schemeClr val="lt1"/>
-          </a:fontRef>
-        </p:style>
-        <p:txBody>
-          <a:bodyPr vert="vert270" rtlCol="0" anchor="ctr"/>
-          <a:lstStyle/>
-          <a:p>
-            <a:pPr algn="ctr"/>
-            <a:r>
-              <a:rPr lang="en-PL" dirty="0"/>
-              <a:t>LINEAR</a:t>
-            </a:r>
-          </a:p>
-        </p:txBody>
-      </p:sp>
-      <p:sp>
-        <p:nvSpPr>
-          <p:cNvPr id="36" name="Rectangle 35">
-            <a:extLst>
-              <a:ext uri="{FF2B5EF4-FFF2-40B4-BE49-F238E27FC236}">
-                <a16:creationId xmlns:a16="http://schemas.microsoft.com/office/drawing/2014/main" id="{C5B2E84F-4245-5223-02F3-2873F557E2A9}"/>
-              </a:ext>
-            </a:extLst>
-          </p:cNvPr>
-          <p:cNvSpPr/>
-          <p:nvPr/>
-        </p:nvSpPr>
-        <p:spPr>
-          <a:xfrm>
-            <a:off x="9804304" y="1984622"/>
-            <a:ext cx="979715" cy="3799113"/>
-          </a:xfrm>
-          <a:prstGeom prst="rect">
-            <a:avLst/>
-          </a:prstGeom>
-        </p:spPr>
-        <p:style>
-          <a:lnRef idx="2">
-            <a:schemeClr val="accent1">
-              <a:shade val="15000"/>
-            </a:schemeClr>
-          </a:lnRef>
-          <a:fillRef idx="1">
-            <a:schemeClr val="accent1"/>
-          </a:fillRef>
-          <a:effectRef idx="0">
-            <a:schemeClr val="accent1"/>
-          </a:effectRef>
-          <a:fontRef idx="minor">
-            <a:schemeClr val="lt1"/>
-          </a:fontRef>
-        </p:style>
-        <p:txBody>
-          <a:bodyPr vert="vert270" rtlCol="0" anchor="ctr"/>
-          <a:lstStyle/>
-          <a:p>
-            <a:pPr algn="ctr"/>
-            <a:r>
-              <a:rPr lang="en-PL" dirty="0"/>
-              <a:t>SIGMOID</a:t>
-            </a:r>
-          </a:p>
-        </p:txBody>
-      </p:sp>
-      <p:cxnSp>
-        <p:nvCxnSpPr>
-          <p:cNvPr id="46" name="Straight Arrow Connector 45">
-            <a:extLst>
-              <a:ext uri="{FF2B5EF4-FFF2-40B4-BE49-F238E27FC236}">
-                <a16:creationId xmlns:a16="http://schemas.microsoft.com/office/drawing/2014/main" id="{23F2C5B4-D43D-0452-234B-541D52309CA1}"/>
-              </a:ext>
-            </a:extLst>
-          </p:cNvPr>
-          <p:cNvCxnSpPr>
-            <a:stCxn id="33" idx="3"/>
-            <a:endCxn id="34" idx="1"/>
-          </p:cNvCxnSpPr>
-          <p:nvPr/>
-        </p:nvCxnSpPr>
-        <p:spPr>
-          <a:xfrm>
-            <a:off x="6016092" y="3856965"/>
-            <a:ext cx="609594" cy="0"/>
-          </a:xfrm>
-          <a:prstGeom prst="straightConnector1">
-            <a:avLst/>
-          </a:prstGeom>
-          <a:ln>
-            <a:tailEnd type="triangle"/>
-          </a:ln>
-        </p:spPr>
-        <p:style>
-          <a:lnRef idx="1">
-            <a:schemeClr val="accent1"/>
-          </a:lnRef>
-          <a:fillRef idx="0">
-            <a:schemeClr val="accent1"/>
-          </a:fillRef>
-          <a:effectRef idx="0">
-            <a:schemeClr val="accent1"/>
-          </a:effectRef>
-          <a:fontRef idx="minor">
-            <a:schemeClr val="tx1"/>
-          </a:fontRef>
-        </p:style>
-      </p:cxnSp>
-      <p:cxnSp>
-        <p:nvCxnSpPr>
-          <p:cNvPr id="48" name="Straight Arrow Connector 47">
-            <a:extLst>
-              <a:ext uri="{FF2B5EF4-FFF2-40B4-BE49-F238E27FC236}">
-                <a16:creationId xmlns:a16="http://schemas.microsoft.com/office/drawing/2014/main" id="{8AD2FA72-6ACD-B9F1-1E97-D7E0EA1521E9}"/>
-              </a:ext>
-            </a:extLst>
-          </p:cNvPr>
-          <p:cNvCxnSpPr>
-            <a:stCxn id="34" idx="3"/>
-            <a:endCxn id="35" idx="1"/>
-          </p:cNvCxnSpPr>
-          <p:nvPr/>
-        </p:nvCxnSpPr>
-        <p:spPr>
-          <a:xfrm>
-            <a:off x="7605401" y="3856965"/>
-            <a:ext cx="609594" cy="0"/>
-          </a:xfrm>
-          <a:prstGeom prst="straightConnector1">
-            <a:avLst/>
-          </a:prstGeom>
-          <a:ln>
-            <a:tailEnd type="triangle"/>
-          </a:ln>
-        </p:spPr>
-        <p:style>
-          <a:lnRef idx="1">
-            <a:schemeClr val="accent1"/>
-          </a:lnRef>
-          <a:fillRef idx="0">
-            <a:schemeClr val="accent1"/>
-          </a:fillRef>
-          <a:effectRef idx="0">
-            <a:schemeClr val="accent1"/>
-          </a:effectRef>
-          <a:fontRef idx="minor">
-            <a:schemeClr val="tx1"/>
-          </a:fontRef>
-        </p:style>
-      </p:cxnSp>
-      <p:cxnSp>
-        <p:nvCxnSpPr>
-          <p:cNvPr id="50" name="Straight Arrow Connector 49">
-            <a:extLst>
-              <a:ext uri="{FF2B5EF4-FFF2-40B4-BE49-F238E27FC236}">
-                <a16:creationId xmlns:a16="http://schemas.microsoft.com/office/drawing/2014/main" id="{4D8B9EFE-EED0-FD09-8E9A-2CE6EBCDD4C8}"/>
-              </a:ext>
-            </a:extLst>
-          </p:cNvPr>
-          <p:cNvCxnSpPr>
-            <a:stCxn id="35" idx="3"/>
-          </p:cNvCxnSpPr>
-          <p:nvPr/>
-        </p:nvCxnSpPr>
-        <p:spPr>
-          <a:xfrm>
-            <a:off x="9194710" y="3856965"/>
-            <a:ext cx="609594" cy="0"/>
-          </a:xfrm>
-          <a:prstGeom prst="straightConnector1">
-            <a:avLst/>
-          </a:prstGeom>
-          <a:ln>
-            <a:tailEnd type="triangle"/>
-          </a:ln>
-        </p:spPr>
-        <p:style>
-          <a:lnRef idx="1">
-            <a:schemeClr val="accent1"/>
-          </a:lnRef>
-          <a:fillRef idx="0">
-            <a:schemeClr val="accent1"/>
-          </a:fillRef>
-          <a:effectRef idx="0">
-            <a:schemeClr val="accent1"/>
-          </a:effectRef>
-          <a:fontRef idx="minor">
-            <a:schemeClr val="tx1"/>
-          </a:fontRef>
-        </p:style>
-      </p:cxnSp>
-      <p:sp>
-        <p:nvSpPr>
-          <p:cNvPr id="2" name="Rectangle 1">
-            <a:extLst>
-              <a:ext uri="{FF2B5EF4-FFF2-40B4-BE49-F238E27FC236}">
-                <a16:creationId xmlns:a16="http://schemas.microsoft.com/office/drawing/2014/main" id="{E8E0955D-AD34-7822-9E0B-6C50A4800DE1}"/>
-              </a:ext>
-            </a:extLst>
-          </p:cNvPr>
-          <p:cNvSpPr/>
-          <p:nvPr/>
-        </p:nvSpPr>
-        <p:spPr>
-          <a:xfrm>
-            <a:off x="3301612" y="1957409"/>
-            <a:ext cx="979715" cy="1700192"/>
-          </a:xfrm>
-          <a:prstGeom prst="rect">
-            <a:avLst/>
-          </a:prstGeom>
-        </p:spPr>
-        <p:style>
-          <a:lnRef idx="2">
-            <a:schemeClr val="accent1">
-              <a:shade val="15000"/>
-            </a:schemeClr>
-          </a:lnRef>
-          <a:fillRef idx="1">
-            <a:schemeClr val="accent1"/>
-          </a:fillRef>
-          <a:effectRef idx="0">
-            <a:schemeClr val="accent1"/>
-          </a:effectRef>
-          <a:fontRef idx="minor">
-            <a:schemeClr val="lt1"/>
-          </a:fontRef>
-        </p:style>
-        <p:txBody>
-          <a:bodyPr vert="vert270" rtlCol="0" anchor="ctr"/>
-          <a:lstStyle/>
-          <a:p>
-            <a:pPr algn="ctr"/>
-            <a:r>
-              <a:rPr lang="en-PL" dirty="0"/>
-              <a:t>FilterNet</a:t>
-            </a:r>
-          </a:p>
-          <a:p>
-            <a:pPr algn="ctr"/>
-            <a:r>
-              <a:rPr lang="en-PL" dirty="0"/>
-              <a:t>(LSTM-bidir)</a:t>
-            </a:r>
-          </a:p>
-        </p:txBody>
-      </p:sp>
-      <p:sp>
-        <p:nvSpPr>
-          <p:cNvPr id="3" name="Rectangle 2">
-            <a:extLst>
-              <a:ext uri="{FF2B5EF4-FFF2-40B4-BE49-F238E27FC236}">
-                <a16:creationId xmlns:a16="http://schemas.microsoft.com/office/drawing/2014/main" id="{6EB1E3DD-43EB-C9CC-3ED9-91D05C95F782}"/>
-              </a:ext>
-            </a:extLst>
-          </p:cNvPr>
-          <p:cNvSpPr/>
-          <p:nvPr/>
-        </p:nvSpPr>
-        <p:spPr>
-          <a:xfrm>
-            <a:off x="3301612" y="4122285"/>
-            <a:ext cx="979715" cy="1700193"/>
-          </a:xfrm>
-          <a:prstGeom prst="rect">
-            <a:avLst/>
-          </a:prstGeom>
-        </p:spPr>
-        <p:style>
-          <a:lnRef idx="2">
-            <a:schemeClr val="accent1">
-              <a:shade val="15000"/>
-            </a:schemeClr>
-          </a:lnRef>
-          <a:fillRef idx="1">
-            <a:schemeClr val="accent1"/>
-          </a:fillRef>
-          <a:effectRef idx="0">
-            <a:schemeClr val="accent1"/>
-          </a:effectRef>
-          <a:fontRef idx="minor">
-            <a:schemeClr val="lt1"/>
-          </a:fontRef>
-        </p:style>
-        <p:txBody>
-          <a:bodyPr vert="vert270" rtlCol="0" anchor="ctr"/>
-          <a:lstStyle/>
-          <a:p>
-            <a:pPr algn="ctr"/>
-            <a:r>
-              <a:rPr lang="en-PL" dirty="0"/>
-              <a:t>CONVOLUTION </a:t>
-            </a:r>
-          </a:p>
-          <a:p>
-            <a:pPr algn="ctr"/>
-            <a:r>
-              <a:rPr lang="en-PL" dirty="0"/>
-              <a:t>WHOLE SEQUENCE</a:t>
-            </a:r>
-          </a:p>
-        </p:txBody>
-      </p:sp>
-      <p:cxnSp>
-        <p:nvCxnSpPr>
-          <p:cNvPr id="7" name="Elbow Connector 6">
-            <a:extLst>
-              <a:ext uri="{FF2B5EF4-FFF2-40B4-BE49-F238E27FC236}">
-                <a16:creationId xmlns:a16="http://schemas.microsoft.com/office/drawing/2014/main" id="{09210381-380C-A744-1365-B6741D30660D}"/>
-              </a:ext>
-            </a:extLst>
-          </p:cNvPr>
-          <p:cNvCxnSpPr>
-            <a:stCxn id="6" idx="3"/>
-            <a:endCxn id="3" idx="1"/>
-          </p:cNvCxnSpPr>
-          <p:nvPr/>
-        </p:nvCxnSpPr>
-        <p:spPr>
-          <a:xfrm>
-            <a:off x="2752738" y="3884180"/>
-            <a:ext cx="548874" cy="1088202"/>
-          </a:xfrm>
-          <a:prstGeom prst="bentConnector3">
-            <a:avLst/>
-          </a:prstGeom>
-          <a:ln>
-            <a:tailEnd type="triangle"/>
-          </a:ln>
-        </p:spPr>
-        <p:style>
-          <a:lnRef idx="1">
-            <a:schemeClr val="accent1"/>
-          </a:lnRef>
-          <a:fillRef idx="0">
-            <a:schemeClr val="accent1"/>
-          </a:fillRef>
-          <a:effectRef idx="0">
-            <a:schemeClr val="accent1"/>
-          </a:effectRef>
-          <a:fontRef idx="minor">
-            <a:schemeClr val="tx1"/>
-          </a:fontRef>
-        </p:style>
-      </p:cxnSp>
-      <p:cxnSp>
-        <p:nvCxnSpPr>
-          <p:cNvPr id="9" name="Elbow Connector 8">
-            <a:extLst>
-              <a:ext uri="{FF2B5EF4-FFF2-40B4-BE49-F238E27FC236}">
-                <a16:creationId xmlns:a16="http://schemas.microsoft.com/office/drawing/2014/main" id="{B3FA371D-B09E-D165-C10C-EE3E057E9AC4}"/>
-              </a:ext>
-            </a:extLst>
-          </p:cNvPr>
-          <p:cNvCxnSpPr>
-            <a:stCxn id="6" idx="3"/>
-            <a:endCxn id="2" idx="1"/>
-          </p:cNvCxnSpPr>
-          <p:nvPr/>
-        </p:nvCxnSpPr>
-        <p:spPr>
-          <a:xfrm flipV="1">
-            <a:off x="2752738" y="2807505"/>
-            <a:ext cx="548874" cy="1076675"/>
-          </a:xfrm>
-          <a:prstGeom prst="bentConnector3">
-            <a:avLst/>
-          </a:prstGeom>
-          <a:ln>
-            <a:tailEnd type="triangle"/>
-          </a:ln>
-        </p:spPr>
-        <p:style>
-          <a:lnRef idx="1">
-            <a:schemeClr val="accent1"/>
-          </a:lnRef>
-          <a:fillRef idx="0">
-            <a:schemeClr val="accent1"/>
-          </a:fillRef>
-          <a:effectRef idx="0">
-            <a:schemeClr val="accent1"/>
-          </a:effectRef>
-          <a:fontRef idx="minor">
-            <a:schemeClr val="tx1"/>
-          </a:fontRef>
-        </p:style>
-      </p:cxnSp>
-      <p:cxnSp>
-        <p:nvCxnSpPr>
-          <p:cNvPr id="11" name="Elbow Connector 10">
-            <a:extLst>
-              <a:ext uri="{FF2B5EF4-FFF2-40B4-BE49-F238E27FC236}">
-                <a16:creationId xmlns:a16="http://schemas.microsoft.com/office/drawing/2014/main" id="{47E040F8-4EB8-B383-665A-E8D6FCA7CC78}"/>
-              </a:ext>
-            </a:extLst>
-          </p:cNvPr>
-          <p:cNvCxnSpPr>
-            <a:stCxn id="2" idx="3"/>
-            <a:endCxn id="33" idx="1"/>
-          </p:cNvCxnSpPr>
-          <p:nvPr/>
-        </p:nvCxnSpPr>
-        <p:spPr>
-          <a:xfrm>
-            <a:off x="4281327" y="2807505"/>
-            <a:ext cx="755050" cy="1049460"/>
-          </a:xfrm>
-          <a:prstGeom prst="bentConnector3">
-            <a:avLst/>
-          </a:prstGeom>
-          <a:ln>
-            <a:tailEnd type="triangle"/>
-          </a:ln>
-        </p:spPr>
-        <p:style>
-          <a:lnRef idx="1">
-            <a:schemeClr val="accent1"/>
-          </a:lnRef>
-          <a:fillRef idx="0">
-            <a:schemeClr val="accent1"/>
-          </a:fillRef>
-          <a:effectRef idx="0">
-            <a:schemeClr val="accent1"/>
-          </a:effectRef>
-          <a:fontRef idx="minor">
-            <a:schemeClr val="tx1"/>
-          </a:fontRef>
-        </p:style>
-      </p:cxnSp>
-      <p:cxnSp>
-        <p:nvCxnSpPr>
-          <p:cNvPr id="13" name="Elbow Connector 12">
-            <a:extLst>
-              <a:ext uri="{FF2B5EF4-FFF2-40B4-BE49-F238E27FC236}">
-                <a16:creationId xmlns:a16="http://schemas.microsoft.com/office/drawing/2014/main" id="{93421866-C114-4E15-541E-9ED7741F0ABB}"/>
-              </a:ext>
-            </a:extLst>
-          </p:cNvPr>
-          <p:cNvCxnSpPr>
-            <a:stCxn id="3" idx="3"/>
-            <a:endCxn id="33" idx="1"/>
-          </p:cNvCxnSpPr>
-          <p:nvPr/>
-        </p:nvCxnSpPr>
-        <p:spPr>
-          <a:xfrm flipV="1">
-            <a:off x="4281327" y="3856965"/>
-            <a:ext cx="755050" cy="1115417"/>
-          </a:xfrm>
-          <a:prstGeom prst="bentConnector3">
-            <a:avLst/>
-          </a:prstGeom>
-          <a:ln>
-            <a:tailEnd type="triangle"/>
-          </a:ln>
-        </p:spPr>
-        <p:style>
-          <a:lnRef idx="1">
-            <a:schemeClr val="accent1"/>
-          </a:lnRef>
-          <a:fillRef idx="0">
-            <a:schemeClr val="accent1"/>
-          </a:fillRef>
-          <a:effectRef idx="0">
-            <a:schemeClr val="accent1"/>
-          </a:effectRef>
-          <a:fontRef idx="minor">
-            <a:schemeClr val="tx1"/>
-          </a:fontRef>
-        </p:style>
-      </p:cxnSp>
+      </p:pic>
     </p:spTree>
     <p:extLst>
       <p:ext uri="{BB962C8B-B14F-4D97-AF65-F5344CB8AC3E}">
-        <p14:creationId xmlns:p14="http://schemas.microsoft.com/office/powerpoint/2010/main" val="1608781081"/>
+        <p14:creationId xmlns:p14="http://schemas.microsoft.com/office/powerpoint/2010/main" val="3781031469"/>
       </p:ext>
     </p:extLst>
   </p:cSld>
@@ -6891,6 +5239,2134 @@
       </p:grpSpPr>
       <p:sp>
         <p:nvSpPr>
+          <p:cNvPr id="2" name="Title 1">
+            <a:extLst>
+              <a:ext uri="{FF2B5EF4-FFF2-40B4-BE49-F238E27FC236}">
+                <a16:creationId xmlns:a16="http://schemas.microsoft.com/office/drawing/2014/main" id="{96F8BE19-88B2-5FEA-0D5B-E510D85C586A}"/>
+              </a:ext>
+            </a:extLst>
+          </p:cNvPr>
+          <p:cNvSpPr>
+            <a:spLocks noGrp="1"/>
+          </p:cNvSpPr>
+          <p:nvPr>
+            <p:ph type="title"/>
+          </p:nvPr>
+        </p:nvSpPr>
+        <p:spPr>
+          <a:xfrm>
+            <a:off x="568764" y="2596697"/>
+            <a:ext cx="5102693" cy="1325563"/>
+          </a:xfrm>
+        </p:spPr>
+        <p:txBody>
+          <a:bodyPr/>
+          <a:lstStyle/>
+          <a:p>
+            <a:r>
+              <a:rPr lang="en-PL" dirty="0"/>
+              <a:t>Correlation of the</a:t>
+            </a:r>
+            <a:br>
+              <a:rPr lang="en-PL" dirty="0"/>
+            </a:br>
+            <a:r>
+              <a:rPr lang="en-PL" dirty="0"/>
+              <a:t>Segmentation Results</a:t>
+            </a:r>
+          </a:p>
+        </p:txBody>
+      </p:sp>
+      <p:pic>
+        <p:nvPicPr>
+          <p:cNvPr id="4" name="Picture 3">
+            <a:extLst>
+              <a:ext uri="{FF2B5EF4-FFF2-40B4-BE49-F238E27FC236}">
+                <a16:creationId xmlns:a16="http://schemas.microsoft.com/office/drawing/2014/main" id="{51EFC332-C4C9-C322-B7AF-557F6EC246D5}"/>
+              </a:ext>
+            </a:extLst>
+          </p:cNvPr>
+          <p:cNvPicPr>
+            <a:picLocks noChangeAspect="1"/>
+          </p:cNvPicPr>
+          <p:nvPr/>
+        </p:nvPicPr>
+        <p:blipFill>
+          <a:blip r:embed="rId2"/>
+          <a:stretch>
+            <a:fillRect/>
+          </a:stretch>
+        </p:blipFill>
+        <p:spPr>
+          <a:xfrm>
+            <a:off x="5826564" y="0"/>
+            <a:ext cx="6365436" cy="6858000"/>
+          </a:xfrm>
+          <a:prstGeom prst="rect">
+            <a:avLst/>
+          </a:prstGeom>
+        </p:spPr>
+      </p:pic>
+    </p:spTree>
+    <p:extLst>
+      <p:ext uri="{BB962C8B-B14F-4D97-AF65-F5344CB8AC3E}">
+        <p14:creationId xmlns:p14="http://schemas.microsoft.com/office/powerpoint/2010/main" val="2320668275"/>
+      </p:ext>
+    </p:extLst>
+  </p:cSld>
+  <p:clrMapOvr>
+    <a:masterClrMapping/>
+  </p:clrMapOvr>
+</p:sld>
+</file>
+
+<file path=ppt/slides/slide24.xml><?xml version="1.0" encoding="utf-8"?>
+<p:sld xmlns:a="http://schemas.openxmlformats.org/drawingml/2006/main" xmlns:r="http://schemas.openxmlformats.org/officeDocument/2006/relationships" xmlns:p="http://schemas.openxmlformats.org/presentationml/2006/main">
+  <p:cSld>
+    <p:spTree>
+      <p:nvGrpSpPr>
+        <p:cNvPr id="1" name=""/>
+        <p:cNvGrpSpPr/>
+        <p:nvPr/>
+      </p:nvGrpSpPr>
+      <p:grpSpPr>
+        <a:xfrm>
+          <a:off x="0" y="0"/>
+          <a:ext cx="0" cy="0"/>
+          <a:chOff x="0" y="0"/>
+          <a:chExt cx="0" cy="0"/>
+        </a:xfrm>
+      </p:grpSpPr>
+      <p:sp>
+        <p:nvSpPr>
+          <p:cNvPr id="2" name="Title 1">
+            <a:extLst>
+              <a:ext uri="{FF2B5EF4-FFF2-40B4-BE49-F238E27FC236}">
+                <a16:creationId xmlns:a16="http://schemas.microsoft.com/office/drawing/2014/main" id="{09140196-710F-C3B3-5636-367ADB312F88}"/>
+              </a:ext>
+            </a:extLst>
+          </p:cNvPr>
+          <p:cNvSpPr>
+            <a:spLocks noGrp="1"/>
+          </p:cNvSpPr>
+          <p:nvPr>
+            <p:ph type="title"/>
+          </p:nvPr>
+        </p:nvSpPr>
+        <p:spPr/>
+        <p:txBody>
+          <a:bodyPr/>
+          <a:lstStyle/>
+          <a:p>
+            <a:r>
+              <a:rPr lang="en-PL" dirty="0"/>
+              <a:t>FilterNet</a:t>
+            </a:r>
+          </a:p>
+        </p:txBody>
+      </p:sp>
+      <p:pic>
+        <p:nvPicPr>
+          <p:cNvPr id="1026" name="Picture 2">
+            <a:extLst>
+              <a:ext uri="{FF2B5EF4-FFF2-40B4-BE49-F238E27FC236}">
+                <a16:creationId xmlns:a16="http://schemas.microsoft.com/office/drawing/2014/main" id="{3704F111-6234-BC98-E3A6-3C291043FDA5}"/>
+              </a:ext>
+            </a:extLst>
+          </p:cNvPr>
+          <p:cNvPicPr>
+            <a:picLocks noGrp="1" noChangeAspect="1" noChangeArrowheads="1"/>
+          </p:cNvPicPr>
+          <p:nvPr>
+            <p:ph idx="1"/>
+          </p:nvPr>
+        </p:nvPicPr>
+        <p:blipFill>
+          <a:blip r:embed="rId2">
+            <a:extLst>
+              <a:ext uri="{28A0092B-C50C-407E-A947-70E740481C1C}">
+                <a14:useLocalDpi xmlns:a14="http://schemas.microsoft.com/office/drawing/2010/main" val="0"/>
+              </a:ext>
+            </a:extLst>
+          </a:blip>
+          <a:srcRect/>
+          <a:stretch>
+            <a:fillRect/>
+          </a:stretch>
+        </p:blipFill>
+        <p:spPr bwMode="auto">
+          <a:xfrm>
+            <a:off x="2807824" y="1825625"/>
+            <a:ext cx="6576352" cy="4351338"/>
+          </a:xfrm>
+          <a:prstGeom prst="rect">
+            <a:avLst/>
+          </a:prstGeom>
+          <a:noFill/>
+          <a:extLst>
+            <a:ext uri="{909E8E84-426E-40DD-AFC4-6F175D3DCCD1}">
+              <a14:hiddenFill xmlns:a14="http://schemas.microsoft.com/office/drawing/2010/main">
+                <a:solidFill>
+                  <a:srgbClr val="FFFFFF"/>
+                </a:solidFill>
+              </a14:hiddenFill>
+            </a:ext>
+          </a:extLst>
+        </p:spPr>
+      </p:pic>
+    </p:spTree>
+    <p:extLst>
+      <p:ext uri="{BB962C8B-B14F-4D97-AF65-F5344CB8AC3E}">
+        <p14:creationId xmlns:p14="http://schemas.microsoft.com/office/powerpoint/2010/main" val="2526343008"/>
+      </p:ext>
+    </p:extLst>
+  </p:cSld>
+  <p:clrMapOvr>
+    <a:masterClrMapping/>
+  </p:clrMapOvr>
+</p:sld>
+</file>
+
+<file path=ppt/slides/slide25.xml><?xml version="1.0" encoding="utf-8"?>
+<p:sld xmlns:a="http://schemas.openxmlformats.org/drawingml/2006/main" xmlns:r="http://schemas.openxmlformats.org/officeDocument/2006/relationships" xmlns:p="http://schemas.openxmlformats.org/presentationml/2006/main">
+  <p:cSld>
+    <p:spTree>
+      <p:nvGrpSpPr>
+        <p:cNvPr id="1" name=""/>
+        <p:cNvGrpSpPr/>
+        <p:nvPr/>
+      </p:nvGrpSpPr>
+      <p:grpSpPr>
+        <a:xfrm>
+          <a:off x="0" y="0"/>
+          <a:ext cx="0" cy="0"/>
+          <a:chOff x="0" y="0"/>
+          <a:chExt cx="0" cy="0"/>
+        </a:xfrm>
+      </p:grpSpPr>
+      <p:sp>
+        <p:nvSpPr>
+          <p:cNvPr id="5" name="Title 4">
+            <a:extLst>
+              <a:ext uri="{FF2B5EF4-FFF2-40B4-BE49-F238E27FC236}">
+                <a16:creationId xmlns:a16="http://schemas.microsoft.com/office/drawing/2014/main" id="{FA1D7A2E-5AEB-FA0B-CA30-792496DC2668}"/>
+              </a:ext>
+            </a:extLst>
+          </p:cNvPr>
+          <p:cNvSpPr>
+            <a:spLocks noGrp="1"/>
+          </p:cNvSpPr>
+          <p:nvPr>
+            <p:ph type="title"/>
+          </p:nvPr>
+        </p:nvSpPr>
+        <p:spPr/>
+        <p:txBody>
+          <a:bodyPr/>
+          <a:lstStyle/>
+          <a:p>
+            <a:r>
+              <a:rPr lang="en-PL" dirty="0"/>
+              <a:t>Proposed Pipeline</a:t>
+            </a:r>
+          </a:p>
+        </p:txBody>
+      </p:sp>
+      <p:sp>
+        <p:nvSpPr>
+          <p:cNvPr id="6" name="Rectangle 5">
+            <a:extLst>
+              <a:ext uri="{FF2B5EF4-FFF2-40B4-BE49-F238E27FC236}">
+                <a16:creationId xmlns:a16="http://schemas.microsoft.com/office/drawing/2014/main" id="{3A1C1B31-1A3F-4675-BB48-9A55C86017C6}"/>
+              </a:ext>
+            </a:extLst>
+          </p:cNvPr>
+          <p:cNvSpPr/>
+          <p:nvPr/>
+        </p:nvSpPr>
+        <p:spPr>
+          <a:xfrm>
+            <a:off x="209722" y="1855700"/>
+            <a:ext cx="1426028" cy="4049485"/>
+          </a:xfrm>
+          <a:prstGeom prst="rect">
+            <a:avLst/>
+          </a:prstGeom>
+        </p:spPr>
+        <p:style>
+          <a:lnRef idx="2">
+            <a:schemeClr val="accent1">
+              <a:shade val="15000"/>
+            </a:schemeClr>
+          </a:lnRef>
+          <a:fillRef idx="1">
+            <a:schemeClr val="accent1"/>
+          </a:fillRef>
+          <a:effectRef idx="0">
+            <a:schemeClr val="accent1"/>
+          </a:effectRef>
+          <a:fontRef idx="minor">
+            <a:schemeClr val="lt1"/>
+          </a:fontRef>
+        </p:style>
+        <p:txBody>
+          <a:bodyPr vert="vert270" rtlCol="0" anchor="ctr"/>
+          <a:lstStyle/>
+          <a:p>
+            <a:pPr algn="ctr"/>
+            <a:r>
+              <a:rPr lang="en-PL" dirty="0"/>
+              <a:t>SEGMENTATION</a:t>
+            </a:r>
+            <a:br>
+              <a:rPr lang="en-PL" dirty="0"/>
+            </a:br>
+            <a:r>
+              <a:rPr lang="en-PL" dirty="0"/>
+              <a:t>MODULE</a:t>
+            </a:r>
+          </a:p>
+          <a:p>
+            <a:pPr algn="ctr"/>
+            <a:r>
+              <a:rPr lang="en-PL" dirty="0"/>
+              <a:t>(Black Box)</a:t>
+            </a:r>
+          </a:p>
+        </p:txBody>
+      </p:sp>
+      <p:sp>
+        <p:nvSpPr>
+          <p:cNvPr id="33" name="Rectangle 32">
+            <a:extLst>
+              <a:ext uri="{FF2B5EF4-FFF2-40B4-BE49-F238E27FC236}">
+                <a16:creationId xmlns:a16="http://schemas.microsoft.com/office/drawing/2014/main" id="{B62CF127-1E6B-3E04-3387-07EFB4B221DC}"/>
+              </a:ext>
+            </a:extLst>
+          </p:cNvPr>
+          <p:cNvSpPr/>
+          <p:nvPr/>
+        </p:nvSpPr>
+        <p:spPr>
+          <a:xfrm>
+            <a:off x="6251028" y="1984705"/>
+            <a:ext cx="979715" cy="3799113"/>
+          </a:xfrm>
+          <a:prstGeom prst="rect">
+            <a:avLst/>
+          </a:prstGeom>
+        </p:spPr>
+        <p:style>
+          <a:lnRef idx="2">
+            <a:schemeClr val="accent1">
+              <a:shade val="15000"/>
+            </a:schemeClr>
+          </a:lnRef>
+          <a:fillRef idx="1">
+            <a:schemeClr val="accent1"/>
+          </a:fillRef>
+          <a:effectRef idx="0">
+            <a:schemeClr val="accent1"/>
+          </a:effectRef>
+          <a:fontRef idx="minor">
+            <a:schemeClr val="lt1"/>
+          </a:fontRef>
+        </p:style>
+        <p:txBody>
+          <a:bodyPr vert="vert270" rtlCol="0" anchor="ctr"/>
+          <a:lstStyle/>
+          <a:p>
+            <a:pPr algn="ctr"/>
+            <a:r>
+              <a:rPr lang="en-PL" dirty="0"/>
+              <a:t>CONCATENATE</a:t>
+            </a:r>
+          </a:p>
+        </p:txBody>
+      </p:sp>
+      <p:sp>
+        <p:nvSpPr>
+          <p:cNvPr id="34" name="Rectangle 33">
+            <a:extLst>
+              <a:ext uri="{FF2B5EF4-FFF2-40B4-BE49-F238E27FC236}">
+                <a16:creationId xmlns:a16="http://schemas.microsoft.com/office/drawing/2014/main" id="{B9E16546-140A-855E-88FC-FA3B52B9E090}"/>
+              </a:ext>
+            </a:extLst>
+          </p:cNvPr>
+          <p:cNvSpPr/>
+          <p:nvPr/>
+        </p:nvSpPr>
+        <p:spPr>
+          <a:xfrm>
+            <a:off x="7840337" y="1980887"/>
+            <a:ext cx="979715" cy="3799113"/>
+          </a:xfrm>
+          <a:prstGeom prst="rect">
+            <a:avLst/>
+          </a:prstGeom>
+        </p:spPr>
+        <p:style>
+          <a:lnRef idx="2">
+            <a:schemeClr val="accent1">
+              <a:shade val="15000"/>
+            </a:schemeClr>
+          </a:lnRef>
+          <a:fillRef idx="1">
+            <a:schemeClr val="accent1"/>
+          </a:fillRef>
+          <a:effectRef idx="0">
+            <a:schemeClr val="accent1"/>
+          </a:effectRef>
+          <a:fontRef idx="minor">
+            <a:schemeClr val="lt1"/>
+          </a:fontRef>
+        </p:style>
+        <p:txBody>
+          <a:bodyPr vert="vert270" rtlCol="0" anchor="ctr"/>
+          <a:lstStyle/>
+          <a:p>
+            <a:pPr algn="ctr"/>
+            <a:r>
+              <a:rPr lang="en-PL" dirty="0"/>
+              <a:t>AVG POOL</a:t>
+            </a:r>
+          </a:p>
+        </p:txBody>
+      </p:sp>
+      <p:sp>
+        <p:nvSpPr>
+          <p:cNvPr id="35" name="Rectangle 34">
+            <a:extLst>
+              <a:ext uri="{FF2B5EF4-FFF2-40B4-BE49-F238E27FC236}">
+                <a16:creationId xmlns:a16="http://schemas.microsoft.com/office/drawing/2014/main" id="{B567CA65-5F72-CB42-E0AA-B358FD06DACA}"/>
+              </a:ext>
+            </a:extLst>
+          </p:cNvPr>
+          <p:cNvSpPr/>
+          <p:nvPr/>
+        </p:nvSpPr>
+        <p:spPr>
+          <a:xfrm>
+            <a:off x="9429646" y="1980886"/>
+            <a:ext cx="979715" cy="3799113"/>
+          </a:xfrm>
+          <a:prstGeom prst="rect">
+            <a:avLst/>
+          </a:prstGeom>
+        </p:spPr>
+        <p:style>
+          <a:lnRef idx="2">
+            <a:schemeClr val="accent1">
+              <a:shade val="15000"/>
+            </a:schemeClr>
+          </a:lnRef>
+          <a:fillRef idx="1">
+            <a:schemeClr val="accent1"/>
+          </a:fillRef>
+          <a:effectRef idx="0">
+            <a:schemeClr val="accent1"/>
+          </a:effectRef>
+          <a:fontRef idx="minor">
+            <a:schemeClr val="lt1"/>
+          </a:fontRef>
+        </p:style>
+        <p:txBody>
+          <a:bodyPr vert="vert270" rtlCol="0" anchor="ctr"/>
+          <a:lstStyle/>
+          <a:p>
+            <a:pPr algn="ctr"/>
+            <a:r>
+              <a:rPr lang="en-PL" dirty="0"/>
+              <a:t>LINEAR</a:t>
+            </a:r>
+          </a:p>
+        </p:txBody>
+      </p:sp>
+      <p:sp>
+        <p:nvSpPr>
+          <p:cNvPr id="36" name="Rectangle 35">
+            <a:extLst>
+              <a:ext uri="{FF2B5EF4-FFF2-40B4-BE49-F238E27FC236}">
+                <a16:creationId xmlns:a16="http://schemas.microsoft.com/office/drawing/2014/main" id="{C5B2E84F-4245-5223-02F3-2873F557E2A9}"/>
+              </a:ext>
+            </a:extLst>
+          </p:cNvPr>
+          <p:cNvSpPr/>
+          <p:nvPr/>
+        </p:nvSpPr>
+        <p:spPr>
+          <a:xfrm>
+            <a:off x="11018955" y="1984623"/>
+            <a:ext cx="979715" cy="3799113"/>
+          </a:xfrm>
+          <a:prstGeom prst="rect">
+            <a:avLst/>
+          </a:prstGeom>
+        </p:spPr>
+        <p:style>
+          <a:lnRef idx="2">
+            <a:schemeClr val="accent1">
+              <a:shade val="15000"/>
+            </a:schemeClr>
+          </a:lnRef>
+          <a:fillRef idx="1">
+            <a:schemeClr val="accent1"/>
+          </a:fillRef>
+          <a:effectRef idx="0">
+            <a:schemeClr val="accent1"/>
+          </a:effectRef>
+          <a:fontRef idx="minor">
+            <a:schemeClr val="lt1"/>
+          </a:fontRef>
+        </p:style>
+        <p:txBody>
+          <a:bodyPr vert="vert270" rtlCol="0" anchor="ctr"/>
+          <a:lstStyle/>
+          <a:p>
+            <a:pPr algn="ctr"/>
+            <a:r>
+              <a:rPr lang="en-PL" dirty="0"/>
+              <a:t>SIGMOID</a:t>
+            </a:r>
+          </a:p>
+        </p:txBody>
+      </p:sp>
+      <p:cxnSp>
+        <p:nvCxnSpPr>
+          <p:cNvPr id="46" name="Straight Arrow Connector 45">
+            <a:extLst>
+              <a:ext uri="{FF2B5EF4-FFF2-40B4-BE49-F238E27FC236}">
+                <a16:creationId xmlns:a16="http://schemas.microsoft.com/office/drawing/2014/main" id="{23F2C5B4-D43D-0452-234B-541D52309CA1}"/>
+              </a:ext>
+            </a:extLst>
+          </p:cNvPr>
+          <p:cNvCxnSpPr>
+            <a:stCxn id="33" idx="3"/>
+            <a:endCxn id="34" idx="1"/>
+          </p:cNvCxnSpPr>
+          <p:nvPr/>
+        </p:nvCxnSpPr>
+        <p:spPr>
+          <a:xfrm flipV="1">
+            <a:off x="7230743" y="3880444"/>
+            <a:ext cx="609594" cy="3818"/>
+          </a:xfrm>
+          <a:prstGeom prst="straightConnector1">
+            <a:avLst/>
+          </a:prstGeom>
+          <a:ln>
+            <a:tailEnd type="triangle"/>
+          </a:ln>
+        </p:spPr>
+        <p:style>
+          <a:lnRef idx="1">
+            <a:schemeClr val="accent1"/>
+          </a:lnRef>
+          <a:fillRef idx="0">
+            <a:schemeClr val="accent1"/>
+          </a:fillRef>
+          <a:effectRef idx="0">
+            <a:schemeClr val="accent1"/>
+          </a:effectRef>
+          <a:fontRef idx="minor">
+            <a:schemeClr val="tx1"/>
+          </a:fontRef>
+        </p:style>
+      </p:cxnSp>
+      <p:cxnSp>
+        <p:nvCxnSpPr>
+          <p:cNvPr id="48" name="Straight Arrow Connector 47">
+            <a:extLst>
+              <a:ext uri="{FF2B5EF4-FFF2-40B4-BE49-F238E27FC236}">
+                <a16:creationId xmlns:a16="http://schemas.microsoft.com/office/drawing/2014/main" id="{8AD2FA72-6ACD-B9F1-1E97-D7E0EA1521E9}"/>
+              </a:ext>
+            </a:extLst>
+          </p:cNvPr>
+          <p:cNvCxnSpPr>
+            <a:stCxn id="34" idx="3"/>
+            <a:endCxn id="35" idx="1"/>
+          </p:cNvCxnSpPr>
+          <p:nvPr/>
+        </p:nvCxnSpPr>
+        <p:spPr>
+          <a:xfrm flipV="1">
+            <a:off x="8820052" y="3880443"/>
+            <a:ext cx="609594" cy="1"/>
+          </a:xfrm>
+          <a:prstGeom prst="straightConnector1">
+            <a:avLst/>
+          </a:prstGeom>
+          <a:ln>
+            <a:tailEnd type="triangle"/>
+          </a:ln>
+        </p:spPr>
+        <p:style>
+          <a:lnRef idx="1">
+            <a:schemeClr val="accent1"/>
+          </a:lnRef>
+          <a:fillRef idx="0">
+            <a:schemeClr val="accent1"/>
+          </a:fillRef>
+          <a:effectRef idx="0">
+            <a:schemeClr val="accent1"/>
+          </a:effectRef>
+          <a:fontRef idx="minor">
+            <a:schemeClr val="tx1"/>
+          </a:fontRef>
+        </p:style>
+      </p:cxnSp>
+      <p:cxnSp>
+        <p:nvCxnSpPr>
+          <p:cNvPr id="50" name="Straight Arrow Connector 49">
+            <a:extLst>
+              <a:ext uri="{FF2B5EF4-FFF2-40B4-BE49-F238E27FC236}">
+                <a16:creationId xmlns:a16="http://schemas.microsoft.com/office/drawing/2014/main" id="{4D8B9EFE-EED0-FD09-8E9A-2CE6EBCDD4C8}"/>
+              </a:ext>
+            </a:extLst>
+          </p:cNvPr>
+          <p:cNvCxnSpPr>
+            <a:stCxn id="35" idx="3"/>
+          </p:cNvCxnSpPr>
+          <p:nvPr/>
+        </p:nvCxnSpPr>
+        <p:spPr>
+          <a:xfrm>
+            <a:off x="10409361" y="3880443"/>
+            <a:ext cx="609594" cy="0"/>
+          </a:xfrm>
+          <a:prstGeom prst="straightConnector1">
+            <a:avLst/>
+          </a:prstGeom>
+          <a:ln>
+            <a:tailEnd type="triangle"/>
+          </a:ln>
+        </p:spPr>
+        <p:style>
+          <a:lnRef idx="1">
+            <a:schemeClr val="accent1"/>
+          </a:lnRef>
+          <a:fillRef idx="0">
+            <a:schemeClr val="accent1"/>
+          </a:fillRef>
+          <a:effectRef idx="0">
+            <a:schemeClr val="accent1"/>
+          </a:effectRef>
+          <a:fontRef idx="minor">
+            <a:schemeClr val="tx1"/>
+          </a:fontRef>
+        </p:style>
+      </p:cxnSp>
+      <p:sp>
+        <p:nvSpPr>
+          <p:cNvPr id="2" name="Rectangle 1">
+            <a:extLst>
+              <a:ext uri="{FF2B5EF4-FFF2-40B4-BE49-F238E27FC236}">
+                <a16:creationId xmlns:a16="http://schemas.microsoft.com/office/drawing/2014/main" id="{E8E0955D-AD34-7822-9E0B-6C50A4800DE1}"/>
+              </a:ext>
+            </a:extLst>
+          </p:cNvPr>
+          <p:cNvSpPr/>
+          <p:nvPr/>
+        </p:nvSpPr>
+        <p:spPr>
+          <a:xfrm rot="5400000">
+            <a:off x="3352011" y="1630131"/>
+            <a:ext cx="979715" cy="1700192"/>
+          </a:xfrm>
+          <a:prstGeom prst="rect">
+            <a:avLst/>
+          </a:prstGeom>
+        </p:spPr>
+        <p:style>
+          <a:lnRef idx="2">
+            <a:schemeClr val="accent1">
+              <a:shade val="15000"/>
+            </a:schemeClr>
+          </a:lnRef>
+          <a:fillRef idx="1">
+            <a:schemeClr val="accent1"/>
+          </a:fillRef>
+          <a:effectRef idx="0">
+            <a:schemeClr val="accent1"/>
+          </a:effectRef>
+          <a:fontRef idx="minor">
+            <a:schemeClr val="lt1"/>
+          </a:fontRef>
+        </p:style>
+        <p:txBody>
+          <a:bodyPr vert="vert270" rtlCol="0" anchor="ctr"/>
+          <a:lstStyle/>
+          <a:p>
+            <a:pPr algn="ctr"/>
+            <a:r>
+              <a:rPr lang="en-PL" dirty="0"/>
+              <a:t>FilterNet</a:t>
+            </a:r>
+          </a:p>
+          <a:p>
+            <a:pPr algn="ctr"/>
+            <a:r>
+              <a:rPr lang="en-PL" dirty="0"/>
+              <a:t>(LSTM-bidir)</a:t>
+            </a:r>
+          </a:p>
+        </p:txBody>
+      </p:sp>
+      <p:sp>
+        <p:nvSpPr>
+          <p:cNvPr id="3" name="Rectangle 2">
+            <a:extLst>
+              <a:ext uri="{FF2B5EF4-FFF2-40B4-BE49-F238E27FC236}">
+                <a16:creationId xmlns:a16="http://schemas.microsoft.com/office/drawing/2014/main" id="{6EB1E3DD-43EB-C9CC-3ED9-91D05C95F782}"/>
+              </a:ext>
+            </a:extLst>
+          </p:cNvPr>
+          <p:cNvSpPr/>
+          <p:nvPr/>
+        </p:nvSpPr>
+        <p:spPr>
+          <a:xfrm rot="5400000">
+            <a:off x="3313876" y="4440045"/>
+            <a:ext cx="979715" cy="1700193"/>
+          </a:xfrm>
+          <a:prstGeom prst="rect">
+            <a:avLst/>
+          </a:prstGeom>
+        </p:spPr>
+        <p:style>
+          <a:lnRef idx="2">
+            <a:schemeClr val="accent1">
+              <a:shade val="15000"/>
+            </a:schemeClr>
+          </a:lnRef>
+          <a:fillRef idx="1">
+            <a:schemeClr val="accent1"/>
+          </a:fillRef>
+          <a:effectRef idx="0">
+            <a:schemeClr val="accent1"/>
+          </a:effectRef>
+          <a:fontRef idx="minor">
+            <a:schemeClr val="lt1"/>
+          </a:fontRef>
+        </p:style>
+        <p:txBody>
+          <a:bodyPr vert="vert270" rtlCol="0" anchor="ctr"/>
+          <a:lstStyle/>
+          <a:p>
+            <a:pPr algn="ctr"/>
+            <a:r>
+              <a:rPr lang="en-PL" dirty="0"/>
+              <a:t>CONVOLUTION </a:t>
+            </a:r>
+          </a:p>
+          <a:p>
+            <a:pPr algn="ctr"/>
+            <a:r>
+              <a:rPr lang="en-PL" dirty="0"/>
+              <a:t>WHOLE SEQUENCE</a:t>
+            </a:r>
+          </a:p>
+        </p:txBody>
+      </p:sp>
+      <p:cxnSp>
+        <p:nvCxnSpPr>
+          <p:cNvPr id="7" name="Elbow Connector 6">
+            <a:extLst>
+              <a:ext uri="{FF2B5EF4-FFF2-40B4-BE49-F238E27FC236}">
+                <a16:creationId xmlns:a16="http://schemas.microsoft.com/office/drawing/2014/main" id="{09210381-380C-A744-1365-B6741D30660D}"/>
+              </a:ext>
+            </a:extLst>
+          </p:cNvPr>
+          <p:cNvCxnSpPr>
+            <a:cxnSpLocks/>
+            <a:stCxn id="6" idx="3"/>
+            <a:endCxn id="3" idx="2"/>
+          </p:cNvCxnSpPr>
+          <p:nvPr/>
+        </p:nvCxnSpPr>
+        <p:spPr>
+          <a:xfrm>
+            <a:off x="1635750" y="3880443"/>
+            <a:ext cx="1317887" cy="1409699"/>
+          </a:xfrm>
+          <a:prstGeom prst="bentConnector3">
+            <a:avLst>
+              <a:gd name="adj1" fmla="val 11381"/>
+            </a:avLst>
+          </a:prstGeom>
+          <a:ln>
+            <a:tailEnd type="triangle"/>
+          </a:ln>
+        </p:spPr>
+        <p:style>
+          <a:lnRef idx="1">
+            <a:schemeClr val="accent1"/>
+          </a:lnRef>
+          <a:fillRef idx="0">
+            <a:schemeClr val="accent1"/>
+          </a:fillRef>
+          <a:effectRef idx="0">
+            <a:schemeClr val="accent1"/>
+          </a:effectRef>
+          <a:fontRef idx="minor">
+            <a:schemeClr val="tx1"/>
+          </a:fontRef>
+        </p:style>
+      </p:cxnSp>
+      <p:cxnSp>
+        <p:nvCxnSpPr>
+          <p:cNvPr id="9" name="Elbow Connector 8">
+            <a:extLst>
+              <a:ext uri="{FF2B5EF4-FFF2-40B4-BE49-F238E27FC236}">
+                <a16:creationId xmlns:a16="http://schemas.microsoft.com/office/drawing/2014/main" id="{B3FA371D-B09E-D165-C10C-EE3E057E9AC4}"/>
+              </a:ext>
+            </a:extLst>
+          </p:cNvPr>
+          <p:cNvCxnSpPr>
+            <a:cxnSpLocks/>
+            <a:stCxn id="6" idx="3"/>
+            <a:endCxn id="2" idx="2"/>
+          </p:cNvCxnSpPr>
+          <p:nvPr/>
+        </p:nvCxnSpPr>
+        <p:spPr>
+          <a:xfrm flipV="1">
+            <a:off x="1635750" y="2480228"/>
+            <a:ext cx="1356023" cy="1400215"/>
+          </a:xfrm>
+          <a:prstGeom prst="bentConnector3">
+            <a:avLst>
+              <a:gd name="adj1" fmla="val 10840"/>
+            </a:avLst>
+          </a:prstGeom>
+          <a:ln>
+            <a:tailEnd type="triangle"/>
+          </a:ln>
+        </p:spPr>
+        <p:style>
+          <a:lnRef idx="1">
+            <a:schemeClr val="accent1"/>
+          </a:lnRef>
+          <a:fillRef idx="0">
+            <a:schemeClr val="accent1"/>
+          </a:fillRef>
+          <a:effectRef idx="0">
+            <a:schemeClr val="accent1"/>
+          </a:effectRef>
+          <a:fontRef idx="minor">
+            <a:schemeClr val="tx1"/>
+          </a:fontRef>
+        </p:style>
+      </p:cxnSp>
+      <p:cxnSp>
+        <p:nvCxnSpPr>
+          <p:cNvPr id="11" name="Elbow Connector 10">
+            <a:extLst>
+              <a:ext uri="{FF2B5EF4-FFF2-40B4-BE49-F238E27FC236}">
+                <a16:creationId xmlns:a16="http://schemas.microsoft.com/office/drawing/2014/main" id="{47E040F8-4EB8-B383-665A-E8D6FCA7CC78}"/>
+              </a:ext>
+            </a:extLst>
+          </p:cNvPr>
+          <p:cNvCxnSpPr>
+            <a:cxnSpLocks/>
+            <a:stCxn id="2" idx="0"/>
+            <a:endCxn id="33" idx="1"/>
+          </p:cNvCxnSpPr>
+          <p:nvPr/>
+        </p:nvCxnSpPr>
+        <p:spPr>
+          <a:xfrm>
+            <a:off x="4691965" y="2480228"/>
+            <a:ext cx="1559063" cy="1404034"/>
+          </a:xfrm>
+          <a:prstGeom prst="bentConnector3">
+            <a:avLst>
+              <a:gd name="adj1" fmla="val 76559"/>
+            </a:avLst>
+          </a:prstGeom>
+          <a:ln>
+            <a:tailEnd type="triangle"/>
+          </a:ln>
+        </p:spPr>
+        <p:style>
+          <a:lnRef idx="1">
+            <a:schemeClr val="accent1"/>
+          </a:lnRef>
+          <a:fillRef idx="0">
+            <a:schemeClr val="accent1"/>
+          </a:fillRef>
+          <a:effectRef idx="0">
+            <a:schemeClr val="accent1"/>
+          </a:effectRef>
+          <a:fontRef idx="minor">
+            <a:schemeClr val="tx1"/>
+          </a:fontRef>
+        </p:style>
+      </p:cxnSp>
+      <p:cxnSp>
+        <p:nvCxnSpPr>
+          <p:cNvPr id="13" name="Elbow Connector 12">
+            <a:extLst>
+              <a:ext uri="{FF2B5EF4-FFF2-40B4-BE49-F238E27FC236}">
+                <a16:creationId xmlns:a16="http://schemas.microsoft.com/office/drawing/2014/main" id="{93421866-C114-4E15-541E-9ED7741F0ABB}"/>
+              </a:ext>
+            </a:extLst>
+          </p:cNvPr>
+          <p:cNvCxnSpPr>
+            <a:cxnSpLocks/>
+            <a:stCxn id="3" idx="0"/>
+            <a:endCxn id="33" idx="1"/>
+          </p:cNvCxnSpPr>
+          <p:nvPr/>
+        </p:nvCxnSpPr>
+        <p:spPr>
+          <a:xfrm flipV="1">
+            <a:off x="4653830" y="3884262"/>
+            <a:ext cx="1597198" cy="1405880"/>
+          </a:xfrm>
+          <a:prstGeom prst="bentConnector3">
+            <a:avLst>
+              <a:gd name="adj1" fmla="val 77005"/>
+            </a:avLst>
+          </a:prstGeom>
+          <a:ln>
+            <a:tailEnd type="triangle"/>
+          </a:ln>
+        </p:spPr>
+        <p:style>
+          <a:lnRef idx="1">
+            <a:schemeClr val="accent1"/>
+          </a:lnRef>
+          <a:fillRef idx="0">
+            <a:schemeClr val="accent1"/>
+          </a:fillRef>
+          <a:effectRef idx="0">
+            <a:schemeClr val="accent1"/>
+          </a:effectRef>
+          <a:fontRef idx="minor">
+            <a:schemeClr val="tx1"/>
+          </a:fontRef>
+        </p:style>
+      </p:cxnSp>
+      <p:sp>
+        <p:nvSpPr>
+          <p:cNvPr id="28" name="Rectangle 27">
+            <a:extLst>
+              <a:ext uri="{FF2B5EF4-FFF2-40B4-BE49-F238E27FC236}">
+                <a16:creationId xmlns:a16="http://schemas.microsoft.com/office/drawing/2014/main" id="{33F39BFA-8D39-87D0-497A-5CC32AC561AC}"/>
+              </a:ext>
+            </a:extLst>
+          </p:cNvPr>
+          <p:cNvSpPr/>
+          <p:nvPr/>
+        </p:nvSpPr>
+        <p:spPr>
+          <a:xfrm rot="5400000">
+            <a:off x="2348125" y="3025546"/>
+            <a:ext cx="979715" cy="1700193"/>
+          </a:xfrm>
+          <a:prstGeom prst="rect">
+            <a:avLst/>
+          </a:prstGeom>
+        </p:spPr>
+        <p:style>
+          <a:lnRef idx="2">
+            <a:schemeClr val="accent1">
+              <a:shade val="15000"/>
+            </a:schemeClr>
+          </a:lnRef>
+          <a:fillRef idx="1">
+            <a:schemeClr val="accent1"/>
+          </a:fillRef>
+          <a:effectRef idx="0">
+            <a:schemeClr val="accent1"/>
+          </a:effectRef>
+          <a:fontRef idx="minor">
+            <a:schemeClr val="lt1"/>
+          </a:fontRef>
+        </p:style>
+        <p:txBody>
+          <a:bodyPr vert="vert270" rtlCol="0" anchor="ctr"/>
+          <a:lstStyle/>
+          <a:p>
+            <a:pPr algn="ctr"/>
+            <a:r>
+              <a:rPr lang="en-PL" dirty="0"/>
+              <a:t>CONVOLUTION </a:t>
+            </a:r>
+          </a:p>
+          <a:p>
+            <a:pPr algn="ctr"/>
+            <a:r>
+              <a:rPr lang="en-PL" dirty="0"/>
+              <a:t>ALONGSIDE </a:t>
+            </a:r>
+          </a:p>
+          <a:p>
+            <a:pPr algn="ctr"/>
+            <a:r>
+              <a:rPr lang="en-PL" dirty="0"/>
+              <a:t>EVENTS</a:t>
+            </a:r>
+          </a:p>
+        </p:txBody>
+      </p:sp>
+      <p:cxnSp>
+        <p:nvCxnSpPr>
+          <p:cNvPr id="32" name="Straight Arrow Connector 31">
+            <a:extLst>
+              <a:ext uri="{FF2B5EF4-FFF2-40B4-BE49-F238E27FC236}">
+                <a16:creationId xmlns:a16="http://schemas.microsoft.com/office/drawing/2014/main" id="{DDD2E8C3-A80B-ABBC-5647-74AB69CA78EE}"/>
+              </a:ext>
+            </a:extLst>
+          </p:cNvPr>
+          <p:cNvCxnSpPr>
+            <a:stCxn id="6" idx="3"/>
+            <a:endCxn id="28" idx="2"/>
+          </p:cNvCxnSpPr>
+          <p:nvPr/>
+        </p:nvCxnSpPr>
+        <p:spPr>
+          <a:xfrm flipV="1">
+            <a:off x="1635750" y="3875643"/>
+            <a:ext cx="352136" cy="4800"/>
+          </a:xfrm>
+          <a:prstGeom prst="straightConnector1">
+            <a:avLst/>
+          </a:prstGeom>
+          <a:ln>
+            <a:tailEnd type="triangle"/>
+          </a:ln>
+        </p:spPr>
+        <p:style>
+          <a:lnRef idx="1">
+            <a:schemeClr val="accent1"/>
+          </a:lnRef>
+          <a:fillRef idx="0">
+            <a:schemeClr val="accent1"/>
+          </a:fillRef>
+          <a:effectRef idx="0">
+            <a:schemeClr val="accent1"/>
+          </a:effectRef>
+          <a:fontRef idx="minor">
+            <a:schemeClr val="tx1"/>
+          </a:fontRef>
+        </p:style>
+      </p:cxnSp>
+      <p:sp>
+        <p:nvSpPr>
+          <p:cNvPr id="60" name="Rectangle 59">
+            <a:extLst>
+              <a:ext uri="{FF2B5EF4-FFF2-40B4-BE49-F238E27FC236}">
+                <a16:creationId xmlns:a16="http://schemas.microsoft.com/office/drawing/2014/main" id="{E7099218-2B60-F8AD-53FE-DE3641E58B20}"/>
+              </a:ext>
+            </a:extLst>
+          </p:cNvPr>
+          <p:cNvSpPr/>
+          <p:nvPr/>
+        </p:nvSpPr>
+        <p:spPr>
+          <a:xfrm rot="5400000">
+            <a:off x="4353115" y="3026610"/>
+            <a:ext cx="979715" cy="1700192"/>
+          </a:xfrm>
+          <a:prstGeom prst="rect">
+            <a:avLst/>
+          </a:prstGeom>
+        </p:spPr>
+        <p:style>
+          <a:lnRef idx="2">
+            <a:schemeClr val="accent1">
+              <a:shade val="15000"/>
+            </a:schemeClr>
+          </a:lnRef>
+          <a:fillRef idx="1">
+            <a:schemeClr val="accent1"/>
+          </a:fillRef>
+          <a:effectRef idx="0">
+            <a:schemeClr val="accent1"/>
+          </a:effectRef>
+          <a:fontRef idx="minor">
+            <a:schemeClr val="lt1"/>
+          </a:fontRef>
+        </p:style>
+        <p:txBody>
+          <a:bodyPr vert="vert270" rtlCol="0" anchor="ctr"/>
+          <a:lstStyle/>
+          <a:p>
+            <a:pPr algn="ctr"/>
+            <a:r>
+              <a:rPr lang="en-PL" dirty="0"/>
+              <a:t>FilterNet</a:t>
+            </a:r>
+          </a:p>
+          <a:p>
+            <a:pPr algn="ctr"/>
+            <a:r>
+              <a:rPr lang="en-PL" dirty="0"/>
+              <a:t>(LSTM-bidir)</a:t>
+            </a:r>
+          </a:p>
+        </p:txBody>
+      </p:sp>
+      <p:cxnSp>
+        <p:nvCxnSpPr>
+          <p:cNvPr id="62" name="Straight Arrow Connector 61">
+            <a:extLst>
+              <a:ext uri="{FF2B5EF4-FFF2-40B4-BE49-F238E27FC236}">
+                <a16:creationId xmlns:a16="http://schemas.microsoft.com/office/drawing/2014/main" id="{E8486339-0E9B-5B9A-2B8B-4FED79C63285}"/>
+              </a:ext>
+            </a:extLst>
+          </p:cNvPr>
+          <p:cNvCxnSpPr>
+            <a:stCxn id="28" idx="0"/>
+            <a:endCxn id="60" idx="2"/>
+          </p:cNvCxnSpPr>
+          <p:nvPr/>
+        </p:nvCxnSpPr>
+        <p:spPr>
+          <a:xfrm>
+            <a:off x="3688079" y="3875643"/>
+            <a:ext cx="304798" cy="1064"/>
+          </a:xfrm>
+          <a:prstGeom prst="straightConnector1">
+            <a:avLst/>
+          </a:prstGeom>
+          <a:ln>
+            <a:tailEnd type="triangle"/>
+          </a:ln>
+        </p:spPr>
+        <p:style>
+          <a:lnRef idx="1">
+            <a:schemeClr val="accent1"/>
+          </a:lnRef>
+          <a:fillRef idx="0">
+            <a:schemeClr val="accent1"/>
+          </a:fillRef>
+          <a:effectRef idx="0">
+            <a:schemeClr val="accent1"/>
+          </a:effectRef>
+          <a:fontRef idx="minor">
+            <a:schemeClr val="tx1"/>
+          </a:fontRef>
+        </p:style>
+      </p:cxnSp>
+      <p:cxnSp>
+        <p:nvCxnSpPr>
+          <p:cNvPr id="64" name="Straight Arrow Connector 63">
+            <a:extLst>
+              <a:ext uri="{FF2B5EF4-FFF2-40B4-BE49-F238E27FC236}">
+                <a16:creationId xmlns:a16="http://schemas.microsoft.com/office/drawing/2014/main" id="{ACE3C36A-2202-5832-C5F4-E3C20C19F2EF}"/>
+              </a:ext>
+            </a:extLst>
+          </p:cNvPr>
+          <p:cNvCxnSpPr>
+            <a:stCxn id="60" idx="0"/>
+            <a:endCxn id="33" idx="1"/>
+          </p:cNvCxnSpPr>
+          <p:nvPr/>
+        </p:nvCxnSpPr>
+        <p:spPr>
+          <a:xfrm>
+            <a:off x="5693069" y="3876707"/>
+            <a:ext cx="557959" cy="7555"/>
+          </a:xfrm>
+          <a:prstGeom prst="straightConnector1">
+            <a:avLst/>
+          </a:prstGeom>
+          <a:ln>
+            <a:tailEnd type="triangle"/>
+          </a:ln>
+        </p:spPr>
+        <p:style>
+          <a:lnRef idx="1">
+            <a:schemeClr val="accent1"/>
+          </a:lnRef>
+          <a:fillRef idx="0">
+            <a:schemeClr val="accent1"/>
+          </a:fillRef>
+          <a:effectRef idx="0">
+            <a:schemeClr val="accent1"/>
+          </a:effectRef>
+          <a:fontRef idx="minor">
+            <a:schemeClr val="tx1"/>
+          </a:fontRef>
+        </p:style>
+      </p:cxnSp>
+    </p:spTree>
+    <p:extLst>
+      <p:ext uri="{BB962C8B-B14F-4D97-AF65-F5344CB8AC3E}">
+        <p14:creationId xmlns:p14="http://schemas.microsoft.com/office/powerpoint/2010/main" val="2822865057"/>
+      </p:ext>
+    </p:extLst>
+  </p:cSld>
+  <p:clrMapOvr>
+    <a:masterClrMapping/>
+  </p:clrMapOvr>
+</p:sld>
+</file>
+
+<file path=ppt/slides/slide26.xml><?xml version="1.0" encoding="utf-8"?>
+<p:sld xmlns:a="http://schemas.openxmlformats.org/drawingml/2006/main" xmlns:r="http://schemas.openxmlformats.org/officeDocument/2006/relationships" xmlns:p="http://schemas.openxmlformats.org/presentationml/2006/main">
+  <p:cSld>
+    <p:spTree>
+      <p:nvGrpSpPr>
+        <p:cNvPr id="1" name=""/>
+        <p:cNvGrpSpPr/>
+        <p:nvPr/>
+      </p:nvGrpSpPr>
+      <p:grpSpPr>
+        <a:xfrm>
+          <a:off x="0" y="0"/>
+          <a:ext cx="0" cy="0"/>
+          <a:chOff x="0" y="0"/>
+          <a:chExt cx="0" cy="0"/>
+        </a:xfrm>
+      </p:grpSpPr>
+      <p:sp>
+        <p:nvSpPr>
+          <p:cNvPr id="2" name="Title 1">
+            <a:extLst>
+              <a:ext uri="{FF2B5EF4-FFF2-40B4-BE49-F238E27FC236}">
+                <a16:creationId xmlns:a16="http://schemas.microsoft.com/office/drawing/2014/main" id="{09140196-710F-C3B3-5636-367ADB312F88}"/>
+              </a:ext>
+            </a:extLst>
+          </p:cNvPr>
+          <p:cNvSpPr>
+            <a:spLocks noGrp="1"/>
+          </p:cNvSpPr>
+          <p:nvPr>
+            <p:ph type="title"/>
+          </p:nvPr>
+        </p:nvSpPr>
+        <p:spPr>
+          <a:xfrm>
+            <a:off x="838200" y="273276"/>
+            <a:ext cx="10515600" cy="527504"/>
+          </a:xfrm>
+        </p:spPr>
+        <p:txBody>
+          <a:bodyPr>
+            <a:normAutofit fontScale="90000"/>
+          </a:bodyPr>
+          <a:lstStyle/>
+          <a:p>
+            <a:r>
+              <a:rPr lang="en-PL" dirty="0"/>
+              <a:t>PLAN - IDEAS</a:t>
+            </a:r>
+          </a:p>
+        </p:txBody>
+      </p:sp>
+      <p:sp>
+        <p:nvSpPr>
+          <p:cNvPr id="3" name="Content Placeholder 2">
+            <a:extLst>
+              <a:ext uri="{FF2B5EF4-FFF2-40B4-BE49-F238E27FC236}">
+                <a16:creationId xmlns:a16="http://schemas.microsoft.com/office/drawing/2014/main" id="{20E9ACC7-9813-D260-2B7E-2F5676F74851}"/>
+              </a:ext>
+            </a:extLst>
+          </p:cNvPr>
+          <p:cNvSpPr>
+            <a:spLocks noGrp="1"/>
+          </p:cNvSpPr>
+          <p:nvPr>
+            <p:ph idx="1"/>
+          </p:nvPr>
+        </p:nvSpPr>
+        <p:spPr>
+          <a:xfrm>
+            <a:off x="838200" y="976538"/>
+            <a:ext cx="10515600" cy="5608186"/>
+          </a:xfrm>
+        </p:spPr>
+        <p:txBody>
+          <a:bodyPr>
+            <a:normAutofit fontScale="55000" lnSpcReduction="20000"/>
+          </a:bodyPr>
+          <a:lstStyle/>
+          <a:p>
+            <a:pPr marL="0" indent="0">
+              <a:buNone/>
+            </a:pPr>
+            <a:r>
+              <a:rPr lang="en-PL" b="1" dirty="0"/>
+              <a:t>SEGMENTATION MODULE:</a:t>
+            </a:r>
+          </a:p>
+          <a:p>
+            <a:r>
+              <a:rPr lang="en-PL" dirty="0"/>
+              <a:t>Create new features and attributes: acceleration, differences between velo acc and dir in edge attributes, accumulated avg v, a, dir.</a:t>
+            </a:r>
+          </a:p>
+          <a:p>
+            <a:r>
+              <a:rPr lang="en-PL" dirty="0"/>
+              <a:t>Standardize somehow direction etc?</a:t>
+            </a:r>
+          </a:p>
+          <a:p>
+            <a:r>
+              <a:rPr lang="en-PL" dirty="0"/>
+              <a:t>Visualise the predictions, analyse the spikes without annotations.</a:t>
+            </a:r>
+          </a:p>
+          <a:p>
+            <a:r>
+              <a:rPr lang="en-PL" dirty="0"/>
+              <a:t>Remove threshold for edges (additionally).</a:t>
+            </a:r>
+          </a:p>
+          <a:p>
+            <a:r>
+              <a:rPr lang="en-PL" dirty="0"/>
+              <a:t>Play with K params individually to capture the impact / remove receptive field.</a:t>
+            </a:r>
+          </a:p>
+          <a:p>
+            <a:r>
+              <a:rPr lang="en-PL" dirty="0"/>
+              <a:t>Generate augmented data, by mirroring actions. </a:t>
+            </a:r>
+          </a:p>
+          <a:p>
+            <a:r>
+              <a:rPr lang="en-PL" dirty="0"/>
+              <a:t>Include dead and pass for annotations might be helpful further for spotting.</a:t>
+            </a:r>
+          </a:p>
+          <a:p>
+            <a:r>
+              <a:rPr lang="en-PL" dirty="0"/>
+              <a:t>Analyse somehow embeddings or attributes (need ideas). </a:t>
+            </a:r>
+          </a:p>
+          <a:p>
+            <a:r>
+              <a:rPr lang="en-PL" dirty="0"/>
+              <a:t>Select more often annotations which perform badly.</a:t>
+            </a:r>
+          </a:p>
+          <a:p>
+            <a:r>
+              <a:rPr lang="en-PL" dirty="0"/>
+              <a:t>For single models different way of choosing an anchor so negative samples were chosen.</a:t>
+            </a:r>
+          </a:p>
+          <a:p>
+            <a:r>
+              <a:rPr lang="en-PL" dirty="0"/>
+              <a:t>Transfer learning: learn model for all then fine tune to specific events</a:t>
+            </a:r>
+          </a:p>
+          <a:p>
+            <a:pPr marL="0" indent="0">
+              <a:buNone/>
+            </a:pPr>
+            <a:r>
+              <a:rPr lang="en-PL" b="1" dirty="0"/>
+              <a:t>*** CLEAN THE CODE ***</a:t>
+            </a:r>
+          </a:p>
+          <a:p>
+            <a:pPr marL="0" indent="0">
+              <a:buNone/>
+            </a:pPr>
+            <a:endParaRPr lang="en-PL" dirty="0"/>
+          </a:p>
+          <a:p>
+            <a:pPr marL="0" indent="0">
+              <a:buNone/>
+            </a:pPr>
+            <a:r>
+              <a:rPr lang="en-PL" b="1" dirty="0"/>
+              <a:t>SPOTTING MODULE</a:t>
+            </a:r>
+          </a:p>
+          <a:p>
+            <a:r>
+              <a:rPr lang="en-PL" dirty="0"/>
+              <a:t>Build pipeline and start experimenting with the number of FN cells.</a:t>
+            </a:r>
+          </a:p>
+          <a:p>
+            <a:r>
+              <a:rPr lang="en-PL" dirty="0"/>
+              <a:t>Potential issue: double overfitting.</a:t>
+            </a:r>
+          </a:p>
+          <a:p>
+            <a:r>
+              <a:rPr lang="en-PL" dirty="0"/>
+              <a:t>Decide about LossFunction, parametrise it as the data is unbalanced</a:t>
+            </a:r>
+          </a:p>
+          <a:p>
+            <a:endParaRPr lang="en-PL" dirty="0"/>
+          </a:p>
+          <a:p>
+            <a:endParaRPr lang="en-PL" dirty="0"/>
+          </a:p>
+          <a:p>
+            <a:endParaRPr lang="en-PL" dirty="0"/>
+          </a:p>
+        </p:txBody>
+      </p:sp>
+    </p:spTree>
+    <p:extLst>
+      <p:ext uri="{BB962C8B-B14F-4D97-AF65-F5344CB8AC3E}">
+        <p14:creationId xmlns:p14="http://schemas.microsoft.com/office/powerpoint/2010/main" val="4103414296"/>
+      </p:ext>
+    </p:extLst>
+  </p:cSld>
+  <p:clrMapOvr>
+    <a:masterClrMapping/>
+  </p:clrMapOvr>
+</p:sld>
+</file>
+
+<file path=ppt/slides/slide27.xml><?xml version="1.0" encoding="utf-8"?>
+<p:sld xmlns:a="http://schemas.openxmlformats.org/drawingml/2006/main" xmlns:r="http://schemas.openxmlformats.org/officeDocument/2006/relationships" xmlns:p="http://schemas.openxmlformats.org/presentationml/2006/main">
+  <p:cSld>
+    <p:spTree>
+      <p:nvGrpSpPr>
+        <p:cNvPr id="1" name=""/>
+        <p:cNvGrpSpPr/>
+        <p:nvPr/>
+      </p:nvGrpSpPr>
+      <p:grpSpPr>
+        <a:xfrm>
+          <a:off x="0" y="0"/>
+          <a:ext cx="0" cy="0"/>
+          <a:chOff x="0" y="0"/>
+          <a:chExt cx="0" cy="0"/>
+        </a:xfrm>
+      </p:grpSpPr>
+      <p:sp>
+        <p:nvSpPr>
+          <p:cNvPr id="5" name="Title 4">
+            <a:extLst>
+              <a:ext uri="{FF2B5EF4-FFF2-40B4-BE49-F238E27FC236}">
+                <a16:creationId xmlns:a16="http://schemas.microsoft.com/office/drawing/2014/main" id="{FA1D7A2E-5AEB-FA0B-CA30-792496DC2668}"/>
+              </a:ext>
+            </a:extLst>
+          </p:cNvPr>
+          <p:cNvSpPr>
+            <a:spLocks noGrp="1"/>
+          </p:cNvSpPr>
+          <p:nvPr>
+            <p:ph type="title"/>
+          </p:nvPr>
+        </p:nvSpPr>
+        <p:spPr/>
+        <p:txBody>
+          <a:bodyPr/>
+          <a:lstStyle/>
+          <a:p>
+            <a:r>
+              <a:rPr lang="en-PL" dirty="0"/>
+              <a:t>Proposed Pipeline</a:t>
+            </a:r>
+          </a:p>
+        </p:txBody>
+      </p:sp>
+      <p:sp>
+        <p:nvSpPr>
+          <p:cNvPr id="6" name="Rectangle 5">
+            <a:extLst>
+              <a:ext uri="{FF2B5EF4-FFF2-40B4-BE49-F238E27FC236}">
+                <a16:creationId xmlns:a16="http://schemas.microsoft.com/office/drawing/2014/main" id="{3A1C1B31-1A3F-4675-BB48-9A55C86017C6}"/>
+              </a:ext>
+            </a:extLst>
+          </p:cNvPr>
+          <p:cNvSpPr/>
+          <p:nvPr/>
+        </p:nvSpPr>
+        <p:spPr>
+          <a:xfrm>
+            <a:off x="1326710" y="1859437"/>
+            <a:ext cx="1426028" cy="4049485"/>
+          </a:xfrm>
+          <a:prstGeom prst="rect">
+            <a:avLst/>
+          </a:prstGeom>
+        </p:spPr>
+        <p:style>
+          <a:lnRef idx="2">
+            <a:schemeClr val="accent1">
+              <a:shade val="15000"/>
+            </a:schemeClr>
+          </a:lnRef>
+          <a:fillRef idx="1">
+            <a:schemeClr val="accent1"/>
+          </a:fillRef>
+          <a:effectRef idx="0">
+            <a:schemeClr val="accent1"/>
+          </a:effectRef>
+          <a:fontRef idx="minor">
+            <a:schemeClr val="lt1"/>
+          </a:fontRef>
+        </p:style>
+        <p:txBody>
+          <a:bodyPr vert="vert270" rtlCol="0" anchor="ctr"/>
+          <a:lstStyle/>
+          <a:p>
+            <a:pPr algn="ctr"/>
+            <a:r>
+              <a:rPr lang="en-PL" dirty="0"/>
+              <a:t>SEGMENTATION</a:t>
+            </a:r>
+            <a:br>
+              <a:rPr lang="en-PL" dirty="0"/>
+            </a:br>
+            <a:r>
+              <a:rPr lang="en-PL" dirty="0"/>
+              <a:t>MODULE</a:t>
+            </a:r>
+          </a:p>
+          <a:p>
+            <a:pPr algn="ctr"/>
+            <a:r>
+              <a:rPr lang="en-PL" dirty="0"/>
+              <a:t>(Black Box)</a:t>
+            </a:r>
+          </a:p>
+        </p:txBody>
+      </p:sp>
+      <p:sp>
+        <p:nvSpPr>
+          <p:cNvPr id="33" name="Rectangle 32">
+            <a:extLst>
+              <a:ext uri="{FF2B5EF4-FFF2-40B4-BE49-F238E27FC236}">
+                <a16:creationId xmlns:a16="http://schemas.microsoft.com/office/drawing/2014/main" id="{B62CF127-1E6B-3E04-3387-07EFB4B221DC}"/>
+              </a:ext>
+            </a:extLst>
+          </p:cNvPr>
+          <p:cNvSpPr/>
+          <p:nvPr/>
+        </p:nvSpPr>
+        <p:spPr>
+          <a:xfrm>
+            <a:off x="5036377" y="1957408"/>
+            <a:ext cx="979715" cy="3799113"/>
+          </a:xfrm>
+          <a:prstGeom prst="rect">
+            <a:avLst/>
+          </a:prstGeom>
+        </p:spPr>
+        <p:style>
+          <a:lnRef idx="2">
+            <a:schemeClr val="accent1">
+              <a:shade val="15000"/>
+            </a:schemeClr>
+          </a:lnRef>
+          <a:fillRef idx="1">
+            <a:schemeClr val="accent1"/>
+          </a:fillRef>
+          <a:effectRef idx="0">
+            <a:schemeClr val="accent1"/>
+          </a:effectRef>
+          <a:fontRef idx="minor">
+            <a:schemeClr val="lt1"/>
+          </a:fontRef>
+        </p:style>
+        <p:txBody>
+          <a:bodyPr vert="vert270" rtlCol="0" anchor="ctr"/>
+          <a:lstStyle/>
+          <a:p>
+            <a:pPr algn="ctr"/>
+            <a:r>
+              <a:rPr lang="en-PL" dirty="0"/>
+              <a:t>CONCATENATE</a:t>
+            </a:r>
+          </a:p>
+        </p:txBody>
+      </p:sp>
+      <p:sp>
+        <p:nvSpPr>
+          <p:cNvPr id="34" name="Rectangle 33">
+            <a:extLst>
+              <a:ext uri="{FF2B5EF4-FFF2-40B4-BE49-F238E27FC236}">
+                <a16:creationId xmlns:a16="http://schemas.microsoft.com/office/drawing/2014/main" id="{B9E16546-140A-855E-88FC-FA3B52B9E090}"/>
+              </a:ext>
+            </a:extLst>
+          </p:cNvPr>
+          <p:cNvSpPr/>
+          <p:nvPr/>
+        </p:nvSpPr>
+        <p:spPr>
+          <a:xfrm>
+            <a:off x="6625686" y="1957408"/>
+            <a:ext cx="979715" cy="3799113"/>
+          </a:xfrm>
+          <a:prstGeom prst="rect">
+            <a:avLst/>
+          </a:prstGeom>
+        </p:spPr>
+        <p:style>
+          <a:lnRef idx="2">
+            <a:schemeClr val="accent1">
+              <a:shade val="15000"/>
+            </a:schemeClr>
+          </a:lnRef>
+          <a:fillRef idx="1">
+            <a:schemeClr val="accent1"/>
+          </a:fillRef>
+          <a:effectRef idx="0">
+            <a:schemeClr val="accent1"/>
+          </a:effectRef>
+          <a:fontRef idx="minor">
+            <a:schemeClr val="lt1"/>
+          </a:fontRef>
+        </p:style>
+        <p:txBody>
+          <a:bodyPr vert="vert270" rtlCol="0" anchor="ctr"/>
+          <a:lstStyle/>
+          <a:p>
+            <a:pPr algn="ctr"/>
+            <a:r>
+              <a:rPr lang="en-PL" dirty="0"/>
+              <a:t>AVG POOL</a:t>
+            </a:r>
+          </a:p>
+        </p:txBody>
+      </p:sp>
+      <p:sp>
+        <p:nvSpPr>
+          <p:cNvPr id="35" name="Rectangle 34">
+            <a:extLst>
+              <a:ext uri="{FF2B5EF4-FFF2-40B4-BE49-F238E27FC236}">
+                <a16:creationId xmlns:a16="http://schemas.microsoft.com/office/drawing/2014/main" id="{B567CA65-5F72-CB42-E0AA-B358FD06DACA}"/>
+              </a:ext>
+            </a:extLst>
+          </p:cNvPr>
+          <p:cNvSpPr/>
+          <p:nvPr/>
+        </p:nvSpPr>
+        <p:spPr>
+          <a:xfrm>
+            <a:off x="8214995" y="1957408"/>
+            <a:ext cx="979715" cy="3799113"/>
+          </a:xfrm>
+          <a:prstGeom prst="rect">
+            <a:avLst/>
+          </a:prstGeom>
+        </p:spPr>
+        <p:style>
+          <a:lnRef idx="2">
+            <a:schemeClr val="accent1">
+              <a:shade val="15000"/>
+            </a:schemeClr>
+          </a:lnRef>
+          <a:fillRef idx="1">
+            <a:schemeClr val="accent1"/>
+          </a:fillRef>
+          <a:effectRef idx="0">
+            <a:schemeClr val="accent1"/>
+          </a:effectRef>
+          <a:fontRef idx="minor">
+            <a:schemeClr val="lt1"/>
+          </a:fontRef>
+        </p:style>
+        <p:txBody>
+          <a:bodyPr vert="vert270" rtlCol="0" anchor="ctr"/>
+          <a:lstStyle/>
+          <a:p>
+            <a:pPr algn="ctr"/>
+            <a:r>
+              <a:rPr lang="en-PL" dirty="0"/>
+              <a:t>LINEAR</a:t>
+            </a:r>
+          </a:p>
+        </p:txBody>
+      </p:sp>
+      <p:sp>
+        <p:nvSpPr>
+          <p:cNvPr id="36" name="Rectangle 35">
+            <a:extLst>
+              <a:ext uri="{FF2B5EF4-FFF2-40B4-BE49-F238E27FC236}">
+                <a16:creationId xmlns:a16="http://schemas.microsoft.com/office/drawing/2014/main" id="{C5B2E84F-4245-5223-02F3-2873F557E2A9}"/>
+              </a:ext>
+            </a:extLst>
+          </p:cNvPr>
+          <p:cNvSpPr/>
+          <p:nvPr/>
+        </p:nvSpPr>
+        <p:spPr>
+          <a:xfrm>
+            <a:off x="9804304" y="1984622"/>
+            <a:ext cx="979715" cy="3799113"/>
+          </a:xfrm>
+          <a:prstGeom prst="rect">
+            <a:avLst/>
+          </a:prstGeom>
+        </p:spPr>
+        <p:style>
+          <a:lnRef idx="2">
+            <a:schemeClr val="accent1">
+              <a:shade val="15000"/>
+            </a:schemeClr>
+          </a:lnRef>
+          <a:fillRef idx="1">
+            <a:schemeClr val="accent1"/>
+          </a:fillRef>
+          <a:effectRef idx="0">
+            <a:schemeClr val="accent1"/>
+          </a:effectRef>
+          <a:fontRef idx="minor">
+            <a:schemeClr val="lt1"/>
+          </a:fontRef>
+        </p:style>
+        <p:txBody>
+          <a:bodyPr vert="vert270" rtlCol="0" anchor="ctr"/>
+          <a:lstStyle/>
+          <a:p>
+            <a:pPr algn="ctr"/>
+            <a:r>
+              <a:rPr lang="en-PL" dirty="0"/>
+              <a:t>SIGMOID</a:t>
+            </a:r>
+          </a:p>
+        </p:txBody>
+      </p:sp>
+      <p:cxnSp>
+        <p:nvCxnSpPr>
+          <p:cNvPr id="46" name="Straight Arrow Connector 45">
+            <a:extLst>
+              <a:ext uri="{FF2B5EF4-FFF2-40B4-BE49-F238E27FC236}">
+                <a16:creationId xmlns:a16="http://schemas.microsoft.com/office/drawing/2014/main" id="{23F2C5B4-D43D-0452-234B-541D52309CA1}"/>
+              </a:ext>
+            </a:extLst>
+          </p:cNvPr>
+          <p:cNvCxnSpPr>
+            <a:stCxn id="33" idx="3"/>
+            <a:endCxn id="34" idx="1"/>
+          </p:cNvCxnSpPr>
+          <p:nvPr/>
+        </p:nvCxnSpPr>
+        <p:spPr>
+          <a:xfrm>
+            <a:off x="6016092" y="3856965"/>
+            <a:ext cx="609594" cy="0"/>
+          </a:xfrm>
+          <a:prstGeom prst="straightConnector1">
+            <a:avLst/>
+          </a:prstGeom>
+          <a:ln>
+            <a:tailEnd type="triangle"/>
+          </a:ln>
+        </p:spPr>
+        <p:style>
+          <a:lnRef idx="1">
+            <a:schemeClr val="accent1"/>
+          </a:lnRef>
+          <a:fillRef idx="0">
+            <a:schemeClr val="accent1"/>
+          </a:fillRef>
+          <a:effectRef idx="0">
+            <a:schemeClr val="accent1"/>
+          </a:effectRef>
+          <a:fontRef idx="minor">
+            <a:schemeClr val="tx1"/>
+          </a:fontRef>
+        </p:style>
+      </p:cxnSp>
+      <p:cxnSp>
+        <p:nvCxnSpPr>
+          <p:cNvPr id="48" name="Straight Arrow Connector 47">
+            <a:extLst>
+              <a:ext uri="{FF2B5EF4-FFF2-40B4-BE49-F238E27FC236}">
+                <a16:creationId xmlns:a16="http://schemas.microsoft.com/office/drawing/2014/main" id="{8AD2FA72-6ACD-B9F1-1E97-D7E0EA1521E9}"/>
+              </a:ext>
+            </a:extLst>
+          </p:cNvPr>
+          <p:cNvCxnSpPr>
+            <a:stCxn id="34" idx="3"/>
+            <a:endCxn id="35" idx="1"/>
+          </p:cNvCxnSpPr>
+          <p:nvPr/>
+        </p:nvCxnSpPr>
+        <p:spPr>
+          <a:xfrm>
+            <a:off x="7605401" y="3856965"/>
+            <a:ext cx="609594" cy="0"/>
+          </a:xfrm>
+          <a:prstGeom prst="straightConnector1">
+            <a:avLst/>
+          </a:prstGeom>
+          <a:ln>
+            <a:tailEnd type="triangle"/>
+          </a:ln>
+        </p:spPr>
+        <p:style>
+          <a:lnRef idx="1">
+            <a:schemeClr val="accent1"/>
+          </a:lnRef>
+          <a:fillRef idx="0">
+            <a:schemeClr val="accent1"/>
+          </a:fillRef>
+          <a:effectRef idx="0">
+            <a:schemeClr val="accent1"/>
+          </a:effectRef>
+          <a:fontRef idx="minor">
+            <a:schemeClr val="tx1"/>
+          </a:fontRef>
+        </p:style>
+      </p:cxnSp>
+      <p:cxnSp>
+        <p:nvCxnSpPr>
+          <p:cNvPr id="50" name="Straight Arrow Connector 49">
+            <a:extLst>
+              <a:ext uri="{FF2B5EF4-FFF2-40B4-BE49-F238E27FC236}">
+                <a16:creationId xmlns:a16="http://schemas.microsoft.com/office/drawing/2014/main" id="{4D8B9EFE-EED0-FD09-8E9A-2CE6EBCDD4C8}"/>
+              </a:ext>
+            </a:extLst>
+          </p:cNvPr>
+          <p:cNvCxnSpPr>
+            <a:stCxn id="35" idx="3"/>
+          </p:cNvCxnSpPr>
+          <p:nvPr/>
+        </p:nvCxnSpPr>
+        <p:spPr>
+          <a:xfrm>
+            <a:off x="9194710" y="3856965"/>
+            <a:ext cx="609594" cy="0"/>
+          </a:xfrm>
+          <a:prstGeom prst="straightConnector1">
+            <a:avLst/>
+          </a:prstGeom>
+          <a:ln>
+            <a:tailEnd type="triangle"/>
+          </a:ln>
+        </p:spPr>
+        <p:style>
+          <a:lnRef idx="1">
+            <a:schemeClr val="accent1"/>
+          </a:lnRef>
+          <a:fillRef idx="0">
+            <a:schemeClr val="accent1"/>
+          </a:fillRef>
+          <a:effectRef idx="0">
+            <a:schemeClr val="accent1"/>
+          </a:effectRef>
+          <a:fontRef idx="minor">
+            <a:schemeClr val="tx1"/>
+          </a:fontRef>
+        </p:style>
+      </p:cxnSp>
+      <p:sp>
+        <p:nvSpPr>
+          <p:cNvPr id="2" name="Rectangle 1">
+            <a:extLst>
+              <a:ext uri="{FF2B5EF4-FFF2-40B4-BE49-F238E27FC236}">
+                <a16:creationId xmlns:a16="http://schemas.microsoft.com/office/drawing/2014/main" id="{E8E0955D-AD34-7822-9E0B-6C50A4800DE1}"/>
+              </a:ext>
+            </a:extLst>
+          </p:cNvPr>
+          <p:cNvSpPr/>
+          <p:nvPr/>
+        </p:nvSpPr>
+        <p:spPr>
+          <a:xfrm>
+            <a:off x="3301612" y="1957409"/>
+            <a:ext cx="979715" cy="1700192"/>
+          </a:xfrm>
+          <a:prstGeom prst="rect">
+            <a:avLst/>
+          </a:prstGeom>
+        </p:spPr>
+        <p:style>
+          <a:lnRef idx="2">
+            <a:schemeClr val="accent1">
+              <a:shade val="15000"/>
+            </a:schemeClr>
+          </a:lnRef>
+          <a:fillRef idx="1">
+            <a:schemeClr val="accent1"/>
+          </a:fillRef>
+          <a:effectRef idx="0">
+            <a:schemeClr val="accent1"/>
+          </a:effectRef>
+          <a:fontRef idx="minor">
+            <a:schemeClr val="lt1"/>
+          </a:fontRef>
+        </p:style>
+        <p:txBody>
+          <a:bodyPr vert="vert270" rtlCol="0" anchor="ctr"/>
+          <a:lstStyle/>
+          <a:p>
+            <a:pPr algn="ctr"/>
+            <a:r>
+              <a:rPr lang="en-PL" dirty="0"/>
+              <a:t>FilterNet</a:t>
+            </a:r>
+          </a:p>
+          <a:p>
+            <a:pPr algn="ctr"/>
+            <a:r>
+              <a:rPr lang="en-PL" dirty="0"/>
+              <a:t>(LSTM-bidir)</a:t>
+            </a:r>
+          </a:p>
+        </p:txBody>
+      </p:sp>
+      <p:sp>
+        <p:nvSpPr>
+          <p:cNvPr id="3" name="Rectangle 2">
+            <a:extLst>
+              <a:ext uri="{FF2B5EF4-FFF2-40B4-BE49-F238E27FC236}">
+                <a16:creationId xmlns:a16="http://schemas.microsoft.com/office/drawing/2014/main" id="{6EB1E3DD-43EB-C9CC-3ED9-91D05C95F782}"/>
+              </a:ext>
+            </a:extLst>
+          </p:cNvPr>
+          <p:cNvSpPr/>
+          <p:nvPr/>
+        </p:nvSpPr>
+        <p:spPr>
+          <a:xfrm>
+            <a:off x="3301612" y="4122285"/>
+            <a:ext cx="979715" cy="1700193"/>
+          </a:xfrm>
+          <a:prstGeom prst="rect">
+            <a:avLst/>
+          </a:prstGeom>
+        </p:spPr>
+        <p:style>
+          <a:lnRef idx="2">
+            <a:schemeClr val="accent1">
+              <a:shade val="15000"/>
+            </a:schemeClr>
+          </a:lnRef>
+          <a:fillRef idx="1">
+            <a:schemeClr val="accent1"/>
+          </a:fillRef>
+          <a:effectRef idx="0">
+            <a:schemeClr val="accent1"/>
+          </a:effectRef>
+          <a:fontRef idx="minor">
+            <a:schemeClr val="lt1"/>
+          </a:fontRef>
+        </p:style>
+        <p:txBody>
+          <a:bodyPr vert="vert270" rtlCol="0" anchor="ctr"/>
+          <a:lstStyle/>
+          <a:p>
+            <a:pPr algn="ctr"/>
+            <a:r>
+              <a:rPr lang="en-PL" dirty="0"/>
+              <a:t>CONVOLUTION </a:t>
+            </a:r>
+          </a:p>
+          <a:p>
+            <a:pPr algn="ctr"/>
+            <a:r>
+              <a:rPr lang="en-PL" dirty="0"/>
+              <a:t>WHOLE SEQUENCE</a:t>
+            </a:r>
+          </a:p>
+        </p:txBody>
+      </p:sp>
+      <p:cxnSp>
+        <p:nvCxnSpPr>
+          <p:cNvPr id="7" name="Elbow Connector 6">
+            <a:extLst>
+              <a:ext uri="{FF2B5EF4-FFF2-40B4-BE49-F238E27FC236}">
+                <a16:creationId xmlns:a16="http://schemas.microsoft.com/office/drawing/2014/main" id="{09210381-380C-A744-1365-B6741D30660D}"/>
+              </a:ext>
+            </a:extLst>
+          </p:cNvPr>
+          <p:cNvCxnSpPr>
+            <a:stCxn id="6" idx="3"/>
+            <a:endCxn id="3" idx="1"/>
+          </p:cNvCxnSpPr>
+          <p:nvPr/>
+        </p:nvCxnSpPr>
+        <p:spPr>
+          <a:xfrm>
+            <a:off x="2752738" y="3884180"/>
+            <a:ext cx="548874" cy="1088202"/>
+          </a:xfrm>
+          <a:prstGeom prst="bentConnector3">
+            <a:avLst/>
+          </a:prstGeom>
+          <a:ln>
+            <a:tailEnd type="triangle"/>
+          </a:ln>
+        </p:spPr>
+        <p:style>
+          <a:lnRef idx="1">
+            <a:schemeClr val="accent1"/>
+          </a:lnRef>
+          <a:fillRef idx="0">
+            <a:schemeClr val="accent1"/>
+          </a:fillRef>
+          <a:effectRef idx="0">
+            <a:schemeClr val="accent1"/>
+          </a:effectRef>
+          <a:fontRef idx="minor">
+            <a:schemeClr val="tx1"/>
+          </a:fontRef>
+        </p:style>
+      </p:cxnSp>
+      <p:cxnSp>
+        <p:nvCxnSpPr>
+          <p:cNvPr id="9" name="Elbow Connector 8">
+            <a:extLst>
+              <a:ext uri="{FF2B5EF4-FFF2-40B4-BE49-F238E27FC236}">
+                <a16:creationId xmlns:a16="http://schemas.microsoft.com/office/drawing/2014/main" id="{B3FA371D-B09E-D165-C10C-EE3E057E9AC4}"/>
+              </a:ext>
+            </a:extLst>
+          </p:cNvPr>
+          <p:cNvCxnSpPr>
+            <a:stCxn id="6" idx="3"/>
+            <a:endCxn id="2" idx="1"/>
+          </p:cNvCxnSpPr>
+          <p:nvPr/>
+        </p:nvCxnSpPr>
+        <p:spPr>
+          <a:xfrm flipV="1">
+            <a:off x="2752738" y="2807505"/>
+            <a:ext cx="548874" cy="1076675"/>
+          </a:xfrm>
+          <a:prstGeom prst="bentConnector3">
+            <a:avLst/>
+          </a:prstGeom>
+          <a:ln>
+            <a:tailEnd type="triangle"/>
+          </a:ln>
+        </p:spPr>
+        <p:style>
+          <a:lnRef idx="1">
+            <a:schemeClr val="accent1"/>
+          </a:lnRef>
+          <a:fillRef idx="0">
+            <a:schemeClr val="accent1"/>
+          </a:fillRef>
+          <a:effectRef idx="0">
+            <a:schemeClr val="accent1"/>
+          </a:effectRef>
+          <a:fontRef idx="minor">
+            <a:schemeClr val="tx1"/>
+          </a:fontRef>
+        </p:style>
+      </p:cxnSp>
+      <p:cxnSp>
+        <p:nvCxnSpPr>
+          <p:cNvPr id="11" name="Elbow Connector 10">
+            <a:extLst>
+              <a:ext uri="{FF2B5EF4-FFF2-40B4-BE49-F238E27FC236}">
+                <a16:creationId xmlns:a16="http://schemas.microsoft.com/office/drawing/2014/main" id="{47E040F8-4EB8-B383-665A-E8D6FCA7CC78}"/>
+              </a:ext>
+            </a:extLst>
+          </p:cNvPr>
+          <p:cNvCxnSpPr>
+            <a:stCxn id="2" idx="3"/>
+            <a:endCxn id="33" idx="1"/>
+          </p:cNvCxnSpPr>
+          <p:nvPr/>
+        </p:nvCxnSpPr>
+        <p:spPr>
+          <a:xfrm>
+            <a:off x="4281327" y="2807505"/>
+            <a:ext cx="755050" cy="1049460"/>
+          </a:xfrm>
+          <a:prstGeom prst="bentConnector3">
+            <a:avLst/>
+          </a:prstGeom>
+          <a:ln>
+            <a:tailEnd type="triangle"/>
+          </a:ln>
+        </p:spPr>
+        <p:style>
+          <a:lnRef idx="1">
+            <a:schemeClr val="accent1"/>
+          </a:lnRef>
+          <a:fillRef idx="0">
+            <a:schemeClr val="accent1"/>
+          </a:fillRef>
+          <a:effectRef idx="0">
+            <a:schemeClr val="accent1"/>
+          </a:effectRef>
+          <a:fontRef idx="minor">
+            <a:schemeClr val="tx1"/>
+          </a:fontRef>
+        </p:style>
+      </p:cxnSp>
+      <p:cxnSp>
+        <p:nvCxnSpPr>
+          <p:cNvPr id="13" name="Elbow Connector 12">
+            <a:extLst>
+              <a:ext uri="{FF2B5EF4-FFF2-40B4-BE49-F238E27FC236}">
+                <a16:creationId xmlns:a16="http://schemas.microsoft.com/office/drawing/2014/main" id="{93421866-C114-4E15-541E-9ED7741F0ABB}"/>
+              </a:ext>
+            </a:extLst>
+          </p:cNvPr>
+          <p:cNvCxnSpPr>
+            <a:stCxn id="3" idx="3"/>
+            <a:endCxn id="33" idx="1"/>
+          </p:cNvCxnSpPr>
+          <p:nvPr/>
+        </p:nvCxnSpPr>
+        <p:spPr>
+          <a:xfrm flipV="1">
+            <a:off x="4281327" y="3856965"/>
+            <a:ext cx="755050" cy="1115417"/>
+          </a:xfrm>
+          <a:prstGeom prst="bentConnector3">
+            <a:avLst/>
+          </a:prstGeom>
+          <a:ln>
+            <a:tailEnd type="triangle"/>
+          </a:ln>
+        </p:spPr>
+        <p:style>
+          <a:lnRef idx="1">
+            <a:schemeClr val="accent1"/>
+          </a:lnRef>
+          <a:fillRef idx="0">
+            <a:schemeClr val="accent1"/>
+          </a:fillRef>
+          <a:effectRef idx="0">
+            <a:schemeClr val="accent1"/>
+          </a:effectRef>
+          <a:fontRef idx="minor">
+            <a:schemeClr val="tx1"/>
+          </a:fontRef>
+        </p:style>
+      </p:cxnSp>
+    </p:spTree>
+    <p:extLst>
+      <p:ext uri="{BB962C8B-B14F-4D97-AF65-F5344CB8AC3E}">
+        <p14:creationId xmlns:p14="http://schemas.microsoft.com/office/powerpoint/2010/main" val="1608781081"/>
+      </p:ext>
+    </p:extLst>
+  </p:cSld>
+  <p:clrMapOvr>
+    <a:masterClrMapping/>
+  </p:clrMapOvr>
+</p:sld>
+</file>
+
+<file path=ppt/slides/slide28.xml><?xml version="1.0" encoding="utf-8"?>
+<p:sld xmlns:a="http://schemas.openxmlformats.org/drawingml/2006/main" xmlns:r="http://schemas.openxmlformats.org/officeDocument/2006/relationships" xmlns:p="http://schemas.openxmlformats.org/presentationml/2006/main">
+  <p:cSld>
+    <p:spTree>
+      <p:nvGrpSpPr>
+        <p:cNvPr id="1" name=""/>
+        <p:cNvGrpSpPr/>
+        <p:nvPr/>
+      </p:nvGrpSpPr>
+      <p:grpSpPr>
+        <a:xfrm>
+          <a:off x="0" y="0"/>
+          <a:ext cx="0" cy="0"/>
+          <a:chOff x="0" y="0"/>
+          <a:chExt cx="0" cy="0"/>
+        </a:xfrm>
+      </p:grpSpPr>
+      <p:sp>
+        <p:nvSpPr>
           <p:cNvPr id="5" name="Title 4">
             <a:extLst>
               <a:ext uri="{FF2B5EF4-FFF2-40B4-BE49-F238E27FC236}">
@@ -7984,7 +8460,7 @@
 </p:sld>
 </file>
 
-<file path=ppt/slides/slide24.xml><?xml version="1.0" encoding="utf-8"?>
+<file path=ppt/slides/slide29.xml><?xml version="1.0" encoding="utf-8"?>
 <p:sld xmlns:a="http://schemas.openxmlformats.org/drawingml/2006/main" xmlns:r="http://schemas.openxmlformats.org/officeDocument/2006/relationships" xmlns:p="http://schemas.openxmlformats.org/presentationml/2006/main">
   <p:cSld>
     <p:spTree>
